--- a/sketches.pptx
+++ b/sketches.pptx
@@ -5,10 +5,12 @@
     <p:sldMasterId id="2147483648" r:id="rId1"/>
   </p:sldMasterIdLst>
   <p:sldIdLst>
-    <p:sldId id="258" r:id="rId2"/>
-    <p:sldId id="259" r:id="rId3"/>
-    <p:sldId id="256" r:id="rId4"/>
-    <p:sldId id="257" r:id="rId5"/>
+    <p:sldId id="260" r:id="rId2"/>
+    <p:sldId id="261" r:id="rId3"/>
+    <p:sldId id="258" r:id="rId4"/>
+    <p:sldId id="259" r:id="rId5"/>
+    <p:sldId id="256" r:id="rId6"/>
+    <p:sldId id="257" r:id="rId7"/>
   </p:sldIdLst>
   <p:sldSz cx="12192000" cy="6858000"/>
   <p:notesSz cx="6858000" cy="9144000"/>
@@ -107,6 +109,11 @@
       </a:defRPr>
     </a:lvl9pPr>
   </p:defaultTextStyle>
+  <p:extLst>
+    <p:ext uri="{EFAFB233-063F-42B5-8137-9DF3F51BA10A}">
+      <p15:sldGuideLst xmlns:p15="http://schemas.microsoft.com/office/powerpoint/2012/main"/>
+    </p:ext>
+  </p:extLst>
 </p:presentation>
 </file>
 
@@ -257,7 +264,7 @@
           <a:p>
             <a:fld id="{25E08D22-8ABF-4F25-8268-5655165803FF}" type="datetimeFigureOut">
               <a:rPr lang="en-US" smtClean="0"/>
-              <a:t>5/21/2020</a:t>
+              <a:t>5/23/2020</a:t>
             </a:fld>
             <a:endParaRPr lang="en-US"/>
           </a:p>
@@ -455,7 +462,7 @@
           <a:p>
             <a:fld id="{25E08D22-8ABF-4F25-8268-5655165803FF}" type="datetimeFigureOut">
               <a:rPr lang="en-US" smtClean="0"/>
-              <a:t>5/21/2020</a:t>
+              <a:t>5/23/2020</a:t>
             </a:fld>
             <a:endParaRPr lang="en-US"/>
           </a:p>
@@ -663,7 +670,7 @@
           <a:p>
             <a:fld id="{25E08D22-8ABF-4F25-8268-5655165803FF}" type="datetimeFigureOut">
               <a:rPr lang="en-US" smtClean="0"/>
-              <a:t>5/21/2020</a:t>
+              <a:t>5/23/2020</a:t>
             </a:fld>
             <a:endParaRPr lang="en-US"/>
           </a:p>
@@ -861,7 +868,7 @@
           <a:p>
             <a:fld id="{25E08D22-8ABF-4F25-8268-5655165803FF}" type="datetimeFigureOut">
               <a:rPr lang="en-US" smtClean="0"/>
-              <a:t>5/21/2020</a:t>
+              <a:t>5/23/2020</a:t>
             </a:fld>
             <a:endParaRPr lang="en-US"/>
           </a:p>
@@ -1136,7 +1143,7 @@
           <a:p>
             <a:fld id="{25E08D22-8ABF-4F25-8268-5655165803FF}" type="datetimeFigureOut">
               <a:rPr lang="en-US" smtClean="0"/>
-              <a:t>5/21/2020</a:t>
+              <a:t>5/23/2020</a:t>
             </a:fld>
             <a:endParaRPr lang="en-US"/>
           </a:p>
@@ -1401,7 +1408,7 @@
           <a:p>
             <a:fld id="{25E08D22-8ABF-4F25-8268-5655165803FF}" type="datetimeFigureOut">
               <a:rPr lang="en-US" smtClean="0"/>
-              <a:t>5/21/2020</a:t>
+              <a:t>5/23/2020</a:t>
             </a:fld>
             <a:endParaRPr lang="en-US"/>
           </a:p>
@@ -1813,7 +1820,7 @@
           <a:p>
             <a:fld id="{25E08D22-8ABF-4F25-8268-5655165803FF}" type="datetimeFigureOut">
               <a:rPr lang="en-US" smtClean="0"/>
-              <a:t>5/21/2020</a:t>
+              <a:t>5/23/2020</a:t>
             </a:fld>
             <a:endParaRPr lang="en-US"/>
           </a:p>
@@ -1954,7 +1961,7 @@
           <a:p>
             <a:fld id="{25E08D22-8ABF-4F25-8268-5655165803FF}" type="datetimeFigureOut">
               <a:rPr lang="en-US" smtClean="0"/>
-              <a:t>5/21/2020</a:t>
+              <a:t>5/23/2020</a:t>
             </a:fld>
             <a:endParaRPr lang="en-US"/>
           </a:p>
@@ -2067,7 +2074,7 @@
           <a:p>
             <a:fld id="{25E08D22-8ABF-4F25-8268-5655165803FF}" type="datetimeFigureOut">
               <a:rPr lang="en-US" smtClean="0"/>
-              <a:t>5/21/2020</a:t>
+              <a:t>5/23/2020</a:t>
             </a:fld>
             <a:endParaRPr lang="en-US"/>
           </a:p>
@@ -2378,7 +2385,7 @@
           <a:p>
             <a:fld id="{25E08D22-8ABF-4F25-8268-5655165803FF}" type="datetimeFigureOut">
               <a:rPr lang="en-US" smtClean="0"/>
-              <a:t>5/21/2020</a:t>
+              <a:t>5/23/2020</a:t>
             </a:fld>
             <a:endParaRPr lang="en-US"/>
           </a:p>
@@ -2666,7 +2673,7 @@
           <a:p>
             <a:fld id="{25E08D22-8ABF-4F25-8268-5655165803FF}" type="datetimeFigureOut">
               <a:rPr lang="en-US" smtClean="0"/>
-              <a:t>5/21/2020</a:t>
+              <a:t>5/23/2020</a:t>
             </a:fld>
             <a:endParaRPr lang="en-US"/>
           </a:p>
@@ -2907,7 +2914,7 @@
           <a:p>
             <a:fld id="{25E08D22-8ABF-4F25-8268-5655165803FF}" type="datetimeFigureOut">
               <a:rPr lang="en-US" smtClean="0"/>
-              <a:t>5/21/2020</a:t>
+              <a:t>5/23/2020</a:t>
             </a:fld>
             <a:endParaRPr lang="en-US"/>
           </a:p>
@@ -3324,6 +3331,3740 @@
           <a:chExt cx="0" cy="0"/>
         </a:xfrm>
       </p:grpSpPr>
+      <p:sp>
+        <p:nvSpPr>
+          <p:cNvPr id="2" name="Title 1">
+            <a:extLst>
+              <a:ext uri="{FF2B5EF4-FFF2-40B4-BE49-F238E27FC236}">
+                <a16:creationId xmlns:a16="http://schemas.microsoft.com/office/drawing/2014/main" id="{2D16427A-47C6-441D-BD42-361307F2FE4E}"/>
+              </a:ext>
+            </a:extLst>
+          </p:cNvPr>
+          <p:cNvSpPr>
+            <a:spLocks noGrp="1"/>
+          </p:cNvSpPr>
+          <p:nvPr>
+            <p:ph type="title"/>
+          </p:nvPr>
+        </p:nvSpPr>
+        <p:spPr/>
+        <p:txBody>
+          <a:bodyPr/>
+          <a:lstStyle/>
+          <a:p>
+            <a:r>
+              <a:rPr lang="en-US" dirty="0"/>
+              <a:t>Pages</a:t>
+            </a:r>
+          </a:p>
+        </p:txBody>
+      </p:sp>
+      <p:sp>
+        <p:nvSpPr>
+          <p:cNvPr id="3" name="Content Placeholder 2">
+            <a:extLst>
+              <a:ext uri="{FF2B5EF4-FFF2-40B4-BE49-F238E27FC236}">
+                <a16:creationId xmlns:a16="http://schemas.microsoft.com/office/drawing/2014/main" id="{392835C1-2B56-4771-A704-2A14BB4297FC}"/>
+              </a:ext>
+            </a:extLst>
+          </p:cNvPr>
+          <p:cNvSpPr>
+            <a:spLocks noGrp="1"/>
+          </p:cNvSpPr>
+          <p:nvPr>
+            <p:ph idx="1"/>
+          </p:nvPr>
+        </p:nvSpPr>
+        <p:spPr/>
+        <p:txBody>
+          <a:bodyPr/>
+          <a:lstStyle/>
+          <a:p>
+            <a:r>
+              <a:rPr lang="en-US" dirty="0"/>
+              <a:t>Lading Page: Dashboard</a:t>
+            </a:r>
+          </a:p>
+          <a:p>
+            <a:pPr lvl="1"/>
+            <a:r>
+              <a:rPr lang="en-US" dirty="0"/>
+              <a:t>Demographics</a:t>
+            </a:r>
+          </a:p>
+          <a:p>
+            <a:pPr lvl="1"/>
+            <a:r>
+              <a:rPr lang="en-US" dirty="0"/>
+              <a:t>Offense Category</a:t>
+            </a:r>
+          </a:p>
+          <a:p>
+            <a:pPr lvl="1"/>
+            <a:r>
+              <a:rPr lang="en-US" dirty="0"/>
+              <a:t>Length of case</a:t>
+            </a:r>
+          </a:p>
+          <a:p>
+            <a:pPr lvl="1"/>
+            <a:r>
+              <a:rPr lang="en-US" dirty="0"/>
+              <a:t>Courts</a:t>
+            </a:r>
+          </a:p>
+          <a:p>
+            <a:r>
+              <a:rPr lang="en-US" dirty="0"/>
+              <a:t>About: description of the project and us</a:t>
+            </a:r>
+          </a:p>
+          <a:p>
+            <a:r>
+              <a:rPr lang="en-US" dirty="0"/>
+              <a:t>Data: Table mini description of data</a:t>
+            </a:r>
+          </a:p>
+          <a:p>
+            <a:r>
+              <a:rPr lang="en-US" dirty="0"/>
+              <a:t>Map: Map of the county (total cases, percentage of offense category [80%/20%])</a:t>
+            </a:r>
+          </a:p>
+        </p:txBody>
+      </p:sp>
+    </p:spTree>
+    <p:extLst>
+      <p:ext uri="{BB962C8B-B14F-4D97-AF65-F5344CB8AC3E}">
+        <p14:creationId xmlns:p14="http://schemas.microsoft.com/office/powerpoint/2010/main" val="2257904442"/>
+      </p:ext>
+    </p:extLst>
+  </p:cSld>
+  <p:clrMapOvr>
+    <a:masterClrMapping/>
+  </p:clrMapOvr>
+</p:sld>
+</file>
+
+<file path=ppt/slides/slide2.xml><?xml version="1.0" encoding="utf-8"?>
+<p:sld xmlns:a="http://schemas.openxmlformats.org/drawingml/2006/main" xmlns:r="http://schemas.openxmlformats.org/officeDocument/2006/relationships" xmlns:p="http://schemas.openxmlformats.org/presentationml/2006/main">
+  <p:cSld>
+    <p:spTree>
+      <p:nvGrpSpPr>
+        <p:cNvPr id="1" name=""/>
+        <p:cNvGrpSpPr/>
+        <p:nvPr/>
+      </p:nvGrpSpPr>
+      <p:grpSpPr>
+        <a:xfrm>
+          <a:off x="0" y="0"/>
+          <a:ext cx="0" cy="0"/>
+          <a:chOff x="0" y="0"/>
+          <a:chExt cx="0" cy="0"/>
+        </a:xfrm>
+      </p:grpSpPr>
+      <p:sp>
+        <p:nvSpPr>
+          <p:cNvPr id="2" name="Title 1">
+            <a:extLst>
+              <a:ext uri="{FF2B5EF4-FFF2-40B4-BE49-F238E27FC236}">
+                <a16:creationId xmlns:a16="http://schemas.microsoft.com/office/drawing/2014/main" id="{15FA1F91-4BD3-45D8-B1A1-07E889728899}"/>
+              </a:ext>
+            </a:extLst>
+          </p:cNvPr>
+          <p:cNvSpPr>
+            <a:spLocks noGrp="1"/>
+          </p:cNvSpPr>
+          <p:nvPr>
+            <p:ph type="title"/>
+          </p:nvPr>
+        </p:nvSpPr>
+        <p:spPr/>
+        <p:txBody>
+          <a:bodyPr/>
+          <a:lstStyle/>
+          <a:p>
+            <a:r>
+              <a:rPr lang="en-US" dirty="0"/>
+              <a:t>Charts</a:t>
+            </a:r>
+          </a:p>
+        </p:txBody>
+      </p:sp>
+      <p:graphicFrame>
+        <p:nvGraphicFramePr>
+          <p:cNvPr id="4" name="Content Placeholder 3">
+            <a:extLst>
+              <a:ext uri="{FF2B5EF4-FFF2-40B4-BE49-F238E27FC236}">
+                <a16:creationId xmlns:a16="http://schemas.microsoft.com/office/drawing/2014/main" id="{7F3328D4-DD29-405C-8F7E-E94645B8ACC9}"/>
+              </a:ext>
+            </a:extLst>
+          </p:cNvPr>
+          <p:cNvGraphicFramePr>
+            <a:graphicFrameLocks noGrp="1"/>
+          </p:cNvGraphicFramePr>
+          <p:nvPr>
+            <p:ph idx="1"/>
+          </p:nvPr>
+        </p:nvGraphicFramePr>
+        <p:xfrm>
+          <a:off x="889000" y="2876391"/>
+          <a:ext cx="10414000" cy="2249805"/>
+        </p:xfrm>
+        <a:graphic>
+          <a:graphicData uri="http://schemas.openxmlformats.org/drawingml/2006/table">
+            <a:tbl>
+              <a:tblPr/>
+              <a:tblGrid>
+                <a:gridCol w="1665859">
+                  <a:extLst>
+                    <a:ext uri="{9D8B030D-6E8A-4147-A177-3AD203B41FA5}">
+                      <a16:colId xmlns:a16="http://schemas.microsoft.com/office/drawing/2014/main" val="690787118"/>
+                    </a:ext>
+                  </a:extLst>
+                </a:gridCol>
+                <a:gridCol w="1484995">
+                  <a:extLst>
+                    <a:ext uri="{9D8B030D-6E8A-4147-A177-3AD203B41FA5}">
+                      <a16:colId xmlns:a16="http://schemas.microsoft.com/office/drawing/2014/main" val="750064233"/>
+                    </a:ext>
+                  </a:extLst>
+                </a:gridCol>
+                <a:gridCol w="1916531">
+                  <a:extLst>
+                    <a:ext uri="{9D8B030D-6E8A-4147-A177-3AD203B41FA5}">
+                      <a16:colId xmlns:a16="http://schemas.microsoft.com/office/drawing/2014/main" val="2105501645"/>
+                    </a:ext>
+                  </a:extLst>
+                </a:gridCol>
+                <a:gridCol w="1662686">
+                  <a:extLst>
+                    <a:ext uri="{9D8B030D-6E8A-4147-A177-3AD203B41FA5}">
+                      <a16:colId xmlns:a16="http://schemas.microsoft.com/office/drawing/2014/main" val="1977887359"/>
+                    </a:ext>
+                  </a:extLst>
+                </a:gridCol>
+                <a:gridCol w="596536">
+                  <a:extLst>
+                    <a:ext uri="{9D8B030D-6E8A-4147-A177-3AD203B41FA5}">
+                      <a16:colId xmlns:a16="http://schemas.microsoft.com/office/drawing/2014/main" val="906656688"/>
+                    </a:ext>
+                  </a:extLst>
+                </a:gridCol>
+                <a:gridCol w="1307303">
+                  <a:extLst>
+                    <a:ext uri="{9D8B030D-6E8A-4147-A177-3AD203B41FA5}">
+                      <a16:colId xmlns:a16="http://schemas.microsoft.com/office/drawing/2014/main" val="2019976033"/>
+                    </a:ext>
+                  </a:extLst>
+                </a:gridCol>
+                <a:gridCol w="675863">
+                  <a:extLst>
+                    <a:ext uri="{9D8B030D-6E8A-4147-A177-3AD203B41FA5}">
+                      <a16:colId xmlns:a16="http://schemas.microsoft.com/office/drawing/2014/main" val="4067438892"/>
+                    </a:ext>
+                  </a:extLst>
+                </a:gridCol>
+                <a:gridCol w="1104227">
+                  <a:extLst>
+                    <a:ext uri="{9D8B030D-6E8A-4147-A177-3AD203B41FA5}">
+                      <a16:colId xmlns:a16="http://schemas.microsoft.com/office/drawing/2014/main" val="2981415886"/>
+                    </a:ext>
+                  </a:extLst>
+                </a:gridCol>
+              </a:tblGrid>
+              <a:tr h="190500">
+                <a:tc>
+                  <a:txBody>
+                    <a:bodyPr/>
+                    <a:lstStyle/>
+                    <a:p>
+                      <a:pPr algn="ctr" fontAlgn="ctr"/>
+                      <a:r>
+                        <a:rPr lang="en-US" sz="1100" b="1" i="0" u="none" strike="noStrike">
+                          <a:solidFill>
+                            <a:srgbClr val="FFFFFF"/>
+                          </a:solidFill>
+                          <a:effectLst/>
+                          <a:latin typeface="Calibri" panose="020F0502020204030204" pitchFamily="34" charset="0"/>
+                        </a:rPr>
+                        <a:t>Data 1</a:t>
+                      </a:r>
+                    </a:p>
+                  </a:txBody>
+                  <a:tcPr marL="9525" marR="9525" marT="9525" marB="0" anchor="ctr">
+                    <a:lnL w="6350" cap="flat" cmpd="sng" algn="ctr">
+                      <a:solidFill>
+                        <a:srgbClr val="000000"/>
+                      </a:solidFill>
+                      <a:prstDash val="solid"/>
+                      <a:round/>
+                      <a:headEnd type="none" w="med" len="med"/>
+                      <a:tailEnd type="none" w="med" len="med"/>
+                    </a:lnL>
+                    <a:lnR>
+                      <a:noFill/>
+                    </a:lnR>
+                    <a:lnT w="6350" cap="flat" cmpd="sng" algn="ctr">
+                      <a:solidFill>
+                        <a:srgbClr val="000000"/>
+                      </a:solidFill>
+                      <a:prstDash val="solid"/>
+                      <a:round/>
+                      <a:headEnd type="none" w="med" len="med"/>
+                      <a:tailEnd type="none" w="med" len="med"/>
+                    </a:lnT>
+                    <a:lnB w="12700" cap="flat" cmpd="sng" algn="ctr">
+                      <a:solidFill>
+                        <a:srgbClr val="000000"/>
+                      </a:solidFill>
+                      <a:prstDash val="solid"/>
+                      <a:round/>
+                      <a:headEnd type="none" w="med" len="med"/>
+                      <a:tailEnd type="none" w="med" len="med"/>
+                    </a:lnB>
+                    <a:solidFill>
+                      <a:srgbClr val="4472C4"/>
+                    </a:solidFill>
+                  </a:tcPr>
+                </a:tc>
+                <a:tc>
+                  <a:txBody>
+                    <a:bodyPr/>
+                    <a:lstStyle/>
+                    <a:p>
+                      <a:pPr algn="ctr" fontAlgn="ctr"/>
+                      <a:r>
+                        <a:rPr lang="en-US" sz="1100" b="1" i="0" u="none" strike="noStrike">
+                          <a:solidFill>
+                            <a:srgbClr val="FFFFFF"/>
+                          </a:solidFill>
+                          <a:effectLst/>
+                          <a:latin typeface="Calibri" panose="020F0502020204030204" pitchFamily="34" charset="0"/>
+                        </a:rPr>
+                        <a:t>Data 2</a:t>
+                      </a:r>
+                    </a:p>
+                  </a:txBody>
+                  <a:tcPr marL="9525" marR="9525" marT="9525" marB="0" anchor="ctr">
+                    <a:lnL>
+                      <a:noFill/>
+                    </a:lnL>
+                    <a:lnR>
+                      <a:noFill/>
+                    </a:lnR>
+                    <a:lnT w="6350" cap="flat" cmpd="sng" algn="ctr">
+                      <a:solidFill>
+                        <a:srgbClr val="000000"/>
+                      </a:solidFill>
+                      <a:prstDash val="solid"/>
+                      <a:round/>
+                      <a:headEnd type="none" w="med" len="med"/>
+                      <a:tailEnd type="none" w="med" len="med"/>
+                    </a:lnT>
+                    <a:lnB w="12700" cap="flat" cmpd="sng" algn="ctr">
+                      <a:solidFill>
+                        <a:srgbClr val="000000"/>
+                      </a:solidFill>
+                      <a:prstDash val="solid"/>
+                      <a:round/>
+                      <a:headEnd type="none" w="med" len="med"/>
+                      <a:tailEnd type="none" w="med" len="med"/>
+                    </a:lnB>
+                    <a:solidFill>
+                      <a:srgbClr val="4472C4"/>
+                    </a:solidFill>
+                  </a:tcPr>
+                </a:tc>
+                <a:tc>
+                  <a:txBody>
+                    <a:bodyPr/>
+                    <a:lstStyle/>
+                    <a:p>
+                      <a:pPr algn="ctr" fontAlgn="ctr"/>
+                      <a:r>
+                        <a:rPr lang="en-US" sz="1100" b="1" i="0" u="none" strike="noStrike">
+                          <a:solidFill>
+                            <a:srgbClr val="FFFFFF"/>
+                          </a:solidFill>
+                          <a:effectLst/>
+                          <a:latin typeface="Calibri" panose="020F0502020204030204" pitchFamily="34" charset="0"/>
+                        </a:rPr>
+                        <a:t>Data 3</a:t>
+                      </a:r>
+                    </a:p>
+                  </a:txBody>
+                  <a:tcPr marL="9525" marR="9525" marT="9525" marB="0" anchor="ctr">
+                    <a:lnL>
+                      <a:noFill/>
+                    </a:lnL>
+                    <a:lnR>
+                      <a:noFill/>
+                    </a:lnR>
+                    <a:lnT w="6350" cap="flat" cmpd="sng" algn="ctr">
+                      <a:solidFill>
+                        <a:srgbClr val="000000"/>
+                      </a:solidFill>
+                      <a:prstDash val="solid"/>
+                      <a:round/>
+                      <a:headEnd type="none" w="med" len="med"/>
+                      <a:tailEnd type="none" w="med" len="med"/>
+                    </a:lnT>
+                    <a:lnB w="12700" cap="flat" cmpd="sng" algn="ctr">
+                      <a:solidFill>
+                        <a:srgbClr val="000000"/>
+                      </a:solidFill>
+                      <a:prstDash val="solid"/>
+                      <a:round/>
+                      <a:headEnd type="none" w="med" len="med"/>
+                      <a:tailEnd type="none" w="med" len="med"/>
+                    </a:lnB>
+                    <a:solidFill>
+                      <a:srgbClr val="4472C4"/>
+                    </a:solidFill>
+                  </a:tcPr>
+                </a:tc>
+                <a:tc>
+                  <a:txBody>
+                    <a:bodyPr/>
+                    <a:lstStyle/>
+                    <a:p>
+                      <a:pPr algn="ctr" fontAlgn="ctr"/>
+                      <a:r>
+                        <a:rPr lang="en-US" sz="1100" b="1" i="0" u="none" strike="noStrike">
+                          <a:solidFill>
+                            <a:srgbClr val="FFFFFF"/>
+                          </a:solidFill>
+                          <a:effectLst/>
+                          <a:latin typeface="Calibri" panose="020F0502020204030204" pitchFamily="34" charset="0"/>
+                        </a:rPr>
+                        <a:t>Data 4</a:t>
+                      </a:r>
+                    </a:p>
+                  </a:txBody>
+                  <a:tcPr marL="9525" marR="9525" marT="9525" marB="0" anchor="ctr">
+                    <a:lnL>
+                      <a:noFill/>
+                    </a:lnL>
+                    <a:lnR>
+                      <a:noFill/>
+                    </a:lnR>
+                    <a:lnT w="6350" cap="flat" cmpd="sng" algn="ctr">
+                      <a:solidFill>
+                        <a:srgbClr val="000000"/>
+                      </a:solidFill>
+                      <a:prstDash val="solid"/>
+                      <a:round/>
+                      <a:headEnd type="none" w="med" len="med"/>
+                      <a:tailEnd type="none" w="med" len="med"/>
+                    </a:lnT>
+                    <a:lnB w="12700" cap="flat" cmpd="sng" algn="ctr">
+                      <a:solidFill>
+                        <a:srgbClr val="000000"/>
+                      </a:solidFill>
+                      <a:prstDash val="solid"/>
+                      <a:round/>
+                      <a:headEnd type="none" w="med" len="med"/>
+                      <a:tailEnd type="none" w="med" len="med"/>
+                    </a:lnB>
+                    <a:solidFill>
+                      <a:srgbClr val="4472C4"/>
+                    </a:solidFill>
+                  </a:tcPr>
+                </a:tc>
+                <a:tc>
+                  <a:txBody>
+                    <a:bodyPr/>
+                    <a:lstStyle/>
+                    <a:p>
+                      <a:pPr algn="ctr" fontAlgn="ctr"/>
+                      <a:r>
+                        <a:rPr lang="en-US" sz="1100" b="1" i="0" u="none" strike="noStrike">
+                          <a:solidFill>
+                            <a:srgbClr val="FFFFFF"/>
+                          </a:solidFill>
+                          <a:effectLst/>
+                          <a:latin typeface="Calibri" panose="020F0502020204030204" pitchFamily="34" charset="0"/>
+                        </a:rPr>
+                        <a:t>Data 5</a:t>
+                      </a:r>
+                    </a:p>
+                  </a:txBody>
+                  <a:tcPr marL="9525" marR="9525" marT="9525" marB="0" anchor="ctr">
+                    <a:lnL>
+                      <a:noFill/>
+                    </a:lnL>
+                    <a:lnR>
+                      <a:noFill/>
+                    </a:lnR>
+                    <a:lnT w="6350" cap="flat" cmpd="sng" algn="ctr">
+                      <a:solidFill>
+                        <a:srgbClr val="000000"/>
+                      </a:solidFill>
+                      <a:prstDash val="solid"/>
+                      <a:round/>
+                      <a:headEnd type="none" w="med" len="med"/>
+                      <a:tailEnd type="none" w="med" len="med"/>
+                    </a:lnT>
+                    <a:lnB w="12700" cap="flat" cmpd="sng" algn="ctr">
+                      <a:solidFill>
+                        <a:srgbClr val="000000"/>
+                      </a:solidFill>
+                      <a:prstDash val="solid"/>
+                      <a:round/>
+                      <a:headEnd type="none" w="med" len="med"/>
+                      <a:tailEnd type="none" w="med" len="med"/>
+                    </a:lnB>
+                    <a:solidFill>
+                      <a:srgbClr val="4472C4"/>
+                    </a:solidFill>
+                  </a:tcPr>
+                </a:tc>
+                <a:tc>
+                  <a:txBody>
+                    <a:bodyPr/>
+                    <a:lstStyle/>
+                    <a:p>
+                      <a:pPr algn="ctr" fontAlgn="ctr"/>
+                      <a:r>
+                        <a:rPr lang="en-US" sz="1100" b="1" i="0" u="none" strike="noStrike">
+                          <a:solidFill>
+                            <a:srgbClr val="FFFFFF"/>
+                          </a:solidFill>
+                          <a:effectLst/>
+                          <a:latin typeface="Calibri" panose="020F0502020204030204" pitchFamily="34" charset="0"/>
+                        </a:rPr>
+                        <a:t>Type of chart</a:t>
+                      </a:r>
+                    </a:p>
+                  </a:txBody>
+                  <a:tcPr marL="9525" marR="9525" marT="9525" marB="0" anchor="ctr">
+                    <a:lnL>
+                      <a:noFill/>
+                    </a:lnL>
+                    <a:lnR w="6350" cap="flat" cmpd="sng" algn="ctr">
+                      <a:solidFill>
+                        <a:srgbClr val="000000"/>
+                      </a:solidFill>
+                      <a:prstDash val="solid"/>
+                      <a:round/>
+                      <a:headEnd type="none" w="med" len="med"/>
+                      <a:tailEnd type="none" w="med" len="med"/>
+                    </a:lnR>
+                    <a:lnT w="6350" cap="flat" cmpd="sng" algn="ctr">
+                      <a:solidFill>
+                        <a:srgbClr val="000000"/>
+                      </a:solidFill>
+                      <a:prstDash val="solid"/>
+                      <a:round/>
+                      <a:headEnd type="none" w="med" len="med"/>
+                      <a:tailEnd type="none" w="med" len="med"/>
+                    </a:lnT>
+                    <a:lnB w="12700" cap="flat" cmpd="sng" algn="ctr">
+                      <a:solidFill>
+                        <a:srgbClr val="000000"/>
+                      </a:solidFill>
+                      <a:prstDash val="solid"/>
+                      <a:round/>
+                      <a:headEnd type="none" w="med" len="med"/>
+                      <a:tailEnd type="none" w="med" len="med"/>
+                    </a:lnB>
+                    <a:solidFill>
+                      <a:srgbClr val="4472C4"/>
+                    </a:solidFill>
+                  </a:tcPr>
+                </a:tc>
+                <a:tc>
+                  <a:txBody>
+                    <a:bodyPr/>
+                    <a:lstStyle/>
+                    <a:p>
+                      <a:pPr algn="ctr" fontAlgn="ctr"/>
+                      <a:r>
+                        <a:rPr lang="en-US" sz="1100" b="1" i="0" u="none" strike="noStrike">
+                          <a:solidFill>
+                            <a:srgbClr val="FFFFFF"/>
+                          </a:solidFill>
+                          <a:effectLst/>
+                          <a:latin typeface="Calibri" panose="020F0502020204030204" pitchFamily="34" charset="0"/>
+                        </a:rPr>
+                        <a:t>Landing</a:t>
+                      </a:r>
+                    </a:p>
+                  </a:txBody>
+                  <a:tcPr marL="9525" marR="9525" marT="9525" marB="0" anchor="ctr">
+                    <a:lnL w="6350" cap="flat" cmpd="sng" algn="ctr">
+                      <a:solidFill>
+                        <a:srgbClr val="000000"/>
+                      </a:solidFill>
+                      <a:prstDash val="solid"/>
+                      <a:round/>
+                      <a:headEnd type="none" w="med" len="med"/>
+                      <a:tailEnd type="none" w="med" len="med"/>
+                    </a:lnL>
+                    <a:lnR w="6350" cap="flat" cmpd="sng" algn="ctr">
+                      <a:solidFill>
+                        <a:srgbClr val="000000"/>
+                      </a:solidFill>
+                      <a:prstDash val="solid"/>
+                      <a:round/>
+                      <a:headEnd type="none" w="med" len="med"/>
+                      <a:tailEnd type="none" w="med" len="med"/>
+                    </a:lnR>
+                    <a:lnT w="6350" cap="flat" cmpd="sng" algn="ctr">
+                      <a:solidFill>
+                        <a:srgbClr val="000000"/>
+                      </a:solidFill>
+                      <a:prstDash val="solid"/>
+                      <a:round/>
+                      <a:headEnd type="none" w="med" len="med"/>
+                      <a:tailEnd type="none" w="med" len="med"/>
+                    </a:lnT>
+                    <a:lnB w="6350" cap="flat" cmpd="sng" algn="ctr">
+                      <a:solidFill>
+                        <a:srgbClr val="000000"/>
+                      </a:solidFill>
+                      <a:prstDash val="solid"/>
+                      <a:round/>
+                      <a:headEnd type="none" w="med" len="med"/>
+                      <a:tailEnd type="none" w="med" len="med"/>
+                    </a:lnB>
+                    <a:solidFill>
+                      <a:srgbClr val="4472C4"/>
+                    </a:solidFill>
+                  </a:tcPr>
+                </a:tc>
+                <a:tc>
+                  <a:txBody>
+                    <a:bodyPr/>
+                    <a:lstStyle/>
+                    <a:p>
+                      <a:pPr algn="ctr" fontAlgn="ctr"/>
+                      <a:r>
+                        <a:rPr lang="en-US" sz="1100" b="1" i="0" u="none" strike="noStrike">
+                          <a:solidFill>
+                            <a:srgbClr val="FFFFFF"/>
+                          </a:solidFill>
+                          <a:effectLst/>
+                          <a:latin typeface="Calibri" panose="020F0502020204030204" pitchFamily="34" charset="0"/>
+                        </a:rPr>
+                        <a:t>Speciffic page</a:t>
+                      </a:r>
+                    </a:p>
+                  </a:txBody>
+                  <a:tcPr marL="9525" marR="9525" marT="9525" marB="0" anchor="ctr">
+                    <a:lnL w="6350" cap="flat" cmpd="sng" algn="ctr">
+                      <a:solidFill>
+                        <a:srgbClr val="000000"/>
+                      </a:solidFill>
+                      <a:prstDash val="solid"/>
+                      <a:round/>
+                      <a:headEnd type="none" w="med" len="med"/>
+                      <a:tailEnd type="none" w="med" len="med"/>
+                    </a:lnL>
+                    <a:lnR w="6350" cap="flat" cmpd="sng" algn="ctr">
+                      <a:solidFill>
+                        <a:srgbClr val="000000"/>
+                      </a:solidFill>
+                      <a:prstDash val="solid"/>
+                      <a:round/>
+                      <a:headEnd type="none" w="med" len="med"/>
+                      <a:tailEnd type="none" w="med" len="med"/>
+                    </a:lnR>
+                    <a:lnT w="6350" cap="flat" cmpd="sng" algn="ctr">
+                      <a:solidFill>
+                        <a:srgbClr val="000000"/>
+                      </a:solidFill>
+                      <a:prstDash val="solid"/>
+                      <a:round/>
+                      <a:headEnd type="none" w="med" len="med"/>
+                      <a:tailEnd type="none" w="med" len="med"/>
+                    </a:lnT>
+                    <a:lnB w="6350" cap="flat" cmpd="sng" algn="ctr">
+                      <a:solidFill>
+                        <a:srgbClr val="000000"/>
+                      </a:solidFill>
+                      <a:prstDash val="solid"/>
+                      <a:round/>
+                      <a:headEnd type="none" w="med" len="med"/>
+                      <a:tailEnd type="none" w="med" len="med"/>
+                    </a:lnB>
+                    <a:solidFill>
+                      <a:srgbClr val="4472C4"/>
+                    </a:solidFill>
+                  </a:tcPr>
+                </a:tc>
+                <a:extLst>
+                  <a:ext uri="{0D108BD9-81ED-4DB2-BD59-A6C34878D82A}">
+                    <a16:rowId xmlns:a16="http://schemas.microsoft.com/office/drawing/2014/main" val="4280455846"/>
+                  </a:ext>
+                </a:extLst>
+              </a:tr>
+              <a:tr h="190500">
+                <a:tc>
+                  <a:txBody>
+                    <a:bodyPr/>
+                    <a:lstStyle/>
+                    <a:p>
+                      <a:pPr algn="ctr" fontAlgn="ctr"/>
+                      <a:r>
+                        <a:rPr lang="en-US" sz="1100" b="0" i="0" u="none" strike="noStrike">
+                          <a:solidFill>
+                            <a:srgbClr val="000000"/>
+                          </a:solidFill>
+                          <a:effectLst/>
+                          <a:latin typeface="Calibri" panose="020F0502020204030204" pitchFamily="34" charset="0"/>
+                        </a:rPr>
+                        <a:t>AGE_AT_INCIDENT</a:t>
+                      </a:r>
+                    </a:p>
+                  </a:txBody>
+                  <a:tcPr marL="9525" marR="9525" marT="9525" marB="0" anchor="ctr">
+                    <a:lnL w="6350" cap="flat" cmpd="sng" algn="ctr">
+                      <a:solidFill>
+                        <a:srgbClr val="000000"/>
+                      </a:solidFill>
+                      <a:prstDash val="solid"/>
+                      <a:round/>
+                      <a:headEnd type="none" w="med" len="med"/>
+                      <a:tailEnd type="none" w="med" len="med"/>
+                    </a:lnL>
+                    <a:lnR>
+                      <a:noFill/>
+                    </a:lnR>
+                    <a:lnT w="12700" cap="flat" cmpd="sng" algn="ctr">
+                      <a:solidFill>
+                        <a:srgbClr val="000000"/>
+                      </a:solidFill>
+                      <a:prstDash val="solid"/>
+                      <a:round/>
+                      <a:headEnd type="none" w="med" len="med"/>
+                      <a:tailEnd type="none" w="med" len="med"/>
+                    </a:lnT>
+                    <a:lnB>
+                      <a:noFill/>
+                    </a:lnB>
+                    <a:solidFill>
+                      <a:srgbClr val="D9D9D9"/>
+                    </a:solidFill>
+                  </a:tcPr>
+                </a:tc>
+                <a:tc>
+                  <a:txBody>
+                    <a:bodyPr/>
+                    <a:lstStyle/>
+                    <a:p>
+                      <a:pPr algn="ctr" fontAlgn="ctr"/>
+                      <a:r>
+                        <a:rPr lang="en-US" sz="1100" b="0" i="0" u="none" strike="noStrike">
+                          <a:solidFill>
+                            <a:srgbClr val="000000"/>
+                          </a:solidFill>
+                          <a:effectLst/>
+                          <a:latin typeface="Calibri" panose="020F0502020204030204" pitchFamily="34" charset="0"/>
+                        </a:rPr>
+                        <a:t>Court (filter)</a:t>
+                      </a:r>
+                    </a:p>
+                  </a:txBody>
+                  <a:tcPr marL="9525" marR="9525" marT="9525" marB="0" anchor="ctr">
+                    <a:lnL>
+                      <a:noFill/>
+                    </a:lnL>
+                    <a:lnR>
+                      <a:noFill/>
+                    </a:lnR>
+                    <a:lnT w="12700" cap="flat" cmpd="sng" algn="ctr">
+                      <a:solidFill>
+                        <a:srgbClr val="000000"/>
+                      </a:solidFill>
+                      <a:prstDash val="solid"/>
+                      <a:round/>
+                      <a:headEnd type="none" w="med" len="med"/>
+                      <a:tailEnd type="none" w="med" len="med"/>
+                    </a:lnT>
+                    <a:lnB>
+                      <a:noFill/>
+                    </a:lnB>
+                    <a:solidFill>
+                      <a:srgbClr val="D9D9D9"/>
+                    </a:solidFill>
+                  </a:tcPr>
+                </a:tc>
+                <a:tc>
+                  <a:txBody>
+                    <a:bodyPr/>
+                    <a:lstStyle/>
+                    <a:p>
+                      <a:pPr algn="ctr" fontAlgn="ctr"/>
+                      <a:r>
+                        <a:rPr lang="en-US" sz="1100" b="0" i="0" u="none" strike="noStrike">
+                          <a:solidFill>
+                            <a:srgbClr val="000000"/>
+                          </a:solidFill>
+                          <a:effectLst/>
+                          <a:latin typeface="Calibri" panose="020F0502020204030204" pitchFamily="34" charset="0"/>
+                        </a:rPr>
+                        <a:t>Offense (filter)</a:t>
+                      </a:r>
+                    </a:p>
+                  </a:txBody>
+                  <a:tcPr marL="9525" marR="9525" marT="9525" marB="0" anchor="ctr">
+                    <a:lnL>
+                      <a:noFill/>
+                    </a:lnL>
+                    <a:lnR>
+                      <a:noFill/>
+                    </a:lnR>
+                    <a:lnT w="12700" cap="flat" cmpd="sng" algn="ctr">
+                      <a:solidFill>
+                        <a:srgbClr val="000000"/>
+                      </a:solidFill>
+                      <a:prstDash val="solid"/>
+                      <a:round/>
+                      <a:headEnd type="none" w="med" len="med"/>
+                      <a:tailEnd type="none" w="med" len="med"/>
+                    </a:lnT>
+                    <a:lnB>
+                      <a:noFill/>
+                    </a:lnB>
+                    <a:solidFill>
+                      <a:srgbClr val="D9D9D9"/>
+                    </a:solidFill>
+                  </a:tcPr>
+                </a:tc>
+                <a:tc>
+                  <a:txBody>
+                    <a:bodyPr/>
+                    <a:lstStyle/>
+                    <a:p>
+                      <a:pPr algn="ctr" fontAlgn="ctr"/>
+                      <a:r>
+                        <a:rPr lang="en-US" sz="1100" b="0" i="0" u="none" strike="noStrike">
+                          <a:solidFill>
+                            <a:srgbClr val="000000"/>
+                          </a:solidFill>
+                          <a:effectLst/>
+                          <a:latin typeface="Calibri" panose="020F0502020204030204" pitchFamily="34" charset="0"/>
+                        </a:rPr>
+                        <a:t>Sentence (filter)</a:t>
+                      </a:r>
+                    </a:p>
+                  </a:txBody>
+                  <a:tcPr marL="9525" marR="9525" marT="9525" marB="0" anchor="ctr">
+                    <a:lnL>
+                      <a:noFill/>
+                    </a:lnL>
+                    <a:lnR>
+                      <a:noFill/>
+                    </a:lnR>
+                    <a:lnT w="12700" cap="flat" cmpd="sng" algn="ctr">
+                      <a:solidFill>
+                        <a:srgbClr val="000000"/>
+                      </a:solidFill>
+                      <a:prstDash val="solid"/>
+                      <a:round/>
+                      <a:headEnd type="none" w="med" len="med"/>
+                      <a:tailEnd type="none" w="med" len="med"/>
+                    </a:lnT>
+                    <a:lnB>
+                      <a:noFill/>
+                    </a:lnB>
+                    <a:solidFill>
+                      <a:srgbClr val="D9D9D9"/>
+                    </a:solidFill>
+                  </a:tcPr>
+                </a:tc>
+                <a:tc>
+                  <a:txBody>
+                    <a:bodyPr/>
+                    <a:lstStyle/>
+                    <a:p>
+                      <a:pPr algn="ctr" fontAlgn="ctr"/>
+                      <a:r>
+                        <a:rPr lang="en-US" sz="1100" b="0" i="0" u="none" strike="noStrike">
+                          <a:solidFill>
+                            <a:srgbClr val="000000"/>
+                          </a:solidFill>
+                          <a:effectLst/>
+                          <a:latin typeface="Calibri" panose="020F0502020204030204" pitchFamily="34" charset="0"/>
+                        </a:rPr>
+                        <a:t>ID</a:t>
+                      </a:r>
+                    </a:p>
+                  </a:txBody>
+                  <a:tcPr marL="9525" marR="9525" marT="9525" marB="0" anchor="ctr">
+                    <a:lnL>
+                      <a:noFill/>
+                    </a:lnL>
+                    <a:lnR>
+                      <a:noFill/>
+                    </a:lnR>
+                    <a:lnT w="12700" cap="flat" cmpd="sng" algn="ctr">
+                      <a:solidFill>
+                        <a:srgbClr val="000000"/>
+                      </a:solidFill>
+                      <a:prstDash val="solid"/>
+                      <a:round/>
+                      <a:headEnd type="none" w="med" len="med"/>
+                      <a:tailEnd type="none" w="med" len="med"/>
+                    </a:lnT>
+                    <a:lnB>
+                      <a:noFill/>
+                    </a:lnB>
+                    <a:solidFill>
+                      <a:srgbClr val="D9D9D9"/>
+                    </a:solidFill>
+                  </a:tcPr>
+                </a:tc>
+                <a:tc>
+                  <a:txBody>
+                    <a:bodyPr/>
+                    <a:lstStyle/>
+                    <a:p>
+                      <a:pPr algn="ctr" fontAlgn="ctr"/>
+                      <a:r>
+                        <a:rPr lang="en-US" sz="1100" b="0" i="0" u="none" strike="noStrike">
+                          <a:solidFill>
+                            <a:srgbClr val="000000"/>
+                          </a:solidFill>
+                          <a:effectLst/>
+                          <a:latin typeface="Calibri" panose="020F0502020204030204" pitchFamily="34" charset="0"/>
+                        </a:rPr>
+                        <a:t>Pie chart</a:t>
+                      </a:r>
+                    </a:p>
+                  </a:txBody>
+                  <a:tcPr marL="9525" marR="9525" marT="9525" marB="0" anchor="ctr">
+                    <a:lnL>
+                      <a:noFill/>
+                    </a:lnL>
+                    <a:lnR>
+                      <a:noFill/>
+                    </a:lnR>
+                    <a:lnT w="12700" cap="flat" cmpd="sng" algn="ctr">
+                      <a:solidFill>
+                        <a:srgbClr val="000000"/>
+                      </a:solidFill>
+                      <a:prstDash val="solid"/>
+                      <a:round/>
+                      <a:headEnd type="none" w="med" len="med"/>
+                      <a:tailEnd type="none" w="med" len="med"/>
+                    </a:lnT>
+                    <a:lnB>
+                      <a:noFill/>
+                    </a:lnB>
+                    <a:solidFill>
+                      <a:srgbClr val="D9D9D9"/>
+                    </a:solidFill>
+                  </a:tcPr>
+                </a:tc>
+                <a:tc>
+                  <a:txBody>
+                    <a:bodyPr/>
+                    <a:lstStyle/>
+                    <a:p>
+                      <a:pPr algn="ctr" fontAlgn="ctr"/>
+                      <a:r>
+                        <a:rPr lang="en-US" sz="1100" b="0" i="0" u="none" strike="noStrike">
+                          <a:solidFill>
+                            <a:srgbClr val="000000"/>
+                          </a:solidFill>
+                          <a:effectLst/>
+                          <a:latin typeface="Calibri" panose="020F0502020204030204" pitchFamily="34" charset="0"/>
+                        </a:rPr>
+                        <a:t>No</a:t>
+                      </a:r>
+                    </a:p>
+                  </a:txBody>
+                  <a:tcPr marL="9525" marR="9525" marT="9525" marB="0" anchor="ctr">
+                    <a:lnL>
+                      <a:noFill/>
+                    </a:lnL>
+                    <a:lnR>
+                      <a:noFill/>
+                    </a:lnR>
+                    <a:lnT w="6350" cap="flat" cmpd="sng" algn="ctr">
+                      <a:solidFill>
+                        <a:srgbClr val="000000"/>
+                      </a:solidFill>
+                      <a:prstDash val="solid"/>
+                      <a:round/>
+                      <a:headEnd type="none" w="med" len="med"/>
+                      <a:tailEnd type="none" w="med" len="med"/>
+                    </a:lnT>
+                    <a:lnB>
+                      <a:noFill/>
+                    </a:lnB>
+                    <a:solidFill>
+                      <a:srgbClr val="D9D9D9"/>
+                    </a:solidFill>
+                  </a:tcPr>
+                </a:tc>
+                <a:tc>
+                  <a:txBody>
+                    <a:bodyPr/>
+                    <a:lstStyle/>
+                    <a:p>
+                      <a:pPr algn="ctr" fontAlgn="ctr"/>
+                      <a:r>
+                        <a:rPr lang="en-US" sz="1100" b="0" i="0" u="none" strike="noStrike">
+                          <a:solidFill>
+                            <a:srgbClr val="000000"/>
+                          </a:solidFill>
+                          <a:effectLst/>
+                          <a:latin typeface="Calibri" panose="020F0502020204030204" pitchFamily="34" charset="0"/>
+                        </a:rPr>
+                        <a:t>Demographic</a:t>
+                      </a:r>
+                    </a:p>
+                  </a:txBody>
+                  <a:tcPr marL="9525" marR="9525" marT="9525" marB="0" anchor="ctr">
+                    <a:lnL>
+                      <a:noFill/>
+                    </a:lnL>
+                    <a:lnR w="6350" cap="flat" cmpd="sng" algn="ctr">
+                      <a:solidFill>
+                        <a:srgbClr val="000000"/>
+                      </a:solidFill>
+                      <a:prstDash val="solid"/>
+                      <a:round/>
+                      <a:headEnd type="none" w="med" len="med"/>
+                      <a:tailEnd type="none" w="med" len="med"/>
+                    </a:lnR>
+                    <a:lnT w="6350" cap="flat" cmpd="sng" algn="ctr">
+                      <a:solidFill>
+                        <a:srgbClr val="000000"/>
+                      </a:solidFill>
+                      <a:prstDash val="solid"/>
+                      <a:round/>
+                      <a:headEnd type="none" w="med" len="med"/>
+                      <a:tailEnd type="none" w="med" len="med"/>
+                    </a:lnT>
+                    <a:lnB>
+                      <a:noFill/>
+                    </a:lnB>
+                    <a:solidFill>
+                      <a:srgbClr val="D9D9D9"/>
+                    </a:solidFill>
+                  </a:tcPr>
+                </a:tc>
+                <a:extLst>
+                  <a:ext uri="{0D108BD9-81ED-4DB2-BD59-A6C34878D82A}">
+                    <a16:rowId xmlns:a16="http://schemas.microsoft.com/office/drawing/2014/main" val="3611411439"/>
+                  </a:ext>
+                </a:extLst>
+              </a:tr>
+              <a:tr h="190500">
+                <a:tc>
+                  <a:txBody>
+                    <a:bodyPr/>
+                    <a:lstStyle/>
+                    <a:p>
+                      <a:pPr algn="ctr" fontAlgn="ctr"/>
+                      <a:r>
+                        <a:rPr lang="en-US" sz="1100" b="0" i="0" u="none" strike="noStrike">
+                          <a:solidFill>
+                            <a:srgbClr val="000000"/>
+                          </a:solidFill>
+                          <a:effectLst/>
+                          <a:latin typeface="Calibri" panose="020F0502020204030204" pitchFamily="34" charset="0"/>
+                        </a:rPr>
+                        <a:t>GENDER</a:t>
+                      </a:r>
+                    </a:p>
+                  </a:txBody>
+                  <a:tcPr marL="9525" marR="9525" marT="9525" marB="0" anchor="ctr">
+                    <a:lnL w="6350" cap="flat" cmpd="sng" algn="ctr">
+                      <a:solidFill>
+                        <a:srgbClr val="000000"/>
+                      </a:solidFill>
+                      <a:prstDash val="solid"/>
+                      <a:round/>
+                      <a:headEnd type="none" w="med" len="med"/>
+                      <a:tailEnd type="none" w="med" len="med"/>
+                    </a:lnL>
+                    <a:lnR>
+                      <a:noFill/>
+                    </a:lnR>
+                    <a:lnT>
+                      <a:noFill/>
+                    </a:lnT>
+                    <a:lnB>
+                      <a:noFill/>
+                    </a:lnB>
+                  </a:tcPr>
+                </a:tc>
+                <a:tc>
+                  <a:txBody>
+                    <a:bodyPr/>
+                    <a:lstStyle/>
+                    <a:p>
+                      <a:pPr algn="ctr" fontAlgn="ctr"/>
+                      <a:r>
+                        <a:rPr lang="en-US" sz="1100" b="0" i="0" u="none" strike="noStrike">
+                          <a:solidFill>
+                            <a:srgbClr val="000000"/>
+                          </a:solidFill>
+                          <a:effectLst/>
+                          <a:latin typeface="Calibri" panose="020F0502020204030204" pitchFamily="34" charset="0"/>
+                        </a:rPr>
+                        <a:t>Court (filter)</a:t>
+                      </a:r>
+                    </a:p>
+                  </a:txBody>
+                  <a:tcPr marL="9525" marR="9525" marT="9525" marB="0" anchor="ctr">
+                    <a:lnL>
+                      <a:noFill/>
+                    </a:lnL>
+                    <a:lnR>
+                      <a:noFill/>
+                    </a:lnR>
+                    <a:lnT>
+                      <a:noFill/>
+                    </a:lnT>
+                    <a:lnB>
+                      <a:noFill/>
+                    </a:lnB>
+                  </a:tcPr>
+                </a:tc>
+                <a:tc>
+                  <a:txBody>
+                    <a:bodyPr/>
+                    <a:lstStyle/>
+                    <a:p>
+                      <a:pPr algn="ctr" fontAlgn="ctr"/>
+                      <a:r>
+                        <a:rPr lang="en-US" sz="1100" b="0" i="0" u="none" strike="noStrike">
+                          <a:solidFill>
+                            <a:srgbClr val="000000"/>
+                          </a:solidFill>
+                          <a:effectLst/>
+                          <a:latin typeface="Calibri" panose="020F0502020204030204" pitchFamily="34" charset="0"/>
+                        </a:rPr>
+                        <a:t>Offense (filter)</a:t>
+                      </a:r>
+                    </a:p>
+                  </a:txBody>
+                  <a:tcPr marL="9525" marR="9525" marT="9525" marB="0" anchor="ctr">
+                    <a:lnL>
+                      <a:noFill/>
+                    </a:lnL>
+                    <a:lnR>
+                      <a:noFill/>
+                    </a:lnR>
+                    <a:lnT>
+                      <a:noFill/>
+                    </a:lnT>
+                    <a:lnB>
+                      <a:noFill/>
+                    </a:lnB>
+                  </a:tcPr>
+                </a:tc>
+                <a:tc>
+                  <a:txBody>
+                    <a:bodyPr/>
+                    <a:lstStyle/>
+                    <a:p>
+                      <a:pPr algn="ctr" fontAlgn="ctr"/>
+                      <a:r>
+                        <a:rPr lang="en-US" sz="1100" b="0" i="0" u="none" strike="noStrike">
+                          <a:solidFill>
+                            <a:srgbClr val="000000"/>
+                          </a:solidFill>
+                          <a:effectLst/>
+                          <a:latin typeface="Calibri" panose="020F0502020204030204" pitchFamily="34" charset="0"/>
+                        </a:rPr>
+                        <a:t>Sentence (filter)</a:t>
+                      </a:r>
+                    </a:p>
+                  </a:txBody>
+                  <a:tcPr marL="9525" marR="9525" marT="9525" marB="0" anchor="ctr">
+                    <a:lnL>
+                      <a:noFill/>
+                    </a:lnL>
+                    <a:lnR>
+                      <a:noFill/>
+                    </a:lnR>
+                    <a:lnT>
+                      <a:noFill/>
+                    </a:lnT>
+                    <a:lnB>
+                      <a:noFill/>
+                    </a:lnB>
+                  </a:tcPr>
+                </a:tc>
+                <a:tc>
+                  <a:txBody>
+                    <a:bodyPr/>
+                    <a:lstStyle/>
+                    <a:p>
+                      <a:pPr algn="ctr" fontAlgn="ctr"/>
+                      <a:r>
+                        <a:rPr lang="en-US" sz="1100" b="0" i="0" u="none" strike="noStrike">
+                          <a:solidFill>
+                            <a:srgbClr val="000000"/>
+                          </a:solidFill>
+                          <a:effectLst/>
+                          <a:latin typeface="Calibri" panose="020F0502020204030204" pitchFamily="34" charset="0"/>
+                        </a:rPr>
+                        <a:t>ID</a:t>
+                      </a:r>
+                    </a:p>
+                  </a:txBody>
+                  <a:tcPr marL="9525" marR="9525" marT="9525" marB="0" anchor="ctr">
+                    <a:lnL>
+                      <a:noFill/>
+                    </a:lnL>
+                    <a:lnR>
+                      <a:noFill/>
+                    </a:lnR>
+                    <a:lnT>
+                      <a:noFill/>
+                    </a:lnT>
+                    <a:lnB>
+                      <a:noFill/>
+                    </a:lnB>
+                  </a:tcPr>
+                </a:tc>
+                <a:tc>
+                  <a:txBody>
+                    <a:bodyPr/>
+                    <a:lstStyle/>
+                    <a:p>
+                      <a:pPr algn="ctr" fontAlgn="ctr"/>
+                      <a:r>
+                        <a:rPr lang="en-US" sz="1100" b="0" i="0" u="none" strike="noStrike">
+                          <a:solidFill>
+                            <a:srgbClr val="000000"/>
+                          </a:solidFill>
+                          <a:effectLst/>
+                          <a:latin typeface="Calibri" panose="020F0502020204030204" pitchFamily="34" charset="0"/>
+                        </a:rPr>
+                        <a:t>Pie chart </a:t>
+                      </a:r>
+                    </a:p>
+                  </a:txBody>
+                  <a:tcPr marL="9525" marR="9525" marT="9525" marB="0" anchor="ctr">
+                    <a:lnL>
+                      <a:noFill/>
+                    </a:lnL>
+                    <a:lnR>
+                      <a:noFill/>
+                    </a:lnR>
+                    <a:lnT>
+                      <a:noFill/>
+                    </a:lnT>
+                    <a:lnB>
+                      <a:noFill/>
+                    </a:lnB>
+                  </a:tcPr>
+                </a:tc>
+                <a:tc>
+                  <a:txBody>
+                    <a:bodyPr/>
+                    <a:lstStyle/>
+                    <a:p>
+                      <a:pPr algn="ctr" fontAlgn="ctr"/>
+                      <a:r>
+                        <a:rPr lang="en-US" sz="1100" b="0" i="0" u="none" strike="noStrike">
+                          <a:solidFill>
+                            <a:srgbClr val="000000"/>
+                          </a:solidFill>
+                          <a:effectLst/>
+                          <a:latin typeface="Calibri" panose="020F0502020204030204" pitchFamily="34" charset="0"/>
+                        </a:rPr>
+                        <a:t>No</a:t>
+                      </a:r>
+                    </a:p>
+                  </a:txBody>
+                  <a:tcPr marL="9525" marR="9525" marT="9525" marB="0" anchor="ctr">
+                    <a:lnL>
+                      <a:noFill/>
+                    </a:lnL>
+                    <a:lnR>
+                      <a:noFill/>
+                    </a:lnR>
+                    <a:lnT>
+                      <a:noFill/>
+                    </a:lnT>
+                    <a:lnB>
+                      <a:noFill/>
+                    </a:lnB>
+                  </a:tcPr>
+                </a:tc>
+                <a:tc>
+                  <a:txBody>
+                    <a:bodyPr/>
+                    <a:lstStyle/>
+                    <a:p>
+                      <a:pPr algn="ctr" fontAlgn="ctr"/>
+                      <a:r>
+                        <a:rPr lang="en-US" sz="1100" b="0" i="0" u="none" strike="noStrike">
+                          <a:solidFill>
+                            <a:srgbClr val="000000"/>
+                          </a:solidFill>
+                          <a:effectLst/>
+                          <a:latin typeface="Calibri" panose="020F0502020204030204" pitchFamily="34" charset="0"/>
+                        </a:rPr>
+                        <a:t>Demographic</a:t>
+                      </a:r>
+                    </a:p>
+                  </a:txBody>
+                  <a:tcPr marL="9525" marR="9525" marT="9525" marB="0" anchor="ctr">
+                    <a:lnL>
+                      <a:noFill/>
+                    </a:lnL>
+                    <a:lnR w="6350" cap="flat" cmpd="sng" algn="ctr">
+                      <a:solidFill>
+                        <a:srgbClr val="000000"/>
+                      </a:solidFill>
+                      <a:prstDash val="solid"/>
+                      <a:round/>
+                      <a:headEnd type="none" w="med" len="med"/>
+                      <a:tailEnd type="none" w="med" len="med"/>
+                    </a:lnR>
+                    <a:lnT>
+                      <a:noFill/>
+                    </a:lnT>
+                    <a:lnB>
+                      <a:noFill/>
+                    </a:lnB>
+                  </a:tcPr>
+                </a:tc>
+                <a:extLst>
+                  <a:ext uri="{0D108BD9-81ED-4DB2-BD59-A6C34878D82A}">
+                    <a16:rowId xmlns:a16="http://schemas.microsoft.com/office/drawing/2014/main" val="1861627"/>
+                  </a:ext>
+                </a:extLst>
+              </a:tr>
+              <a:tr h="190500">
+                <a:tc>
+                  <a:txBody>
+                    <a:bodyPr/>
+                    <a:lstStyle/>
+                    <a:p>
+                      <a:pPr algn="ctr" fontAlgn="ctr"/>
+                      <a:r>
+                        <a:rPr lang="en-US" sz="1100" b="0" i="0" u="none" strike="noStrike">
+                          <a:solidFill>
+                            <a:srgbClr val="000000"/>
+                          </a:solidFill>
+                          <a:effectLst/>
+                          <a:latin typeface="Calibri" panose="020F0502020204030204" pitchFamily="34" charset="0"/>
+                        </a:rPr>
+                        <a:t>RACE</a:t>
+                      </a:r>
+                    </a:p>
+                  </a:txBody>
+                  <a:tcPr marL="9525" marR="9525" marT="9525" marB="0" anchor="ctr">
+                    <a:lnL w="6350" cap="flat" cmpd="sng" algn="ctr">
+                      <a:solidFill>
+                        <a:srgbClr val="000000"/>
+                      </a:solidFill>
+                      <a:prstDash val="solid"/>
+                      <a:round/>
+                      <a:headEnd type="none" w="med" len="med"/>
+                      <a:tailEnd type="none" w="med" len="med"/>
+                    </a:lnL>
+                    <a:lnR>
+                      <a:noFill/>
+                    </a:lnR>
+                    <a:lnT>
+                      <a:noFill/>
+                    </a:lnT>
+                    <a:lnB>
+                      <a:noFill/>
+                    </a:lnB>
+                    <a:solidFill>
+                      <a:srgbClr val="D9D9D9"/>
+                    </a:solidFill>
+                  </a:tcPr>
+                </a:tc>
+                <a:tc>
+                  <a:txBody>
+                    <a:bodyPr/>
+                    <a:lstStyle/>
+                    <a:p>
+                      <a:pPr algn="ctr" fontAlgn="ctr"/>
+                      <a:r>
+                        <a:rPr lang="en-US" sz="1100" b="0" i="0" u="none" strike="noStrike">
+                          <a:solidFill>
+                            <a:srgbClr val="000000"/>
+                          </a:solidFill>
+                          <a:effectLst/>
+                          <a:latin typeface="Calibri" panose="020F0502020204030204" pitchFamily="34" charset="0"/>
+                        </a:rPr>
+                        <a:t>Court (filter)</a:t>
+                      </a:r>
+                    </a:p>
+                  </a:txBody>
+                  <a:tcPr marL="9525" marR="9525" marT="9525" marB="0" anchor="ctr">
+                    <a:lnL>
+                      <a:noFill/>
+                    </a:lnL>
+                    <a:lnR>
+                      <a:noFill/>
+                    </a:lnR>
+                    <a:lnT>
+                      <a:noFill/>
+                    </a:lnT>
+                    <a:lnB>
+                      <a:noFill/>
+                    </a:lnB>
+                    <a:solidFill>
+                      <a:srgbClr val="D9D9D9"/>
+                    </a:solidFill>
+                  </a:tcPr>
+                </a:tc>
+                <a:tc>
+                  <a:txBody>
+                    <a:bodyPr/>
+                    <a:lstStyle/>
+                    <a:p>
+                      <a:pPr algn="ctr" fontAlgn="ctr"/>
+                      <a:r>
+                        <a:rPr lang="en-US" sz="1100" b="0" i="0" u="none" strike="noStrike">
+                          <a:solidFill>
+                            <a:srgbClr val="000000"/>
+                          </a:solidFill>
+                          <a:effectLst/>
+                          <a:latin typeface="Calibri" panose="020F0502020204030204" pitchFamily="34" charset="0"/>
+                        </a:rPr>
+                        <a:t>Offense (filter)</a:t>
+                      </a:r>
+                    </a:p>
+                  </a:txBody>
+                  <a:tcPr marL="9525" marR="9525" marT="9525" marB="0" anchor="ctr">
+                    <a:lnL>
+                      <a:noFill/>
+                    </a:lnL>
+                    <a:lnR>
+                      <a:noFill/>
+                    </a:lnR>
+                    <a:lnT>
+                      <a:noFill/>
+                    </a:lnT>
+                    <a:lnB>
+                      <a:noFill/>
+                    </a:lnB>
+                    <a:solidFill>
+                      <a:srgbClr val="D9D9D9"/>
+                    </a:solidFill>
+                  </a:tcPr>
+                </a:tc>
+                <a:tc>
+                  <a:txBody>
+                    <a:bodyPr/>
+                    <a:lstStyle/>
+                    <a:p>
+                      <a:pPr algn="ctr" fontAlgn="ctr"/>
+                      <a:r>
+                        <a:rPr lang="en-US" sz="1100" b="0" i="0" u="none" strike="noStrike">
+                          <a:solidFill>
+                            <a:srgbClr val="000000"/>
+                          </a:solidFill>
+                          <a:effectLst/>
+                          <a:latin typeface="Calibri" panose="020F0502020204030204" pitchFamily="34" charset="0"/>
+                        </a:rPr>
+                        <a:t>Sentence (filter)</a:t>
+                      </a:r>
+                    </a:p>
+                  </a:txBody>
+                  <a:tcPr marL="9525" marR="9525" marT="9525" marB="0" anchor="ctr">
+                    <a:lnL>
+                      <a:noFill/>
+                    </a:lnL>
+                    <a:lnR>
+                      <a:noFill/>
+                    </a:lnR>
+                    <a:lnT>
+                      <a:noFill/>
+                    </a:lnT>
+                    <a:lnB>
+                      <a:noFill/>
+                    </a:lnB>
+                    <a:solidFill>
+                      <a:srgbClr val="D9D9D9"/>
+                    </a:solidFill>
+                  </a:tcPr>
+                </a:tc>
+                <a:tc>
+                  <a:txBody>
+                    <a:bodyPr/>
+                    <a:lstStyle/>
+                    <a:p>
+                      <a:pPr algn="ctr" fontAlgn="ctr"/>
+                      <a:r>
+                        <a:rPr lang="en-US" sz="1100" b="0" i="0" u="none" strike="noStrike">
+                          <a:solidFill>
+                            <a:srgbClr val="000000"/>
+                          </a:solidFill>
+                          <a:effectLst/>
+                          <a:latin typeface="Calibri" panose="020F0502020204030204" pitchFamily="34" charset="0"/>
+                        </a:rPr>
+                        <a:t>ID</a:t>
+                      </a:r>
+                    </a:p>
+                  </a:txBody>
+                  <a:tcPr marL="9525" marR="9525" marT="9525" marB="0" anchor="ctr">
+                    <a:lnL>
+                      <a:noFill/>
+                    </a:lnL>
+                    <a:lnR>
+                      <a:noFill/>
+                    </a:lnR>
+                    <a:lnT>
+                      <a:noFill/>
+                    </a:lnT>
+                    <a:lnB>
+                      <a:noFill/>
+                    </a:lnB>
+                    <a:solidFill>
+                      <a:srgbClr val="D9D9D9"/>
+                    </a:solidFill>
+                  </a:tcPr>
+                </a:tc>
+                <a:tc>
+                  <a:txBody>
+                    <a:bodyPr/>
+                    <a:lstStyle/>
+                    <a:p>
+                      <a:pPr algn="ctr" fontAlgn="ctr"/>
+                      <a:r>
+                        <a:rPr lang="en-US" sz="1100" b="0" i="0" u="none" strike="noStrike">
+                          <a:solidFill>
+                            <a:srgbClr val="000000"/>
+                          </a:solidFill>
+                          <a:effectLst/>
+                          <a:latin typeface="Calibri" panose="020F0502020204030204" pitchFamily="34" charset="0"/>
+                        </a:rPr>
+                        <a:t>Pie chart</a:t>
+                      </a:r>
+                    </a:p>
+                  </a:txBody>
+                  <a:tcPr marL="9525" marR="9525" marT="9525" marB="0" anchor="ctr">
+                    <a:lnL>
+                      <a:noFill/>
+                    </a:lnL>
+                    <a:lnR>
+                      <a:noFill/>
+                    </a:lnR>
+                    <a:lnT>
+                      <a:noFill/>
+                    </a:lnT>
+                    <a:lnB>
+                      <a:noFill/>
+                    </a:lnB>
+                    <a:solidFill>
+                      <a:srgbClr val="D9D9D9"/>
+                    </a:solidFill>
+                  </a:tcPr>
+                </a:tc>
+                <a:tc>
+                  <a:txBody>
+                    <a:bodyPr/>
+                    <a:lstStyle/>
+                    <a:p>
+                      <a:pPr algn="ctr" fontAlgn="ctr"/>
+                      <a:r>
+                        <a:rPr lang="en-US" sz="1100" b="0" i="0" u="none" strike="noStrike">
+                          <a:solidFill>
+                            <a:srgbClr val="000000"/>
+                          </a:solidFill>
+                          <a:effectLst/>
+                          <a:latin typeface="Calibri" panose="020F0502020204030204" pitchFamily="34" charset="0"/>
+                        </a:rPr>
+                        <a:t>No</a:t>
+                      </a:r>
+                    </a:p>
+                  </a:txBody>
+                  <a:tcPr marL="9525" marR="9525" marT="9525" marB="0" anchor="ctr">
+                    <a:lnL>
+                      <a:noFill/>
+                    </a:lnL>
+                    <a:lnR>
+                      <a:noFill/>
+                    </a:lnR>
+                    <a:lnT>
+                      <a:noFill/>
+                    </a:lnT>
+                    <a:lnB>
+                      <a:noFill/>
+                    </a:lnB>
+                    <a:solidFill>
+                      <a:srgbClr val="D9D9D9"/>
+                    </a:solidFill>
+                  </a:tcPr>
+                </a:tc>
+                <a:tc>
+                  <a:txBody>
+                    <a:bodyPr/>
+                    <a:lstStyle/>
+                    <a:p>
+                      <a:pPr algn="ctr" fontAlgn="ctr"/>
+                      <a:r>
+                        <a:rPr lang="en-US" sz="1100" b="0" i="0" u="none" strike="noStrike">
+                          <a:solidFill>
+                            <a:srgbClr val="000000"/>
+                          </a:solidFill>
+                          <a:effectLst/>
+                          <a:latin typeface="Calibri" panose="020F0502020204030204" pitchFamily="34" charset="0"/>
+                        </a:rPr>
+                        <a:t>Demographic</a:t>
+                      </a:r>
+                    </a:p>
+                  </a:txBody>
+                  <a:tcPr marL="9525" marR="9525" marT="9525" marB="0" anchor="ctr">
+                    <a:lnL>
+                      <a:noFill/>
+                    </a:lnL>
+                    <a:lnR w="6350" cap="flat" cmpd="sng" algn="ctr">
+                      <a:solidFill>
+                        <a:srgbClr val="000000"/>
+                      </a:solidFill>
+                      <a:prstDash val="solid"/>
+                      <a:round/>
+                      <a:headEnd type="none" w="med" len="med"/>
+                      <a:tailEnd type="none" w="med" len="med"/>
+                    </a:lnR>
+                    <a:lnT>
+                      <a:noFill/>
+                    </a:lnT>
+                    <a:lnB>
+                      <a:noFill/>
+                    </a:lnB>
+                    <a:solidFill>
+                      <a:srgbClr val="D9D9D9"/>
+                    </a:solidFill>
+                  </a:tcPr>
+                </a:tc>
+                <a:extLst>
+                  <a:ext uri="{0D108BD9-81ED-4DB2-BD59-A6C34878D82A}">
+                    <a16:rowId xmlns:a16="http://schemas.microsoft.com/office/drawing/2014/main" val="952423537"/>
+                  </a:ext>
+                </a:extLst>
+              </a:tr>
+              <a:tr h="190500">
+                <a:tc>
+                  <a:txBody>
+                    <a:bodyPr/>
+                    <a:lstStyle/>
+                    <a:p>
+                      <a:pPr algn="ctr" fontAlgn="ctr"/>
+                      <a:r>
+                        <a:rPr lang="en-US" sz="1100" b="0" i="0" u="none" strike="noStrike">
+                          <a:solidFill>
+                            <a:srgbClr val="000000"/>
+                          </a:solidFill>
+                          <a:effectLst/>
+                          <a:latin typeface="Calibri" panose="020F0502020204030204" pitchFamily="34" charset="0"/>
+                        </a:rPr>
+                        <a:t>Commitment term/unit</a:t>
+                      </a:r>
+                    </a:p>
+                  </a:txBody>
+                  <a:tcPr marL="9525" marR="9525" marT="9525" marB="0" anchor="ctr">
+                    <a:lnL w="6350" cap="flat" cmpd="sng" algn="ctr">
+                      <a:solidFill>
+                        <a:srgbClr val="000000"/>
+                      </a:solidFill>
+                      <a:prstDash val="solid"/>
+                      <a:round/>
+                      <a:headEnd type="none" w="med" len="med"/>
+                      <a:tailEnd type="none" w="med" len="med"/>
+                    </a:lnL>
+                    <a:lnR>
+                      <a:noFill/>
+                    </a:lnR>
+                    <a:lnT>
+                      <a:noFill/>
+                    </a:lnT>
+                    <a:lnB>
+                      <a:noFill/>
+                    </a:lnB>
+                  </a:tcPr>
+                </a:tc>
+                <a:tc>
+                  <a:txBody>
+                    <a:bodyPr/>
+                    <a:lstStyle/>
+                    <a:p>
+                      <a:pPr algn="ctr" fontAlgn="ctr"/>
+                      <a:r>
+                        <a:rPr lang="en-US" sz="1100" b="0" i="0" u="none" strike="noStrike">
+                          <a:solidFill>
+                            <a:srgbClr val="000000"/>
+                          </a:solidFill>
+                          <a:effectLst/>
+                          <a:latin typeface="Calibri" panose="020F0502020204030204" pitchFamily="34" charset="0"/>
+                        </a:rPr>
+                        <a:t>OFFENSE_CATEGORY</a:t>
+                      </a:r>
+                    </a:p>
+                  </a:txBody>
+                  <a:tcPr marL="9525" marR="9525" marT="9525" marB="0" anchor="ctr">
+                    <a:lnL>
+                      <a:noFill/>
+                    </a:lnL>
+                    <a:lnR>
+                      <a:noFill/>
+                    </a:lnR>
+                    <a:lnT>
+                      <a:noFill/>
+                    </a:lnT>
+                    <a:lnB>
+                      <a:noFill/>
+                    </a:lnB>
+                  </a:tcPr>
+                </a:tc>
+                <a:tc>
+                  <a:txBody>
+                    <a:bodyPr/>
+                    <a:lstStyle/>
+                    <a:p>
+                      <a:pPr algn="ctr" fontAlgn="ctr"/>
+                      <a:r>
+                        <a:rPr lang="en-US" sz="1100" b="0" i="0" u="none" strike="noStrike">
+                          <a:solidFill>
+                            <a:srgbClr val="000000"/>
+                          </a:solidFill>
+                          <a:effectLst/>
+                          <a:latin typeface="Calibri" panose="020F0502020204030204" pitchFamily="34" charset="0"/>
+                        </a:rPr>
+                        <a:t>commitment type (filter)</a:t>
+                      </a:r>
+                    </a:p>
+                  </a:txBody>
+                  <a:tcPr marL="9525" marR="9525" marT="9525" marB="0" anchor="ctr">
+                    <a:lnL>
+                      <a:noFill/>
+                    </a:lnL>
+                    <a:lnR>
+                      <a:noFill/>
+                    </a:lnR>
+                    <a:lnT>
+                      <a:noFill/>
+                    </a:lnT>
+                    <a:lnB>
+                      <a:noFill/>
+                    </a:lnB>
+                  </a:tcPr>
+                </a:tc>
+                <a:tc>
+                  <a:txBody>
+                    <a:bodyPr/>
+                    <a:lstStyle/>
+                    <a:p>
+                      <a:pPr algn="ctr" fontAlgn="ctr"/>
+                      <a:r>
+                        <a:rPr lang="en-US" sz="1100" b="0" i="0" u="none" strike="noStrike">
+                          <a:solidFill>
+                            <a:srgbClr val="000000"/>
+                          </a:solidFill>
+                          <a:effectLst/>
+                          <a:latin typeface="Calibri" panose="020F0502020204030204" pitchFamily="34" charset="0"/>
+                        </a:rPr>
+                        <a:t>Court (filter)????</a:t>
+                      </a:r>
+                    </a:p>
+                  </a:txBody>
+                  <a:tcPr marL="9525" marR="9525" marT="9525" marB="0" anchor="ctr">
+                    <a:lnL>
+                      <a:noFill/>
+                    </a:lnL>
+                    <a:lnR>
+                      <a:noFill/>
+                    </a:lnR>
+                    <a:lnT>
+                      <a:noFill/>
+                    </a:lnT>
+                    <a:lnB>
+                      <a:noFill/>
+                    </a:lnB>
+                  </a:tcPr>
+                </a:tc>
+                <a:tc>
+                  <a:txBody>
+                    <a:bodyPr/>
+                    <a:lstStyle/>
+                    <a:p>
+                      <a:pPr algn="ctr" fontAlgn="ctr"/>
+                      <a:endParaRPr lang="en-US" sz="1100" b="0" i="0" u="none" strike="noStrike">
+                        <a:solidFill>
+                          <a:srgbClr val="000000"/>
+                        </a:solidFill>
+                        <a:effectLst/>
+                        <a:latin typeface="Calibri" panose="020F0502020204030204" pitchFamily="34" charset="0"/>
+                      </a:endParaRPr>
+                    </a:p>
+                  </a:txBody>
+                  <a:tcPr marL="9525" marR="9525" marT="9525" marB="0" anchor="ctr">
+                    <a:lnL>
+                      <a:noFill/>
+                    </a:lnL>
+                    <a:lnR>
+                      <a:noFill/>
+                    </a:lnR>
+                    <a:lnT>
+                      <a:noFill/>
+                    </a:lnT>
+                    <a:lnB>
+                      <a:noFill/>
+                    </a:lnB>
+                  </a:tcPr>
+                </a:tc>
+                <a:tc>
+                  <a:txBody>
+                    <a:bodyPr/>
+                    <a:lstStyle/>
+                    <a:p>
+                      <a:pPr algn="ctr" fontAlgn="ctr"/>
+                      <a:r>
+                        <a:rPr lang="en-US" sz="1100" b="0" i="0" u="none" strike="noStrike">
+                          <a:solidFill>
+                            <a:srgbClr val="000000"/>
+                          </a:solidFill>
+                          <a:effectLst/>
+                          <a:latin typeface="Calibri" panose="020F0502020204030204" pitchFamily="34" charset="0"/>
+                        </a:rPr>
+                        <a:t>Bar chart</a:t>
+                      </a:r>
+                    </a:p>
+                  </a:txBody>
+                  <a:tcPr marL="9525" marR="9525" marT="9525" marB="0" anchor="ctr">
+                    <a:lnL>
+                      <a:noFill/>
+                    </a:lnL>
+                    <a:lnR>
+                      <a:noFill/>
+                    </a:lnR>
+                    <a:lnT>
+                      <a:noFill/>
+                    </a:lnT>
+                    <a:lnB>
+                      <a:noFill/>
+                    </a:lnB>
+                  </a:tcPr>
+                </a:tc>
+                <a:tc>
+                  <a:txBody>
+                    <a:bodyPr/>
+                    <a:lstStyle/>
+                    <a:p>
+                      <a:pPr algn="ctr" fontAlgn="ctr"/>
+                      <a:r>
+                        <a:rPr lang="en-US" sz="1100" b="0" i="0" u="none" strike="noStrike">
+                          <a:solidFill>
+                            <a:srgbClr val="000000"/>
+                          </a:solidFill>
+                          <a:effectLst/>
+                          <a:latin typeface="Calibri" panose="020F0502020204030204" pitchFamily="34" charset="0"/>
+                        </a:rPr>
+                        <a:t>Yes</a:t>
+                      </a:r>
+                    </a:p>
+                  </a:txBody>
+                  <a:tcPr marL="9525" marR="9525" marT="9525" marB="0" anchor="ctr">
+                    <a:lnL>
+                      <a:noFill/>
+                    </a:lnL>
+                    <a:lnR>
+                      <a:noFill/>
+                    </a:lnR>
+                    <a:lnT>
+                      <a:noFill/>
+                    </a:lnT>
+                    <a:lnB>
+                      <a:noFill/>
+                    </a:lnB>
+                  </a:tcPr>
+                </a:tc>
+                <a:tc>
+                  <a:txBody>
+                    <a:bodyPr/>
+                    <a:lstStyle/>
+                    <a:p>
+                      <a:pPr algn="ctr" fontAlgn="ctr"/>
+                      <a:r>
+                        <a:rPr lang="en-US" sz="1100" b="0" i="0" u="none" strike="noStrike">
+                          <a:solidFill>
+                            <a:srgbClr val="000000"/>
+                          </a:solidFill>
+                          <a:effectLst/>
+                          <a:latin typeface="Calibri" panose="020F0502020204030204" pitchFamily="34" charset="0"/>
+                        </a:rPr>
+                        <a:t>Offense Category</a:t>
+                      </a:r>
+                    </a:p>
+                  </a:txBody>
+                  <a:tcPr marL="9525" marR="9525" marT="9525" marB="0" anchor="ctr">
+                    <a:lnL>
+                      <a:noFill/>
+                    </a:lnL>
+                    <a:lnR w="6350" cap="flat" cmpd="sng" algn="ctr">
+                      <a:solidFill>
+                        <a:srgbClr val="000000"/>
+                      </a:solidFill>
+                      <a:prstDash val="solid"/>
+                      <a:round/>
+                      <a:headEnd type="none" w="med" len="med"/>
+                      <a:tailEnd type="none" w="med" len="med"/>
+                    </a:lnR>
+                    <a:lnT>
+                      <a:noFill/>
+                    </a:lnT>
+                    <a:lnB>
+                      <a:noFill/>
+                    </a:lnB>
+                  </a:tcPr>
+                </a:tc>
+                <a:extLst>
+                  <a:ext uri="{0D108BD9-81ED-4DB2-BD59-A6C34878D82A}">
+                    <a16:rowId xmlns:a16="http://schemas.microsoft.com/office/drawing/2014/main" val="801547016"/>
+                  </a:ext>
+                </a:extLst>
+              </a:tr>
+              <a:tr h="190500">
+                <a:tc>
+                  <a:txBody>
+                    <a:bodyPr/>
+                    <a:lstStyle/>
+                    <a:p>
+                      <a:pPr algn="ctr" fontAlgn="ctr"/>
+                      <a:r>
+                        <a:rPr lang="en-US" sz="1100" b="0" i="0" u="none" strike="noStrike">
+                          <a:solidFill>
+                            <a:srgbClr val="000000"/>
+                          </a:solidFill>
+                          <a:effectLst/>
+                          <a:latin typeface="Calibri" panose="020F0502020204030204" pitchFamily="34" charset="0"/>
+                        </a:rPr>
+                        <a:t>LENGTH_OF_CASE_in_Days</a:t>
+                      </a:r>
+                    </a:p>
+                  </a:txBody>
+                  <a:tcPr marL="9525" marR="9525" marT="9525" marB="0" anchor="ctr">
+                    <a:lnL w="6350" cap="flat" cmpd="sng" algn="ctr">
+                      <a:solidFill>
+                        <a:srgbClr val="000000"/>
+                      </a:solidFill>
+                      <a:prstDash val="solid"/>
+                      <a:round/>
+                      <a:headEnd type="none" w="med" len="med"/>
+                      <a:tailEnd type="none" w="med" len="med"/>
+                    </a:lnL>
+                    <a:lnR>
+                      <a:noFill/>
+                    </a:lnR>
+                    <a:lnT>
+                      <a:noFill/>
+                    </a:lnT>
+                    <a:lnB>
+                      <a:noFill/>
+                    </a:lnB>
+                    <a:solidFill>
+                      <a:srgbClr val="D9D9D9"/>
+                    </a:solidFill>
+                  </a:tcPr>
+                </a:tc>
+                <a:tc>
+                  <a:txBody>
+                    <a:bodyPr/>
+                    <a:lstStyle/>
+                    <a:p>
+                      <a:pPr algn="ctr" fontAlgn="ctr"/>
+                      <a:r>
+                        <a:rPr lang="en-US" sz="1100" b="0" i="0" u="none" strike="noStrike">
+                          <a:solidFill>
+                            <a:srgbClr val="000000"/>
+                          </a:solidFill>
+                          <a:effectLst/>
+                          <a:latin typeface="Calibri" panose="020F0502020204030204" pitchFamily="34" charset="0"/>
+                        </a:rPr>
+                        <a:t>Commitment term/unit</a:t>
+                      </a:r>
+                    </a:p>
+                  </a:txBody>
+                  <a:tcPr marL="9525" marR="9525" marT="9525" marB="0" anchor="ctr">
+                    <a:lnL>
+                      <a:noFill/>
+                    </a:lnL>
+                    <a:lnR>
+                      <a:noFill/>
+                    </a:lnR>
+                    <a:lnT>
+                      <a:noFill/>
+                    </a:lnT>
+                    <a:lnB>
+                      <a:noFill/>
+                    </a:lnB>
+                    <a:solidFill>
+                      <a:srgbClr val="D9D9D9"/>
+                    </a:solidFill>
+                  </a:tcPr>
+                </a:tc>
+                <a:tc>
+                  <a:txBody>
+                    <a:bodyPr/>
+                    <a:lstStyle/>
+                    <a:p>
+                      <a:pPr algn="ctr" fontAlgn="ctr"/>
+                      <a:r>
+                        <a:rPr lang="en-US" sz="1100" b="0" i="0" u="none" strike="noStrike">
+                          <a:solidFill>
+                            <a:srgbClr val="000000"/>
+                          </a:solidFill>
+                          <a:effectLst/>
+                          <a:latin typeface="Calibri" panose="020F0502020204030204" pitchFamily="34" charset="0"/>
+                        </a:rPr>
+                        <a:t>Offense (filter)</a:t>
+                      </a:r>
+                    </a:p>
+                  </a:txBody>
+                  <a:tcPr marL="9525" marR="9525" marT="9525" marB="0" anchor="ctr">
+                    <a:lnL>
+                      <a:noFill/>
+                    </a:lnL>
+                    <a:lnR>
+                      <a:noFill/>
+                    </a:lnR>
+                    <a:lnT>
+                      <a:noFill/>
+                    </a:lnT>
+                    <a:lnB>
+                      <a:noFill/>
+                    </a:lnB>
+                    <a:solidFill>
+                      <a:srgbClr val="D9D9D9"/>
+                    </a:solidFill>
+                  </a:tcPr>
+                </a:tc>
+                <a:tc>
+                  <a:txBody>
+                    <a:bodyPr/>
+                    <a:lstStyle/>
+                    <a:p>
+                      <a:pPr algn="ctr" fontAlgn="ctr"/>
+                      <a:r>
+                        <a:rPr lang="en-US" sz="1100" b="0" i="0" u="none" strike="noStrike">
+                          <a:solidFill>
+                            <a:srgbClr val="000000"/>
+                          </a:solidFill>
+                          <a:effectLst/>
+                          <a:latin typeface="Calibri" panose="020F0502020204030204" pitchFamily="34" charset="0"/>
+                        </a:rPr>
+                        <a:t>COMMITMENT_TYPE (filter)</a:t>
+                      </a:r>
+                    </a:p>
+                  </a:txBody>
+                  <a:tcPr marL="9525" marR="9525" marT="9525" marB="0" anchor="ctr">
+                    <a:lnL>
+                      <a:noFill/>
+                    </a:lnL>
+                    <a:lnR>
+                      <a:noFill/>
+                    </a:lnR>
+                    <a:lnT>
+                      <a:noFill/>
+                    </a:lnT>
+                    <a:lnB>
+                      <a:noFill/>
+                    </a:lnB>
+                    <a:solidFill>
+                      <a:srgbClr val="D9D9D9"/>
+                    </a:solidFill>
+                  </a:tcPr>
+                </a:tc>
+                <a:tc>
+                  <a:txBody>
+                    <a:bodyPr/>
+                    <a:lstStyle/>
+                    <a:p>
+                      <a:pPr algn="ctr" fontAlgn="ctr"/>
+                      <a:r>
+                        <a:rPr lang="en-US" sz="1100" b="0" i="0" u="none" strike="noStrike">
+                          <a:solidFill>
+                            <a:srgbClr val="000000"/>
+                          </a:solidFill>
+                          <a:effectLst/>
+                          <a:latin typeface="Calibri" panose="020F0502020204030204" pitchFamily="34" charset="0"/>
+                        </a:rPr>
+                        <a:t>AGE_AT_INCIDENT</a:t>
+                      </a:r>
+                    </a:p>
+                  </a:txBody>
+                  <a:tcPr marL="9525" marR="9525" marT="9525" marB="0" anchor="ctr">
+                    <a:lnL>
+                      <a:noFill/>
+                    </a:lnL>
+                    <a:lnR>
+                      <a:noFill/>
+                    </a:lnR>
+                    <a:lnT>
+                      <a:noFill/>
+                    </a:lnT>
+                    <a:lnB>
+                      <a:noFill/>
+                    </a:lnB>
+                    <a:solidFill>
+                      <a:srgbClr val="D9D9D9"/>
+                    </a:solidFill>
+                  </a:tcPr>
+                </a:tc>
+                <a:tc>
+                  <a:txBody>
+                    <a:bodyPr/>
+                    <a:lstStyle/>
+                    <a:p>
+                      <a:pPr algn="ctr" fontAlgn="ctr"/>
+                      <a:r>
+                        <a:rPr lang="en-US" sz="1100" b="0" i="0" u="none" strike="noStrike">
+                          <a:solidFill>
+                            <a:srgbClr val="000000"/>
+                          </a:solidFill>
+                          <a:effectLst/>
+                          <a:latin typeface="Calibri" panose="020F0502020204030204" pitchFamily="34" charset="0"/>
+                        </a:rPr>
+                        <a:t>Line/scatter graph</a:t>
+                      </a:r>
+                    </a:p>
+                  </a:txBody>
+                  <a:tcPr marL="9525" marR="9525" marT="9525" marB="0" anchor="ctr">
+                    <a:lnL>
+                      <a:noFill/>
+                    </a:lnL>
+                    <a:lnR>
+                      <a:noFill/>
+                    </a:lnR>
+                    <a:lnT>
+                      <a:noFill/>
+                    </a:lnT>
+                    <a:lnB>
+                      <a:noFill/>
+                    </a:lnB>
+                    <a:solidFill>
+                      <a:srgbClr val="D9D9D9"/>
+                    </a:solidFill>
+                  </a:tcPr>
+                </a:tc>
+                <a:tc>
+                  <a:txBody>
+                    <a:bodyPr/>
+                    <a:lstStyle/>
+                    <a:p>
+                      <a:pPr algn="ctr" fontAlgn="ctr"/>
+                      <a:r>
+                        <a:rPr lang="en-US" sz="1100" b="0" i="0" u="none" strike="noStrike">
+                          <a:solidFill>
+                            <a:srgbClr val="000000"/>
+                          </a:solidFill>
+                          <a:effectLst/>
+                          <a:latin typeface="Calibri" panose="020F0502020204030204" pitchFamily="34" charset="0"/>
+                        </a:rPr>
+                        <a:t>Yes</a:t>
+                      </a:r>
+                    </a:p>
+                  </a:txBody>
+                  <a:tcPr marL="9525" marR="9525" marT="9525" marB="0" anchor="ctr">
+                    <a:lnL>
+                      <a:noFill/>
+                    </a:lnL>
+                    <a:lnR>
+                      <a:noFill/>
+                    </a:lnR>
+                    <a:lnT>
+                      <a:noFill/>
+                    </a:lnT>
+                    <a:lnB>
+                      <a:noFill/>
+                    </a:lnB>
+                    <a:solidFill>
+                      <a:srgbClr val="D9D9D9"/>
+                    </a:solidFill>
+                  </a:tcPr>
+                </a:tc>
+                <a:tc>
+                  <a:txBody>
+                    <a:bodyPr/>
+                    <a:lstStyle/>
+                    <a:p>
+                      <a:pPr algn="ctr" fontAlgn="ctr"/>
+                      <a:r>
+                        <a:rPr lang="en-US" sz="1100" b="0" i="0" u="none" strike="noStrike">
+                          <a:solidFill>
+                            <a:srgbClr val="000000"/>
+                          </a:solidFill>
+                          <a:effectLst/>
+                          <a:latin typeface="Calibri" panose="020F0502020204030204" pitchFamily="34" charset="0"/>
+                        </a:rPr>
+                        <a:t>Length of case</a:t>
+                      </a:r>
+                    </a:p>
+                  </a:txBody>
+                  <a:tcPr marL="9525" marR="9525" marT="9525" marB="0" anchor="ctr">
+                    <a:lnL>
+                      <a:noFill/>
+                    </a:lnL>
+                    <a:lnR w="6350" cap="flat" cmpd="sng" algn="ctr">
+                      <a:solidFill>
+                        <a:srgbClr val="000000"/>
+                      </a:solidFill>
+                      <a:prstDash val="solid"/>
+                      <a:round/>
+                      <a:headEnd type="none" w="med" len="med"/>
+                      <a:tailEnd type="none" w="med" len="med"/>
+                    </a:lnR>
+                    <a:lnT>
+                      <a:noFill/>
+                    </a:lnT>
+                    <a:lnB>
+                      <a:noFill/>
+                    </a:lnB>
+                    <a:solidFill>
+                      <a:srgbClr val="D9D9D9"/>
+                    </a:solidFill>
+                  </a:tcPr>
+                </a:tc>
+                <a:extLst>
+                  <a:ext uri="{0D108BD9-81ED-4DB2-BD59-A6C34878D82A}">
+                    <a16:rowId xmlns:a16="http://schemas.microsoft.com/office/drawing/2014/main" val="3023096550"/>
+                  </a:ext>
+                </a:extLst>
+              </a:tr>
+              <a:tr h="190500">
+                <a:tc>
+                  <a:txBody>
+                    <a:bodyPr/>
+                    <a:lstStyle/>
+                    <a:p>
+                      <a:pPr algn="ctr" fontAlgn="ctr"/>
+                      <a:r>
+                        <a:rPr lang="en-US" sz="1100" b="0" i="0" u="none" strike="noStrike">
+                          <a:solidFill>
+                            <a:srgbClr val="000000"/>
+                          </a:solidFill>
+                          <a:effectLst/>
+                          <a:latin typeface="Calibri" panose="020F0502020204030204" pitchFamily="34" charset="0"/>
+                        </a:rPr>
+                        <a:t>LENGTH_OF_CASE_in_Days</a:t>
+                      </a:r>
+                    </a:p>
+                  </a:txBody>
+                  <a:tcPr marL="9525" marR="9525" marT="9525" marB="0" anchor="ctr">
+                    <a:lnL w="6350" cap="flat" cmpd="sng" algn="ctr">
+                      <a:solidFill>
+                        <a:srgbClr val="000000"/>
+                      </a:solidFill>
+                      <a:prstDash val="solid"/>
+                      <a:round/>
+                      <a:headEnd type="none" w="med" len="med"/>
+                      <a:tailEnd type="none" w="med" len="med"/>
+                    </a:lnL>
+                    <a:lnR>
+                      <a:noFill/>
+                    </a:lnR>
+                    <a:lnT>
+                      <a:noFill/>
+                    </a:lnT>
+                    <a:lnB>
+                      <a:noFill/>
+                    </a:lnB>
+                  </a:tcPr>
+                </a:tc>
+                <a:tc>
+                  <a:txBody>
+                    <a:bodyPr/>
+                    <a:lstStyle/>
+                    <a:p>
+                      <a:pPr algn="ctr" fontAlgn="ctr"/>
+                      <a:r>
+                        <a:rPr lang="en-US" sz="1100" b="0" i="0" u="none" strike="noStrike">
+                          <a:solidFill>
+                            <a:srgbClr val="000000"/>
+                          </a:solidFill>
+                          <a:effectLst/>
+                          <a:latin typeface="Calibri" panose="020F0502020204030204" pitchFamily="34" charset="0"/>
+                        </a:rPr>
+                        <a:t>Commitment term/unit</a:t>
+                      </a:r>
+                    </a:p>
+                  </a:txBody>
+                  <a:tcPr marL="9525" marR="9525" marT="9525" marB="0" anchor="ctr">
+                    <a:lnL>
+                      <a:noFill/>
+                    </a:lnL>
+                    <a:lnR>
+                      <a:noFill/>
+                    </a:lnR>
+                    <a:lnT>
+                      <a:noFill/>
+                    </a:lnT>
+                    <a:lnB>
+                      <a:noFill/>
+                    </a:lnB>
+                  </a:tcPr>
+                </a:tc>
+                <a:tc>
+                  <a:txBody>
+                    <a:bodyPr/>
+                    <a:lstStyle/>
+                    <a:p>
+                      <a:pPr algn="ctr" fontAlgn="ctr"/>
+                      <a:r>
+                        <a:rPr lang="en-US" sz="1100" b="0" i="0" u="none" strike="noStrike">
+                          <a:solidFill>
+                            <a:srgbClr val="000000"/>
+                          </a:solidFill>
+                          <a:effectLst/>
+                          <a:latin typeface="Calibri" panose="020F0502020204030204" pitchFamily="34" charset="0"/>
+                        </a:rPr>
+                        <a:t>Offense (filter)</a:t>
+                      </a:r>
+                    </a:p>
+                  </a:txBody>
+                  <a:tcPr marL="9525" marR="9525" marT="9525" marB="0" anchor="ctr">
+                    <a:lnL>
+                      <a:noFill/>
+                    </a:lnL>
+                    <a:lnR>
+                      <a:noFill/>
+                    </a:lnR>
+                    <a:lnT>
+                      <a:noFill/>
+                    </a:lnT>
+                    <a:lnB>
+                      <a:noFill/>
+                    </a:lnB>
+                  </a:tcPr>
+                </a:tc>
+                <a:tc>
+                  <a:txBody>
+                    <a:bodyPr/>
+                    <a:lstStyle/>
+                    <a:p>
+                      <a:pPr algn="ctr" fontAlgn="ctr"/>
+                      <a:r>
+                        <a:rPr lang="en-US" sz="1100" b="0" i="0" u="none" strike="noStrike">
+                          <a:solidFill>
+                            <a:srgbClr val="000000"/>
+                          </a:solidFill>
+                          <a:effectLst/>
+                          <a:latin typeface="Calibri" panose="020F0502020204030204" pitchFamily="34" charset="0"/>
+                        </a:rPr>
+                        <a:t>COMMITMENT_TYPE (filter)</a:t>
+                      </a:r>
+                    </a:p>
+                  </a:txBody>
+                  <a:tcPr marL="9525" marR="9525" marT="9525" marB="0" anchor="ctr">
+                    <a:lnL>
+                      <a:noFill/>
+                    </a:lnL>
+                    <a:lnR>
+                      <a:noFill/>
+                    </a:lnR>
+                    <a:lnT>
+                      <a:noFill/>
+                    </a:lnT>
+                    <a:lnB>
+                      <a:noFill/>
+                    </a:lnB>
+                  </a:tcPr>
+                </a:tc>
+                <a:tc>
+                  <a:txBody>
+                    <a:bodyPr/>
+                    <a:lstStyle/>
+                    <a:p>
+                      <a:pPr algn="ctr" fontAlgn="ctr"/>
+                      <a:endParaRPr lang="en-US" sz="1100" b="0" i="0" u="none" strike="noStrike">
+                        <a:solidFill>
+                          <a:srgbClr val="000000"/>
+                        </a:solidFill>
+                        <a:effectLst/>
+                        <a:latin typeface="Calibri" panose="020F0502020204030204" pitchFamily="34" charset="0"/>
+                      </a:endParaRPr>
+                    </a:p>
+                  </a:txBody>
+                  <a:tcPr marL="9525" marR="9525" marT="9525" marB="0" anchor="ctr">
+                    <a:lnL>
+                      <a:noFill/>
+                    </a:lnL>
+                    <a:lnR>
+                      <a:noFill/>
+                    </a:lnR>
+                    <a:lnT>
+                      <a:noFill/>
+                    </a:lnT>
+                    <a:lnB>
+                      <a:noFill/>
+                    </a:lnB>
+                  </a:tcPr>
+                </a:tc>
+                <a:tc>
+                  <a:txBody>
+                    <a:bodyPr/>
+                    <a:lstStyle/>
+                    <a:p>
+                      <a:pPr algn="ctr" fontAlgn="ctr"/>
+                      <a:r>
+                        <a:rPr lang="en-US" sz="1100" b="0" i="0" u="none" strike="noStrike">
+                          <a:solidFill>
+                            <a:srgbClr val="000000"/>
+                          </a:solidFill>
+                          <a:effectLst/>
+                          <a:latin typeface="Calibri" panose="020F0502020204030204" pitchFamily="34" charset="0"/>
+                        </a:rPr>
+                        <a:t>Box plot</a:t>
+                      </a:r>
+                    </a:p>
+                  </a:txBody>
+                  <a:tcPr marL="9525" marR="9525" marT="9525" marB="0" anchor="ctr">
+                    <a:lnL>
+                      <a:noFill/>
+                    </a:lnL>
+                    <a:lnR>
+                      <a:noFill/>
+                    </a:lnR>
+                    <a:lnT>
+                      <a:noFill/>
+                    </a:lnT>
+                    <a:lnB>
+                      <a:noFill/>
+                    </a:lnB>
+                  </a:tcPr>
+                </a:tc>
+                <a:tc>
+                  <a:txBody>
+                    <a:bodyPr/>
+                    <a:lstStyle/>
+                    <a:p>
+                      <a:pPr algn="ctr" fontAlgn="ctr"/>
+                      <a:r>
+                        <a:rPr lang="en-US" sz="1100" b="0" i="0" u="none" strike="noStrike">
+                          <a:solidFill>
+                            <a:srgbClr val="000000"/>
+                          </a:solidFill>
+                          <a:effectLst/>
+                          <a:latin typeface="Calibri" panose="020F0502020204030204" pitchFamily="34" charset="0"/>
+                        </a:rPr>
+                        <a:t>No</a:t>
+                      </a:r>
+                    </a:p>
+                  </a:txBody>
+                  <a:tcPr marL="9525" marR="9525" marT="9525" marB="0" anchor="ctr">
+                    <a:lnL>
+                      <a:noFill/>
+                    </a:lnL>
+                    <a:lnR>
+                      <a:noFill/>
+                    </a:lnR>
+                    <a:lnT>
+                      <a:noFill/>
+                    </a:lnT>
+                    <a:lnB>
+                      <a:noFill/>
+                    </a:lnB>
+                  </a:tcPr>
+                </a:tc>
+                <a:tc>
+                  <a:txBody>
+                    <a:bodyPr/>
+                    <a:lstStyle/>
+                    <a:p>
+                      <a:pPr algn="ctr" fontAlgn="ctr"/>
+                      <a:r>
+                        <a:rPr lang="en-US" sz="1100" b="0" i="0" u="none" strike="noStrike">
+                          <a:solidFill>
+                            <a:srgbClr val="000000"/>
+                          </a:solidFill>
+                          <a:effectLst/>
+                          <a:latin typeface="Calibri" panose="020F0502020204030204" pitchFamily="34" charset="0"/>
+                        </a:rPr>
+                        <a:t>Length of case</a:t>
+                      </a:r>
+                    </a:p>
+                  </a:txBody>
+                  <a:tcPr marL="9525" marR="9525" marT="9525" marB="0" anchor="ctr">
+                    <a:lnL>
+                      <a:noFill/>
+                    </a:lnL>
+                    <a:lnR w="6350" cap="flat" cmpd="sng" algn="ctr">
+                      <a:solidFill>
+                        <a:srgbClr val="000000"/>
+                      </a:solidFill>
+                      <a:prstDash val="solid"/>
+                      <a:round/>
+                      <a:headEnd type="none" w="med" len="med"/>
+                      <a:tailEnd type="none" w="med" len="med"/>
+                    </a:lnR>
+                    <a:lnT>
+                      <a:noFill/>
+                    </a:lnT>
+                    <a:lnB>
+                      <a:noFill/>
+                    </a:lnB>
+                  </a:tcPr>
+                </a:tc>
+                <a:extLst>
+                  <a:ext uri="{0D108BD9-81ED-4DB2-BD59-A6C34878D82A}">
+                    <a16:rowId xmlns:a16="http://schemas.microsoft.com/office/drawing/2014/main" val="70753800"/>
+                  </a:ext>
+                </a:extLst>
+              </a:tr>
+              <a:tr h="190500">
+                <a:tc>
+                  <a:txBody>
+                    <a:bodyPr/>
+                    <a:lstStyle/>
+                    <a:p>
+                      <a:pPr algn="ctr" fontAlgn="ctr"/>
+                      <a:r>
+                        <a:rPr lang="en-US" sz="1100" b="0" i="0" u="none" strike="noStrike">
+                          <a:solidFill>
+                            <a:srgbClr val="000000"/>
+                          </a:solidFill>
+                          <a:effectLst/>
+                          <a:latin typeface="Calibri" panose="020F0502020204030204" pitchFamily="34" charset="0"/>
+                        </a:rPr>
+                        <a:t>COURT_NAME</a:t>
+                      </a:r>
+                    </a:p>
+                  </a:txBody>
+                  <a:tcPr marL="9525" marR="9525" marT="9525" marB="0" anchor="ctr">
+                    <a:lnL w="6350" cap="flat" cmpd="sng" algn="ctr">
+                      <a:solidFill>
+                        <a:srgbClr val="000000"/>
+                      </a:solidFill>
+                      <a:prstDash val="solid"/>
+                      <a:round/>
+                      <a:headEnd type="none" w="med" len="med"/>
+                      <a:tailEnd type="none" w="med" len="med"/>
+                    </a:lnL>
+                    <a:lnR>
+                      <a:noFill/>
+                    </a:lnR>
+                    <a:lnT>
+                      <a:noFill/>
+                    </a:lnT>
+                    <a:lnB>
+                      <a:noFill/>
+                    </a:lnB>
+                    <a:solidFill>
+                      <a:srgbClr val="D9D9D9"/>
+                    </a:solidFill>
+                  </a:tcPr>
+                </a:tc>
+                <a:tc>
+                  <a:txBody>
+                    <a:bodyPr/>
+                    <a:lstStyle/>
+                    <a:p>
+                      <a:pPr algn="ctr" fontAlgn="ctr"/>
+                      <a:r>
+                        <a:rPr lang="en-US" sz="1100" b="0" i="0" u="none" strike="noStrike">
+                          <a:solidFill>
+                            <a:srgbClr val="000000"/>
+                          </a:solidFill>
+                          <a:effectLst/>
+                          <a:latin typeface="Calibri" panose="020F0502020204030204" pitchFamily="34" charset="0"/>
+                        </a:rPr>
+                        <a:t>COMMITMENT_TYPE</a:t>
+                      </a:r>
+                    </a:p>
+                  </a:txBody>
+                  <a:tcPr marL="9525" marR="9525" marT="9525" marB="0" anchor="ctr">
+                    <a:lnL>
+                      <a:noFill/>
+                    </a:lnL>
+                    <a:lnR>
+                      <a:noFill/>
+                    </a:lnR>
+                    <a:lnT>
+                      <a:noFill/>
+                    </a:lnT>
+                    <a:lnB>
+                      <a:noFill/>
+                    </a:lnB>
+                    <a:solidFill>
+                      <a:srgbClr val="D9D9D9"/>
+                    </a:solidFill>
+                  </a:tcPr>
+                </a:tc>
+                <a:tc>
+                  <a:txBody>
+                    <a:bodyPr/>
+                    <a:lstStyle/>
+                    <a:p>
+                      <a:pPr algn="ctr" fontAlgn="ctr"/>
+                      <a:r>
+                        <a:rPr lang="en-US" sz="1100" b="0" i="0" u="none" strike="noStrike">
+                          <a:solidFill>
+                            <a:srgbClr val="000000"/>
+                          </a:solidFill>
+                          <a:effectLst/>
+                          <a:latin typeface="Calibri" panose="020F0502020204030204" pitchFamily="34" charset="0"/>
+                        </a:rPr>
+                        <a:t>Commitment term/unit (filter)</a:t>
+                      </a:r>
+                    </a:p>
+                  </a:txBody>
+                  <a:tcPr marL="9525" marR="9525" marT="9525" marB="0" anchor="ctr">
+                    <a:lnL>
+                      <a:noFill/>
+                    </a:lnL>
+                    <a:lnR>
+                      <a:noFill/>
+                    </a:lnR>
+                    <a:lnT>
+                      <a:noFill/>
+                    </a:lnT>
+                    <a:lnB>
+                      <a:noFill/>
+                    </a:lnB>
+                    <a:solidFill>
+                      <a:srgbClr val="D9D9D9"/>
+                    </a:solidFill>
+                  </a:tcPr>
+                </a:tc>
+                <a:tc>
+                  <a:txBody>
+                    <a:bodyPr/>
+                    <a:lstStyle/>
+                    <a:p>
+                      <a:pPr algn="ctr" fontAlgn="ctr"/>
+                      <a:r>
+                        <a:rPr lang="en-US" sz="1100" b="0" i="0" u="none" strike="noStrike">
+                          <a:solidFill>
+                            <a:srgbClr val="000000"/>
+                          </a:solidFill>
+                          <a:effectLst/>
+                          <a:latin typeface="Calibri" panose="020F0502020204030204" pitchFamily="34" charset="0"/>
+                        </a:rPr>
+                        <a:t>Offense (filter)</a:t>
+                      </a:r>
+                    </a:p>
+                  </a:txBody>
+                  <a:tcPr marL="9525" marR="9525" marT="9525" marB="0" anchor="ctr">
+                    <a:lnL>
+                      <a:noFill/>
+                    </a:lnL>
+                    <a:lnR>
+                      <a:noFill/>
+                    </a:lnR>
+                    <a:lnT>
+                      <a:noFill/>
+                    </a:lnT>
+                    <a:lnB>
+                      <a:noFill/>
+                    </a:lnB>
+                    <a:solidFill>
+                      <a:srgbClr val="D9D9D9"/>
+                    </a:solidFill>
+                  </a:tcPr>
+                </a:tc>
+                <a:tc>
+                  <a:txBody>
+                    <a:bodyPr/>
+                    <a:lstStyle/>
+                    <a:p>
+                      <a:pPr algn="ctr" fontAlgn="ctr"/>
+                      <a:r>
+                        <a:rPr lang="en-US" sz="1100" b="0" i="0" u="none" strike="noStrike">
+                          <a:solidFill>
+                            <a:srgbClr val="000000"/>
+                          </a:solidFill>
+                          <a:effectLst/>
+                          <a:latin typeface="Calibri" panose="020F0502020204030204" pitchFamily="34" charset="0"/>
+                        </a:rPr>
+                        <a:t>ID</a:t>
+                      </a:r>
+                    </a:p>
+                  </a:txBody>
+                  <a:tcPr marL="9525" marR="9525" marT="9525" marB="0" anchor="ctr">
+                    <a:lnL>
+                      <a:noFill/>
+                    </a:lnL>
+                    <a:lnR>
+                      <a:noFill/>
+                    </a:lnR>
+                    <a:lnT>
+                      <a:noFill/>
+                    </a:lnT>
+                    <a:lnB>
+                      <a:noFill/>
+                    </a:lnB>
+                    <a:solidFill>
+                      <a:srgbClr val="D9D9D9"/>
+                    </a:solidFill>
+                  </a:tcPr>
+                </a:tc>
+                <a:tc>
+                  <a:txBody>
+                    <a:bodyPr/>
+                    <a:lstStyle/>
+                    <a:p>
+                      <a:pPr algn="ctr" fontAlgn="ctr"/>
+                      <a:r>
+                        <a:rPr lang="en-US" sz="1100" b="0" i="0" u="none" strike="noStrike">
+                          <a:solidFill>
+                            <a:srgbClr val="000000"/>
+                          </a:solidFill>
+                          <a:effectLst/>
+                          <a:latin typeface="Calibri" panose="020F0502020204030204" pitchFamily="34" charset="0"/>
+                        </a:rPr>
+                        <a:t>Multi Color Bar chart</a:t>
+                      </a:r>
+                    </a:p>
+                  </a:txBody>
+                  <a:tcPr marL="9525" marR="9525" marT="9525" marB="0" anchor="ctr">
+                    <a:lnL>
+                      <a:noFill/>
+                    </a:lnL>
+                    <a:lnR>
+                      <a:noFill/>
+                    </a:lnR>
+                    <a:lnT>
+                      <a:noFill/>
+                    </a:lnT>
+                    <a:lnB>
+                      <a:noFill/>
+                    </a:lnB>
+                    <a:solidFill>
+                      <a:srgbClr val="D9D9D9"/>
+                    </a:solidFill>
+                  </a:tcPr>
+                </a:tc>
+                <a:tc>
+                  <a:txBody>
+                    <a:bodyPr/>
+                    <a:lstStyle/>
+                    <a:p>
+                      <a:pPr algn="ctr" fontAlgn="ctr"/>
+                      <a:r>
+                        <a:rPr lang="en-US" sz="1100" b="0" i="0" u="none" strike="noStrike">
+                          <a:solidFill>
+                            <a:srgbClr val="000000"/>
+                          </a:solidFill>
+                          <a:effectLst/>
+                          <a:latin typeface="Calibri" panose="020F0502020204030204" pitchFamily="34" charset="0"/>
+                        </a:rPr>
+                        <a:t>Yes</a:t>
+                      </a:r>
+                    </a:p>
+                  </a:txBody>
+                  <a:tcPr marL="9525" marR="9525" marT="9525" marB="0" anchor="ctr">
+                    <a:lnL>
+                      <a:noFill/>
+                    </a:lnL>
+                    <a:lnR>
+                      <a:noFill/>
+                    </a:lnR>
+                    <a:lnT>
+                      <a:noFill/>
+                    </a:lnT>
+                    <a:lnB>
+                      <a:noFill/>
+                    </a:lnB>
+                    <a:solidFill>
+                      <a:srgbClr val="D9D9D9"/>
+                    </a:solidFill>
+                  </a:tcPr>
+                </a:tc>
+                <a:tc>
+                  <a:txBody>
+                    <a:bodyPr/>
+                    <a:lstStyle/>
+                    <a:p>
+                      <a:pPr algn="ctr" fontAlgn="ctr"/>
+                      <a:r>
+                        <a:rPr lang="en-US" sz="1100" b="0" i="0" u="none" strike="noStrike">
+                          <a:solidFill>
+                            <a:srgbClr val="000000"/>
+                          </a:solidFill>
+                          <a:effectLst/>
+                          <a:latin typeface="Calibri" panose="020F0502020204030204" pitchFamily="34" charset="0"/>
+                        </a:rPr>
+                        <a:t>Courts</a:t>
+                      </a:r>
+                    </a:p>
+                  </a:txBody>
+                  <a:tcPr marL="9525" marR="9525" marT="9525" marB="0" anchor="ctr">
+                    <a:lnL>
+                      <a:noFill/>
+                    </a:lnL>
+                    <a:lnR w="6350" cap="flat" cmpd="sng" algn="ctr">
+                      <a:solidFill>
+                        <a:srgbClr val="000000"/>
+                      </a:solidFill>
+                      <a:prstDash val="solid"/>
+                      <a:round/>
+                      <a:headEnd type="none" w="med" len="med"/>
+                      <a:tailEnd type="none" w="med" len="med"/>
+                    </a:lnR>
+                    <a:lnT>
+                      <a:noFill/>
+                    </a:lnT>
+                    <a:lnB>
+                      <a:noFill/>
+                    </a:lnB>
+                    <a:solidFill>
+                      <a:srgbClr val="D9D9D9"/>
+                    </a:solidFill>
+                  </a:tcPr>
+                </a:tc>
+                <a:extLst>
+                  <a:ext uri="{0D108BD9-81ED-4DB2-BD59-A6C34878D82A}">
+                    <a16:rowId xmlns:a16="http://schemas.microsoft.com/office/drawing/2014/main" val="1079243955"/>
+                  </a:ext>
+                </a:extLst>
+              </a:tr>
+              <a:tr h="190500">
+                <a:tc>
+                  <a:txBody>
+                    <a:bodyPr/>
+                    <a:lstStyle/>
+                    <a:p>
+                      <a:pPr algn="ctr" fontAlgn="ctr"/>
+                      <a:r>
+                        <a:rPr lang="en-US" sz="1100" b="0" i="0" u="none" strike="noStrike">
+                          <a:solidFill>
+                            <a:srgbClr val="000000"/>
+                          </a:solidFill>
+                          <a:effectLst/>
+                          <a:latin typeface="Calibri" panose="020F0502020204030204" pitchFamily="34" charset="0"/>
+                        </a:rPr>
+                        <a:t>AGE_AT_INCIDENT</a:t>
+                      </a:r>
+                    </a:p>
+                  </a:txBody>
+                  <a:tcPr marL="9525" marR="9525" marT="9525" marB="0" anchor="ctr">
+                    <a:lnL w="6350" cap="flat" cmpd="sng" algn="ctr">
+                      <a:solidFill>
+                        <a:srgbClr val="000000"/>
+                      </a:solidFill>
+                      <a:prstDash val="solid"/>
+                      <a:round/>
+                      <a:headEnd type="none" w="med" len="med"/>
+                      <a:tailEnd type="none" w="med" len="med"/>
+                    </a:lnL>
+                    <a:lnR>
+                      <a:noFill/>
+                    </a:lnR>
+                    <a:lnT>
+                      <a:noFill/>
+                    </a:lnT>
+                    <a:lnB>
+                      <a:noFill/>
+                    </a:lnB>
+                  </a:tcPr>
+                </a:tc>
+                <a:tc>
+                  <a:txBody>
+                    <a:bodyPr/>
+                    <a:lstStyle/>
+                    <a:p>
+                      <a:pPr algn="ctr" fontAlgn="ctr"/>
+                      <a:r>
+                        <a:rPr lang="en-US" sz="1100" b="0" i="0" u="none" strike="noStrike">
+                          <a:solidFill>
+                            <a:srgbClr val="000000"/>
+                          </a:solidFill>
+                          <a:effectLst/>
+                          <a:latin typeface="Calibri" panose="020F0502020204030204" pitchFamily="34" charset="0"/>
+                        </a:rPr>
+                        <a:t>COMMITMENT_TYPE</a:t>
+                      </a:r>
+                    </a:p>
+                  </a:txBody>
+                  <a:tcPr marL="9525" marR="9525" marT="9525" marB="0" anchor="ctr">
+                    <a:lnL>
+                      <a:noFill/>
+                    </a:lnL>
+                    <a:lnR>
+                      <a:noFill/>
+                    </a:lnR>
+                    <a:lnT>
+                      <a:noFill/>
+                    </a:lnT>
+                    <a:lnB>
+                      <a:noFill/>
+                    </a:lnB>
+                  </a:tcPr>
+                </a:tc>
+                <a:tc>
+                  <a:txBody>
+                    <a:bodyPr/>
+                    <a:lstStyle/>
+                    <a:p>
+                      <a:pPr algn="ctr" fontAlgn="ctr"/>
+                      <a:r>
+                        <a:rPr lang="en-US" sz="1100" b="0" i="0" u="none" strike="noStrike">
+                          <a:solidFill>
+                            <a:srgbClr val="000000"/>
+                          </a:solidFill>
+                          <a:effectLst/>
+                          <a:latin typeface="Calibri" panose="020F0502020204030204" pitchFamily="34" charset="0"/>
+                        </a:rPr>
+                        <a:t>Commitment term/unit (filter)</a:t>
+                      </a:r>
+                    </a:p>
+                  </a:txBody>
+                  <a:tcPr marL="9525" marR="9525" marT="9525" marB="0" anchor="ctr">
+                    <a:lnL>
+                      <a:noFill/>
+                    </a:lnL>
+                    <a:lnR>
+                      <a:noFill/>
+                    </a:lnR>
+                    <a:lnT>
+                      <a:noFill/>
+                    </a:lnT>
+                    <a:lnB>
+                      <a:noFill/>
+                    </a:lnB>
+                  </a:tcPr>
+                </a:tc>
+                <a:tc>
+                  <a:txBody>
+                    <a:bodyPr/>
+                    <a:lstStyle/>
+                    <a:p>
+                      <a:pPr algn="ctr" fontAlgn="ctr"/>
+                      <a:r>
+                        <a:rPr lang="en-US" sz="1100" b="0" i="0" u="none" strike="noStrike">
+                          <a:solidFill>
+                            <a:srgbClr val="000000"/>
+                          </a:solidFill>
+                          <a:effectLst/>
+                          <a:latin typeface="Calibri" panose="020F0502020204030204" pitchFamily="34" charset="0"/>
+                        </a:rPr>
+                        <a:t>Court (filter)</a:t>
+                      </a:r>
+                    </a:p>
+                  </a:txBody>
+                  <a:tcPr marL="9525" marR="9525" marT="9525" marB="0" anchor="ctr">
+                    <a:lnL>
+                      <a:noFill/>
+                    </a:lnL>
+                    <a:lnR>
+                      <a:noFill/>
+                    </a:lnR>
+                    <a:lnT>
+                      <a:noFill/>
+                    </a:lnT>
+                    <a:lnB>
+                      <a:noFill/>
+                    </a:lnB>
+                  </a:tcPr>
+                </a:tc>
+                <a:tc>
+                  <a:txBody>
+                    <a:bodyPr/>
+                    <a:lstStyle/>
+                    <a:p>
+                      <a:pPr algn="ctr" fontAlgn="ctr"/>
+                      <a:r>
+                        <a:rPr lang="en-US" sz="1100" b="0" i="0" u="none" strike="noStrike">
+                          <a:solidFill>
+                            <a:srgbClr val="000000"/>
+                          </a:solidFill>
+                          <a:effectLst/>
+                          <a:latin typeface="Calibri" panose="020F0502020204030204" pitchFamily="34" charset="0"/>
+                        </a:rPr>
+                        <a:t>ID</a:t>
+                      </a:r>
+                    </a:p>
+                  </a:txBody>
+                  <a:tcPr marL="9525" marR="9525" marT="9525" marB="0" anchor="ctr">
+                    <a:lnL>
+                      <a:noFill/>
+                    </a:lnL>
+                    <a:lnR>
+                      <a:noFill/>
+                    </a:lnR>
+                    <a:lnT>
+                      <a:noFill/>
+                    </a:lnT>
+                    <a:lnB>
+                      <a:noFill/>
+                    </a:lnB>
+                  </a:tcPr>
+                </a:tc>
+                <a:tc>
+                  <a:txBody>
+                    <a:bodyPr/>
+                    <a:lstStyle/>
+                    <a:p>
+                      <a:pPr algn="ctr" fontAlgn="ctr"/>
+                      <a:r>
+                        <a:rPr lang="en-US" sz="1100" b="0" i="0" u="none" strike="noStrike">
+                          <a:solidFill>
+                            <a:srgbClr val="000000"/>
+                          </a:solidFill>
+                          <a:effectLst/>
+                          <a:latin typeface="Calibri" panose="020F0502020204030204" pitchFamily="34" charset="0"/>
+                        </a:rPr>
+                        <a:t>Line/scatter graph</a:t>
+                      </a:r>
+                    </a:p>
+                  </a:txBody>
+                  <a:tcPr marL="9525" marR="9525" marT="9525" marB="0" anchor="ctr">
+                    <a:lnL>
+                      <a:noFill/>
+                    </a:lnL>
+                    <a:lnR>
+                      <a:noFill/>
+                    </a:lnR>
+                    <a:lnT>
+                      <a:noFill/>
+                    </a:lnT>
+                    <a:lnB>
+                      <a:noFill/>
+                    </a:lnB>
+                  </a:tcPr>
+                </a:tc>
+                <a:tc>
+                  <a:txBody>
+                    <a:bodyPr/>
+                    <a:lstStyle/>
+                    <a:p>
+                      <a:pPr algn="ctr" fontAlgn="ctr"/>
+                      <a:r>
+                        <a:rPr lang="en-US" sz="1100" b="0" i="0" u="none" strike="noStrike">
+                          <a:solidFill>
+                            <a:srgbClr val="000000"/>
+                          </a:solidFill>
+                          <a:effectLst/>
+                          <a:latin typeface="Calibri" panose="020F0502020204030204" pitchFamily="34" charset="0"/>
+                        </a:rPr>
+                        <a:t>Yes</a:t>
+                      </a:r>
+                    </a:p>
+                  </a:txBody>
+                  <a:tcPr marL="9525" marR="9525" marT="9525" marB="0" anchor="ctr">
+                    <a:lnL>
+                      <a:noFill/>
+                    </a:lnL>
+                    <a:lnR>
+                      <a:noFill/>
+                    </a:lnR>
+                    <a:lnT>
+                      <a:noFill/>
+                    </a:lnT>
+                    <a:lnB>
+                      <a:noFill/>
+                    </a:lnB>
+                  </a:tcPr>
+                </a:tc>
+                <a:tc>
+                  <a:txBody>
+                    <a:bodyPr/>
+                    <a:lstStyle/>
+                    <a:p>
+                      <a:pPr algn="ctr" fontAlgn="ctr"/>
+                      <a:r>
+                        <a:rPr lang="en-US" sz="1100" b="0" i="0" u="none" strike="noStrike">
+                          <a:solidFill>
+                            <a:srgbClr val="000000"/>
+                          </a:solidFill>
+                          <a:effectLst/>
+                          <a:latin typeface="Calibri" panose="020F0502020204030204" pitchFamily="34" charset="0"/>
+                        </a:rPr>
+                        <a:t>Courts</a:t>
+                      </a:r>
+                    </a:p>
+                  </a:txBody>
+                  <a:tcPr marL="9525" marR="9525" marT="9525" marB="0" anchor="ctr">
+                    <a:lnL>
+                      <a:noFill/>
+                    </a:lnL>
+                    <a:lnR w="6350" cap="flat" cmpd="sng" algn="ctr">
+                      <a:solidFill>
+                        <a:srgbClr val="000000"/>
+                      </a:solidFill>
+                      <a:prstDash val="solid"/>
+                      <a:round/>
+                      <a:headEnd type="none" w="med" len="med"/>
+                      <a:tailEnd type="none" w="med" len="med"/>
+                    </a:lnR>
+                    <a:lnT>
+                      <a:noFill/>
+                    </a:lnT>
+                    <a:lnB>
+                      <a:noFill/>
+                    </a:lnB>
+                  </a:tcPr>
+                </a:tc>
+                <a:extLst>
+                  <a:ext uri="{0D108BD9-81ED-4DB2-BD59-A6C34878D82A}">
+                    <a16:rowId xmlns:a16="http://schemas.microsoft.com/office/drawing/2014/main" val="1004133604"/>
+                  </a:ext>
+                </a:extLst>
+              </a:tr>
+              <a:tr h="190500">
+                <a:tc>
+                  <a:txBody>
+                    <a:bodyPr/>
+                    <a:lstStyle/>
+                    <a:p>
+                      <a:pPr algn="ctr" fontAlgn="ctr"/>
+                      <a:r>
+                        <a:rPr lang="en-US" sz="1100" b="0" i="0" u="none" strike="noStrike">
+                          <a:solidFill>
+                            <a:srgbClr val="000000"/>
+                          </a:solidFill>
+                          <a:effectLst/>
+                          <a:latin typeface="Calibri" panose="020F0502020204030204" pitchFamily="34" charset="0"/>
+                        </a:rPr>
+                        <a:t>OFFENSE_CATEGORY</a:t>
+                      </a:r>
+                    </a:p>
+                  </a:txBody>
+                  <a:tcPr marL="9525" marR="9525" marT="9525" marB="0" anchor="ctr">
+                    <a:lnL w="6350" cap="flat" cmpd="sng" algn="ctr">
+                      <a:solidFill>
+                        <a:srgbClr val="000000"/>
+                      </a:solidFill>
+                      <a:prstDash val="solid"/>
+                      <a:round/>
+                      <a:headEnd type="none" w="med" len="med"/>
+                      <a:tailEnd type="none" w="med" len="med"/>
+                    </a:lnL>
+                    <a:lnR>
+                      <a:noFill/>
+                    </a:lnR>
+                    <a:lnT>
+                      <a:noFill/>
+                    </a:lnT>
+                    <a:lnB>
+                      <a:noFill/>
+                    </a:lnB>
+                    <a:solidFill>
+                      <a:srgbClr val="D9D9D9"/>
+                    </a:solidFill>
+                  </a:tcPr>
+                </a:tc>
+                <a:tc>
+                  <a:txBody>
+                    <a:bodyPr/>
+                    <a:lstStyle/>
+                    <a:p>
+                      <a:pPr algn="ctr" fontAlgn="ctr"/>
+                      <a:r>
+                        <a:rPr lang="en-US" sz="1100" b="0" i="0" u="none" strike="noStrike">
+                          <a:solidFill>
+                            <a:srgbClr val="000000"/>
+                          </a:solidFill>
+                          <a:effectLst/>
+                          <a:latin typeface="Calibri" panose="020F0502020204030204" pitchFamily="34" charset="0"/>
+                        </a:rPr>
+                        <a:t>COMMITMENT_TYPE</a:t>
+                      </a:r>
+                    </a:p>
+                  </a:txBody>
+                  <a:tcPr marL="9525" marR="9525" marT="9525" marB="0" anchor="ctr">
+                    <a:lnL>
+                      <a:noFill/>
+                    </a:lnL>
+                    <a:lnR>
+                      <a:noFill/>
+                    </a:lnR>
+                    <a:lnT>
+                      <a:noFill/>
+                    </a:lnT>
+                    <a:lnB>
+                      <a:noFill/>
+                    </a:lnB>
+                    <a:solidFill>
+                      <a:srgbClr val="D9D9D9"/>
+                    </a:solidFill>
+                  </a:tcPr>
+                </a:tc>
+                <a:tc>
+                  <a:txBody>
+                    <a:bodyPr/>
+                    <a:lstStyle/>
+                    <a:p>
+                      <a:pPr algn="ctr" fontAlgn="ctr"/>
+                      <a:r>
+                        <a:rPr lang="en-US" sz="1100" b="0" i="0" u="none" strike="noStrike">
+                          <a:solidFill>
+                            <a:srgbClr val="000000"/>
+                          </a:solidFill>
+                          <a:effectLst/>
+                          <a:latin typeface="Calibri" panose="020F0502020204030204" pitchFamily="34" charset="0"/>
+                        </a:rPr>
+                        <a:t>COMMITMENT_UNIT</a:t>
+                      </a:r>
+                    </a:p>
+                  </a:txBody>
+                  <a:tcPr marL="9525" marR="9525" marT="9525" marB="0" anchor="ctr">
+                    <a:lnL>
+                      <a:noFill/>
+                    </a:lnL>
+                    <a:lnR>
+                      <a:noFill/>
+                    </a:lnR>
+                    <a:lnT>
+                      <a:noFill/>
+                    </a:lnT>
+                    <a:lnB>
+                      <a:noFill/>
+                    </a:lnB>
+                    <a:solidFill>
+                      <a:srgbClr val="D9D9D9"/>
+                    </a:solidFill>
+                  </a:tcPr>
+                </a:tc>
+                <a:tc>
+                  <a:txBody>
+                    <a:bodyPr/>
+                    <a:lstStyle/>
+                    <a:p>
+                      <a:pPr algn="ctr" fontAlgn="ctr"/>
+                      <a:r>
+                        <a:rPr lang="en-US" sz="1100" b="0" i="0" u="none" strike="noStrike">
+                          <a:solidFill>
+                            <a:srgbClr val="000000"/>
+                          </a:solidFill>
+                          <a:effectLst/>
+                          <a:latin typeface="Calibri" panose="020F0502020204030204" pitchFamily="34" charset="0"/>
+                        </a:rPr>
+                        <a:t>COMMITMENT_TERM</a:t>
+                      </a:r>
+                    </a:p>
+                  </a:txBody>
+                  <a:tcPr marL="9525" marR="9525" marT="9525" marB="0" anchor="ctr">
+                    <a:lnL>
+                      <a:noFill/>
+                    </a:lnL>
+                    <a:lnR>
+                      <a:noFill/>
+                    </a:lnR>
+                    <a:lnT>
+                      <a:noFill/>
+                    </a:lnT>
+                    <a:lnB>
+                      <a:noFill/>
+                    </a:lnB>
+                    <a:solidFill>
+                      <a:srgbClr val="D9D9D9"/>
+                    </a:solidFill>
+                  </a:tcPr>
+                </a:tc>
+                <a:tc>
+                  <a:txBody>
+                    <a:bodyPr/>
+                    <a:lstStyle/>
+                    <a:p>
+                      <a:pPr algn="ctr" fontAlgn="ctr"/>
+                      <a:endParaRPr lang="en-US" sz="1100" b="0" i="0" u="none" strike="noStrike">
+                        <a:solidFill>
+                          <a:srgbClr val="000000"/>
+                        </a:solidFill>
+                        <a:effectLst/>
+                        <a:latin typeface="Calibri" panose="020F0502020204030204" pitchFamily="34" charset="0"/>
+                      </a:endParaRPr>
+                    </a:p>
+                  </a:txBody>
+                  <a:tcPr marL="9525" marR="9525" marT="9525" marB="0" anchor="ctr">
+                    <a:lnL>
+                      <a:noFill/>
+                    </a:lnL>
+                    <a:lnR>
+                      <a:noFill/>
+                    </a:lnR>
+                    <a:lnT>
+                      <a:noFill/>
+                    </a:lnT>
+                    <a:lnB>
+                      <a:noFill/>
+                    </a:lnB>
+                    <a:solidFill>
+                      <a:srgbClr val="D9D9D9"/>
+                    </a:solidFill>
+                  </a:tcPr>
+                </a:tc>
+                <a:tc>
+                  <a:txBody>
+                    <a:bodyPr/>
+                    <a:lstStyle/>
+                    <a:p>
+                      <a:pPr algn="ctr" fontAlgn="ctr"/>
+                      <a:r>
+                        <a:rPr lang="en-US" sz="1100" b="0" i="0" u="none" strike="noStrike">
+                          <a:solidFill>
+                            <a:srgbClr val="000000"/>
+                          </a:solidFill>
+                          <a:effectLst/>
+                          <a:latin typeface="Calibri" panose="020F0502020204030204" pitchFamily="34" charset="0"/>
+                        </a:rPr>
+                        <a:t>Multilevel pie chart</a:t>
+                      </a:r>
+                    </a:p>
+                  </a:txBody>
+                  <a:tcPr marL="9525" marR="9525" marT="9525" marB="0" anchor="ctr">
+                    <a:lnL>
+                      <a:noFill/>
+                    </a:lnL>
+                    <a:lnR>
+                      <a:noFill/>
+                    </a:lnR>
+                    <a:lnT>
+                      <a:noFill/>
+                    </a:lnT>
+                    <a:lnB>
+                      <a:noFill/>
+                    </a:lnB>
+                    <a:solidFill>
+                      <a:srgbClr val="D9D9D9"/>
+                    </a:solidFill>
+                  </a:tcPr>
+                </a:tc>
+                <a:tc>
+                  <a:txBody>
+                    <a:bodyPr/>
+                    <a:lstStyle/>
+                    <a:p>
+                      <a:pPr algn="ctr" fontAlgn="ctr"/>
+                      <a:r>
+                        <a:rPr lang="en-US" sz="1100" b="0" i="0" u="none" strike="noStrike">
+                          <a:solidFill>
+                            <a:srgbClr val="000000"/>
+                          </a:solidFill>
+                          <a:effectLst/>
+                          <a:latin typeface="Calibri" panose="020F0502020204030204" pitchFamily="34" charset="0"/>
+                        </a:rPr>
+                        <a:t>Yes</a:t>
+                      </a:r>
+                    </a:p>
+                  </a:txBody>
+                  <a:tcPr marL="9525" marR="9525" marT="9525" marB="0" anchor="ctr">
+                    <a:lnL>
+                      <a:noFill/>
+                    </a:lnL>
+                    <a:lnR>
+                      <a:noFill/>
+                    </a:lnR>
+                    <a:lnT>
+                      <a:noFill/>
+                    </a:lnT>
+                    <a:lnB>
+                      <a:noFill/>
+                    </a:lnB>
+                    <a:solidFill>
+                      <a:srgbClr val="D9D9D9"/>
+                    </a:solidFill>
+                  </a:tcPr>
+                </a:tc>
+                <a:tc>
+                  <a:txBody>
+                    <a:bodyPr/>
+                    <a:lstStyle/>
+                    <a:p>
+                      <a:pPr algn="ctr" fontAlgn="ctr"/>
+                      <a:r>
+                        <a:rPr lang="en-US" sz="1100" b="0" i="0" u="none" strike="noStrike">
+                          <a:solidFill>
+                            <a:srgbClr val="000000"/>
+                          </a:solidFill>
+                          <a:effectLst/>
+                          <a:latin typeface="Calibri" panose="020F0502020204030204" pitchFamily="34" charset="0"/>
+                        </a:rPr>
+                        <a:t>Offense Category</a:t>
+                      </a:r>
+                    </a:p>
+                  </a:txBody>
+                  <a:tcPr marL="9525" marR="9525" marT="9525" marB="0" anchor="ctr">
+                    <a:lnL>
+                      <a:noFill/>
+                    </a:lnL>
+                    <a:lnR w="6350" cap="flat" cmpd="sng" algn="ctr">
+                      <a:solidFill>
+                        <a:srgbClr val="000000"/>
+                      </a:solidFill>
+                      <a:prstDash val="solid"/>
+                      <a:round/>
+                      <a:headEnd type="none" w="med" len="med"/>
+                      <a:tailEnd type="none" w="med" len="med"/>
+                    </a:lnR>
+                    <a:lnT>
+                      <a:noFill/>
+                    </a:lnT>
+                    <a:lnB>
+                      <a:noFill/>
+                    </a:lnB>
+                    <a:solidFill>
+                      <a:srgbClr val="D9D9D9"/>
+                    </a:solidFill>
+                  </a:tcPr>
+                </a:tc>
+                <a:extLst>
+                  <a:ext uri="{0D108BD9-81ED-4DB2-BD59-A6C34878D82A}">
+                    <a16:rowId xmlns:a16="http://schemas.microsoft.com/office/drawing/2014/main" val="1569504245"/>
+                  </a:ext>
+                </a:extLst>
+              </a:tr>
+              <a:tr h="190500">
+                <a:tc>
+                  <a:txBody>
+                    <a:bodyPr/>
+                    <a:lstStyle/>
+                    <a:p>
+                      <a:pPr algn="ctr" fontAlgn="ctr"/>
+                      <a:r>
+                        <a:rPr lang="en-US" sz="1100" b="0" i="0" u="none" strike="noStrike">
+                          <a:solidFill>
+                            <a:srgbClr val="000000"/>
+                          </a:solidFill>
+                          <a:effectLst/>
+                          <a:latin typeface="Calibri" panose="020F0502020204030204" pitchFamily="34" charset="0"/>
+                        </a:rPr>
+                        <a:t>GENDER</a:t>
+                      </a:r>
+                    </a:p>
+                  </a:txBody>
+                  <a:tcPr marL="9525" marR="9525" marT="9525" marB="0" anchor="ctr">
+                    <a:lnL w="6350" cap="flat" cmpd="sng" algn="ctr">
+                      <a:solidFill>
+                        <a:srgbClr val="000000"/>
+                      </a:solidFill>
+                      <a:prstDash val="solid"/>
+                      <a:round/>
+                      <a:headEnd type="none" w="med" len="med"/>
+                      <a:tailEnd type="none" w="med" len="med"/>
+                    </a:lnL>
+                    <a:lnR>
+                      <a:noFill/>
+                    </a:lnR>
+                    <a:lnT>
+                      <a:noFill/>
+                    </a:lnT>
+                    <a:lnB w="6350" cap="flat" cmpd="sng" algn="ctr">
+                      <a:solidFill>
+                        <a:srgbClr val="000000"/>
+                      </a:solidFill>
+                      <a:prstDash val="solid"/>
+                      <a:round/>
+                      <a:headEnd type="none" w="med" len="med"/>
+                      <a:tailEnd type="none" w="med" len="med"/>
+                    </a:lnB>
+                  </a:tcPr>
+                </a:tc>
+                <a:tc>
+                  <a:txBody>
+                    <a:bodyPr/>
+                    <a:lstStyle/>
+                    <a:p>
+                      <a:pPr algn="ctr" fontAlgn="ctr"/>
+                      <a:r>
+                        <a:rPr lang="en-US" sz="1100" b="0" i="0" u="none" strike="noStrike">
+                          <a:solidFill>
+                            <a:srgbClr val="000000"/>
+                          </a:solidFill>
+                          <a:effectLst/>
+                          <a:latin typeface="Calibri" panose="020F0502020204030204" pitchFamily="34" charset="0"/>
+                        </a:rPr>
+                        <a:t>RACE</a:t>
+                      </a:r>
+                    </a:p>
+                  </a:txBody>
+                  <a:tcPr marL="9525" marR="9525" marT="9525" marB="0" anchor="ctr">
+                    <a:lnL>
+                      <a:noFill/>
+                    </a:lnL>
+                    <a:lnR>
+                      <a:noFill/>
+                    </a:lnR>
+                    <a:lnT>
+                      <a:noFill/>
+                    </a:lnT>
+                    <a:lnB w="6350" cap="flat" cmpd="sng" algn="ctr">
+                      <a:solidFill>
+                        <a:srgbClr val="000000"/>
+                      </a:solidFill>
+                      <a:prstDash val="solid"/>
+                      <a:round/>
+                      <a:headEnd type="none" w="med" len="med"/>
+                      <a:tailEnd type="none" w="med" len="med"/>
+                    </a:lnB>
+                  </a:tcPr>
+                </a:tc>
+                <a:tc>
+                  <a:txBody>
+                    <a:bodyPr/>
+                    <a:lstStyle/>
+                    <a:p>
+                      <a:pPr algn="ctr" fontAlgn="ctr"/>
+                      <a:r>
+                        <a:rPr lang="en-US" sz="1100" b="0" i="0" u="none" strike="noStrike">
+                          <a:solidFill>
+                            <a:srgbClr val="000000"/>
+                          </a:solidFill>
+                          <a:effectLst/>
+                          <a:latin typeface="Calibri" panose="020F0502020204030204" pitchFamily="34" charset="0"/>
+                        </a:rPr>
+                        <a:t>AGE_AT_INCIDENT</a:t>
+                      </a:r>
+                    </a:p>
+                  </a:txBody>
+                  <a:tcPr marL="9525" marR="9525" marT="9525" marB="0" anchor="ctr">
+                    <a:lnL>
+                      <a:noFill/>
+                    </a:lnL>
+                    <a:lnR>
+                      <a:noFill/>
+                    </a:lnR>
+                    <a:lnT>
+                      <a:noFill/>
+                    </a:lnT>
+                    <a:lnB w="6350" cap="flat" cmpd="sng" algn="ctr">
+                      <a:solidFill>
+                        <a:srgbClr val="000000"/>
+                      </a:solidFill>
+                      <a:prstDash val="solid"/>
+                      <a:round/>
+                      <a:headEnd type="none" w="med" len="med"/>
+                      <a:tailEnd type="none" w="med" len="med"/>
+                    </a:lnB>
+                  </a:tcPr>
+                </a:tc>
+                <a:tc>
+                  <a:txBody>
+                    <a:bodyPr/>
+                    <a:lstStyle/>
+                    <a:p>
+                      <a:pPr algn="ctr" fontAlgn="ctr"/>
+                      <a:endParaRPr lang="en-US" sz="1100" b="0" i="0" u="none" strike="noStrike">
+                        <a:solidFill>
+                          <a:srgbClr val="000000"/>
+                        </a:solidFill>
+                        <a:effectLst/>
+                        <a:latin typeface="Calibri" panose="020F0502020204030204" pitchFamily="34" charset="0"/>
+                      </a:endParaRPr>
+                    </a:p>
+                  </a:txBody>
+                  <a:tcPr marL="9525" marR="9525" marT="9525" marB="0" anchor="ctr">
+                    <a:lnL>
+                      <a:noFill/>
+                    </a:lnL>
+                    <a:lnR>
+                      <a:noFill/>
+                    </a:lnR>
+                    <a:lnT>
+                      <a:noFill/>
+                    </a:lnT>
+                    <a:lnB w="6350" cap="flat" cmpd="sng" algn="ctr">
+                      <a:solidFill>
+                        <a:srgbClr val="000000"/>
+                      </a:solidFill>
+                      <a:prstDash val="solid"/>
+                      <a:round/>
+                      <a:headEnd type="none" w="med" len="med"/>
+                      <a:tailEnd type="none" w="med" len="med"/>
+                    </a:lnB>
+                  </a:tcPr>
+                </a:tc>
+                <a:tc>
+                  <a:txBody>
+                    <a:bodyPr/>
+                    <a:lstStyle/>
+                    <a:p>
+                      <a:pPr algn="ctr" fontAlgn="ctr"/>
+                      <a:endParaRPr lang="en-US" sz="1100" b="0" i="0" u="none" strike="noStrike">
+                        <a:solidFill>
+                          <a:srgbClr val="000000"/>
+                        </a:solidFill>
+                        <a:effectLst/>
+                        <a:latin typeface="Calibri" panose="020F0502020204030204" pitchFamily="34" charset="0"/>
+                      </a:endParaRPr>
+                    </a:p>
+                  </a:txBody>
+                  <a:tcPr marL="9525" marR="9525" marT="9525" marB="0" anchor="ctr">
+                    <a:lnL>
+                      <a:noFill/>
+                    </a:lnL>
+                    <a:lnR>
+                      <a:noFill/>
+                    </a:lnR>
+                    <a:lnT>
+                      <a:noFill/>
+                    </a:lnT>
+                    <a:lnB w="6350" cap="flat" cmpd="sng" algn="ctr">
+                      <a:solidFill>
+                        <a:srgbClr val="000000"/>
+                      </a:solidFill>
+                      <a:prstDash val="solid"/>
+                      <a:round/>
+                      <a:headEnd type="none" w="med" len="med"/>
+                      <a:tailEnd type="none" w="med" len="med"/>
+                    </a:lnB>
+                  </a:tcPr>
+                </a:tc>
+                <a:tc>
+                  <a:txBody>
+                    <a:bodyPr/>
+                    <a:lstStyle/>
+                    <a:p>
+                      <a:pPr algn="ctr" fontAlgn="ctr"/>
+                      <a:r>
+                        <a:rPr lang="en-US" sz="1100" b="0" i="0" u="none" strike="noStrike">
+                          <a:solidFill>
+                            <a:srgbClr val="000000"/>
+                          </a:solidFill>
+                          <a:effectLst/>
+                          <a:latin typeface="Calibri" panose="020F0502020204030204" pitchFamily="34" charset="0"/>
+                        </a:rPr>
+                        <a:t>Multilevel pie chart</a:t>
+                      </a:r>
+                    </a:p>
+                  </a:txBody>
+                  <a:tcPr marL="9525" marR="9525" marT="9525" marB="0" anchor="ctr">
+                    <a:lnL>
+                      <a:noFill/>
+                    </a:lnL>
+                    <a:lnR>
+                      <a:noFill/>
+                    </a:lnR>
+                    <a:lnT>
+                      <a:noFill/>
+                    </a:lnT>
+                    <a:lnB w="6350" cap="flat" cmpd="sng" algn="ctr">
+                      <a:solidFill>
+                        <a:srgbClr val="000000"/>
+                      </a:solidFill>
+                      <a:prstDash val="solid"/>
+                      <a:round/>
+                      <a:headEnd type="none" w="med" len="med"/>
+                      <a:tailEnd type="none" w="med" len="med"/>
+                    </a:lnB>
+                  </a:tcPr>
+                </a:tc>
+                <a:tc>
+                  <a:txBody>
+                    <a:bodyPr/>
+                    <a:lstStyle/>
+                    <a:p>
+                      <a:pPr algn="ctr" fontAlgn="ctr"/>
+                      <a:r>
+                        <a:rPr lang="en-US" sz="1100" b="0" i="0" u="none" strike="noStrike">
+                          <a:solidFill>
+                            <a:srgbClr val="000000"/>
+                          </a:solidFill>
+                          <a:effectLst/>
+                          <a:latin typeface="Calibri" panose="020F0502020204030204" pitchFamily="34" charset="0"/>
+                        </a:rPr>
+                        <a:t>Yes</a:t>
+                      </a:r>
+                    </a:p>
+                  </a:txBody>
+                  <a:tcPr marL="9525" marR="9525" marT="9525" marB="0" anchor="ctr">
+                    <a:lnL>
+                      <a:noFill/>
+                    </a:lnL>
+                    <a:lnR>
+                      <a:noFill/>
+                    </a:lnR>
+                    <a:lnT>
+                      <a:noFill/>
+                    </a:lnT>
+                    <a:lnB w="6350" cap="flat" cmpd="sng" algn="ctr">
+                      <a:solidFill>
+                        <a:srgbClr val="000000"/>
+                      </a:solidFill>
+                      <a:prstDash val="solid"/>
+                      <a:round/>
+                      <a:headEnd type="none" w="med" len="med"/>
+                      <a:tailEnd type="none" w="med" len="med"/>
+                    </a:lnB>
+                  </a:tcPr>
+                </a:tc>
+                <a:tc>
+                  <a:txBody>
+                    <a:bodyPr/>
+                    <a:lstStyle/>
+                    <a:p>
+                      <a:pPr algn="ctr" fontAlgn="ctr"/>
+                      <a:r>
+                        <a:rPr lang="en-US" sz="1100" b="0" i="0" u="none" strike="noStrike" dirty="0">
+                          <a:solidFill>
+                            <a:srgbClr val="000000"/>
+                          </a:solidFill>
+                          <a:effectLst/>
+                          <a:latin typeface="Calibri" panose="020F0502020204030204" pitchFamily="34" charset="0"/>
+                        </a:rPr>
+                        <a:t>Demographic</a:t>
+                      </a:r>
+                    </a:p>
+                  </a:txBody>
+                  <a:tcPr marL="9525" marR="9525" marT="9525" marB="0" anchor="ctr">
+                    <a:lnL>
+                      <a:noFill/>
+                    </a:lnL>
+                    <a:lnR w="6350" cap="flat" cmpd="sng" algn="ctr">
+                      <a:solidFill>
+                        <a:srgbClr val="000000"/>
+                      </a:solidFill>
+                      <a:prstDash val="solid"/>
+                      <a:round/>
+                      <a:headEnd type="none" w="med" len="med"/>
+                      <a:tailEnd type="none" w="med" len="med"/>
+                    </a:lnR>
+                    <a:lnT>
+                      <a:noFill/>
+                    </a:lnT>
+                    <a:lnB w="6350" cap="flat" cmpd="sng" algn="ctr">
+                      <a:solidFill>
+                        <a:srgbClr val="000000"/>
+                      </a:solidFill>
+                      <a:prstDash val="solid"/>
+                      <a:round/>
+                      <a:headEnd type="none" w="med" len="med"/>
+                      <a:tailEnd type="none" w="med" len="med"/>
+                    </a:lnB>
+                  </a:tcPr>
+                </a:tc>
+                <a:extLst>
+                  <a:ext uri="{0D108BD9-81ED-4DB2-BD59-A6C34878D82A}">
+                    <a16:rowId xmlns:a16="http://schemas.microsoft.com/office/drawing/2014/main" val="4170347301"/>
+                  </a:ext>
+                </a:extLst>
+              </a:tr>
+            </a:tbl>
+          </a:graphicData>
+        </a:graphic>
+      </p:graphicFrame>
+    </p:spTree>
+    <p:extLst>
+      <p:ext uri="{BB962C8B-B14F-4D97-AF65-F5344CB8AC3E}">
+        <p14:creationId xmlns:p14="http://schemas.microsoft.com/office/powerpoint/2010/main" val="2841666136"/>
+      </p:ext>
+    </p:extLst>
+  </p:cSld>
+  <p:clrMapOvr>
+    <a:masterClrMapping/>
+  </p:clrMapOvr>
+</p:sld>
+</file>
+
+<file path=ppt/slides/slide3.xml><?xml version="1.0" encoding="utf-8"?>
+<p:sld xmlns:a="http://schemas.openxmlformats.org/drawingml/2006/main" xmlns:r="http://schemas.openxmlformats.org/officeDocument/2006/relationships" xmlns:p="http://schemas.openxmlformats.org/presentationml/2006/main">
+  <p:cSld>
+    <p:spTree>
+      <p:nvGrpSpPr>
+        <p:cNvPr id="1" name=""/>
+        <p:cNvGrpSpPr/>
+        <p:nvPr/>
+      </p:nvGrpSpPr>
+      <p:grpSpPr>
+        <a:xfrm>
+          <a:off x="0" y="0"/>
+          <a:ext cx="0" cy="0"/>
+          <a:chOff x="0" y="0"/>
+          <a:chExt cx="0" cy="0"/>
+        </a:xfrm>
+      </p:grpSpPr>
       <p:pic>
         <p:nvPicPr>
           <p:cNvPr id="4" name="Picture 3">
@@ -3720,7 +7461,7 @@
 </p:sld>
 </file>
 
-<file path=ppt/slides/slide2.xml><?xml version="1.0" encoding="utf-8"?>
+<file path=ppt/slides/slide4.xml><?xml version="1.0" encoding="utf-8"?>
 <p:sld xmlns:a="http://schemas.openxmlformats.org/drawingml/2006/main" xmlns:r="http://schemas.openxmlformats.org/officeDocument/2006/relationships" xmlns:p="http://schemas.openxmlformats.org/presentationml/2006/main">
   <p:cSld>
     <p:spTree>
@@ -3985,7 +7726,7 @@
 </p:sld>
 </file>
 
-<file path=ppt/slides/slide3.xml><?xml version="1.0" encoding="utf-8"?>
+<file path=ppt/slides/slide5.xml><?xml version="1.0" encoding="utf-8"?>
 <p:sld xmlns:a="http://schemas.openxmlformats.org/drawingml/2006/main" xmlns:r="http://schemas.openxmlformats.org/officeDocument/2006/relationships" xmlns:p="http://schemas.openxmlformats.org/presentationml/2006/main">
   <p:cSld>
     <p:spTree>
@@ -4436,7 +8177,7 @@
 </p:sld>
 </file>
 
-<file path=ppt/slides/slide4.xml><?xml version="1.0" encoding="utf-8"?>
+<file path=ppt/slides/slide6.xml><?xml version="1.0" encoding="utf-8"?>
 <p:sld xmlns:a="http://schemas.openxmlformats.org/drawingml/2006/main" xmlns:r="http://schemas.openxmlformats.org/officeDocument/2006/relationships" xmlns:p="http://schemas.openxmlformats.org/presentationml/2006/main">
   <p:cSld>
     <p:spTree>

--- a/sketches.pptx
+++ b/sketches.pptx
@@ -3382,53 +3382,53 @@
           <a:p>
             <a:r>
               <a:rPr lang="en-US" dirty="0"/>
-              <a:t>Lading Page: Dashboard</a:t>
+              <a:t>Lading Page: Dashboard (1)</a:t>
             </a:r>
           </a:p>
           <a:p>
             <a:pPr lvl="1"/>
             <a:r>
               <a:rPr lang="en-US" dirty="0"/>
-              <a:t>Demographics</a:t>
+              <a:t>Demographics (2)</a:t>
             </a:r>
           </a:p>
           <a:p>
             <a:pPr lvl="1"/>
             <a:r>
               <a:rPr lang="en-US" dirty="0"/>
-              <a:t>Offense Category</a:t>
+              <a:t>Offense Category (3)</a:t>
             </a:r>
           </a:p>
           <a:p>
             <a:pPr lvl="1"/>
             <a:r>
               <a:rPr lang="en-US" dirty="0"/>
-              <a:t>Length of case</a:t>
+              <a:t>Length of case (4)</a:t>
             </a:r>
           </a:p>
           <a:p>
             <a:pPr lvl="1"/>
             <a:r>
               <a:rPr lang="en-US" dirty="0"/>
-              <a:t>Courts</a:t>
+              <a:t>Courts (5)</a:t>
             </a:r>
           </a:p>
           <a:p>
             <a:r>
               <a:rPr lang="en-US" dirty="0"/>
-              <a:t>About: description of the project and us</a:t>
+              <a:t>About: description of the project and us (6)</a:t>
             </a:r>
           </a:p>
           <a:p>
             <a:r>
               <a:rPr lang="en-US" dirty="0"/>
-              <a:t>Data: Table mini description of data</a:t>
+              <a:t>Data: Table mini description of data (7)</a:t>
             </a:r>
           </a:p>
           <a:p>
             <a:r>
               <a:rPr lang="en-US" dirty="0"/>
-              <a:t>Map: Map of the county (total cases, percentage of offense category [80%/20%])</a:t>
+              <a:t>Map: Map of the county (total cases, percentage of offense category [80%/20%]) (8)</a:t>
             </a:r>
           </a:p>
         </p:txBody>
@@ -3505,10 +3505,15 @@
           </p:cNvGraphicFramePr>
           <p:nvPr>
             <p:ph idx="1"/>
+            <p:extLst>
+              <p:ext uri="{D42A27DB-BD31-4B8C-83A1-F6EECF244321}">
+                <p14:modId xmlns:p14="http://schemas.microsoft.com/office/powerpoint/2010/main" val="4177961560"/>
+              </p:ext>
+            </p:extLst>
           </p:nvPr>
         </p:nvGraphicFramePr>
         <p:xfrm>
-          <a:off x="889000" y="2876391"/>
+          <a:off x="889000" y="1566569"/>
           <a:ext cx="10414000" cy="2249805"/>
         </p:xfrm>
         <a:graphic>

--- a/sketches.pptx
+++ b/sketches.pptx
@@ -117,6 +117,52 @@
 </p:presentation>
 </file>
 
+<file path=ppt/commentAuthors.xml><?xml version="1.0" encoding="utf-8"?>
+<p:cmAuthorLst xmlns:a="http://schemas.openxmlformats.org/drawingml/2006/main" xmlns:r="http://schemas.openxmlformats.org/officeDocument/2006/relationships" xmlns:p="http://schemas.openxmlformats.org/presentationml/2006/main">
+  <p:cmAuthor id="1" name="daniel orta" initials="do" lastIdx="3" clrIdx="0">
+    <p:extLst>
+      <p:ext uri="{19B8F6BF-5375-455C-9EA6-DF929625EA0E}">
+        <p15:presenceInfo xmlns:p15="http://schemas.microsoft.com/office/powerpoint/2012/main" userId="43d448a42e100a81" providerId="Windows Live"/>
+      </p:ext>
+    </p:extLst>
+  </p:cmAuthor>
+</p:cmAuthorLst>
+</file>
+
+<file path=ppt/comments/comment1.xml><?xml version="1.0" encoding="utf-8"?>
+<p:cmLst xmlns:a="http://schemas.openxmlformats.org/drawingml/2006/main" xmlns:r="http://schemas.openxmlformats.org/officeDocument/2006/relationships" xmlns:p="http://schemas.openxmlformats.org/presentationml/2006/main">
+  <p:cm authorId="1" dt="2020-05-26T21:54:29.791" idx="1">
+    <p:pos x="6977" y="1098"/>
+    <p:text>Gráficas pie charts con filtros.</p:text>
+    <p:extLst>
+      <p:ext uri="{C676402C-5697-4E1C-873F-D02D1690AC5C}">
+        <p15:threadingInfo xmlns:p15="http://schemas.microsoft.com/office/powerpoint/2012/main" timeZoneBias="300"/>
+      </p:ext>
+    </p:extLst>
+  </p:cm>
+  <p:cm authorId="1" dt="2020-05-26T21:55:59.818" idx="2">
+    <p:pos x="6977" y="1194"/>
+    <p:text>Reset button</p:text>
+    <p:extLst>
+      <p:ext uri="{C676402C-5697-4E1C-873F-D02D1690AC5C}">
+        <p15:threadingInfo xmlns:p15="http://schemas.microsoft.com/office/powerpoint/2012/main" timeZoneBias="300">
+          <p15:parentCm authorId="1" idx="1"/>
+        </p15:threadingInfo>
+      </p:ext>
+    </p:extLst>
+  </p:cm>
+  <p:cm authorId="1" dt="2020-05-26T22:20:30.031" idx="3">
+    <p:pos x="6921" y="1436"/>
+    <p:text>2 filters: 1 probation, 1 incarceration</p:text>
+    <p:extLst>
+      <p:ext uri="{C676402C-5697-4E1C-873F-D02D1690AC5C}">
+        <p15:threadingInfo xmlns:p15="http://schemas.microsoft.com/office/powerpoint/2012/main" timeZoneBias="300"/>
+      </p:ext>
+    </p:extLst>
+  </p:cm>
+</p:cmLst>
+</file>
+
 <file path=ppt/slideLayouts/slideLayout1.xml><?xml version="1.0" encoding="utf-8"?>
 <p:sldLayout xmlns:a="http://schemas.openxmlformats.org/drawingml/2006/main" xmlns:r="http://schemas.openxmlformats.org/officeDocument/2006/relationships" xmlns:p="http://schemas.openxmlformats.org/presentationml/2006/main" type="title" preserve="1">
   <p:cSld name="Title Slide">
@@ -139,7 +185,7 @@
           <p:cNvPr id="2" name="Title 1">
             <a:extLst>
               <a:ext uri="{FF2B5EF4-FFF2-40B4-BE49-F238E27FC236}">
-                <a16:creationId xmlns:a16="http://schemas.microsoft.com/office/drawing/2014/main" id="{9A4D770A-9C13-4F0E-A66E-EE9887B4DB3A}"/>
+                <a16:creationId xmlns:a16="http://schemas.microsoft.com/office/drawing/2014/main" xmlns="" id="{9A4D770A-9C13-4F0E-A66E-EE9887B4DB3A}"/>
               </a:ext>
             </a:extLst>
           </p:cNvPr>
@@ -176,7 +222,7 @@
           <p:cNvPr id="3" name="Subtitle 2">
             <a:extLst>
               <a:ext uri="{FF2B5EF4-FFF2-40B4-BE49-F238E27FC236}">
-                <a16:creationId xmlns:a16="http://schemas.microsoft.com/office/drawing/2014/main" id="{F15BA75E-4C76-47DF-A1AB-04DE77E372E8}"/>
+                <a16:creationId xmlns:a16="http://schemas.microsoft.com/office/drawing/2014/main" xmlns="" id="{F15BA75E-4C76-47DF-A1AB-04DE77E372E8}"/>
               </a:ext>
             </a:extLst>
           </p:cNvPr>
@@ -246,7 +292,7 @@
           <p:cNvPr id="4" name="Date Placeholder 3">
             <a:extLst>
               <a:ext uri="{FF2B5EF4-FFF2-40B4-BE49-F238E27FC236}">
-                <a16:creationId xmlns:a16="http://schemas.microsoft.com/office/drawing/2014/main" id="{79FD787B-D7B0-435B-A9FA-09CE62B3C5E0}"/>
+                <a16:creationId xmlns:a16="http://schemas.microsoft.com/office/drawing/2014/main" xmlns="" id="{79FD787B-D7B0-435B-A9FA-09CE62B3C5E0}"/>
               </a:ext>
             </a:extLst>
           </p:cNvPr>
@@ -264,7 +310,7 @@
           <a:p>
             <a:fld id="{25E08D22-8ABF-4F25-8268-5655165803FF}" type="datetimeFigureOut">
               <a:rPr lang="en-US" smtClean="0"/>
-              <a:t>5/23/2020</a:t>
+              <a:t>5/26/2020</a:t>
             </a:fld>
             <a:endParaRPr lang="en-US"/>
           </a:p>
@@ -275,7 +321,7 @@
           <p:cNvPr id="5" name="Footer Placeholder 4">
             <a:extLst>
               <a:ext uri="{FF2B5EF4-FFF2-40B4-BE49-F238E27FC236}">
-                <a16:creationId xmlns:a16="http://schemas.microsoft.com/office/drawing/2014/main" id="{393615F8-D6DC-4ABA-B0FE-153F84D1913F}"/>
+                <a16:creationId xmlns:a16="http://schemas.microsoft.com/office/drawing/2014/main" xmlns="" id="{393615F8-D6DC-4ABA-B0FE-153F84D1913F}"/>
               </a:ext>
             </a:extLst>
           </p:cNvPr>
@@ -300,7 +346,7 @@
           <p:cNvPr id="6" name="Slide Number Placeholder 5">
             <a:extLst>
               <a:ext uri="{FF2B5EF4-FFF2-40B4-BE49-F238E27FC236}">
-                <a16:creationId xmlns:a16="http://schemas.microsoft.com/office/drawing/2014/main" id="{C572F1CA-E8A4-4F7B-8DC0-479B318EB663}"/>
+                <a16:creationId xmlns:a16="http://schemas.microsoft.com/office/drawing/2014/main" xmlns="" id="{C572F1CA-E8A4-4F7B-8DC0-479B318EB663}"/>
               </a:ext>
             </a:extLst>
           </p:cNvPr>
@@ -318,7 +364,7 @@
           <a:p>
             <a:fld id="{05A204D3-7162-4E66-B5DE-41D55F78E01E}" type="slidenum">
               <a:rPr lang="en-US" smtClean="0"/>
-              <a:t>‹#›</a:t>
+              <a:t>‹Nº›</a:t>
             </a:fld>
             <a:endParaRPr lang="en-US"/>
           </a:p>
@@ -359,7 +405,7 @@
           <p:cNvPr id="2" name="Title 1">
             <a:extLst>
               <a:ext uri="{FF2B5EF4-FFF2-40B4-BE49-F238E27FC236}">
-                <a16:creationId xmlns:a16="http://schemas.microsoft.com/office/drawing/2014/main" id="{E01B379B-1EEC-4BB2-9FAD-97BD4E326EDD}"/>
+                <a16:creationId xmlns:a16="http://schemas.microsoft.com/office/drawing/2014/main" xmlns="" id="{E01B379B-1EEC-4BB2-9FAD-97BD4E326EDD}"/>
               </a:ext>
             </a:extLst>
           </p:cNvPr>
@@ -387,7 +433,7 @@
           <p:cNvPr id="3" name="Vertical Text Placeholder 2">
             <a:extLst>
               <a:ext uri="{FF2B5EF4-FFF2-40B4-BE49-F238E27FC236}">
-                <a16:creationId xmlns:a16="http://schemas.microsoft.com/office/drawing/2014/main" id="{6C86C4C6-B622-4294-8A42-AC79938DAD91}"/>
+                <a16:creationId xmlns:a16="http://schemas.microsoft.com/office/drawing/2014/main" xmlns="" id="{6C86C4C6-B622-4294-8A42-AC79938DAD91}"/>
               </a:ext>
             </a:extLst>
           </p:cNvPr>
@@ -444,7 +490,7 @@
           <p:cNvPr id="4" name="Date Placeholder 3">
             <a:extLst>
               <a:ext uri="{FF2B5EF4-FFF2-40B4-BE49-F238E27FC236}">
-                <a16:creationId xmlns:a16="http://schemas.microsoft.com/office/drawing/2014/main" id="{CDD8933A-CED4-4E3C-908C-1CA4383CDB68}"/>
+                <a16:creationId xmlns:a16="http://schemas.microsoft.com/office/drawing/2014/main" xmlns="" id="{CDD8933A-CED4-4E3C-908C-1CA4383CDB68}"/>
               </a:ext>
             </a:extLst>
           </p:cNvPr>
@@ -462,7 +508,7 @@
           <a:p>
             <a:fld id="{25E08D22-8ABF-4F25-8268-5655165803FF}" type="datetimeFigureOut">
               <a:rPr lang="en-US" smtClean="0"/>
-              <a:t>5/23/2020</a:t>
+              <a:t>5/26/2020</a:t>
             </a:fld>
             <a:endParaRPr lang="en-US"/>
           </a:p>
@@ -473,7 +519,7 @@
           <p:cNvPr id="5" name="Footer Placeholder 4">
             <a:extLst>
               <a:ext uri="{FF2B5EF4-FFF2-40B4-BE49-F238E27FC236}">
-                <a16:creationId xmlns:a16="http://schemas.microsoft.com/office/drawing/2014/main" id="{FAD1703C-1ECE-4C2E-9C35-0963114069E2}"/>
+                <a16:creationId xmlns:a16="http://schemas.microsoft.com/office/drawing/2014/main" xmlns="" id="{FAD1703C-1ECE-4C2E-9C35-0963114069E2}"/>
               </a:ext>
             </a:extLst>
           </p:cNvPr>
@@ -498,7 +544,7 @@
           <p:cNvPr id="6" name="Slide Number Placeholder 5">
             <a:extLst>
               <a:ext uri="{FF2B5EF4-FFF2-40B4-BE49-F238E27FC236}">
-                <a16:creationId xmlns:a16="http://schemas.microsoft.com/office/drawing/2014/main" id="{CE2B89AA-C69C-4A92-9985-086502F69A03}"/>
+                <a16:creationId xmlns:a16="http://schemas.microsoft.com/office/drawing/2014/main" xmlns="" id="{CE2B89AA-C69C-4A92-9985-086502F69A03}"/>
               </a:ext>
             </a:extLst>
           </p:cNvPr>
@@ -516,7 +562,7 @@
           <a:p>
             <a:fld id="{05A204D3-7162-4E66-B5DE-41D55F78E01E}" type="slidenum">
               <a:rPr lang="en-US" smtClean="0"/>
-              <a:t>‹#›</a:t>
+              <a:t>‹Nº›</a:t>
             </a:fld>
             <a:endParaRPr lang="en-US"/>
           </a:p>
@@ -557,7 +603,7 @@
           <p:cNvPr id="2" name="Vertical Title 1">
             <a:extLst>
               <a:ext uri="{FF2B5EF4-FFF2-40B4-BE49-F238E27FC236}">
-                <a16:creationId xmlns:a16="http://schemas.microsoft.com/office/drawing/2014/main" id="{9BFED6EF-859C-4A40-87BB-BF5CBDCAC3FC}"/>
+                <a16:creationId xmlns:a16="http://schemas.microsoft.com/office/drawing/2014/main" xmlns="" id="{9BFED6EF-859C-4A40-87BB-BF5CBDCAC3FC}"/>
               </a:ext>
             </a:extLst>
           </p:cNvPr>
@@ -590,7 +636,7 @@
           <p:cNvPr id="3" name="Vertical Text Placeholder 2">
             <a:extLst>
               <a:ext uri="{FF2B5EF4-FFF2-40B4-BE49-F238E27FC236}">
-                <a16:creationId xmlns:a16="http://schemas.microsoft.com/office/drawing/2014/main" id="{12B802DD-7995-4236-B00B-72E1531FE622}"/>
+                <a16:creationId xmlns:a16="http://schemas.microsoft.com/office/drawing/2014/main" xmlns="" id="{12B802DD-7995-4236-B00B-72E1531FE622}"/>
               </a:ext>
             </a:extLst>
           </p:cNvPr>
@@ -652,7 +698,7 @@
           <p:cNvPr id="4" name="Date Placeholder 3">
             <a:extLst>
               <a:ext uri="{FF2B5EF4-FFF2-40B4-BE49-F238E27FC236}">
-                <a16:creationId xmlns:a16="http://schemas.microsoft.com/office/drawing/2014/main" id="{5076E3F2-EE1A-4038-8C27-AA09271B0497}"/>
+                <a16:creationId xmlns:a16="http://schemas.microsoft.com/office/drawing/2014/main" xmlns="" id="{5076E3F2-EE1A-4038-8C27-AA09271B0497}"/>
               </a:ext>
             </a:extLst>
           </p:cNvPr>
@@ -670,7 +716,7 @@
           <a:p>
             <a:fld id="{25E08D22-8ABF-4F25-8268-5655165803FF}" type="datetimeFigureOut">
               <a:rPr lang="en-US" smtClean="0"/>
-              <a:t>5/23/2020</a:t>
+              <a:t>5/26/2020</a:t>
             </a:fld>
             <a:endParaRPr lang="en-US"/>
           </a:p>
@@ -681,7 +727,7 @@
           <p:cNvPr id="5" name="Footer Placeholder 4">
             <a:extLst>
               <a:ext uri="{FF2B5EF4-FFF2-40B4-BE49-F238E27FC236}">
-                <a16:creationId xmlns:a16="http://schemas.microsoft.com/office/drawing/2014/main" id="{FAEA5069-1FFB-4241-B6E9-93FED4394E25}"/>
+                <a16:creationId xmlns:a16="http://schemas.microsoft.com/office/drawing/2014/main" xmlns="" id="{FAEA5069-1FFB-4241-B6E9-93FED4394E25}"/>
               </a:ext>
             </a:extLst>
           </p:cNvPr>
@@ -706,7 +752,7 @@
           <p:cNvPr id="6" name="Slide Number Placeholder 5">
             <a:extLst>
               <a:ext uri="{FF2B5EF4-FFF2-40B4-BE49-F238E27FC236}">
-                <a16:creationId xmlns:a16="http://schemas.microsoft.com/office/drawing/2014/main" id="{F9A4A6EC-568E-48A1-A491-745EF71F39A7}"/>
+                <a16:creationId xmlns:a16="http://schemas.microsoft.com/office/drawing/2014/main" xmlns="" id="{F9A4A6EC-568E-48A1-A491-745EF71F39A7}"/>
               </a:ext>
             </a:extLst>
           </p:cNvPr>
@@ -724,7 +770,7 @@
           <a:p>
             <a:fld id="{05A204D3-7162-4E66-B5DE-41D55F78E01E}" type="slidenum">
               <a:rPr lang="en-US" smtClean="0"/>
-              <a:t>‹#›</a:t>
+              <a:t>‹Nº›</a:t>
             </a:fld>
             <a:endParaRPr lang="en-US"/>
           </a:p>
@@ -765,7 +811,7 @@
           <p:cNvPr id="2" name="Title 1">
             <a:extLst>
               <a:ext uri="{FF2B5EF4-FFF2-40B4-BE49-F238E27FC236}">
-                <a16:creationId xmlns:a16="http://schemas.microsoft.com/office/drawing/2014/main" id="{DFA803E8-FF7F-4713-AA15-BFA38E3AFB55}"/>
+                <a16:creationId xmlns:a16="http://schemas.microsoft.com/office/drawing/2014/main" xmlns="" id="{DFA803E8-FF7F-4713-AA15-BFA38E3AFB55}"/>
               </a:ext>
             </a:extLst>
           </p:cNvPr>
@@ -793,7 +839,7 @@
           <p:cNvPr id="3" name="Content Placeholder 2">
             <a:extLst>
               <a:ext uri="{FF2B5EF4-FFF2-40B4-BE49-F238E27FC236}">
-                <a16:creationId xmlns:a16="http://schemas.microsoft.com/office/drawing/2014/main" id="{219188E8-E772-4D1D-AE21-76A2B119178B}"/>
+                <a16:creationId xmlns:a16="http://schemas.microsoft.com/office/drawing/2014/main" xmlns="" id="{219188E8-E772-4D1D-AE21-76A2B119178B}"/>
               </a:ext>
             </a:extLst>
           </p:cNvPr>
@@ -850,7 +896,7 @@
           <p:cNvPr id="4" name="Date Placeholder 3">
             <a:extLst>
               <a:ext uri="{FF2B5EF4-FFF2-40B4-BE49-F238E27FC236}">
-                <a16:creationId xmlns:a16="http://schemas.microsoft.com/office/drawing/2014/main" id="{4C9FE070-A712-4690-A9EE-521973BD060C}"/>
+                <a16:creationId xmlns:a16="http://schemas.microsoft.com/office/drawing/2014/main" xmlns="" id="{4C9FE070-A712-4690-A9EE-521973BD060C}"/>
               </a:ext>
             </a:extLst>
           </p:cNvPr>
@@ -868,7 +914,7 @@
           <a:p>
             <a:fld id="{25E08D22-8ABF-4F25-8268-5655165803FF}" type="datetimeFigureOut">
               <a:rPr lang="en-US" smtClean="0"/>
-              <a:t>5/23/2020</a:t>
+              <a:t>5/26/2020</a:t>
             </a:fld>
             <a:endParaRPr lang="en-US"/>
           </a:p>
@@ -879,7 +925,7 @@
           <p:cNvPr id="5" name="Footer Placeholder 4">
             <a:extLst>
               <a:ext uri="{FF2B5EF4-FFF2-40B4-BE49-F238E27FC236}">
-                <a16:creationId xmlns:a16="http://schemas.microsoft.com/office/drawing/2014/main" id="{C2A68579-F5E0-4173-B795-1498249A20B8}"/>
+                <a16:creationId xmlns:a16="http://schemas.microsoft.com/office/drawing/2014/main" xmlns="" id="{C2A68579-F5E0-4173-B795-1498249A20B8}"/>
               </a:ext>
             </a:extLst>
           </p:cNvPr>
@@ -904,7 +950,7 @@
           <p:cNvPr id="6" name="Slide Number Placeholder 5">
             <a:extLst>
               <a:ext uri="{FF2B5EF4-FFF2-40B4-BE49-F238E27FC236}">
-                <a16:creationId xmlns:a16="http://schemas.microsoft.com/office/drawing/2014/main" id="{941E30F5-EDB2-4397-A3B7-7BE4301B2E50}"/>
+                <a16:creationId xmlns:a16="http://schemas.microsoft.com/office/drawing/2014/main" xmlns="" id="{941E30F5-EDB2-4397-A3B7-7BE4301B2E50}"/>
               </a:ext>
             </a:extLst>
           </p:cNvPr>
@@ -922,7 +968,7 @@
           <a:p>
             <a:fld id="{05A204D3-7162-4E66-B5DE-41D55F78E01E}" type="slidenum">
               <a:rPr lang="en-US" smtClean="0"/>
-              <a:t>‹#›</a:t>
+              <a:t>‹Nº›</a:t>
             </a:fld>
             <a:endParaRPr lang="en-US"/>
           </a:p>
@@ -963,7 +1009,7 @@
           <p:cNvPr id="2" name="Title 1">
             <a:extLst>
               <a:ext uri="{FF2B5EF4-FFF2-40B4-BE49-F238E27FC236}">
-                <a16:creationId xmlns:a16="http://schemas.microsoft.com/office/drawing/2014/main" id="{F71154DB-B116-44EB-B026-1F5C708AA6AD}"/>
+                <a16:creationId xmlns:a16="http://schemas.microsoft.com/office/drawing/2014/main" xmlns="" id="{F71154DB-B116-44EB-B026-1F5C708AA6AD}"/>
               </a:ext>
             </a:extLst>
           </p:cNvPr>
@@ -1000,7 +1046,7 @@
           <p:cNvPr id="3" name="Text Placeholder 2">
             <a:extLst>
               <a:ext uri="{FF2B5EF4-FFF2-40B4-BE49-F238E27FC236}">
-                <a16:creationId xmlns:a16="http://schemas.microsoft.com/office/drawing/2014/main" id="{F6D23B97-6310-4666-BE32-2887DA16EC76}"/>
+                <a16:creationId xmlns:a16="http://schemas.microsoft.com/office/drawing/2014/main" xmlns="" id="{F6D23B97-6310-4666-BE32-2887DA16EC76}"/>
               </a:ext>
             </a:extLst>
           </p:cNvPr>
@@ -1125,7 +1171,7 @@
           <p:cNvPr id="4" name="Date Placeholder 3">
             <a:extLst>
               <a:ext uri="{FF2B5EF4-FFF2-40B4-BE49-F238E27FC236}">
-                <a16:creationId xmlns:a16="http://schemas.microsoft.com/office/drawing/2014/main" id="{5C0E284C-CAE1-47C9-BF61-48ED22315AE0}"/>
+                <a16:creationId xmlns:a16="http://schemas.microsoft.com/office/drawing/2014/main" xmlns="" id="{5C0E284C-CAE1-47C9-BF61-48ED22315AE0}"/>
               </a:ext>
             </a:extLst>
           </p:cNvPr>
@@ -1143,7 +1189,7 @@
           <a:p>
             <a:fld id="{25E08D22-8ABF-4F25-8268-5655165803FF}" type="datetimeFigureOut">
               <a:rPr lang="en-US" smtClean="0"/>
-              <a:t>5/23/2020</a:t>
+              <a:t>5/26/2020</a:t>
             </a:fld>
             <a:endParaRPr lang="en-US"/>
           </a:p>
@@ -1154,7 +1200,7 @@
           <p:cNvPr id="5" name="Footer Placeholder 4">
             <a:extLst>
               <a:ext uri="{FF2B5EF4-FFF2-40B4-BE49-F238E27FC236}">
-                <a16:creationId xmlns:a16="http://schemas.microsoft.com/office/drawing/2014/main" id="{23B2317D-C473-44E6-BA04-10395E2452F8}"/>
+                <a16:creationId xmlns:a16="http://schemas.microsoft.com/office/drawing/2014/main" xmlns="" id="{23B2317D-C473-44E6-BA04-10395E2452F8}"/>
               </a:ext>
             </a:extLst>
           </p:cNvPr>
@@ -1179,7 +1225,7 @@
           <p:cNvPr id="6" name="Slide Number Placeholder 5">
             <a:extLst>
               <a:ext uri="{FF2B5EF4-FFF2-40B4-BE49-F238E27FC236}">
-                <a16:creationId xmlns:a16="http://schemas.microsoft.com/office/drawing/2014/main" id="{296BF17E-BAC7-44FF-B0CD-7C7A9DE0F907}"/>
+                <a16:creationId xmlns:a16="http://schemas.microsoft.com/office/drawing/2014/main" xmlns="" id="{296BF17E-BAC7-44FF-B0CD-7C7A9DE0F907}"/>
               </a:ext>
             </a:extLst>
           </p:cNvPr>
@@ -1197,7 +1243,7 @@
           <a:p>
             <a:fld id="{05A204D3-7162-4E66-B5DE-41D55F78E01E}" type="slidenum">
               <a:rPr lang="en-US" smtClean="0"/>
-              <a:t>‹#›</a:t>
+              <a:t>‹Nº›</a:t>
             </a:fld>
             <a:endParaRPr lang="en-US"/>
           </a:p>
@@ -1238,7 +1284,7 @@
           <p:cNvPr id="2" name="Title 1">
             <a:extLst>
               <a:ext uri="{FF2B5EF4-FFF2-40B4-BE49-F238E27FC236}">
-                <a16:creationId xmlns:a16="http://schemas.microsoft.com/office/drawing/2014/main" id="{7FFE40BA-D679-452C-B186-129153F439FE}"/>
+                <a16:creationId xmlns:a16="http://schemas.microsoft.com/office/drawing/2014/main" xmlns="" id="{7FFE40BA-D679-452C-B186-129153F439FE}"/>
               </a:ext>
             </a:extLst>
           </p:cNvPr>
@@ -1266,7 +1312,7 @@
           <p:cNvPr id="3" name="Content Placeholder 2">
             <a:extLst>
               <a:ext uri="{FF2B5EF4-FFF2-40B4-BE49-F238E27FC236}">
-                <a16:creationId xmlns:a16="http://schemas.microsoft.com/office/drawing/2014/main" id="{4C33E594-B1B4-49BC-B7D7-9E27AEABB6EB}"/>
+                <a16:creationId xmlns:a16="http://schemas.microsoft.com/office/drawing/2014/main" xmlns="" id="{4C33E594-B1B4-49BC-B7D7-9E27AEABB6EB}"/>
               </a:ext>
             </a:extLst>
           </p:cNvPr>
@@ -1328,7 +1374,7 @@
           <p:cNvPr id="4" name="Content Placeholder 3">
             <a:extLst>
               <a:ext uri="{FF2B5EF4-FFF2-40B4-BE49-F238E27FC236}">
-                <a16:creationId xmlns:a16="http://schemas.microsoft.com/office/drawing/2014/main" id="{C7FD8A7F-68CB-427B-BC19-6C9D9FDE90C7}"/>
+                <a16:creationId xmlns:a16="http://schemas.microsoft.com/office/drawing/2014/main" xmlns="" id="{C7FD8A7F-68CB-427B-BC19-6C9D9FDE90C7}"/>
               </a:ext>
             </a:extLst>
           </p:cNvPr>
@@ -1390,7 +1436,7 @@
           <p:cNvPr id="5" name="Date Placeholder 4">
             <a:extLst>
               <a:ext uri="{FF2B5EF4-FFF2-40B4-BE49-F238E27FC236}">
-                <a16:creationId xmlns:a16="http://schemas.microsoft.com/office/drawing/2014/main" id="{A342EDBB-5FE3-4716-A2FC-DFFE05861B5B}"/>
+                <a16:creationId xmlns:a16="http://schemas.microsoft.com/office/drawing/2014/main" xmlns="" id="{A342EDBB-5FE3-4716-A2FC-DFFE05861B5B}"/>
               </a:ext>
             </a:extLst>
           </p:cNvPr>
@@ -1408,7 +1454,7 @@
           <a:p>
             <a:fld id="{25E08D22-8ABF-4F25-8268-5655165803FF}" type="datetimeFigureOut">
               <a:rPr lang="en-US" smtClean="0"/>
-              <a:t>5/23/2020</a:t>
+              <a:t>5/26/2020</a:t>
             </a:fld>
             <a:endParaRPr lang="en-US"/>
           </a:p>
@@ -1419,7 +1465,7 @@
           <p:cNvPr id="6" name="Footer Placeholder 5">
             <a:extLst>
               <a:ext uri="{FF2B5EF4-FFF2-40B4-BE49-F238E27FC236}">
-                <a16:creationId xmlns:a16="http://schemas.microsoft.com/office/drawing/2014/main" id="{ECE74E8B-0B8F-4A39-8D6C-1BE0A541307B}"/>
+                <a16:creationId xmlns:a16="http://schemas.microsoft.com/office/drawing/2014/main" xmlns="" id="{ECE74E8B-0B8F-4A39-8D6C-1BE0A541307B}"/>
               </a:ext>
             </a:extLst>
           </p:cNvPr>
@@ -1444,7 +1490,7 @@
           <p:cNvPr id="7" name="Slide Number Placeholder 6">
             <a:extLst>
               <a:ext uri="{FF2B5EF4-FFF2-40B4-BE49-F238E27FC236}">
-                <a16:creationId xmlns:a16="http://schemas.microsoft.com/office/drawing/2014/main" id="{CF46E2FF-4A04-4CB3-B21D-F236803A06E1}"/>
+                <a16:creationId xmlns:a16="http://schemas.microsoft.com/office/drawing/2014/main" xmlns="" id="{CF46E2FF-4A04-4CB3-B21D-F236803A06E1}"/>
               </a:ext>
             </a:extLst>
           </p:cNvPr>
@@ -1462,7 +1508,7 @@
           <a:p>
             <a:fld id="{05A204D3-7162-4E66-B5DE-41D55F78E01E}" type="slidenum">
               <a:rPr lang="en-US" smtClean="0"/>
-              <a:t>‹#›</a:t>
+              <a:t>‹Nº›</a:t>
             </a:fld>
             <a:endParaRPr lang="en-US"/>
           </a:p>
@@ -1503,7 +1549,7 @@
           <p:cNvPr id="2" name="Title 1">
             <a:extLst>
               <a:ext uri="{FF2B5EF4-FFF2-40B4-BE49-F238E27FC236}">
-                <a16:creationId xmlns:a16="http://schemas.microsoft.com/office/drawing/2014/main" id="{99312E1D-F8B8-46EA-A381-80D1B0E06134}"/>
+                <a16:creationId xmlns:a16="http://schemas.microsoft.com/office/drawing/2014/main" xmlns="" id="{99312E1D-F8B8-46EA-A381-80D1B0E06134}"/>
               </a:ext>
             </a:extLst>
           </p:cNvPr>
@@ -1536,7 +1582,7 @@
           <p:cNvPr id="3" name="Text Placeholder 2">
             <a:extLst>
               <a:ext uri="{FF2B5EF4-FFF2-40B4-BE49-F238E27FC236}">
-                <a16:creationId xmlns:a16="http://schemas.microsoft.com/office/drawing/2014/main" id="{CB08C27D-8DD6-41DF-AF76-84FD02904645}"/>
+                <a16:creationId xmlns:a16="http://schemas.microsoft.com/office/drawing/2014/main" xmlns="" id="{CB08C27D-8DD6-41DF-AF76-84FD02904645}"/>
               </a:ext>
             </a:extLst>
           </p:cNvPr>
@@ -1607,7 +1653,7 @@
           <p:cNvPr id="4" name="Content Placeholder 3">
             <a:extLst>
               <a:ext uri="{FF2B5EF4-FFF2-40B4-BE49-F238E27FC236}">
-                <a16:creationId xmlns:a16="http://schemas.microsoft.com/office/drawing/2014/main" id="{0FF855E0-CC4A-420B-B07D-3C86BE0DAB1F}"/>
+                <a16:creationId xmlns:a16="http://schemas.microsoft.com/office/drawing/2014/main" xmlns="" id="{0FF855E0-CC4A-420B-B07D-3C86BE0DAB1F}"/>
               </a:ext>
             </a:extLst>
           </p:cNvPr>
@@ -1669,7 +1715,7 @@
           <p:cNvPr id="5" name="Text Placeholder 4">
             <a:extLst>
               <a:ext uri="{FF2B5EF4-FFF2-40B4-BE49-F238E27FC236}">
-                <a16:creationId xmlns:a16="http://schemas.microsoft.com/office/drawing/2014/main" id="{450C9337-9619-48BD-8DA7-74EAEB8F9E2E}"/>
+                <a16:creationId xmlns:a16="http://schemas.microsoft.com/office/drawing/2014/main" xmlns="" id="{450C9337-9619-48BD-8DA7-74EAEB8F9E2E}"/>
               </a:ext>
             </a:extLst>
           </p:cNvPr>
@@ -1740,7 +1786,7 @@
           <p:cNvPr id="6" name="Content Placeholder 5">
             <a:extLst>
               <a:ext uri="{FF2B5EF4-FFF2-40B4-BE49-F238E27FC236}">
-                <a16:creationId xmlns:a16="http://schemas.microsoft.com/office/drawing/2014/main" id="{CC064C0A-876B-4132-9322-53632F4BE34E}"/>
+                <a16:creationId xmlns:a16="http://schemas.microsoft.com/office/drawing/2014/main" xmlns="" id="{CC064C0A-876B-4132-9322-53632F4BE34E}"/>
               </a:ext>
             </a:extLst>
           </p:cNvPr>
@@ -1802,7 +1848,7 @@
           <p:cNvPr id="7" name="Date Placeholder 6">
             <a:extLst>
               <a:ext uri="{FF2B5EF4-FFF2-40B4-BE49-F238E27FC236}">
-                <a16:creationId xmlns:a16="http://schemas.microsoft.com/office/drawing/2014/main" id="{14341782-33B0-4C19-97B3-610B4D1CDA1C}"/>
+                <a16:creationId xmlns:a16="http://schemas.microsoft.com/office/drawing/2014/main" xmlns="" id="{14341782-33B0-4C19-97B3-610B4D1CDA1C}"/>
               </a:ext>
             </a:extLst>
           </p:cNvPr>
@@ -1820,7 +1866,7 @@
           <a:p>
             <a:fld id="{25E08D22-8ABF-4F25-8268-5655165803FF}" type="datetimeFigureOut">
               <a:rPr lang="en-US" smtClean="0"/>
-              <a:t>5/23/2020</a:t>
+              <a:t>5/26/2020</a:t>
             </a:fld>
             <a:endParaRPr lang="en-US"/>
           </a:p>
@@ -1831,7 +1877,7 @@
           <p:cNvPr id="8" name="Footer Placeholder 7">
             <a:extLst>
               <a:ext uri="{FF2B5EF4-FFF2-40B4-BE49-F238E27FC236}">
-                <a16:creationId xmlns:a16="http://schemas.microsoft.com/office/drawing/2014/main" id="{0E08182E-0B8A-4F5C-B3B2-5861BD027141}"/>
+                <a16:creationId xmlns:a16="http://schemas.microsoft.com/office/drawing/2014/main" xmlns="" id="{0E08182E-0B8A-4F5C-B3B2-5861BD027141}"/>
               </a:ext>
             </a:extLst>
           </p:cNvPr>
@@ -1856,7 +1902,7 @@
           <p:cNvPr id="9" name="Slide Number Placeholder 8">
             <a:extLst>
               <a:ext uri="{FF2B5EF4-FFF2-40B4-BE49-F238E27FC236}">
-                <a16:creationId xmlns:a16="http://schemas.microsoft.com/office/drawing/2014/main" id="{1C626A81-BB06-4322-A7D6-687C2D6DAC1A}"/>
+                <a16:creationId xmlns:a16="http://schemas.microsoft.com/office/drawing/2014/main" xmlns="" id="{1C626A81-BB06-4322-A7D6-687C2D6DAC1A}"/>
               </a:ext>
             </a:extLst>
           </p:cNvPr>
@@ -1874,7 +1920,7 @@
           <a:p>
             <a:fld id="{05A204D3-7162-4E66-B5DE-41D55F78E01E}" type="slidenum">
               <a:rPr lang="en-US" smtClean="0"/>
-              <a:t>‹#›</a:t>
+              <a:t>‹Nº›</a:t>
             </a:fld>
             <a:endParaRPr lang="en-US"/>
           </a:p>
@@ -1915,7 +1961,7 @@
           <p:cNvPr id="2" name="Title 1">
             <a:extLst>
               <a:ext uri="{FF2B5EF4-FFF2-40B4-BE49-F238E27FC236}">
-                <a16:creationId xmlns:a16="http://schemas.microsoft.com/office/drawing/2014/main" id="{7E872EC0-12A5-4239-8214-3694AB898BCB}"/>
+                <a16:creationId xmlns:a16="http://schemas.microsoft.com/office/drawing/2014/main" xmlns="" id="{7E872EC0-12A5-4239-8214-3694AB898BCB}"/>
               </a:ext>
             </a:extLst>
           </p:cNvPr>
@@ -1943,7 +1989,7 @@
           <p:cNvPr id="3" name="Date Placeholder 2">
             <a:extLst>
               <a:ext uri="{FF2B5EF4-FFF2-40B4-BE49-F238E27FC236}">
-                <a16:creationId xmlns:a16="http://schemas.microsoft.com/office/drawing/2014/main" id="{35ABB1E8-1626-4E9A-960B-E7992737B958}"/>
+                <a16:creationId xmlns:a16="http://schemas.microsoft.com/office/drawing/2014/main" xmlns="" id="{35ABB1E8-1626-4E9A-960B-E7992737B958}"/>
               </a:ext>
             </a:extLst>
           </p:cNvPr>
@@ -1961,7 +2007,7 @@
           <a:p>
             <a:fld id="{25E08D22-8ABF-4F25-8268-5655165803FF}" type="datetimeFigureOut">
               <a:rPr lang="en-US" smtClean="0"/>
-              <a:t>5/23/2020</a:t>
+              <a:t>5/26/2020</a:t>
             </a:fld>
             <a:endParaRPr lang="en-US"/>
           </a:p>
@@ -1972,7 +2018,7 @@
           <p:cNvPr id="4" name="Footer Placeholder 3">
             <a:extLst>
               <a:ext uri="{FF2B5EF4-FFF2-40B4-BE49-F238E27FC236}">
-                <a16:creationId xmlns:a16="http://schemas.microsoft.com/office/drawing/2014/main" id="{97EA97C0-E9B7-4ECE-95A0-3FEF6DB2576C}"/>
+                <a16:creationId xmlns:a16="http://schemas.microsoft.com/office/drawing/2014/main" xmlns="" id="{97EA97C0-E9B7-4ECE-95A0-3FEF6DB2576C}"/>
               </a:ext>
             </a:extLst>
           </p:cNvPr>
@@ -1997,7 +2043,7 @@
           <p:cNvPr id="5" name="Slide Number Placeholder 4">
             <a:extLst>
               <a:ext uri="{FF2B5EF4-FFF2-40B4-BE49-F238E27FC236}">
-                <a16:creationId xmlns:a16="http://schemas.microsoft.com/office/drawing/2014/main" id="{26B5CB60-825D-4758-86BB-739B672B3825}"/>
+                <a16:creationId xmlns:a16="http://schemas.microsoft.com/office/drawing/2014/main" xmlns="" id="{26B5CB60-825D-4758-86BB-739B672B3825}"/>
               </a:ext>
             </a:extLst>
           </p:cNvPr>
@@ -2015,7 +2061,7 @@
           <a:p>
             <a:fld id="{05A204D3-7162-4E66-B5DE-41D55F78E01E}" type="slidenum">
               <a:rPr lang="en-US" smtClean="0"/>
-              <a:t>‹#›</a:t>
+              <a:t>‹Nº›</a:t>
             </a:fld>
             <a:endParaRPr lang="en-US"/>
           </a:p>
@@ -2056,7 +2102,7 @@
           <p:cNvPr id="2" name="Date Placeholder 1">
             <a:extLst>
               <a:ext uri="{FF2B5EF4-FFF2-40B4-BE49-F238E27FC236}">
-                <a16:creationId xmlns:a16="http://schemas.microsoft.com/office/drawing/2014/main" id="{AA0AF745-03EE-4564-98C8-E2DCCCFFD08A}"/>
+                <a16:creationId xmlns:a16="http://schemas.microsoft.com/office/drawing/2014/main" xmlns="" id="{AA0AF745-03EE-4564-98C8-E2DCCCFFD08A}"/>
               </a:ext>
             </a:extLst>
           </p:cNvPr>
@@ -2074,7 +2120,7 @@
           <a:p>
             <a:fld id="{25E08D22-8ABF-4F25-8268-5655165803FF}" type="datetimeFigureOut">
               <a:rPr lang="en-US" smtClean="0"/>
-              <a:t>5/23/2020</a:t>
+              <a:t>5/26/2020</a:t>
             </a:fld>
             <a:endParaRPr lang="en-US"/>
           </a:p>
@@ -2085,7 +2131,7 @@
           <p:cNvPr id="3" name="Footer Placeholder 2">
             <a:extLst>
               <a:ext uri="{FF2B5EF4-FFF2-40B4-BE49-F238E27FC236}">
-                <a16:creationId xmlns:a16="http://schemas.microsoft.com/office/drawing/2014/main" id="{63D66902-8D69-4151-8767-81BC9A253C63}"/>
+                <a16:creationId xmlns:a16="http://schemas.microsoft.com/office/drawing/2014/main" xmlns="" id="{63D66902-8D69-4151-8767-81BC9A253C63}"/>
               </a:ext>
             </a:extLst>
           </p:cNvPr>
@@ -2110,7 +2156,7 @@
           <p:cNvPr id="4" name="Slide Number Placeholder 3">
             <a:extLst>
               <a:ext uri="{FF2B5EF4-FFF2-40B4-BE49-F238E27FC236}">
-                <a16:creationId xmlns:a16="http://schemas.microsoft.com/office/drawing/2014/main" id="{8959A8CA-1C21-4E1C-A3F8-4146B1AD29E3}"/>
+                <a16:creationId xmlns:a16="http://schemas.microsoft.com/office/drawing/2014/main" xmlns="" id="{8959A8CA-1C21-4E1C-A3F8-4146B1AD29E3}"/>
               </a:ext>
             </a:extLst>
           </p:cNvPr>
@@ -2128,7 +2174,7 @@
           <a:p>
             <a:fld id="{05A204D3-7162-4E66-B5DE-41D55F78E01E}" type="slidenum">
               <a:rPr lang="en-US" smtClean="0"/>
-              <a:t>‹#›</a:t>
+              <a:t>‹Nº›</a:t>
             </a:fld>
             <a:endParaRPr lang="en-US"/>
           </a:p>
@@ -2169,7 +2215,7 @@
           <p:cNvPr id="2" name="Title 1">
             <a:extLst>
               <a:ext uri="{FF2B5EF4-FFF2-40B4-BE49-F238E27FC236}">
-                <a16:creationId xmlns:a16="http://schemas.microsoft.com/office/drawing/2014/main" id="{3881C098-F047-4C7E-B0D1-5D16BBD1B346}"/>
+                <a16:creationId xmlns:a16="http://schemas.microsoft.com/office/drawing/2014/main" xmlns="" id="{3881C098-F047-4C7E-B0D1-5D16BBD1B346}"/>
               </a:ext>
             </a:extLst>
           </p:cNvPr>
@@ -2206,7 +2252,7 @@
           <p:cNvPr id="3" name="Content Placeholder 2">
             <a:extLst>
               <a:ext uri="{FF2B5EF4-FFF2-40B4-BE49-F238E27FC236}">
-                <a16:creationId xmlns:a16="http://schemas.microsoft.com/office/drawing/2014/main" id="{618B0872-AA06-45B9-A9B5-278AC0174D82}"/>
+                <a16:creationId xmlns:a16="http://schemas.microsoft.com/office/drawing/2014/main" xmlns="" id="{618B0872-AA06-45B9-A9B5-278AC0174D82}"/>
               </a:ext>
             </a:extLst>
           </p:cNvPr>
@@ -2296,7 +2342,7 @@
           <p:cNvPr id="4" name="Text Placeholder 3">
             <a:extLst>
               <a:ext uri="{FF2B5EF4-FFF2-40B4-BE49-F238E27FC236}">
-                <a16:creationId xmlns:a16="http://schemas.microsoft.com/office/drawing/2014/main" id="{38C65E4F-2ED8-495B-A179-F958A31E5D55}"/>
+                <a16:creationId xmlns:a16="http://schemas.microsoft.com/office/drawing/2014/main" xmlns="" id="{38C65E4F-2ED8-495B-A179-F958A31E5D55}"/>
               </a:ext>
             </a:extLst>
           </p:cNvPr>
@@ -2367,7 +2413,7 @@
           <p:cNvPr id="5" name="Date Placeholder 4">
             <a:extLst>
               <a:ext uri="{FF2B5EF4-FFF2-40B4-BE49-F238E27FC236}">
-                <a16:creationId xmlns:a16="http://schemas.microsoft.com/office/drawing/2014/main" id="{9CDEC24D-F446-44D5-B71F-EBE310809B53}"/>
+                <a16:creationId xmlns:a16="http://schemas.microsoft.com/office/drawing/2014/main" xmlns="" id="{9CDEC24D-F446-44D5-B71F-EBE310809B53}"/>
               </a:ext>
             </a:extLst>
           </p:cNvPr>
@@ -2385,7 +2431,7 @@
           <a:p>
             <a:fld id="{25E08D22-8ABF-4F25-8268-5655165803FF}" type="datetimeFigureOut">
               <a:rPr lang="en-US" smtClean="0"/>
-              <a:t>5/23/2020</a:t>
+              <a:t>5/26/2020</a:t>
             </a:fld>
             <a:endParaRPr lang="en-US"/>
           </a:p>
@@ -2396,7 +2442,7 @@
           <p:cNvPr id="6" name="Footer Placeholder 5">
             <a:extLst>
               <a:ext uri="{FF2B5EF4-FFF2-40B4-BE49-F238E27FC236}">
-                <a16:creationId xmlns:a16="http://schemas.microsoft.com/office/drawing/2014/main" id="{41F78E83-81EA-4F58-98E2-1878CCDE0614}"/>
+                <a16:creationId xmlns:a16="http://schemas.microsoft.com/office/drawing/2014/main" xmlns="" id="{41F78E83-81EA-4F58-98E2-1878CCDE0614}"/>
               </a:ext>
             </a:extLst>
           </p:cNvPr>
@@ -2421,7 +2467,7 @@
           <p:cNvPr id="7" name="Slide Number Placeholder 6">
             <a:extLst>
               <a:ext uri="{FF2B5EF4-FFF2-40B4-BE49-F238E27FC236}">
-                <a16:creationId xmlns:a16="http://schemas.microsoft.com/office/drawing/2014/main" id="{A2CA65FF-1CDD-457C-B4CB-6265FEC6D8EE}"/>
+                <a16:creationId xmlns:a16="http://schemas.microsoft.com/office/drawing/2014/main" xmlns="" id="{A2CA65FF-1CDD-457C-B4CB-6265FEC6D8EE}"/>
               </a:ext>
             </a:extLst>
           </p:cNvPr>
@@ -2439,7 +2485,7 @@
           <a:p>
             <a:fld id="{05A204D3-7162-4E66-B5DE-41D55F78E01E}" type="slidenum">
               <a:rPr lang="en-US" smtClean="0"/>
-              <a:t>‹#›</a:t>
+              <a:t>‹Nº›</a:t>
             </a:fld>
             <a:endParaRPr lang="en-US"/>
           </a:p>
@@ -2480,7 +2526,7 @@
           <p:cNvPr id="2" name="Title 1">
             <a:extLst>
               <a:ext uri="{FF2B5EF4-FFF2-40B4-BE49-F238E27FC236}">
-                <a16:creationId xmlns:a16="http://schemas.microsoft.com/office/drawing/2014/main" id="{80C08F37-5678-4AB2-B181-1373C99FC925}"/>
+                <a16:creationId xmlns:a16="http://schemas.microsoft.com/office/drawing/2014/main" xmlns="" id="{80C08F37-5678-4AB2-B181-1373C99FC925}"/>
               </a:ext>
             </a:extLst>
           </p:cNvPr>
@@ -2517,7 +2563,7 @@
           <p:cNvPr id="3" name="Picture Placeholder 2">
             <a:extLst>
               <a:ext uri="{FF2B5EF4-FFF2-40B4-BE49-F238E27FC236}">
-                <a16:creationId xmlns:a16="http://schemas.microsoft.com/office/drawing/2014/main" id="{78A9D96D-CA8B-4A4D-A5E9-AF389D0BA44E}"/>
+                <a16:creationId xmlns:a16="http://schemas.microsoft.com/office/drawing/2014/main" xmlns="" id="{78A9D96D-CA8B-4A4D-A5E9-AF389D0BA44E}"/>
               </a:ext>
             </a:extLst>
           </p:cNvPr>
@@ -2584,7 +2630,7 @@
           <p:cNvPr id="4" name="Text Placeholder 3">
             <a:extLst>
               <a:ext uri="{FF2B5EF4-FFF2-40B4-BE49-F238E27FC236}">
-                <a16:creationId xmlns:a16="http://schemas.microsoft.com/office/drawing/2014/main" id="{97E690A2-62C9-4E47-8712-191FA5C99CD0}"/>
+                <a16:creationId xmlns:a16="http://schemas.microsoft.com/office/drawing/2014/main" xmlns="" id="{97E690A2-62C9-4E47-8712-191FA5C99CD0}"/>
               </a:ext>
             </a:extLst>
           </p:cNvPr>
@@ -2655,7 +2701,7 @@
           <p:cNvPr id="5" name="Date Placeholder 4">
             <a:extLst>
               <a:ext uri="{FF2B5EF4-FFF2-40B4-BE49-F238E27FC236}">
-                <a16:creationId xmlns:a16="http://schemas.microsoft.com/office/drawing/2014/main" id="{84EF91DF-B740-4E35-9F52-4B997DD559BD}"/>
+                <a16:creationId xmlns:a16="http://schemas.microsoft.com/office/drawing/2014/main" xmlns="" id="{84EF91DF-B740-4E35-9F52-4B997DD559BD}"/>
               </a:ext>
             </a:extLst>
           </p:cNvPr>
@@ -2673,7 +2719,7 @@
           <a:p>
             <a:fld id="{25E08D22-8ABF-4F25-8268-5655165803FF}" type="datetimeFigureOut">
               <a:rPr lang="en-US" smtClean="0"/>
-              <a:t>5/23/2020</a:t>
+              <a:t>5/26/2020</a:t>
             </a:fld>
             <a:endParaRPr lang="en-US"/>
           </a:p>
@@ -2684,7 +2730,7 @@
           <p:cNvPr id="6" name="Footer Placeholder 5">
             <a:extLst>
               <a:ext uri="{FF2B5EF4-FFF2-40B4-BE49-F238E27FC236}">
-                <a16:creationId xmlns:a16="http://schemas.microsoft.com/office/drawing/2014/main" id="{3B9E62FE-8AFC-43BF-BF36-35E118C45396}"/>
+                <a16:creationId xmlns:a16="http://schemas.microsoft.com/office/drawing/2014/main" xmlns="" id="{3B9E62FE-8AFC-43BF-BF36-35E118C45396}"/>
               </a:ext>
             </a:extLst>
           </p:cNvPr>
@@ -2709,7 +2755,7 @@
           <p:cNvPr id="7" name="Slide Number Placeholder 6">
             <a:extLst>
               <a:ext uri="{FF2B5EF4-FFF2-40B4-BE49-F238E27FC236}">
-                <a16:creationId xmlns:a16="http://schemas.microsoft.com/office/drawing/2014/main" id="{FF3A22E0-46F9-436F-B8FF-ED18868CB29E}"/>
+                <a16:creationId xmlns:a16="http://schemas.microsoft.com/office/drawing/2014/main" xmlns="" id="{FF3A22E0-46F9-436F-B8FF-ED18868CB29E}"/>
               </a:ext>
             </a:extLst>
           </p:cNvPr>
@@ -2727,7 +2773,7 @@
           <a:p>
             <a:fld id="{05A204D3-7162-4E66-B5DE-41D55F78E01E}" type="slidenum">
               <a:rPr lang="en-US" smtClean="0"/>
-              <a:t>‹#›</a:t>
+              <a:t>‹Nº›</a:t>
             </a:fld>
             <a:endParaRPr lang="en-US"/>
           </a:p>
@@ -2773,7 +2819,7 @@
           <p:cNvPr id="2" name="Title Placeholder 1">
             <a:extLst>
               <a:ext uri="{FF2B5EF4-FFF2-40B4-BE49-F238E27FC236}">
-                <a16:creationId xmlns:a16="http://schemas.microsoft.com/office/drawing/2014/main" id="{23FC80F1-42CD-4D52-ADD9-D403CD055392}"/>
+                <a16:creationId xmlns:a16="http://schemas.microsoft.com/office/drawing/2014/main" xmlns="" id="{23FC80F1-42CD-4D52-ADD9-D403CD055392}"/>
               </a:ext>
             </a:extLst>
           </p:cNvPr>
@@ -2811,7 +2857,7 @@
           <p:cNvPr id="3" name="Text Placeholder 2">
             <a:extLst>
               <a:ext uri="{FF2B5EF4-FFF2-40B4-BE49-F238E27FC236}">
-                <a16:creationId xmlns:a16="http://schemas.microsoft.com/office/drawing/2014/main" id="{C8BB968B-8C92-4280-B79B-5990E22F16C6}"/>
+                <a16:creationId xmlns:a16="http://schemas.microsoft.com/office/drawing/2014/main" xmlns="" id="{C8BB968B-8C92-4280-B79B-5990E22F16C6}"/>
               </a:ext>
             </a:extLst>
           </p:cNvPr>
@@ -2878,7 +2924,7 @@
           <p:cNvPr id="4" name="Date Placeholder 3">
             <a:extLst>
               <a:ext uri="{FF2B5EF4-FFF2-40B4-BE49-F238E27FC236}">
-                <a16:creationId xmlns:a16="http://schemas.microsoft.com/office/drawing/2014/main" id="{A9B467D9-42DF-41E3-AB90-C567B674FBDC}"/>
+                <a16:creationId xmlns:a16="http://schemas.microsoft.com/office/drawing/2014/main" xmlns="" id="{A9B467D9-42DF-41E3-AB90-C567B674FBDC}"/>
               </a:ext>
             </a:extLst>
           </p:cNvPr>
@@ -2914,7 +2960,7 @@
           <a:p>
             <a:fld id="{25E08D22-8ABF-4F25-8268-5655165803FF}" type="datetimeFigureOut">
               <a:rPr lang="en-US" smtClean="0"/>
-              <a:t>5/23/2020</a:t>
+              <a:t>5/26/2020</a:t>
             </a:fld>
             <a:endParaRPr lang="en-US"/>
           </a:p>
@@ -2925,7 +2971,7 @@
           <p:cNvPr id="5" name="Footer Placeholder 4">
             <a:extLst>
               <a:ext uri="{FF2B5EF4-FFF2-40B4-BE49-F238E27FC236}">
-                <a16:creationId xmlns:a16="http://schemas.microsoft.com/office/drawing/2014/main" id="{1E908AD8-17CE-4881-A2A8-318A90D77C3C}"/>
+                <a16:creationId xmlns:a16="http://schemas.microsoft.com/office/drawing/2014/main" xmlns="" id="{1E908AD8-17CE-4881-A2A8-318A90D77C3C}"/>
               </a:ext>
             </a:extLst>
           </p:cNvPr>
@@ -2968,7 +3014,7 @@
           <p:cNvPr id="6" name="Slide Number Placeholder 5">
             <a:extLst>
               <a:ext uri="{FF2B5EF4-FFF2-40B4-BE49-F238E27FC236}">
-                <a16:creationId xmlns:a16="http://schemas.microsoft.com/office/drawing/2014/main" id="{64663006-5CE9-4D97-87B0-84197A966CDA}"/>
+                <a16:creationId xmlns:a16="http://schemas.microsoft.com/office/drawing/2014/main" xmlns="" id="{64663006-5CE9-4D97-87B0-84197A966CDA}"/>
               </a:ext>
             </a:extLst>
           </p:cNvPr>
@@ -3004,7 +3050,7 @@
           <a:p>
             <a:fld id="{05A204D3-7162-4E66-B5DE-41D55F78E01E}" type="slidenum">
               <a:rPr lang="en-US" smtClean="0"/>
-              <a:t>‹#›</a:t>
+              <a:t>‹Nº›</a:t>
             </a:fld>
             <a:endParaRPr lang="en-US"/>
           </a:p>
@@ -3336,7 +3382,7 @@
           <p:cNvPr id="2" name="Title 1">
             <a:extLst>
               <a:ext uri="{FF2B5EF4-FFF2-40B4-BE49-F238E27FC236}">
-                <a16:creationId xmlns:a16="http://schemas.microsoft.com/office/drawing/2014/main" id="{2D16427A-47C6-441D-BD42-361307F2FE4E}"/>
+                <a16:creationId xmlns:a16="http://schemas.microsoft.com/office/drawing/2014/main" xmlns="" id="{2D16427A-47C6-441D-BD42-361307F2FE4E}"/>
               </a:ext>
             </a:extLst>
           </p:cNvPr>
@@ -3364,7 +3410,7 @@
           <p:cNvPr id="3" name="Content Placeholder 2">
             <a:extLst>
               <a:ext uri="{FF2B5EF4-FFF2-40B4-BE49-F238E27FC236}">
-                <a16:creationId xmlns:a16="http://schemas.microsoft.com/office/drawing/2014/main" id="{392835C1-2B56-4771-A704-2A14BB4297FC}"/>
+                <a16:creationId xmlns:a16="http://schemas.microsoft.com/office/drawing/2014/main" xmlns="" id="{392835C1-2B56-4771-A704-2A14BB4297FC}"/>
               </a:ext>
             </a:extLst>
           </p:cNvPr>
@@ -3468,7 +3514,7 @@
           <p:cNvPr id="2" name="Title 1">
             <a:extLst>
               <a:ext uri="{FF2B5EF4-FFF2-40B4-BE49-F238E27FC236}">
-                <a16:creationId xmlns:a16="http://schemas.microsoft.com/office/drawing/2014/main" id="{15FA1F91-4BD3-45D8-B1A1-07E889728899}"/>
+                <a16:creationId xmlns:a16="http://schemas.microsoft.com/office/drawing/2014/main" xmlns="" id="{15FA1F91-4BD3-45D8-B1A1-07E889728899}"/>
               </a:ext>
             </a:extLst>
           </p:cNvPr>
@@ -3496,7 +3542,7 @@
           <p:cNvPr id="4" name="Content Placeholder 3">
             <a:extLst>
               <a:ext uri="{FF2B5EF4-FFF2-40B4-BE49-F238E27FC236}">
-                <a16:creationId xmlns:a16="http://schemas.microsoft.com/office/drawing/2014/main" id="{7F3328D4-DD29-405C-8F7E-E94645B8ACC9}"/>
+                <a16:creationId xmlns:a16="http://schemas.microsoft.com/office/drawing/2014/main" xmlns="" id="{7F3328D4-DD29-405C-8F7E-E94645B8ACC9}"/>
               </a:ext>
             </a:extLst>
           </p:cNvPr>
@@ -3507,78 +3553,78 @@
             <p:ph idx="1"/>
             <p:extLst>
               <p:ext uri="{D42A27DB-BD31-4B8C-83A1-F6EECF244321}">
-                <p14:modId xmlns:p14="http://schemas.microsoft.com/office/powerpoint/2010/main" val="4177961560"/>
+                <p14:modId xmlns:p14="http://schemas.microsoft.com/office/powerpoint/2010/main" val="3080892634"/>
               </p:ext>
             </p:extLst>
           </p:nvPr>
         </p:nvGraphicFramePr>
         <p:xfrm>
           <a:off x="889000" y="1566569"/>
-          <a:ext cx="10414000" cy="2249805"/>
+          <a:ext cx="10414000" cy="3592625"/>
         </p:xfrm>
         <a:graphic>
           <a:graphicData uri="http://schemas.openxmlformats.org/drawingml/2006/table">
             <a:tbl>
               <a:tblPr/>
               <a:tblGrid>
-                <a:gridCol w="1665859">
+                <a:gridCol w="1680029">
                   <a:extLst>
                     <a:ext uri="{9D8B030D-6E8A-4147-A177-3AD203B41FA5}">
-                      <a16:colId xmlns:a16="http://schemas.microsoft.com/office/drawing/2014/main" val="690787118"/>
+                      <a16:colId xmlns:a16="http://schemas.microsoft.com/office/drawing/2014/main" xmlns="" val="690787118"/>
                     </a:ext>
                   </a:extLst>
                 </a:gridCol>
-                <a:gridCol w="1484995">
+                <a:gridCol w="1470825">
                   <a:extLst>
                     <a:ext uri="{9D8B030D-6E8A-4147-A177-3AD203B41FA5}">
-                      <a16:colId xmlns:a16="http://schemas.microsoft.com/office/drawing/2014/main" val="750064233"/>
+                      <a16:colId xmlns:a16="http://schemas.microsoft.com/office/drawing/2014/main" xmlns="" val="750064233"/>
                     </a:ext>
                   </a:extLst>
                 </a:gridCol>
                 <a:gridCol w="1916531">
                   <a:extLst>
                     <a:ext uri="{9D8B030D-6E8A-4147-A177-3AD203B41FA5}">
-                      <a16:colId xmlns:a16="http://schemas.microsoft.com/office/drawing/2014/main" val="2105501645"/>
+                      <a16:colId xmlns:a16="http://schemas.microsoft.com/office/drawing/2014/main" xmlns="" val="2105501645"/>
                     </a:ext>
                   </a:extLst>
                 </a:gridCol>
                 <a:gridCol w="1662686">
                   <a:extLst>
                     <a:ext uri="{9D8B030D-6E8A-4147-A177-3AD203B41FA5}">
-                      <a16:colId xmlns:a16="http://schemas.microsoft.com/office/drawing/2014/main" val="1977887359"/>
+                      <a16:colId xmlns:a16="http://schemas.microsoft.com/office/drawing/2014/main" xmlns="" val="1977887359"/>
                     </a:ext>
                   </a:extLst>
                 </a:gridCol>
                 <a:gridCol w="596536">
                   <a:extLst>
                     <a:ext uri="{9D8B030D-6E8A-4147-A177-3AD203B41FA5}">
-                      <a16:colId xmlns:a16="http://schemas.microsoft.com/office/drawing/2014/main" val="906656688"/>
+                      <a16:colId xmlns:a16="http://schemas.microsoft.com/office/drawing/2014/main" xmlns="" val="906656688"/>
                     </a:ext>
                   </a:extLst>
                 </a:gridCol>
                 <a:gridCol w="1307303">
                   <a:extLst>
                     <a:ext uri="{9D8B030D-6E8A-4147-A177-3AD203B41FA5}">
-                      <a16:colId xmlns:a16="http://schemas.microsoft.com/office/drawing/2014/main" val="2019976033"/>
+                      <a16:colId xmlns:a16="http://schemas.microsoft.com/office/drawing/2014/main" xmlns="" val="2019976033"/>
                     </a:ext>
                   </a:extLst>
                 </a:gridCol>
                 <a:gridCol w="675863">
                   <a:extLst>
                     <a:ext uri="{9D8B030D-6E8A-4147-A177-3AD203B41FA5}">
-                      <a16:colId xmlns:a16="http://schemas.microsoft.com/office/drawing/2014/main" val="4067438892"/>
+                      <a16:colId xmlns:a16="http://schemas.microsoft.com/office/drawing/2014/main" xmlns="" val="4067438892"/>
                     </a:ext>
                   </a:extLst>
                 </a:gridCol>
                 <a:gridCol w="1104227">
                   <a:extLst>
                     <a:ext uri="{9D8B030D-6E8A-4147-A177-3AD203B41FA5}">
-                      <a16:colId xmlns:a16="http://schemas.microsoft.com/office/drawing/2014/main" val="2981415886"/>
+                      <a16:colId xmlns:a16="http://schemas.microsoft.com/office/drawing/2014/main" xmlns="" val="2981415886"/>
                     </a:ext>
                   </a:extLst>
                 </a:gridCol>
               </a:tblGrid>
-              <a:tr h="190500">
+              <a:tr h="220028">
                 <a:tc>
                   <a:txBody>
                     <a:bodyPr/>
@@ -3586,7 +3632,7 @@
                     <a:p>
                       <a:pPr algn="ctr" fontAlgn="ctr"/>
                       <a:r>
-                        <a:rPr lang="en-US" sz="1100" b="1" i="0" u="none" strike="noStrike">
+                        <a:rPr lang="en-US" sz="1100" b="1" i="0" u="none" strike="noStrike" dirty="0">
                           <a:solidFill>
                             <a:srgbClr val="FFFFFF"/>
                           </a:solidFill>
@@ -3886,7 +3932,7 @@
                     <a:p>
                       <a:pPr algn="ctr" fontAlgn="ctr"/>
                       <a:r>
-                        <a:rPr lang="en-US" sz="1100" b="1" i="0" u="none" strike="noStrike">
+                        <a:rPr lang="en-US" sz="1100" b="1" i="0" u="none" strike="noStrike" dirty="0">
                           <a:solidFill>
                             <a:srgbClr val="FFFFFF"/>
                           </a:solidFill>
@@ -3946,14 +3992,24 @@
                     <a:p>
                       <a:pPr algn="ctr" fontAlgn="ctr"/>
                       <a:r>
-                        <a:rPr lang="en-US" sz="1100" b="1" i="0" u="none" strike="noStrike">
+                        <a:rPr lang="en-US" sz="1100" b="1" i="0" u="none" strike="noStrike" dirty="0" err="1">
                           <a:solidFill>
                             <a:srgbClr val="FFFFFF"/>
                           </a:solidFill>
                           <a:effectLst/>
                           <a:latin typeface="Calibri" panose="020F0502020204030204" pitchFamily="34" charset="0"/>
                         </a:rPr>
-                        <a:t>Speciffic page</a:t>
+                        <a:t>Speciffic</a:t>
+                      </a:r>
+                      <a:r>
+                        <a:rPr lang="en-US" sz="1100" b="1" i="0" u="none" strike="noStrike" dirty="0">
+                          <a:solidFill>
+                            <a:srgbClr val="FFFFFF"/>
+                          </a:solidFill>
+                          <a:effectLst/>
+                          <a:latin typeface="Calibri" panose="020F0502020204030204" pitchFamily="34" charset="0"/>
+                        </a:rPr>
+                        <a:t> page</a:t>
                       </a:r>
                     </a:p>
                   </a:txBody>
@@ -4001,7 +4057,7 @@
                 </a:tc>
                 <a:extLst>
                   <a:ext uri="{0D108BD9-81ED-4DB2-BD59-A6C34878D82A}">
-                    <a16:rowId xmlns:a16="http://schemas.microsoft.com/office/drawing/2014/main" val="4280455846"/>
+                    <a16:rowId xmlns:a16="http://schemas.microsoft.com/office/drawing/2014/main" xmlns="" val="4280455846"/>
                   </a:ext>
                 </a:extLst>
               </a:tr>
@@ -4013,7 +4069,7 @@
                     <a:p>
                       <a:pPr algn="ctr" fontAlgn="ctr"/>
                       <a:r>
-                        <a:rPr lang="en-US" sz="1100" b="0" i="0" u="none" strike="noStrike">
+                        <a:rPr lang="en-US" sz="1100" b="0" i="0" u="none" strike="noStrike" dirty="0">
                           <a:solidFill>
                             <a:srgbClr val="000000"/>
                           </a:solidFill>
@@ -4061,14 +4117,34 @@
                     <a:p>
                       <a:pPr algn="ctr" fontAlgn="ctr"/>
                       <a:r>
-                        <a:rPr lang="en-US" sz="1100" b="0" i="0" u="none" strike="noStrike">
-                          <a:solidFill>
-                            <a:srgbClr val="000000"/>
-                          </a:solidFill>
-                          <a:effectLst/>
-                          <a:latin typeface="Calibri" panose="020F0502020204030204" pitchFamily="34" charset="0"/>
-                        </a:rPr>
-                        <a:t>Court (filter)</a:t>
+                        <a:rPr lang="en-US" sz="1100" b="0" i="0" u="none" strike="noStrike" dirty="0" err="1" smtClean="0">
+                          <a:solidFill>
+                            <a:srgbClr val="000000"/>
+                          </a:solidFill>
+                          <a:effectLst/>
+                          <a:latin typeface="Calibri" panose="020F0502020204030204" pitchFamily="34" charset="0"/>
+                        </a:rPr>
+                        <a:t>Court_name</a:t>
+                      </a:r>
+                      <a:r>
+                        <a:rPr lang="en-US" sz="1100" b="0" i="0" u="none" strike="noStrike" dirty="0" smtClean="0">
+                          <a:solidFill>
+                            <a:srgbClr val="000000"/>
+                          </a:solidFill>
+                          <a:effectLst/>
+                          <a:latin typeface="Calibri" panose="020F0502020204030204" pitchFamily="34" charset="0"/>
+                        </a:rPr>
+                        <a:t>(filter</a:t>
+                      </a:r>
+                      <a:r>
+                        <a:rPr lang="en-US" sz="1100" b="0" i="0" u="none" strike="noStrike" dirty="0">
+                          <a:solidFill>
+                            <a:srgbClr val="000000"/>
+                          </a:solidFill>
+                          <a:effectLst/>
+                          <a:latin typeface="Calibri" panose="020F0502020204030204" pitchFamily="34" charset="0"/>
+                        </a:rPr>
+                        <a:t>)</a:t>
                       </a:r>
                     </a:p>
                   </a:txBody>
@@ -4103,14 +4179,34 @@
                     <a:p>
                       <a:pPr algn="ctr" fontAlgn="ctr"/>
                       <a:r>
-                        <a:rPr lang="en-US" sz="1100" b="0" i="0" u="none" strike="noStrike">
-                          <a:solidFill>
-                            <a:srgbClr val="000000"/>
-                          </a:solidFill>
-                          <a:effectLst/>
-                          <a:latin typeface="Calibri" panose="020F0502020204030204" pitchFamily="34" charset="0"/>
-                        </a:rPr>
-                        <a:t>Offense (filter)</a:t>
+                        <a:rPr lang="en-US" sz="1100" b="0" i="0" u="none" strike="noStrike" dirty="0" err="1" smtClean="0">
+                          <a:solidFill>
+                            <a:srgbClr val="000000"/>
+                          </a:solidFill>
+                          <a:effectLst/>
+                          <a:latin typeface="Calibri" panose="020F0502020204030204" pitchFamily="34" charset="0"/>
+                        </a:rPr>
+                        <a:t>Offense_category</a:t>
+                      </a:r>
+                      <a:r>
+                        <a:rPr lang="en-US" sz="1100" b="0" i="0" u="none" strike="noStrike" dirty="0" smtClean="0">
+                          <a:solidFill>
+                            <a:srgbClr val="000000"/>
+                          </a:solidFill>
+                          <a:effectLst/>
+                          <a:latin typeface="Calibri" panose="020F0502020204030204" pitchFamily="34" charset="0"/>
+                        </a:rPr>
+                        <a:t> </a:t>
+                      </a:r>
+                      <a:r>
+                        <a:rPr lang="en-US" sz="1100" b="0" i="0" u="none" strike="noStrike" dirty="0">
+                          <a:solidFill>
+                            <a:srgbClr val="000000"/>
+                          </a:solidFill>
+                          <a:effectLst/>
+                          <a:latin typeface="Calibri" panose="020F0502020204030204" pitchFamily="34" charset="0"/>
+                        </a:rPr>
+                        <a:t>(filter)</a:t>
                       </a:r>
                     </a:p>
                   </a:txBody>
@@ -4145,15 +4241,22 @@
                     <a:p>
                       <a:pPr algn="ctr" fontAlgn="ctr"/>
                       <a:r>
-                        <a:rPr lang="en-US" sz="1100" b="0" i="0" u="none" strike="noStrike">
-                          <a:solidFill>
-                            <a:srgbClr val="000000"/>
-                          </a:solidFill>
-                          <a:effectLst/>
-                          <a:latin typeface="Calibri" panose="020F0502020204030204" pitchFamily="34" charset="0"/>
-                        </a:rPr>
-                        <a:t>Sentence (filter)</a:t>
-                      </a:r>
+                        <a:rPr lang="en-US" sz="1100" b="0" i="0" u="none" strike="noStrike" dirty="0" smtClean="0">
+                          <a:solidFill>
+                            <a:srgbClr val="000000"/>
+                          </a:solidFill>
+                          <a:effectLst/>
+                          <a:latin typeface="Calibri" panose="020F0502020204030204" pitchFamily="34" charset="0"/>
+                        </a:rPr>
+                        <a:t>SENTENCE_TYPE (filter)</a:t>
+                      </a:r>
+                      <a:endParaRPr lang="en-US" sz="1100" b="0" i="0" u="none" strike="noStrike" dirty="0">
+                        <a:solidFill>
+                          <a:srgbClr val="000000"/>
+                        </a:solidFill>
+                        <a:effectLst/>
+                        <a:latin typeface="Calibri" panose="020F0502020204030204" pitchFamily="34" charset="0"/>
+                      </a:endParaRPr>
                     </a:p>
                   </a:txBody>
                   <a:tcPr marL="9525" marR="9525" marT="9525" marB="0" anchor="ctr">
@@ -4271,7 +4374,7 @@
                     <a:p>
                       <a:pPr algn="ctr" fontAlgn="ctr"/>
                       <a:r>
-                        <a:rPr lang="en-US" sz="1100" b="0" i="0" u="none" strike="noStrike">
+                        <a:rPr lang="en-US" sz="1100" b="0" i="0" u="none" strike="noStrike" dirty="0">
                           <a:solidFill>
                             <a:srgbClr val="000000"/>
                           </a:solidFill>
@@ -4313,15 +4416,22 @@
                     <a:p>
                       <a:pPr algn="ctr" fontAlgn="ctr"/>
                       <a:r>
-                        <a:rPr lang="en-US" sz="1100" b="0" i="0" u="none" strike="noStrike">
-                          <a:solidFill>
-                            <a:srgbClr val="000000"/>
-                          </a:solidFill>
-                          <a:effectLst/>
-                          <a:latin typeface="Calibri" panose="020F0502020204030204" pitchFamily="34" charset="0"/>
-                        </a:rPr>
-                        <a:t>Demographic</a:t>
-                      </a:r>
+                        <a:rPr lang="en-US" sz="1100" b="0" i="0" u="none" strike="noStrike" dirty="0" smtClean="0">
+                          <a:solidFill>
+                            <a:srgbClr val="000000"/>
+                          </a:solidFill>
+                          <a:effectLst/>
+                          <a:latin typeface="Calibri" panose="020F0502020204030204" pitchFamily="34" charset="0"/>
+                        </a:rPr>
+                        <a:t>/Demographics</a:t>
+                      </a:r>
+                      <a:endParaRPr lang="en-US" sz="1100" b="0" i="0" u="none" strike="noStrike" dirty="0">
+                        <a:solidFill>
+                          <a:srgbClr val="000000"/>
+                        </a:solidFill>
+                        <a:effectLst/>
+                        <a:latin typeface="Calibri" panose="020F0502020204030204" pitchFamily="34" charset="0"/>
+                      </a:endParaRPr>
                     </a:p>
                   </a:txBody>
                   <a:tcPr marL="9525" marR="9525" marT="9525" marB="0" anchor="ctr">
@@ -4356,7 +4466,7 @@
                 </a:tc>
                 <a:extLst>
                   <a:ext uri="{0D108BD9-81ED-4DB2-BD59-A6C34878D82A}">
-                    <a16:rowId xmlns:a16="http://schemas.microsoft.com/office/drawing/2014/main" val="3611411439"/>
+                    <a16:rowId xmlns:a16="http://schemas.microsoft.com/office/drawing/2014/main" xmlns="" val="3611411439"/>
                   </a:ext>
                 </a:extLst>
               </a:tr>
@@ -4368,7 +4478,7 @@
                     <a:p>
                       <a:pPr algn="ctr" fontAlgn="ctr"/>
                       <a:r>
-                        <a:rPr lang="en-US" sz="1100" b="0" i="0" u="none" strike="noStrike">
+                        <a:rPr lang="en-US" sz="1100" b="0" i="0" u="none" strike="noStrike" dirty="0">
                           <a:solidFill>
                             <a:srgbClr val="000000"/>
                           </a:solidFill>
@@ -4407,14 +4517,34 @@
                     <a:p>
                       <a:pPr algn="ctr" fontAlgn="ctr"/>
                       <a:r>
-                        <a:rPr lang="en-US" sz="1100" b="0" i="0" u="none" strike="noStrike">
-                          <a:solidFill>
-                            <a:srgbClr val="000000"/>
-                          </a:solidFill>
-                          <a:effectLst/>
-                          <a:latin typeface="Calibri" panose="020F0502020204030204" pitchFamily="34" charset="0"/>
-                        </a:rPr>
-                        <a:t>Court (filter)</a:t>
+                        <a:rPr lang="en-US" sz="1100" b="0" i="0" u="none" strike="noStrike" dirty="0" err="1" smtClean="0">
+                          <a:solidFill>
+                            <a:srgbClr val="000000"/>
+                          </a:solidFill>
+                          <a:effectLst/>
+                          <a:latin typeface="Calibri" panose="020F0502020204030204" pitchFamily="34" charset="0"/>
+                        </a:rPr>
+                        <a:t>Court_name</a:t>
+                      </a:r>
+                      <a:r>
+                        <a:rPr lang="en-US" sz="1100" b="0" i="0" u="none" strike="noStrike" dirty="0" smtClean="0">
+                          <a:solidFill>
+                            <a:srgbClr val="000000"/>
+                          </a:solidFill>
+                          <a:effectLst/>
+                          <a:latin typeface="Calibri" panose="020F0502020204030204" pitchFamily="34" charset="0"/>
+                        </a:rPr>
+                        <a:t>(filter</a:t>
+                      </a:r>
+                      <a:r>
+                        <a:rPr lang="en-US" sz="1100" b="0" i="0" u="none" strike="noStrike" dirty="0">
+                          <a:solidFill>
+                            <a:srgbClr val="000000"/>
+                          </a:solidFill>
+                          <a:effectLst/>
+                          <a:latin typeface="Calibri" panose="020F0502020204030204" pitchFamily="34" charset="0"/>
+                        </a:rPr>
+                        <a:t>)</a:t>
                       </a:r>
                     </a:p>
                   </a:txBody>
@@ -4440,14 +4570,34 @@
                     <a:p>
                       <a:pPr algn="ctr" fontAlgn="ctr"/>
                       <a:r>
-                        <a:rPr lang="en-US" sz="1100" b="0" i="0" u="none" strike="noStrike">
-                          <a:solidFill>
-                            <a:srgbClr val="000000"/>
-                          </a:solidFill>
-                          <a:effectLst/>
-                          <a:latin typeface="Calibri" panose="020F0502020204030204" pitchFamily="34" charset="0"/>
-                        </a:rPr>
-                        <a:t>Offense (filter)</a:t>
+                        <a:rPr lang="en-US" sz="1100" b="0" i="0" u="none" strike="noStrike" dirty="0" err="1" smtClean="0">
+                          <a:solidFill>
+                            <a:srgbClr val="000000"/>
+                          </a:solidFill>
+                          <a:effectLst/>
+                          <a:latin typeface="Calibri" panose="020F0502020204030204" pitchFamily="34" charset="0"/>
+                        </a:rPr>
+                        <a:t>Offense_category</a:t>
+                      </a:r>
+                      <a:r>
+                        <a:rPr lang="en-US" sz="1100" b="0" i="0" u="none" strike="noStrike" dirty="0" smtClean="0">
+                          <a:solidFill>
+                            <a:srgbClr val="000000"/>
+                          </a:solidFill>
+                          <a:effectLst/>
+                          <a:latin typeface="Calibri" panose="020F0502020204030204" pitchFamily="34" charset="0"/>
+                        </a:rPr>
+                        <a:t> </a:t>
+                      </a:r>
+                      <a:r>
+                        <a:rPr lang="en-US" sz="1100" b="0" i="0" u="none" strike="noStrike" dirty="0">
+                          <a:solidFill>
+                            <a:srgbClr val="000000"/>
+                          </a:solidFill>
+                          <a:effectLst/>
+                          <a:latin typeface="Calibri" panose="020F0502020204030204" pitchFamily="34" charset="0"/>
+                        </a:rPr>
+                        <a:t>(filter)</a:t>
                       </a:r>
                     </a:p>
                   </a:txBody>
@@ -4471,16 +4621,32 @@
                     <a:bodyPr/>
                     <a:lstStyle/>
                     <a:p>
-                      <a:pPr algn="ctr" fontAlgn="ctr"/>
-                      <a:r>
-                        <a:rPr lang="en-US" sz="1100" b="0" i="0" u="none" strike="noStrike">
-                          <a:solidFill>
-                            <a:srgbClr val="000000"/>
-                          </a:solidFill>
-                          <a:effectLst/>
-                          <a:latin typeface="Calibri" panose="020F0502020204030204" pitchFamily="34" charset="0"/>
-                        </a:rPr>
-                        <a:t>Sentence (filter)</a:t>
+                      <a:pPr marL="0" marR="0" indent="0" algn="ctr" defTabSz="914400" rtl="0" eaLnBrk="1" fontAlgn="ctr" latinLnBrk="0" hangingPunct="1">
+                        <a:lnSpc>
+                          <a:spcPct val="100000"/>
+                        </a:lnSpc>
+                        <a:spcBef>
+                          <a:spcPts val="0"/>
+                        </a:spcBef>
+                        <a:spcAft>
+                          <a:spcPts val="0"/>
+                        </a:spcAft>
+                        <a:buClrTx/>
+                        <a:buSzTx/>
+                        <a:buFontTx/>
+                        <a:buNone/>
+                        <a:tabLst/>
+                        <a:defRPr/>
+                      </a:pPr>
+                      <a:r>
+                        <a:rPr lang="en-US" sz="1100" b="0" i="0" u="none" strike="noStrike" dirty="0" smtClean="0">
+                          <a:solidFill>
+                            <a:srgbClr val="000000"/>
+                          </a:solidFill>
+                          <a:effectLst/>
+                          <a:latin typeface="Calibri" panose="020F0502020204030204" pitchFamily="34" charset="0"/>
+                        </a:rPr>
+                        <a:t>SENTENCE_TYPE (filter)</a:t>
                       </a:r>
                     </a:p>
                   </a:txBody>
@@ -4572,7 +4738,7 @@
                     <a:p>
                       <a:pPr algn="ctr" fontAlgn="ctr"/>
                       <a:r>
-                        <a:rPr lang="en-US" sz="1100" b="0" i="0" u="none" strike="noStrike">
+                        <a:rPr lang="en-US" sz="1100" b="0" i="0" u="none" strike="noStrike" dirty="0">
                           <a:solidFill>
                             <a:srgbClr val="000000"/>
                           </a:solidFill>
@@ -4605,15 +4771,22 @@
                     <a:p>
                       <a:pPr algn="ctr" fontAlgn="ctr"/>
                       <a:r>
-                        <a:rPr lang="en-US" sz="1100" b="0" i="0" u="none" strike="noStrike">
-                          <a:solidFill>
-                            <a:srgbClr val="000000"/>
-                          </a:solidFill>
-                          <a:effectLst/>
-                          <a:latin typeface="Calibri" panose="020F0502020204030204" pitchFamily="34" charset="0"/>
-                        </a:rPr>
-                        <a:t>Demographic</a:t>
-                      </a:r>
+                        <a:rPr lang="en-US" sz="1100" b="0" i="0" u="none" strike="noStrike" dirty="0" smtClean="0">
+                          <a:solidFill>
+                            <a:srgbClr val="000000"/>
+                          </a:solidFill>
+                          <a:effectLst/>
+                          <a:latin typeface="Calibri" panose="020F0502020204030204" pitchFamily="34" charset="0"/>
+                        </a:rPr>
+                        <a:t>/Demographics</a:t>
+                      </a:r>
+                      <a:endParaRPr lang="en-US" sz="1100" b="0" i="0" u="none" strike="noStrike" dirty="0">
+                        <a:solidFill>
+                          <a:srgbClr val="000000"/>
+                        </a:solidFill>
+                        <a:effectLst/>
+                        <a:latin typeface="Calibri" panose="020F0502020204030204" pitchFamily="34" charset="0"/>
+                      </a:endParaRPr>
                     </a:p>
                   </a:txBody>
                   <a:tcPr marL="9525" marR="9525" marT="9525" marB="0" anchor="ctr">
@@ -4639,7 +4812,7 @@
                 </a:tc>
                 <a:extLst>
                   <a:ext uri="{0D108BD9-81ED-4DB2-BD59-A6C34878D82A}">
-                    <a16:rowId xmlns:a16="http://schemas.microsoft.com/office/drawing/2014/main" val="1861627"/>
+                    <a16:rowId xmlns:a16="http://schemas.microsoft.com/office/drawing/2014/main" xmlns="" val="1861627"/>
                   </a:ext>
                 </a:extLst>
               </a:tr>
@@ -4651,7 +4824,7 @@
                     <a:p>
                       <a:pPr algn="ctr" fontAlgn="ctr"/>
                       <a:r>
-                        <a:rPr lang="en-US" sz="1100" b="0" i="0" u="none" strike="noStrike">
+                        <a:rPr lang="en-US" sz="1100" b="0" i="0" u="none" strike="noStrike" dirty="0">
                           <a:solidFill>
                             <a:srgbClr val="000000"/>
                           </a:solidFill>
@@ -4693,14 +4866,34 @@
                     <a:p>
                       <a:pPr algn="ctr" fontAlgn="ctr"/>
                       <a:r>
-                        <a:rPr lang="en-US" sz="1100" b="0" i="0" u="none" strike="noStrike">
-                          <a:solidFill>
-                            <a:srgbClr val="000000"/>
-                          </a:solidFill>
-                          <a:effectLst/>
-                          <a:latin typeface="Calibri" panose="020F0502020204030204" pitchFamily="34" charset="0"/>
-                        </a:rPr>
-                        <a:t>Court (filter)</a:t>
+                        <a:rPr lang="en-US" sz="1100" b="0" i="0" u="none" strike="noStrike" dirty="0" err="1" smtClean="0">
+                          <a:solidFill>
+                            <a:srgbClr val="000000"/>
+                          </a:solidFill>
+                          <a:effectLst/>
+                          <a:latin typeface="Calibri" panose="020F0502020204030204" pitchFamily="34" charset="0"/>
+                        </a:rPr>
+                        <a:t>Court_name</a:t>
+                      </a:r>
+                      <a:r>
+                        <a:rPr lang="en-US" sz="1100" b="0" i="0" u="none" strike="noStrike" dirty="0" smtClean="0">
+                          <a:solidFill>
+                            <a:srgbClr val="000000"/>
+                          </a:solidFill>
+                          <a:effectLst/>
+                          <a:latin typeface="Calibri" panose="020F0502020204030204" pitchFamily="34" charset="0"/>
+                        </a:rPr>
+                        <a:t> </a:t>
+                      </a:r>
+                      <a:r>
+                        <a:rPr lang="en-US" sz="1100" b="0" i="0" u="none" strike="noStrike" dirty="0">
+                          <a:solidFill>
+                            <a:srgbClr val="000000"/>
+                          </a:solidFill>
+                          <a:effectLst/>
+                          <a:latin typeface="Calibri" panose="020F0502020204030204" pitchFamily="34" charset="0"/>
+                        </a:rPr>
+                        <a:t>(filter)</a:t>
                       </a:r>
                     </a:p>
                   </a:txBody>
@@ -4729,14 +4922,34 @@
                     <a:p>
                       <a:pPr algn="ctr" fontAlgn="ctr"/>
                       <a:r>
-                        <a:rPr lang="en-US" sz="1100" b="0" i="0" u="none" strike="noStrike">
-                          <a:solidFill>
-                            <a:srgbClr val="000000"/>
-                          </a:solidFill>
-                          <a:effectLst/>
-                          <a:latin typeface="Calibri" panose="020F0502020204030204" pitchFamily="34" charset="0"/>
-                        </a:rPr>
-                        <a:t>Offense (filter)</a:t>
+                        <a:rPr lang="en-US" sz="1100" b="0" i="0" u="none" strike="noStrike" dirty="0" err="1" smtClean="0">
+                          <a:solidFill>
+                            <a:srgbClr val="000000"/>
+                          </a:solidFill>
+                          <a:effectLst/>
+                          <a:latin typeface="Calibri" panose="020F0502020204030204" pitchFamily="34" charset="0"/>
+                        </a:rPr>
+                        <a:t>Offense_category</a:t>
+                      </a:r>
+                      <a:r>
+                        <a:rPr lang="en-US" sz="1100" b="0" i="0" u="none" strike="noStrike" dirty="0" smtClean="0">
+                          <a:solidFill>
+                            <a:srgbClr val="000000"/>
+                          </a:solidFill>
+                          <a:effectLst/>
+                          <a:latin typeface="Calibri" panose="020F0502020204030204" pitchFamily="34" charset="0"/>
+                        </a:rPr>
+                        <a:t> </a:t>
+                      </a:r>
+                      <a:r>
+                        <a:rPr lang="en-US" sz="1100" b="0" i="0" u="none" strike="noStrike" dirty="0">
+                          <a:solidFill>
+                            <a:srgbClr val="000000"/>
+                          </a:solidFill>
+                          <a:effectLst/>
+                          <a:latin typeface="Calibri" panose="020F0502020204030204" pitchFamily="34" charset="0"/>
+                        </a:rPr>
+                        <a:t>(filter)</a:t>
                       </a:r>
                     </a:p>
                   </a:txBody>
@@ -4765,15 +4978,22 @@
                     <a:p>
                       <a:pPr algn="ctr" fontAlgn="ctr"/>
                       <a:r>
-                        <a:rPr lang="en-US" sz="1100" b="0" i="0" u="none" strike="noStrike">
-                          <a:solidFill>
-                            <a:srgbClr val="000000"/>
-                          </a:solidFill>
-                          <a:effectLst/>
-                          <a:latin typeface="Calibri" panose="020F0502020204030204" pitchFamily="34" charset="0"/>
-                        </a:rPr>
-                        <a:t>Sentence (filter)</a:t>
-                      </a:r>
+                        <a:rPr lang="en-US" sz="1100" b="0" i="0" u="none" strike="noStrike" dirty="0" smtClean="0">
+                          <a:solidFill>
+                            <a:srgbClr val="000000"/>
+                          </a:solidFill>
+                          <a:effectLst/>
+                          <a:latin typeface="Calibri" panose="020F0502020204030204" pitchFamily="34" charset="0"/>
+                        </a:rPr>
+                        <a:t>SENTENCE_TYPE (filter)</a:t>
+                      </a:r>
+                      <a:endParaRPr lang="en-US" sz="1100" b="0" i="0" u="none" strike="noStrike" dirty="0">
+                        <a:solidFill>
+                          <a:srgbClr val="000000"/>
+                        </a:solidFill>
+                        <a:effectLst/>
+                        <a:latin typeface="Calibri" panose="020F0502020204030204" pitchFamily="34" charset="0"/>
+                      </a:endParaRPr>
                     </a:p>
                   </a:txBody>
                   <a:tcPr marL="9525" marR="9525" marT="9525" marB="0" anchor="ctr">
@@ -4873,7 +5093,7 @@
                     <a:p>
                       <a:pPr algn="ctr" fontAlgn="ctr"/>
                       <a:r>
-                        <a:rPr lang="en-US" sz="1100" b="0" i="0" u="none" strike="noStrike">
+                        <a:rPr lang="en-US" sz="1100" b="0" i="0" u="none" strike="noStrike" dirty="0">
                           <a:solidFill>
                             <a:srgbClr val="000000"/>
                           </a:solidFill>
@@ -4909,15 +5129,22 @@
                     <a:p>
                       <a:pPr algn="ctr" fontAlgn="ctr"/>
                       <a:r>
-                        <a:rPr lang="en-US" sz="1100" b="0" i="0" u="none" strike="noStrike">
-                          <a:solidFill>
-                            <a:srgbClr val="000000"/>
-                          </a:solidFill>
-                          <a:effectLst/>
-                          <a:latin typeface="Calibri" panose="020F0502020204030204" pitchFamily="34" charset="0"/>
-                        </a:rPr>
-                        <a:t>Demographic</a:t>
-                      </a:r>
+                        <a:rPr lang="en-US" sz="1100" b="0" i="0" u="none" strike="noStrike" dirty="0" smtClean="0">
+                          <a:solidFill>
+                            <a:srgbClr val="000000"/>
+                          </a:solidFill>
+                          <a:effectLst/>
+                          <a:latin typeface="Calibri" panose="020F0502020204030204" pitchFamily="34" charset="0"/>
+                        </a:rPr>
+                        <a:t>/Demographics</a:t>
+                      </a:r>
+                      <a:endParaRPr lang="en-US" sz="1100" b="0" i="0" u="none" strike="noStrike" dirty="0">
+                        <a:solidFill>
+                          <a:srgbClr val="000000"/>
+                        </a:solidFill>
+                        <a:effectLst/>
+                        <a:latin typeface="Calibri" panose="020F0502020204030204" pitchFamily="34" charset="0"/>
+                      </a:endParaRPr>
                     </a:p>
                   </a:txBody>
                   <a:tcPr marL="9525" marR="9525" marT="9525" marB="0" anchor="ctr">
@@ -4946,11 +5173,11 @@
                 </a:tc>
                 <a:extLst>
                   <a:ext uri="{0D108BD9-81ED-4DB2-BD59-A6C34878D82A}">
-                    <a16:rowId xmlns:a16="http://schemas.microsoft.com/office/drawing/2014/main" val="952423537"/>
+                    <a16:rowId xmlns:a16="http://schemas.microsoft.com/office/drawing/2014/main" xmlns="" val="952423537"/>
                   </a:ext>
                 </a:extLst>
               </a:tr>
-              <a:tr h="190500">
+              <a:tr h="718932">
                 <a:tc>
                   <a:txBody>
                     <a:bodyPr/>
@@ -4958,15 +5185,42 @@
                     <a:p>
                       <a:pPr algn="ctr" fontAlgn="ctr"/>
                       <a:r>
-                        <a:rPr lang="en-US" sz="1100" b="0" i="0" u="none" strike="noStrike">
-                          <a:solidFill>
-                            <a:srgbClr val="000000"/>
-                          </a:solidFill>
-                          <a:effectLst/>
-                          <a:latin typeface="Calibri" panose="020F0502020204030204" pitchFamily="34" charset="0"/>
-                        </a:rPr>
-                        <a:t>Commitment term/unit</a:t>
-                      </a:r>
+                        <a:rPr lang="en-US" sz="1100" b="0" i="0" u="none" strike="noStrike" dirty="0" smtClean="0">
+                          <a:solidFill>
+                            <a:srgbClr val="000000"/>
+                          </a:solidFill>
+                          <a:effectLst/>
+                          <a:latin typeface="Calibri" panose="020F0502020204030204" pitchFamily="34" charset="0"/>
+                        </a:rPr>
+                        <a:t>Commitment term/unit(corresponding</a:t>
+                      </a:r>
+                      <a:r>
+                        <a:rPr lang="en-US" sz="1100" b="0" i="0" u="none" strike="noStrike" baseline="0" dirty="0" smtClean="0">
+                          <a:solidFill>
+                            <a:srgbClr val="000000"/>
+                          </a:solidFill>
+                          <a:effectLst/>
+                          <a:latin typeface="Calibri" panose="020F0502020204030204" pitchFamily="34" charset="0"/>
+                        </a:rPr>
+                        <a:t> terms</a:t>
+                      </a:r>
+                      <a:r>
+                        <a:rPr lang="en-US" sz="1100" b="0" i="0" u="none" strike="noStrike" dirty="0" smtClean="0">
+                          <a:solidFill>
+                            <a:srgbClr val="000000"/>
+                          </a:solidFill>
+                          <a:effectLst/>
+                          <a:latin typeface="Calibri" panose="020F0502020204030204" pitchFamily="34" charset="0"/>
+                        </a:rPr>
+                        <a:t>)</a:t>
+                      </a:r>
+                      <a:endParaRPr lang="en-US" sz="1100" b="0" i="0" u="none" strike="noStrike" dirty="0">
+                        <a:solidFill>
+                          <a:srgbClr val="000000"/>
+                        </a:solidFill>
+                        <a:effectLst/>
+                        <a:latin typeface="Calibri" panose="020F0502020204030204" pitchFamily="34" charset="0"/>
+                      </a:endParaRPr>
                     </a:p>
                   </a:txBody>
                   <a:tcPr marL="9525" marR="9525" marT="9525" marB="0" anchor="ctr">
@@ -4997,105 +5251,16 @@
                     <a:p>
                       <a:pPr algn="ctr" fontAlgn="ctr"/>
                       <a:r>
-                        <a:rPr lang="en-US" sz="1100" b="0" i="0" u="none" strike="noStrike">
-                          <a:solidFill>
-                            <a:srgbClr val="000000"/>
-                          </a:solidFill>
-                          <a:effectLst/>
-                          <a:latin typeface="Calibri" panose="020F0502020204030204" pitchFamily="34" charset="0"/>
-                        </a:rPr>
-                        <a:t>OFFENSE_CATEGORY</a:t>
-                      </a:r>
-                    </a:p>
-                  </a:txBody>
-                  <a:tcPr marL="9525" marR="9525" marT="9525" marB="0" anchor="ctr">
-                    <a:lnL>
-                      <a:noFill/>
-                    </a:lnL>
-                    <a:lnR>
-                      <a:noFill/>
-                    </a:lnR>
-                    <a:lnT>
-                      <a:noFill/>
-                    </a:lnT>
-                    <a:lnB>
-                      <a:noFill/>
-                    </a:lnB>
-                  </a:tcPr>
-                </a:tc>
-                <a:tc>
-                  <a:txBody>
-                    <a:bodyPr/>
-                    <a:lstStyle/>
-                    <a:p>
-                      <a:pPr algn="ctr" fontAlgn="ctr"/>
-                      <a:r>
-                        <a:rPr lang="en-US" sz="1100" b="0" i="0" u="none" strike="noStrike">
-                          <a:solidFill>
-                            <a:srgbClr val="000000"/>
-                          </a:solidFill>
-                          <a:effectLst/>
-                          <a:latin typeface="Calibri" panose="020F0502020204030204" pitchFamily="34" charset="0"/>
-                        </a:rPr>
-                        <a:t>commitment type (filter)</a:t>
-                      </a:r>
-                    </a:p>
-                  </a:txBody>
-                  <a:tcPr marL="9525" marR="9525" marT="9525" marB="0" anchor="ctr">
-                    <a:lnL>
-                      <a:noFill/>
-                    </a:lnL>
-                    <a:lnR>
-                      <a:noFill/>
-                    </a:lnR>
-                    <a:lnT>
-                      <a:noFill/>
-                    </a:lnT>
-                    <a:lnB>
-                      <a:noFill/>
-                    </a:lnB>
-                  </a:tcPr>
-                </a:tc>
-                <a:tc>
-                  <a:txBody>
-                    <a:bodyPr/>
-                    <a:lstStyle/>
-                    <a:p>
-                      <a:pPr algn="ctr" fontAlgn="ctr"/>
-                      <a:r>
-                        <a:rPr lang="en-US" sz="1100" b="0" i="0" u="none" strike="noStrike">
-                          <a:solidFill>
-                            <a:srgbClr val="000000"/>
-                          </a:solidFill>
-                          <a:effectLst/>
-                          <a:latin typeface="Calibri" panose="020F0502020204030204" pitchFamily="34" charset="0"/>
-                        </a:rPr>
-                        <a:t>Court (filter)????</a:t>
-                      </a:r>
-                    </a:p>
-                  </a:txBody>
-                  <a:tcPr marL="9525" marR="9525" marT="9525" marB="0" anchor="ctr">
-                    <a:lnL>
-                      <a:noFill/>
-                    </a:lnL>
-                    <a:lnR>
-                      <a:noFill/>
-                    </a:lnR>
-                    <a:lnT>
-                      <a:noFill/>
-                    </a:lnT>
-                    <a:lnB>
-                      <a:noFill/>
-                    </a:lnB>
-                  </a:tcPr>
-                </a:tc>
-                <a:tc>
-                  <a:txBody>
-                    <a:bodyPr/>
-                    <a:lstStyle/>
-                    <a:p>
-                      <a:pPr algn="ctr" fontAlgn="ctr"/>
-                      <a:endParaRPr lang="en-US" sz="1100" b="0" i="0" u="none" strike="noStrike">
+                        <a:rPr lang="en-US" sz="1100" b="0" i="0" u="none" strike="noStrike" dirty="0" smtClean="0">
+                          <a:solidFill>
+                            <a:srgbClr val="000000"/>
+                          </a:solidFill>
+                          <a:effectLst/>
+                          <a:latin typeface="Calibri" panose="020F0502020204030204" pitchFamily="34" charset="0"/>
+                        </a:rPr>
+                        <a:t>OFFENSE_CATEGORY(count)</a:t>
+                      </a:r>
+                      <a:endParaRPr lang="en-US" sz="1100" b="0" i="0" u="none" strike="noStrike" dirty="0">
                         <a:solidFill>
                           <a:srgbClr val="000000"/>
                         </a:solidFill>
@@ -5126,14 +5291,24 @@
                     <a:p>
                       <a:pPr algn="ctr" fontAlgn="ctr"/>
                       <a:r>
-                        <a:rPr lang="en-US" sz="1100" b="0" i="0" u="none" strike="noStrike">
-                          <a:solidFill>
-                            <a:srgbClr val="000000"/>
-                          </a:solidFill>
-                          <a:effectLst/>
-                          <a:latin typeface="Calibri" panose="020F0502020204030204" pitchFamily="34" charset="0"/>
-                        </a:rPr>
-                        <a:t>Bar chart</a:t>
+                        <a:rPr lang="en-US" sz="1100" b="0" i="0" u="none" strike="noStrike" dirty="0" smtClean="0">
+                          <a:solidFill>
+                            <a:srgbClr val="000000"/>
+                          </a:solidFill>
+                          <a:effectLst/>
+                          <a:latin typeface="Calibri" panose="020F0502020204030204" pitchFamily="34" charset="0"/>
+                        </a:rPr>
+                        <a:t>sentence </a:t>
+                      </a:r>
+                      <a:r>
+                        <a:rPr lang="en-US" sz="1100" b="0" i="0" u="none" strike="noStrike" dirty="0">
+                          <a:solidFill>
+                            <a:srgbClr val="000000"/>
+                          </a:solidFill>
+                          <a:effectLst/>
+                          <a:latin typeface="Calibri" panose="020F0502020204030204" pitchFamily="34" charset="0"/>
+                        </a:rPr>
+                        <a:t>type (filter)</a:t>
                       </a:r>
                     </a:p>
                   </a:txBody>
@@ -5159,15 +5334,52 @@
                     <a:p>
                       <a:pPr algn="ctr" fontAlgn="ctr"/>
                       <a:r>
-                        <a:rPr lang="en-US" sz="1100" b="0" i="0" u="none" strike="noStrike">
-                          <a:solidFill>
-                            <a:srgbClr val="000000"/>
-                          </a:solidFill>
-                          <a:effectLst/>
-                          <a:latin typeface="Calibri" panose="020F0502020204030204" pitchFamily="34" charset="0"/>
-                        </a:rPr>
-                        <a:t>Yes</a:t>
-                      </a:r>
+                        <a:rPr lang="en-US" sz="1100" b="0" i="0" u="none" strike="noStrike" dirty="0" err="1" smtClean="0">
+                          <a:solidFill>
+                            <a:srgbClr val="000000"/>
+                          </a:solidFill>
+                          <a:effectLst/>
+                          <a:latin typeface="Calibri" panose="020F0502020204030204" pitchFamily="34" charset="0"/>
+                        </a:rPr>
+                        <a:t>Court_name</a:t>
+                      </a:r>
+                      <a:r>
+                        <a:rPr lang="en-US" sz="1100" b="0" i="0" u="none" strike="noStrike" dirty="0" smtClean="0">
+                          <a:solidFill>
+                            <a:srgbClr val="000000"/>
+                          </a:solidFill>
+                          <a:effectLst/>
+                          <a:latin typeface="Calibri" panose="020F0502020204030204" pitchFamily="34" charset="0"/>
+                        </a:rPr>
+                        <a:t> </a:t>
+                      </a:r>
+                      <a:r>
+                        <a:rPr lang="en-US" sz="1100" b="0" i="0" u="none" strike="noStrike" dirty="0">
+                          <a:solidFill>
+                            <a:srgbClr val="000000"/>
+                          </a:solidFill>
+                          <a:effectLst/>
+                          <a:latin typeface="Calibri" panose="020F0502020204030204" pitchFamily="34" charset="0"/>
+                        </a:rPr>
+                        <a:t>(filter</a:t>
+                      </a:r>
+                      <a:r>
+                        <a:rPr lang="en-US" sz="1100" b="0" i="0" u="none" strike="noStrike" dirty="0" smtClean="0">
+                          <a:solidFill>
+                            <a:srgbClr val="000000"/>
+                          </a:solidFill>
+                          <a:effectLst/>
+                          <a:latin typeface="Calibri" panose="020F0502020204030204" pitchFamily="34" charset="0"/>
+                        </a:rPr>
+                        <a:t>)</a:t>
+                      </a:r>
+                      <a:endParaRPr lang="en-US" sz="1100" b="0" i="0" u="none" strike="noStrike" dirty="0">
+                        <a:solidFill>
+                          <a:srgbClr val="000000"/>
+                        </a:solidFill>
+                        <a:effectLst/>
+                        <a:latin typeface="Calibri" panose="020F0502020204030204" pitchFamily="34" charset="0"/>
+                      </a:endParaRPr>
                     </a:p>
                   </a:txBody>
                   <a:tcPr marL="9525" marR="9525" marT="9525" marB="0" anchor="ctr">
@@ -5191,16 +5403,142 @@
                     <a:lstStyle/>
                     <a:p>
                       <a:pPr algn="ctr" fontAlgn="ctr"/>
-                      <a:r>
-                        <a:rPr lang="en-US" sz="1100" b="0" i="0" u="none" strike="noStrike">
-                          <a:solidFill>
-                            <a:srgbClr val="000000"/>
-                          </a:solidFill>
-                          <a:effectLst/>
-                          <a:latin typeface="Calibri" panose="020F0502020204030204" pitchFamily="34" charset="0"/>
-                        </a:rPr>
-                        <a:t>Offense Category</a:t>
-                      </a:r>
+                      <a:endParaRPr lang="en-US" sz="1100" b="0" i="0" u="none" strike="noStrike" dirty="0">
+                        <a:solidFill>
+                          <a:srgbClr val="000000"/>
+                        </a:solidFill>
+                        <a:effectLst/>
+                        <a:latin typeface="Calibri" panose="020F0502020204030204" pitchFamily="34" charset="0"/>
+                      </a:endParaRPr>
+                    </a:p>
+                  </a:txBody>
+                  <a:tcPr marL="9525" marR="9525" marT="9525" marB="0" anchor="ctr">
+                    <a:lnL>
+                      <a:noFill/>
+                    </a:lnL>
+                    <a:lnR>
+                      <a:noFill/>
+                    </a:lnR>
+                    <a:lnT>
+                      <a:noFill/>
+                    </a:lnT>
+                    <a:lnB>
+                      <a:noFill/>
+                    </a:lnB>
+                  </a:tcPr>
+                </a:tc>
+                <a:tc>
+                  <a:txBody>
+                    <a:bodyPr/>
+                    <a:lstStyle/>
+                    <a:p>
+                      <a:pPr algn="ctr" fontAlgn="ctr"/>
+                      <a:r>
+                        <a:rPr lang="en-US" sz="1100" b="0" i="0" u="none" strike="noStrike" dirty="0" smtClean="0">
+                          <a:solidFill>
+                            <a:srgbClr val="000000"/>
+                          </a:solidFill>
+                          <a:effectLst/>
+                          <a:latin typeface="Calibri" panose="020F0502020204030204" pitchFamily="34" charset="0"/>
+                        </a:rPr>
+                        <a:t>boxplot </a:t>
+                      </a:r>
+                      <a:r>
+                        <a:rPr lang="en-US" sz="1100" b="0" i="0" u="none" strike="noStrike" dirty="0">
+                          <a:solidFill>
+                            <a:srgbClr val="000000"/>
+                          </a:solidFill>
+                          <a:effectLst/>
+                          <a:latin typeface="Calibri" panose="020F0502020204030204" pitchFamily="34" charset="0"/>
+                        </a:rPr>
+                        <a:t>chart</a:t>
+                      </a:r>
+                    </a:p>
+                  </a:txBody>
+                  <a:tcPr marL="9525" marR="9525" marT="9525" marB="0" anchor="ctr">
+                    <a:lnL>
+                      <a:noFill/>
+                    </a:lnL>
+                    <a:lnR>
+                      <a:noFill/>
+                    </a:lnR>
+                    <a:lnT>
+                      <a:noFill/>
+                    </a:lnT>
+                    <a:lnB>
+                      <a:noFill/>
+                    </a:lnB>
+                  </a:tcPr>
+                </a:tc>
+                <a:tc>
+                  <a:txBody>
+                    <a:bodyPr/>
+                    <a:lstStyle/>
+                    <a:p>
+                      <a:pPr algn="ctr" fontAlgn="ctr"/>
+                      <a:r>
+                        <a:rPr lang="en-US" sz="1100" b="0" i="0" u="none" strike="noStrike" dirty="0">
+                          <a:solidFill>
+                            <a:srgbClr val="000000"/>
+                          </a:solidFill>
+                          <a:effectLst/>
+                          <a:latin typeface="Calibri" panose="020F0502020204030204" pitchFamily="34" charset="0"/>
+                        </a:rPr>
+                        <a:t>Yes</a:t>
+                      </a:r>
+                    </a:p>
+                  </a:txBody>
+                  <a:tcPr marL="9525" marR="9525" marT="9525" marB="0" anchor="ctr">
+                    <a:lnL>
+                      <a:noFill/>
+                    </a:lnL>
+                    <a:lnR>
+                      <a:noFill/>
+                    </a:lnR>
+                    <a:lnT>
+                      <a:noFill/>
+                    </a:lnT>
+                    <a:lnB>
+                      <a:noFill/>
+                    </a:lnB>
+                  </a:tcPr>
+                </a:tc>
+                <a:tc>
+                  <a:txBody>
+                    <a:bodyPr/>
+                    <a:lstStyle/>
+                    <a:p>
+                      <a:pPr algn="ctr" fontAlgn="ctr"/>
+                      <a:r>
+                        <a:rPr lang="en-US" sz="1100" b="0" i="0" u="none" strike="noStrike" dirty="0" smtClean="0">
+                          <a:solidFill>
+                            <a:srgbClr val="000000"/>
+                          </a:solidFill>
+                          <a:effectLst/>
+                          <a:latin typeface="Calibri" panose="020F0502020204030204" pitchFamily="34" charset="0"/>
+                        </a:rPr>
+                        <a:t>/index</a:t>
+                      </a:r>
+                    </a:p>
+                    <a:p>
+                      <a:pPr algn="ctr" fontAlgn="ctr"/>
+                      <a:r>
+                        <a:rPr lang="en-US" sz="1100" b="0" i="0" u="none" strike="noStrike" dirty="0" smtClean="0">
+                          <a:solidFill>
+                            <a:srgbClr val="000000"/>
+                          </a:solidFill>
+                          <a:effectLst/>
+                          <a:latin typeface="Calibri" panose="020F0502020204030204" pitchFamily="34" charset="0"/>
+                        </a:rPr>
+                        <a:t>/Offense category(in depth analysis)</a:t>
+                      </a:r>
+                      <a:endParaRPr lang="en-US" sz="1100" b="0" i="0" u="none" strike="noStrike" dirty="0">
+                        <a:solidFill>
+                          <a:srgbClr val="000000"/>
+                        </a:solidFill>
+                        <a:effectLst/>
+                        <a:latin typeface="Calibri" panose="020F0502020204030204" pitchFamily="34" charset="0"/>
+                      </a:endParaRPr>
                     </a:p>
                   </a:txBody>
                   <a:tcPr marL="9525" marR="9525" marT="9525" marB="0" anchor="ctr">
@@ -5226,7 +5564,7 @@
                 </a:tc>
                 <a:extLst>
                   <a:ext uri="{0D108BD9-81ED-4DB2-BD59-A6C34878D82A}">
-                    <a16:rowId xmlns:a16="http://schemas.microsoft.com/office/drawing/2014/main" val="801547016"/>
+                    <a16:rowId xmlns:a16="http://schemas.microsoft.com/office/drawing/2014/main" xmlns="" val="801547016"/>
                   </a:ext>
                 </a:extLst>
               </a:tr>
@@ -5238,7 +5576,7 @@
                     <a:p>
                       <a:pPr algn="ctr" fontAlgn="ctr"/>
                       <a:r>
-                        <a:rPr lang="en-US" sz="1100" b="0" i="0" u="none" strike="noStrike">
+                        <a:rPr lang="en-US" sz="1100" b="0" i="0" u="none" strike="noStrike" dirty="0" err="1">
                           <a:solidFill>
                             <a:srgbClr val="000000"/>
                           </a:solidFill>
@@ -5247,6 +5585,13 @@
                         </a:rPr>
                         <a:t>LENGTH_OF_CASE_in_Days</a:t>
                       </a:r>
+                      <a:endParaRPr lang="en-US" sz="1100" b="0" i="0" u="none" strike="noStrike" dirty="0">
+                        <a:solidFill>
+                          <a:srgbClr val="000000"/>
+                        </a:solidFill>
+                        <a:effectLst/>
+                        <a:latin typeface="Calibri" panose="020F0502020204030204" pitchFamily="34" charset="0"/>
+                      </a:endParaRPr>
                     </a:p>
                   </a:txBody>
                   <a:tcPr marL="9525" marR="9525" marT="9525" marB="0" anchor="ctr">
@@ -5280,7 +5625,7 @@
                     <a:p>
                       <a:pPr algn="ctr" fontAlgn="ctr"/>
                       <a:r>
-                        <a:rPr lang="en-US" sz="1100" b="0" i="0" u="none" strike="noStrike">
+                        <a:rPr lang="en-US" sz="1100" b="0" i="0" u="none" strike="noStrike" dirty="0">
                           <a:solidFill>
                             <a:srgbClr val="000000"/>
                           </a:solidFill>
@@ -5316,14 +5661,34 @@
                     <a:p>
                       <a:pPr algn="ctr" fontAlgn="ctr"/>
                       <a:r>
-                        <a:rPr lang="en-US" sz="1100" b="0" i="0" u="none" strike="noStrike">
-                          <a:solidFill>
-                            <a:srgbClr val="000000"/>
-                          </a:solidFill>
-                          <a:effectLst/>
-                          <a:latin typeface="Calibri" panose="020F0502020204030204" pitchFamily="34" charset="0"/>
-                        </a:rPr>
-                        <a:t>Offense (filter)</a:t>
+                        <a:rPr lang="en-US" sz="1100" b="0" i="0" u="none" strike="noStrike" dirty="0" err="1" smtClean="0">
+                          <a:solidFill>
+                            <a:srgbClr val="000000"/>
+                          </a:solidFill>
+                          <a:effectLst/>
+                          <a:latin typeface="Calibri" panose="020F0502020204030204" pitchFamily="34" charset="0"/>
+                        </a:rPr>
+                        <a:t>Offense_category</a:t>
+                      </a:r>
+                      <a:r>
+                        <a:rPr lang="en-US" sz="1100" b="0" i="0" u="none" strike="noStrike" dirty="0" smtClean="0">
+                          <a:solidFill>
+                            <a:srgbClr val="000000"/>
+                          </a:solidFill>
+                          <a:effectLst/>
+                          <a:latin typeface="Calibri" panose="020F0502020204030204" pitchFamily="34" charset="0"/>
+                        </a:rPr>
+                        <a:t> (filter</a:t>
+                      </a:r>
+                      <a:r>
+                        <a:rPr lang="en-US" sz="1100" b="0" i="0" u="none" strike="noStrike" dirty="0">
+                          <a:solidFill>
+                            <a:srgbClr val="000000"/>
+                          </a:solidFill>
+                          <a:effectLst/>
+                          <a:latin typeface="Calibri" panose="020F0502020204030204" pitchFamily="34" charset="0"/>
+                        </a:rPr>
+                        <a:t>)</a:t>
                       </a:r>
                     </a:p>
                   </a:txBody>
@@ -5352,14 +5717,24 @@
                     <a:p>
                       <a:pPr algn="ctr" fontAlgn="ctr"/>
                       <a:r>
-                        <a:rPr lang="en-US" sz="1100" b="0" i="0" u="none" strike="noStrike">
-                          <a:solidFill>
-                            <a:srgbClr val="000000"/>
-                          </a:solidFill>
-                          <a:effectLst/>
-                          <a:latin typeface="Calibri" panose="020F0502020204030204" pitchFamily="34" charset="0"/>
-                        </a:rPr>
-                        <a:t>COMMITMENT_TYPE (filter)</a:t>
+                        <a:rPr lang="en-US" sz="1100" b="0" i="0" u="none" strike="noStrike" dirty="0" smtClean="0">
+                          <a:solidFill>
+                            <a:srgbClr val="000000"/>
+                          </a:solidFill>
+                          <a:effectLst/>
+                          <a:latin typeface="Calibri" panose="020F0502020204030204" pitchFamily="34" charset="0"/>
+                        </a:rPr>
+                        <a:t>SENTENCE_TYPE </a:t>
+                      </a:r>
+                      <a:r>
+                        <a:rPr lang="en-US" sz="1100" b="0" i="0" u="none" strike="noStrike" dirty="0">
+                          <a:solidFill>
+                            <a:srgbClr val="000000"/>
+                          </a:solidFill>
+                          <a:effectLst/>
+                          <a:latin typeface="Calibri" panose="020F0502020204030204" pitchFamily="34" charset="0"/>
+                        </a:rPr>
+                        <a:t>(filter)</a:t>
                       </a:r>
                     </a:p>
                   </a:txBody>
@@ -5388,7 +5763,7 @@
                     <a:p>
                       <a:pPr algn="ctr" fontAlgn="ctr"/>
                       <a:r>
-                        <a:rPr lang="en-US" sz="1100" b="0" i="0" u="none" strike="noStrike">
+                        <a:rPr lang="en-US" sz="1100" b="0" i="0" u="none" strike="noStrike" dirty="0">
                           <a:solidFill>
                             <a:srgbClr val="000000"/>
                           </a:solidFill>
@@ -5424,14 +5799,24 @@
                     <a:p>
                       <a:pPr algn="ctr" fontAlgn="ctr"/>
                       <a:r>
-                        <a:rPr lang="en-US" sz="1100" b="0" i="0" u="none" strike="noStrike">
-                          <a:solidFill>
-                            <a:srgbClr val="000000"/>
-                          </a:solidFill>
-                          <a:effectLst/>
-                          <a:latin typeface="Calibri" panose="020F0502020204030204" pitchFamily="34" charset="0"/>
-                        </a:rPr>
-                        <a:t>Line/scatter graph</a:t>
+                        <a:rPr lang="en-US" sz="1100" b="0" i="0" u="none" strike="noStrike" dirty="0" smtClean="0">
+                          <a:solidFill>
+                            <a:srgbClr val="000000"/>
+                          </a:solidFill>
+                          <a:effectLst/>
+                          <a:latin typeface="Calibri" panose="020F0502020204030204" pitchFamily="34" charset="0"/>
+                        </a:rPr>
+                        <a:t>scatter </a:t>
+                      </a:r>
+                      <a:r>
+                        <a:rPr lang="en-US" sz="1100" b="0" i="0" u="none" strike="noStrike" dirty="0">
+                          <a:solidFill>
+                            <a:srgbClr val="000000"/>
+                          </a:solidFill>
+                          <a:effectLst/>
+                          <a:latin typeface="Calibri" panose="020F0502020204030204" pitchFamily="34" charset="0"/>
+                        </a:rPr>
+                        <a:t>graph</a:t>
                       </a:r>
                     </a:p>
                   </a:txBody>
@@ -5460,7 +5845,7 @@
                     <a:p>
                       <a:pPr algn="ctr" fontAlgn="ctr"/>
                       <a:r>
-                        <a:rPr lang="en-US" sz="1100" b="0" i="0" u="none" strike="noStrike">
+                        <a:rPr lang="en-US" sz="1100" b="0" i="0" u="none" strike="noStrike" dirty="0">
                           <a:solidFill>
                             <a:srgbClr val="000000"/>
                           </a:solidFill>
@@ -5496,15 +5881,65 @@
                     <a:p>
                       <a:pPr algn="ctr" fontAlgn="ctr"/>
                       <a:r>
-                        <a:rPr lang="en-US" sz="1100" b="0" i="0" u="none" strike="noStrike">
-                          <a:solidFill>
-                            <a:srgbClr val="000000"/>
-                          </a:solidFill>
-                          <a:effectLst/>
-                          <a:latin typeface="Calibri" panose="020F0502020204030204" pitchFamily="34" charset="0"/>
-                        </a:rPr>
-                        <a:t>Length of case</a:t>
-                      </a:r>
+                        <a:rPr lang="en-US" sz="1100" b="0" i="0" u="none" strike="noStrike" dirty="0" smtClean="0">
+                          <a:solidFill>
+                            <a:srgbClr val="000000"/>
+                          </a:solidFill>
+                          <a:effectLst/>
+                          <a:latin typeface="Calibri" panose="020F0502020204030204" pitchFamily="34" charset="0"/>
+                        </a:rPr>
+                        <a:t>/index</a:t>
+                      </a:r>
+                    </a:p>
+                    <a:p>
+                      <a:pPr algn="ctr" fontAlgn="ctr"/>
+                      <a:r>
+                        <a:rPr lang="en-US" sz="1100" b="0" i="0" u="none" strike="noStrike" dirty="0" smtClean="0">
+                          <a:solidFill>
+                            <a:srgbClr val="000000"/>
+                          </a:solidFill>
+                          <a:effectLst/>
+                          <a:latin typeface="Calibri" panose="020F0502020204030204" pitchFamily="34" charset="0"/>
+                        </a:rPr>
+                        <a:t>/Length </a:t>
+                      </a:r>
+                      <a:r>
+                        <a:rPr lang="en-US" sz="1100" b="0" i="0" u="none" strike="noStrike" dirty="0">
+                          <a:solidFill>
+                            <a:srgbClr val="000000"/>
+                          </a:solidFill>
+                          <a:effectLst/>
+                          <a:latin typeface="Calibri" panose="020F0502020204030204" pitchFamily="34" charset="0"/>
+                        </a:rPr>
+                        <a:t>of </a:t>
+                      </a:r>
+                      <a:r>
+                        <a:rPr lang="en-US" sz="1100" b="0" i="0" u="none" strike="noStrike" dirty="0" smtClean="0">
+                          <a:solidFill>
+                            <a:srgbClr val="000000"/>
+                          </a:solidFill>
+                          <a:effectLst/>
+                          <a:latin typeface="Calibri" panose="020F0502020204030204" pitchFamily="34" charset="0"/>
+                        </a:rPr>
+                        <a:t>case(in</a:t>
+                      </a:r>
+                      <a:r>
+                        <a:rPr lang="en-US" sz="1100" b="0" i="0" u="none" strike="noStrike" baseline="0" dirty="0" smtClean="0">
+                          <a:solidFill>
+                            <a:srgbClr val="000000"/>
+                          </a:solidFill>
+                          <a:effectLst/>
+                          <a:latin typeface="Calibri" panose="020F0502020204030204" pitchFamily="34" charset="0"/>
+                        </a:rPr>
+                        <a:t> depth)</a:t>
+                      </a:r>
+                      <a:endParaRPr lang="en-US" sz="1100" b="0" i="0" u="none" strike="noStrike" dirty="0">
+                        <a:solidFill>
+                          <a:srgbClr val="000000"/>
+                        </a:solidFill>
+                        <a:effectLst/>
+                        <a:latin typeface="Calibri" panose="020F0502020204030204" pitchFamily="34" charset="0"/>
+                      </a:endParaRPr>
                     </a:p>
                   </a:txBody>
                   <a:tcPr marL="9525" marR="9525" marT="9525" marB="0" anchor="ctr">
@@ -5533,7 +5968,7 @@
                 </a:tc>
                 <a:extLst>
                   <a:ext uri="{0D108BD9-81ED-4DB2-BD59-A6C34878D82A}">
-                    <a16:rowId xmlns:a16="http://schemas.microsoft.com/office/drawing/2014/main" val="3023096550"/>
+                    <a16:rowId xmlns:a16="http://schemas.microsoft.com/office/drawing/2014/main" xmlns="" val="3023096550"/>
                   </a:ext>
                 </a:extLst>
               </a:tr>
@@ -5545,7 +5980,7 @@
                     <a:p>
                       <a:pPr algn="ctr" fontAlgn="ctr"/>
                       <a:r>
-                        <a:rPr lang="en-US" sz="1100" b="0" i="0" u="none" strike="noStrike">
+                        <a:rPr lang="en-US" sz="1100" b="0" i="0" u="none" strike="noStrike" dirty="0" err="1">
                           <a:solidFill>
                             <a:srgbClr val="000000"/>
                           </a:solidFill>
@@ -5554,6 +5989,13 @@
                         </a:rPr>
                         <a:t>LENGTH_OF_CASE_in_Days</a:t>
                       </a:r>
+                      <a:endParaRPr lang="en-US" sz="1100" b="0" i="0" u="none" strike="noStrike" dirty="0">
+                        <a:solidFill>
+                          <a:srgbClr val="000000"/>
+                        </a:solidFill>
+                        <a:effectLst/>
+                        <a:latin typeface="Calibri" panose="020F0502020204030204" pitchFamily="34" charset="0"/>
+                      </a:endParaRPr>
                     </a:p>
                   </a:txBody>
                   <a:tcPr marL="9525" marR="9525" marT="9525" marB="0" anchor="ctr">
@@ -5584,105 +6026,26 @@
                     <a:p>
                       <a:pPr algn="ctr" fontAlgn="ctr"/>
                       <a:r>
-                        <a:rPr lang="en-US" sz="1100" b="0" i="0" u="none" strike="noStrike">
-                          <a:solidFill>
-                            <a:srgbClr val="000000"/>
-                          </a:solidFill>
-                          <a:effectLst/>
-                          <a:latin typeface="Calibri" panose="020F0502020204030204" pitchFamily="34" charset="0"/>
-                        </a:rPr>
-                        <a:t>Commitment term/unit</a:t>
-                      </a:r>
-                    </a:p>
-                  </a:txBody>
-                  <a:tcPr marL="9525" marR="9525" marT="9525" marB="0" anchor="ctr">
-                    <a:lnL>
-                      <a:noFill/>
-                    </a:lnL>
-                    <a:lnR>
-                      <a:noFill/>
-                    </a:lnR>
-                    <a:lnT>
-                      <a:noFill/>
-                    </a:lnT>
-                    <a:lnB>
-                      <a:noFill/>
-                    </a:lnB>
-                  </a:tcPr>
-                </a:tc>
-                <a:tc>
-                  <a:txBody>
-                    <a:bodyPr/>
-                    <a:lstStyle/>
-                    <a:p>
-                      <a:pPr algn="ctr" fontAlgn="ctr"/>
-                      <a:r>
-                        <a:rPr lang="en-US" sz="1100" b="0" i="0" u="none" strike="noStrike">
-                          <a:solidFill>
-                            <a:srgbClr val="000000"/>
-                          </a:solidFill>
-                          <a:effectLst/>
-                          <a:latin typeface="Calibri" panose="020F0502020204030204" pitchFamily="34" charset="0"/>
-                        </a:rPr>
-                        <a:t>Offense (filter)</a:t>
-                      </a:r>
-                    </a:p>
-                  </a:txBody>
-                  <a:tcPr marL="9525" marR="9525" marT="9525" marB="0" anchor="ctr">
-                    <a:lnL>
-                      <a:noFill/>
-                    </a:lnL>
-                    <a:lnR>
-                      <a:noFill/>
-                    </a:lnR>
-                    <a:lnT>
-                      <a:noFill/>
-                    </a:lnT>
-                    <a:lnB>
-                      <a:noFill/>
-                    </a:lnB>
-                  </a:tcPr>
-                </a:tc>
-                <a:tc>
-                  <a:txBody>
-                    <a:bodyPr/>
-                    <a:lstStyle/>
-                    <a:p>
-                      <a:pPr algn="ctr" fontAlgn="ctr"/>
-                      <a:r>
-                        <a:rPr lang="en-US" sz="1100" b="0" i="0" u="none" strike="noStrike">
-                          <a:solidFill>
-                            <a:srgbClr val="000000"/>
-                          </a:solidFill>
-                          <a:effectLst/>
-                          <a:latin typeface="Calibri" panose="020F0502020204030204" pitchFamily="34" charset="0"/>
-                        </a:rPr>
-                        <a:t>COMMITMENT_TYPE (filter)</a:t>
-                      </a:r>
-                    </a:p>
-                  </a:txBody>
-                  <a:tcPr marL="9525" marR="9525" marT="9525" marB="0" anchor="ctr">
-                    <a:lnL>
-                      <a:noFill/>
-                    </a:lnL>
-                    <a:lnR>
-                      <a:noFill/>
-                    </a:lnR>
-                    <a:lnT>
-                      <a:noFill/>
-                    </a:lnT>
-                    <a:lnB>
-                      <a:noFill/>
-                    </a:lnB>
-                  </a:tcPr>
-                </a:tc>
-                <a:tc>
-                  <a:txBody>
-                    <a:bodyPr/>
-                    <a:lstStyle/>
-                    <a:p>
-                      <a:pPr algn="ctr" fontAlgn="ctr"/>
-                      <a:endParaRPr lang="en-US" sz="1100" b="0" i="0" u="none" strike="noStrike">
+                        <a:rPr lang="en-US" sz="1100" b="0" i="0" u="none" strike="noStrike" dirty="0" err="1" smtClean="0">
+                          <a:solidFill>
+                            <a:srgbClr val="000000"/>
+                          </a:solidFill>
+                          <a:effectLst/>
+                          <a:latin typeface="Calibri" panose="020F0502020204030204" pitchFamily="34" charset="0"/>
+                        </a:rPr>
+                        <a:t>Offense_category</a:t>
+                      </a:r>
+                      <a:r>
+                        <a:rPr lang="en-US" sz="1100" b="0" i="0" u="none" strike="noStrike" dirty="0" smtClean="0">
+                          <a:solidFill>
+                            <a:srgbClr val="000000"/>
+                          </a:solidFill>
+                          <a:effectLst/>
+                          <a:latin typeface="Calibri" panose="020F0502020204030204" pitchFamily="34" charset="0"/>
+                        </a:rPr>
+                        <a:t>  </a:t>
+                      </a:r>
+                      <a:endParaRPr lang="en-US" sz="1100" b="0" i="0" u="none" strike="noStrike" dirty="0">
                         <a:solidFill>
                           <a:srgbClr val="000000"/>
                         </a:solidFill>
@@ -5713,15 +6076,22 @@
                     <a:p>
                       <a:pPr algn="ctr" fontAlgn="ctr"/>
                       <a:r>
-                        <a:rPr lang="en-US" sz="1100" b="0" i="0" u="none" strike="noStrike">
-                          <a:solidFill>
-                            <a:srgbClr val="000000"/>
-                          </a:solidFill>
-                          <a:effectLst/>
-                          <a:latin typeface="Calibri" panose="020F0502020204030204" pitchFamily="34" charset="0"/>
-                        </a:rPr>
-                        <a:t>Box plot</a:t>
-                      </a:r>
+                        <a:rPr lang="en-US" sz="1100" b="0" i="0" u="none" strike="noStrike" dirty="0" smtClean="0">
+                          <a:solidFill>
+                            <a:srgbClr val="000000"/>
+                          </a:solidFill>
+                          <a:effectLst/>
+                          <a:latin typeface="Calibri" panose="020F0502020204030204" pitchFamily="34" charset="0"/>
+                        </a:rPr>
+                        <a:t>SENTENCE_TYPE (filter)</a:t>
+                      </a:r>
+                      <a:endParaRPr lang="en-US" sz="1100" b="0" i="0" u="none" strike="noStrike" dirty="0">
+                        <a:solidFill>
+                          <a:srgbClr val="000000"/>
+                        </a:solidFill>
+                        <a:effectLst/>
+                        <a:latin typeface="Calibri" panose="020F0502020204030204" pitchFamily="34" charset="0"/>
+                      </a:endParaRPr>
                     </a:p>
                   </a:txBody>
                   <a:tcPr marL="9525" marR="9525" marT="9525" marB="0" anchor="ctr">
@@ -5746,15 +6116,32 @@
                     <a:p>
                       <a:pPr algn="ctr" fontAlgn="ctr"/>
                       <a:r>
-                        <a:rPr lang="en-US" sz="1100" b="0" i="0" u="none" strike="noStrike">
-                          <a:solidFill>
-                            <a:srgbClr val="000000"/>
-                          </a:solidFill>
-                          <a:effectLst/>
-                          <a:latin typeface="Calibri" panose="020F0502020204030204" pitchFamily="34" charset="0"/>
-                        </a:rPr>
-                        <a:t>No</a:t>
-                      </a:r>
+                        <a:rPr lang="en-US" sz="1100" b="0" i="0" u="none" strike="noStrike" dirty="0" err="1" smtClean="0">
+                          <a:solidFill>
+                            <a:srgbClr val="000000"/>
+                          </a:solidFill>
+                          <a:effectLst/>
+                          <a:latin typeface="Calibri" panose="020F0502020204030204" pitchFamily="34" charset="0"/>
+                        </a:rPr>
+                        <a:t>Court_name</a:t>
+                      </a:r>
+                      <a:r>
+                        <a:rPr lang="en-US" sz="1100" b="0" i="0" u="none" strike="noStrike" dirty="0" smtClean="0">
+                          <a:solidFill>
+                            <a:srgbClr val="000000"/>
+                          </a:solidFill>
+                          <a:effectLst/>
+                          <a:latin typeface="Calibri" panose="020F0502020204030204" pitchFamily="34" charset="0"/>
+                        </a:rPr>
+                        <a:t>(filter)</a:t>
+                      </a:r>
+                      <a:endParaRPr lang="en-US" sz="1100" b="0" i="0" u="none" strike="noStrike" dirty="0">
+                        <a:solidFill>
+                          <a:srgbClr val="000000"/>
+                        </a:solidFill>
+                        <a:effectLst/>
+                        <a:latin typeface="Calibri" panose="020F0502020204030204" pitchFamily="34" charset="0"/>
+                      </a:endParaRPr>
                     </a:p>
                   </a:txBody>
                   <a:tcPr marL="9525" marR="9525" marT="9525" marB="0" anchor="ctr">
@@ -5778,15 +6165,121 @@
                     <a:lstStyle/>
                     <a:p>
                       <a:pPr algn="ctr" fontAlgn="ctr"/>
-                      <a:r>
-                        <a:rPr lang="en-US" sz="1100" b="0" i="0" u="none" strike="noStrike">
-                          <a:solidFill>
-                            <a:srgbClr val="000000"/>
-                          </a:solidFill>
-                          <a:effectLst/>
-                          <a:latin typeface="Calibri" panose="020F0502020204030204" pitchFamily="34" charset="0"/>
-                        </a:rPr>
-                        <a:t>Length of case</a:t>
+                      <a:endParaRPr lang="en-US" sz="1100" b="0" i="0" u="none" strike="noStrike" dirty="0">
+                        <a:solidFill>
+                          <a:srgbClr val="000000"/>
+                        </a:solidFill>
+                        <a:effectLst/>
+                        <a:latin typeface="Calibri" panose="020F0502020204030204" pitchFamily="34" charset="0"/>
+                      </a:endParaRPr>
+                    </a:p>
+                  </a:txBody>
+                  <a:tcPr marL="9525" marR="9525" marT="9525" marB="0" anchor="ctr">
+                    <a:lnL>
+                      <a:noFill/>
+                    </a:lnL>
+                    <a:lnR>
+                      <a:noFill/>
+                    </a:lnR>
+                    <a:lnT>
+                      <a:noFill/>
+                    </a:lnT>
+                    <a:lnB>
+                      <a:noFill/>
+                    </a:lnB>
+                  </a:tcPr>
+                </a:tc>
+                <a:tc>
+                  <a:txBody>
+                    <a:bodyPr/>
+                    <a:lstStyle/>
+                    <a:p>
+                      <a:pPr algn="ctr" fontAlgn="ctr"/>
+                      <a:r>
+                        <a:rPr lang="en-US" sz="1100" b="0" i="0" u="none" strike="noStrike" dirty="0">
+                          <a:solidFill>
+                            <a:srgbClr val="000000"/>
+                          </a:solidFill>
+                          <a:effectLst/>
+                          <a:latin typeface="Calibri" panose="020F0502020204030204" pitchFamily="34" charset="0"/>
+                        </a:rPr>
+                        <a:t>Box plot</a:t>
+                      </a:r>
+                    </a:p>
+                  </a:txBody>
+                  <a:tcPr marL="9525" marR="9525" marT="9525" marB="0" anchor="ctr">
+                    <a:lnL>
+                      <a:noFill/>
+                    </a:lnL>
+                    <a:lnR>
+                      <a:noFill/>
+                    </a:lnR>
+                    <a:lnT>
+                      <a:noFill/>
+                    </a:lnT>
+                    <a:lnB>
+                      <a:noFill/>
+                    </a:lnB>
+                  </a:tcPr>
+                </a:tc>
+                <a:tc>
+                  <a:txBody>
+                    <a:bodyPr/>
+                    <a:lstStyle/>
+                    <a:p>
+                      <a:pPr algn="ctr" fontAlgn="ctr"/>
+                      <a:r>
+                        <a:rPr lang="en-US" sz="1100" b="0" i="0" u="none" strike="noStrike" dirty="0">
+                          <a:solidFill>
+                            <a:srgbClr val="000000"/>
+                          </a:solidFill>
+                          <a:effectLst/>
+                          <a:latin typeface="Calibri" panose="020F0502020204030204" pitchFamily="34" charset="0"/>
+                        </a:rPr>
+                        <a:t>No</a:t>
+                      </a:r>
+                    </a:p>
+                  </a:txBody>
+                  <a:tcPr marL="9525" marR="9525" marT="9525" marB="0" anchor="ctr">
+                    <a:lnL>
+                      <a:noFill/>
+                    </a:lnL>
+                    <a:lnR>
+                      <a:noFill/>
+                    </a:lnR>
+                    <a:lnT>
+                      <a:noFill/>
+                    </a:lnT>
+                    <a:lnB>
+                      <a:noFill/>
+                    </a:lnB>
+                  </a:tcPr>
+                </a:tc>
+                <a:tc>
+                  <a:txBody>
+                    <a:bodyPr/>
+                    <a:lstStyle/>
+                    <a:p>
+                      <a:pPr algn="ctr" fontAlgn="ctr"/>
+                      <a:r>
+                        <a:rPr lang="en-US" sz="1100" b="0" i="0" u="none" strike="noStrike" dirty="0" smtClean="0">
+                          <a:solidFill>
+                            <a:srgbClr val="000000"/>
+                          </a:solidFill>
+                          <a:effectLst/>
+                          <a:latin typeface="Calibri" panose="020F0502020204030204" pitchFamily="34" charset="0"/>
+                        </a:rPr>
+                        <a:t>/Length </a:t>
+                      </a:r>
+                      <a:r>
+                        <a:rPr lang="en-US" sz="1100" b="0" i="0" u="none" strike="noStrike" dirty="0">
+                          <a:solidFill>
+                            <a:srgbClr val="000000"/>
+                          </a:solidFill>
+                          <a:effectLst/>
+                          <a:latin typeface="Calibri" panose="020F0502020204030204" pitchFamily="34" charset="0"/>
+                        </a:rPr>
+                        <a:t>of case</a:t>
                       </a:r>
                     </a:p>
                   </a:txBody>
@@ -5813,7 +6306,7 @@
                 </a:tc>
                 <a:extLst>
                   <a:ext uri="{0D108BD9-81ED-4DB2-BD59-A6C34878D82A}">
-                    <a16:rowId xmlns:a16="http://schemas.microsoft.com/office/drawing/2014/main" val="70753800"/>
+                    <a16:rowId xmlns:a16="http://schemas.microsoft.com/office/drawing/2014/main" xmlns="" val="70753800"/>
                   </a:ext>
                 </a:extLst>
               </a:tr>
@@ -5825,7 +6318,7 @@
                     <a:p>
                       <a:pPr algn="ctr" fontAlgn="ctr"/>
                       <a:r>
-                        <a:rPr lang="en-US" sz="1100" b="0" i="0" u="none" strike="noStrike">
+                        <a:rPr lang="en-US" sz="1100" b="0" i="0" u="none" strike="noStrike" dirty="0">
                           <a:solidFill>
                             <a:srgbClr val="000000"/>
                           </a:solidFill>
@@ -5867,15 +6360,22 @@
                     <a:p>
                       <a:pPr algn="ctr" fontAlgn="ctr"/>
                       <a:r>
-                        <a:rPr lang="en-US" sz="1100" b="0" i="0" u="none" strike="noStrike">
-                          <a:solidFill>
-                            <a:srgbClr val="000000"/>
-                          </a:solidFill>
-                          <a:effectLst/>
-                          <a:latin typeface="Calibri" panose="020F0502020204030204" pitchFamily="34" charset="0"/>
-                        </a:rPr>
-                        <a:t>COMMITMENT_TYPE</a:t>
-                      </a:r>
+                        <a:rPr lang="en-US" sz="1100" b="0" i="0" u="none" strike="noStrike" dirty="0" smtClean="0">
+                          <a:solidFill>
+                            <a:srgbClr val="000000"/>
+                          </a:solidFill>
+                          <a:effectLst/>
+                          <a:latin typeface="Calibri" panose="020F0502020204030204" pitchFamily="34" charset="0"/>
+                        </a:rPr>
+                        <a:t>SENTENCE_TYPE(count)</a:t>
+                      </a:r>
+                      <a:endParaRPr lang="en-US" sz="1100" b="0" i="0" u="none" strike="noStrike" dirty="0">
+                        <a:solidFill>
+                          <a:srgbClr val="000000"/>
+                        </a:solidFill>
+                        <a:effectLst/>
+                        <a:latin typeface="Calibri" panose="020F0502020204030204" pitchFamily="34" charset="0"/>
+                      </a:endParaRPr>
                     </a:p>
                   </a:txBody>
                   <a:tcPr marL="9525" marR="9525" marT="9525" marB="0" anchor="ctr">
@@ -5903,15 +6403,22 @@
                     <a:p>
                       <a:pPr algn="ctr" fontAlgn="ctr"/>
                       <a:r>
-                        <a:rPr lang="en-US" sz="1100" b="0" i="0" u="none" strike="noStrike">
-                          <a:solidFill>
-                            <a:srgbClr val="000000"/>
-                          </a:solidFill>
-                          <a:effectLst/>
-                          <a:latin typeface="Calibri" panose="020F0502020204030204" pitchFamily="34" charset="0"/>
-                        </a:rPr>
-                        <a:t>Commitment term/unit (filter)</a:t>
-                      </a:r>
+                        <a:rPr lang="en-US" sz="1100" b="0" i="0" u="none" strike="noStrike" dirty="0" err="1" smtClean="0">
+                          <a:solidFill>
+                            <a:srgbClr val="000000"/>
+                          </a:solidFill>
+                          <a:effectLst/>
+                          <a:latin typeface="Calibri" panose="020F0502020204030204" pitchFamily="34" charset="0"/>
+                        </a:rPr>
+                        <a:t>Offense_category</a:t>
+                      </a:r>
+                      <a:endParaRPr lang="en-US" sz="1100" b="0" i="0" u="none" strike="noStrike" dirty="0">
+                        <a:solidFill>
+                          <a:srgbClr val="000000"/>
+                        </a:solidFill>
+                        <a:effectLst/>
+                        <a:latin typeface="Calibri" panose="020F0502020204030204" pitchFamily="34" charset="0"/>
+                      </a:endParaRPr>
                     </a:p>
                   </a:txBody>
                   <a:tcPr marL="9525" marR="9525" marT="9525" marB="0" anchor="ctr">
@@ -5938,16 +6445,13 @@
                     <a:lstStyle/>
                     <a:p>
                       <a:pPr algn="ctr" fontAlgn="ctr"/>
-                      <a:r>
-                        <a:rPr lang="en-US" sz="1100" b="0" i="0" u="none" strike="noStrike">
-                          <a:solidFill>
-                            <a:srgbClr val="000000"/>
-                          </a:solidFill>
-                          <a:effectLst/>
-                          <a:latin typeface="Calibri" panose="020F0502020204030204" pitchFamily="34" charset="0"/>
-                        </a:rPr>
-                        <a:t>Offense (filter)</a:t>
-                      </a:r>
+                      <a:endParaRPr lang="en-US" sz="1100" b="0" i="0" u="none" strike="noStrike" dirty="0">
+                        <a:solidFill>
+                          <a:srgbClr val="000000"/>
+                        </a:solidFill>
+                        <a:effectLst/>
+                        <a:latin typeface="Calibri" panose="020F0502020204030204" pitchFamily="34" charset="0"/>
+                      </a:endParaRPr>
                     </a:p>
                   </a:txBody>
                   <a:tcPr marL="9525" marR="9525" marT="9525" marB="0" anchor="ctr">
@@ -6047,7 +6551,7 @@
                     <a:p>
                       <a:pPr algn="ctr" fontAlgn="ctr"/>
                       <a:r>
-                        <a:rPr lang="en-US" sz="1100" b="0" i="0" u="none" strike="noStrike">
+                        <a:rPr lang="en-US" sz="1100" b="0" i="0" u="none" strike="noStrike" dirty="0">
                           <a:solidFill>
                             <a:srgbClr val="000000"/>
                           </a:solidFill>
@@ -6081,17 +6585,53 @@
                     <a:bodyPr/>
                     <a:lstStyle/>
                     <a:p>
+                      <a:pPr marL="0" marR="0" indent="0" algn="ctr" defTabSz="914400" rtl="0" eaLnBrk="1" fontAlgn="ctr" latinLnBrk="0" hangingPunct="1">
+                        <a:lnSpc>
+                          <a:spcPct val="100000"/>
+                        </a:lnSpc>
+                        <a:spcBef>
+                          <a:spcPts val="0"/>
+                        </a:spcBef>
+                        <a:spcAft>
+                          <a:spcPts val="0"/>
+                        </a:spcAft>
+                        <a:buClrTx/>
+                        <a:buSzTx/>
+                        <a:buFontTx/>
+                        <a:buNone/>
+                        <a:tabLst/>
+                        <a:defRPr/>
+                      </a:pPr>
+                      <a:r>
+                        <a:rPr lang="en-US" sz="1100" b="0" i="0" u="none" strike="noStrike" dirty="0" smtClean="0">
+                          <a:solidFill>
+                            <a:srgbClr val="000000"/>
+                          </a:solidFill>
+                          <a:effectLst/>
+                          <a:latin typeface="Calibri" panose="020F0502020204030204" pitchFamily="34" charset="0"/>
+                        </a:rPr>
+                        <a:t>/index</a:t>
+                      </a:r>
+                    </a:p>
+                    <a:p>
                       <a:pPr algn="ctr" fontAlgn="ctr"/>
                       <a:r>
-                        <a:rPr lang="en-US" sz="1100" b="0" i="0" u="none" strike="noStrike">
-                          <a:solidFill>
-                            <a:srgbClr val="000000"/>
-                          </a:solidFill>
-                          <a:effectLst/>
-                          <a:latin typeface="Calibri" panose="020F0502020204030204" pitchFamily="34" charset="0"/>
-                        </a:rPr>
-                        <a:t>Courts</a:t>
-                      </a:r>
+                        <a:rPr lang="en-US" sz="1100" b="0" i="0" u="none" strike="noStrike" dirty="0" smtClean="0">
+                          <a:solidFill>
+                            <a:srgbClr val="000000"/>
+                          </a:solidFill>
+                          <a:effectLst/>
+                          <a:latin typeface="Calibri" panose="020F0502020204030204" pitchFamily="34" charset="0"/>
+                        </a:rPr>
+                        <a:t>/Courts</a:t>
+                      </a:r>
+                      <a:endParaRPr lang="en-US" sz="1100" b="0" i="0" u="none" strike="noStrike" dirty="0">
+                        <a:solidFill>
+                          <a:srgbClr val="000000"/>
+                        </a:solidFill>
+                        <a:effectLst/>
+                        <a:latin typeface="Calibri" panose="020F0502020204030204" pitchFamily="34" charset="0"/>
+                      </a:endParaRPr>
                     </a:p>
                   </a:txBody>
                   <a:tcPr marL="9525" marR="9525" marT="9525" marB="0" anchor="ctr">
@@ -6120,7 +6660,7 @@
                 </a:tc>
                 <a:extLst>
                   <a:ext uri="{0D108BD9-81ED-4DB2-BD59-A6C34878D82A}">
-                    <a16:rowId xmlns:a16="http://schemas.microsoft.com/office/drawing/2014/main" val="1079243955"/>
+                    <a16:rowId xmlns:a16="http://schemas.microsoft.com/office/drawing/2014/main" xmlns="" val="1079243955"/>
                   </a:ext>
                 </a:extLst>
               </a:tr>
@@ -6132,7 +6672,7 @@
                     <a:p>
                       <a:pPr algn="ctr" fontAlgn="ctr"/>
                       <a:r>
-                        <a:rPr lang="en-US" sz="1100" b="0" i="0" u="none" strike="noStrike">
+                        <a:rPr lang="en-US" sz="1100" b="0" i="0" u="none" strike="noStrike" dirty="0">
                           <a:solidFill>
                             <a:srgbClr val="000000"/>
                           </a:solidFill>
@@ -6169,16 +6709,32 @@
                     <a:bodyPr/>
                     <a:lstStyle/>
                     <a:p>
-                      <a:pPr algn="ctr" fontAlgn="ctr"/>
-                      <a:r>
-                        <a:rPr lang="en-US" sz="1100" b="0" i="0" u="none" strike="noStrike">
-                          <a:solidFill>
-                            <a:srgbClr val="000000"/>
-                          </a:solidFill>
-                          <a:effectLst/>
-                          <a:latin typeface="Calibri" panose="020F0502020204030204" pitchFamily="34" charset="0"/>
-                        </a:rPr>
-                        <a:t>COMMITMENT_TYPE</a:t>
+                      <a:pPr marL="0" marR="0" indent="0" algn="ctr" defTabSz="914400" rtl="0" eaLnBrk="1" fontAlgn="ctr" latinLnBrk="0" hangingPunct="1">
+                        <a:lnSpc>
+                          <a:spcPct val="100000"/>
+                        </a:lnSpc>
+                        <a:spcBef>
+                          <a:spcPts val="0"/>
+                        </a:spcBef>
+                        <a:spcAft>
+                          <a:spcPts val="0"/>
+                        </a:spcAft>
+                        <a:buClrTx/>
+                        <a:buSzTx/>
+                        <a:buFontTx/>
+                        <a:buNone/>
+                        <a:tabLst/>
+                        <a:defRPr/>
+                      </a:pPr>
+                      <a:r>
+                        <a:rPr lang="en-US" sz="1100" b="0" i="0" u="none" strike="noStrike" dirty="0" smtClean="0">
+                          <a:solidFill>
+                            <a:srgbClr val="000000"/>
+                          </a:solidFill>
+                          <a:effectLst/>
+                          <a:latin typeface="Calibri" panose="020F0502020204030204" pitchFamily="34" charset="0"/>
+                        </a:rPr>
+                        <a:t>Commitment term/unit </a:t>
                       </a:r>
                     </a:p>
                   </a:txBody>
@@ -6202,16 +6758,32 @@
                     <a:bodyPr/>
                     <a:lstStyle/>
                     <a:p>
-                      <a:pPr algn="ctr" fontAlgn="ctr"/>
-                      <a:r>
-                        <a:rPr lang="en-US" sz="1100" b="0" i="0" u="none" strike="noStrike">
-                          <a:solidFill>
-                            <a:srgbClr val="000000"/>
-                          </a:solidFill>
-                          <a:effectLst/>
-                          <a:latin typeface="Calibri" panose="020F0502020204030204" pitchFamily="34" charset="0"/>
-                        </a:rPr>
-                        <a:t>Commitment term/unit (filter)</a:t>
+                      <a:pPr marL="0" marR="0" indent="0" algn="ctr" defTabSz="914400" rtl="0" eaLnBrk="1" fontAlgn="ctr" latinLnBrk="0" hangingPunct="1">
+                        <a:lnSpc>
+                          <a:spcPct val="100000"/>
+                        </a:lnSpc>
+                        <a:spcBef>
+                          <a:spcPts val="0"/>
+                        </a:spcBef>
+                        <a:spcAft>
+                          <a:spcPts val="0"/>
+                        </a:spcAft>
+                        <a:buClrTx/>
+                        <a:buSzTx/>
+                        <a:buFontTx/>
+                        <a:buNone/>
+                        <a:tabLst/>
+                        <a:defRPr/>
+                      </a:pPr>
+                      <a:r>
+                        <a:rPr lang="en-US" sz="1100" b="0" i="0" u="none" strike="noStrike" dirty="0" smtClean="0">
+                          <a:solidFill>
+                            <a:srgbClr val="000000"/>
+                          </a:solidFill>
+                          <a:effectLst/>
+                          <a:latin typeface="Calibri" panose="020F0502020204030204" pitchFamily="34" charset="0"/>
+                        </a:rPr>
+                        <a:t>SENTENCE_TYPE(filter)</a:t>
                       </a:r>
                     </a:p>
                   </a:txBody>
@@ -6237,7 +6809,7 @@
                     <a:p>
                       <a:pPr algn="ctr" fontAlgn="ctr"/>
                       <a:r>
-                        <a:rPr lang="en-US" sz="1100" b="0" i="0" u="none" strike="noStrike">
+                        <a:rPr lang="en-US" sz="1100" b="0" i="0" u="none" strike="noStrike" dirty="0">
                           <a:solidFill>
                             <a:srgbClr val="000000"/>
                           </a:solidFill>
@@ -6303,14 +6875,24 @@
                     <a:p>
                       <a:pPr algn="ctr" fontAlgn="ctr"/>
                       <a:r>
-                        <a:rPr lang="en-US" sz="1100" b="0" i="0" u="none" strike="noStrike">
-                          <a:solidFill>
-                            <a:srgbClr val="000000"/>
-                          </a:solidFill>
-                          <a:effectLst/>
-                          <a:latin typeface="Calibri" panose="020F0502020204030204" pitchFamily="34" charset="0"/>
-                        </a:rPr>
-                        <a:t>Line/scatter graph</a:t>
+                        <a:rPr lang="en-US" sz="1100" b="0" i="0" u="none" strike="noStrike" dirty="0" smtClean="0">
+                          <a:solidFill>
+                            <a:srgbClr val="000000"/>
+                          </a:solidFill>
+                          <a:effectLst/>
+                          <a:latin typeface="Calibri" panose="020F0502020204030204" pitchFamily="34" charset="0"/>
+                        </a:rPr>
+                        <a:t>scatter </a:t>
+                      </a:r>
+                      <a:r>
+                        <a:rPr lang="en-US" sz="1100" b="0" i="0" u="none" strike="noStrike" dirty="0">
+                          <a:solidFill>
+                            <a:srgbClr val="000000"/>
+                          </a:solidFill>
+                          <a:effectLst/>
+                          <a:latin typeface="Calibri" panose="020F0502020204030204" pitchFamily="34" charset="0"/>
+                        </a:rPr>
+                        <a:t>graph</a:t>
                       </a:r>
                     </a:p>
                   </a:txBody>
@@ -6336,7 +6918,7 @@
                     <a:p>
                       <a:pPr algn="ctr" fontAlgn="ctr"/>
                       <a:r>
-                        <a:rPr lang="en-US" sz="1100" b="0" i="0" u="none" strike="noStrike">
+                        <a:rPr lang="en-US" sz="1100" b="0" i="0" u="none" strike="noStrike" dirty="0">
                           <a:solidFill>
                             <a:srgbClr val="000000"/>
                           </a:solidFill>
@@ -6367,17 +6949,53 @@
                     <a:bodyPr/>
                     <a:lstStyle/>
                     <a:p>
+                      <a:pPr marL="0" marR="0" indent="0" algn="ctr" defTabSz="914400" rtl="0" eaLnBrk="1" fontAlgn="ctr" latinLnBrk="0" hangingPunct="1">
+                        <a:lnSpc>
+                          <a:spcPct val="100000"/>
+                        </a:lnSpc>
+                        <a:spcBef>
+                          <a:spcPts val="0"/>
+                        </a:spcBef>
+                        <a:spcAft>
+                          <a:spcPts val="0"/>
+                        </a:spcAft>
+                        <a:buClrTx/>
+                        <a:buSzTx/>
+                        <a:buFontTx/>
+                        <a:buNone/>
+                        <a:tabLst/>
+                        <a:defRPr/>
+                      </a:pPr>
+                      <a:r>
+                        <a:rPr lang="en-US" sz="1100" b="0" i="0" u="none" strike="noStrike" dirty="0" smtClean="0">
+                          <a:solidFill>
+                            <a:srgbClr val="000000"/>
+                          </a:solidFill>
+                          <a:effectLst/>
+                          <a:latin typeface="Calibri" panose="020F0502020204030204" pitchFamily="34" charset="0"/>
+                        </a:rPr>
+                        <a:t>/index</a:t>
+                      </a:r>
+                    </a:p>
+                    <a:p>
                       <a:pPr algn="ctr" fontAlgn="ctr"/>
                       <a:r>
-                        <a:rPr lang="en-US" sz="1100" b="0" i="0" u="none" strike="noStrike">
-                          <a:solidFill>
-                            <a:srgbClr val="000000"/>
-                          </a:solidFill>
-                          <a:effectLst/>
-                          <a:latin typeface="Calibri" panose="020F0502020204030204" pitchFamily="34" charset="0"/>
-                        </a:rPr>
-                        <a:t>Courts</a:t>
-                      </a:r>
+                        <a:rPr lang="en-US" sz="1100" b="0" i="0" u="none" strike="noStrike" dirty="0" smtClean="0">
+                          <a:solidFill>
+                            <a:srgbClr val="000000"/>
+                          </a:solidFill>
+                          <a:effectLst/>
+                          <a:latin typeface="Calibri" panose="020F0502020204030204" pitchFamily="34" charset="0"/>
+                        </a:rPr>
+                        <a:t>/Courts</a:t>
+                      </a:r>
+                      <a:endParaRPr lang="en-US" sz="1100" b="0" i="0" u="none" strike="noStrike" dirty="0">
+                        <a:solidFill>
+                          <a:srgbClr val="000000"/>
+                        </a:solidFill>
+                        <a:effectLst/>
+                        <a:latin typeface="Calibri" panose="020F0502020204030204" pitchFamily="34" charset="0"/>
+                      </a:endParaRPr>
                     </a:p>
                   </a:txBody>
                   <a:tcPr marL="9525" marR="9525" marT="9525" marB="0" anchor="ctr">
@@ -6403,7 +7021,7 @@
                 </a:tc>
                 <a:extLst>
                   <a:ext uri="{0D108BD9-81ED-4DB2-BD59-A6C34878D82A}">
-                    <a16:rowId xmlns:a16="http://schemas.microsoft.com/office/drawing/2014/main" val="1004133604"/>
+                    <a16:rowId xmlns:a16="http://schemas.microsoft.com/office/drawing/2014/main" xmlns="" val="1004133604"/>
                   </a:ext>
                 </a:extLst>
               </a:tr>
@@ -6415,15 +7033,32 @@
                     <a:p>
                       <a:pPr algn="ctr" fontAlgn="ctr"/>
                       <a:r>
-                        <a:rPr lang="en-US" sz="1100" b="0" i="0" u="none" strike="noStrike">
-                          <a:solidFill>
-                            <a:srgbClr val="000000"/>
-                          </a:solidFill>
-                          <a:effectLst/>
-                          <a:latin typeface="Calibri" panose="020F0502020204030204" pitchFamily="34" charset="0"/>
-                        </a:rPr>
-                        <a:t>OFFENSE_CATEGORY</a:t>
-                      </a:r>
+                        <a:rPr lang="en-US" sz="1100" b="0" i="0" u="none" strike="noStrike" dirty="0" smtClean="0">
+                          <a:solidFill>
+                            <a:srgbClr val="000000"/>
+                          </a:solidFill>
+                          <a:effectLst/>
+                          <a:latin typeface="Calibri" panose="020F0502020204030204" pitchFamily="34" charset="0"/>
+                        </a:rPr>
+                        <a:t>ID(ALL</a:t>
+                      </a:r>
+                      <a:r>
+                        <a:rPr lang="en-US" sz="1100" b="0" i="0" u="none" strike="noStrike" baseline="0" dirty="0" smtClean="0">
+                          <a:solidFill>
+                            <a:srgbClr val="000000"/>
+                          </a:solidFill>
+                          <a:effectLst/>
+                          <a:latin typeface="Calibri" panose="020F0502020204030204" pitchFamily="34" charset="0"/>
+                        </a:rPr>
+                        <a:t> CASES</a:t>
+                      </a:r>
+                      <a:endParaRPr lang="en-US" sz="1100" b="0" i="0" u="none" strike="noStrike" dirty="0">
+                        <a:solidFill>
+                          <a:srgbClr val="000000"/>
+                        </a:solidFill>
+                        <a:effectLst/>
+                        <a:latin typeface="Calibri" panose="020F0502020204030204" pitchFamily="34" charset="0"/>
+                      </a:endParaRPr>
                     </a:p>
                   </a:txBody>
                   <a:tcPr marL="9525" marR="9525" marT="9525" marB="0" anchor="ctr">
@@ -6455,116 +7090,37 @@
                     <a:bodyPr/>
                     <a:lstStyle/>
                     <a:p>
+                      <a:pPr marL="0" marR="0" indent="0" algn="ctr" defTabSz="914400" rtl="0" eaLnBrk="1" fontAlgn="ctr" latinLnBrk="0" hangingPunct="1">
+                        <a:lnSpc>
+                          <a:spcPct val="100000"/>
+                        </a:lnSpc>
+                        <a:spcBef>
+                          <a:spcPts val="0"/>
+                        </a:spcBef>
+                        <a:spcAft>
+                          <a:spcPts val="0"/>
+                        </a:spcAft>
+                        <a:buClrTx/>
+                        <a:buSzTx/>
+                        <a:buFontTx/>
+                        <a:buNone/>
+                        <a:tabLst/>
+                        <a:defRPr/>
+                      </a:pPr>
+                      <a:r>
+                        <a:rPr lang="en-US" sz="1100" b="0" i="0" u="none" strike="noStrike" dirty="0" smtClean="0">
+                          <a:solidFill>
+                            <a:srgbClr val="000000"/>
+                          </a:solidFill>
+                          <a:effectLst/>
+                          <a:latin typeface="Calibri" panose="020F0502020204030204" pitchFamily="34" charset="0"/>
+                        </a:rPr>
+                        <a:t>OFFENSE_CATEGORY</a:t>
+                      </a:r>
+                    </a:p>
+                    <a:p>
                       <a:pPr algn="ctr" fontAlgn="ctr"/>
-                      <a:r>
-                        <a:rPr lang="en-US" sz="1100" b="0" i="0" u="none" strike="noStrike">
-                          <a:solidFill>
-                            <a:srgbClr val="000000"/>
-                          </a:solidFill>
-                          <a:effectLst/>
-                          <a:latin typeface="Calibri" panose="020F0502020204030204" pitchFamily="34" charset="0"/>
-                        </a:rPr>
-                        <a:t>COMMITMENT_TYPE</a:t>
-                      </a:r>
-                    </a:p>
-                  </a:txBody>
-                  <a:tcPr marL="9525" marR="9525" marT="9525" marB="0" anchor="ctr">
-                    <a:lnL>
-                      <a:noFill/>
-                    </a:lnL>
-                    <a:lnR>
-                      <a:noFill/>
-                    </a:lnR>
-                    <a:lnT>
-                      <a:noFill/>
-                    </a:lnT>
-                    <a:lnB>
-                      <a:noFill/>
-                    </a:lnB>
-                    <a:solidFill>
-                      <a:srgbClr val="D9D9D9"/>
-                    </a:solidFill>
-                  </a:tcPr>
-                </a:tc>
-                <a:tc>
-                  <a:txBody>
-                    <a:bodyPr/>
-                    <a:lstStyle/>
-                    <a:p>
-                      <a:pPr algn="ctr" fontAlgn="ctr"/>
-                      <a:r>
-                        <a:rPr lang="en-US" sz="1100" b="0" i="0" u="none" strike="noStrike">
-                          <a:solidFill>
-                            <a:srgbClr val="000000"/>
-                          </a:solidFill>
-                          <a:effectLst/>
-                          <a:latin typeface="Calibri" panose="020F0502020204030204" pitchFamily="34" charset="0"/>
-                        </a:rPr>
-                        <a:t>COMMITMENT_UNIT</a:t>
-                      </a:r>
-                    </a:p>
-                  </a:txBody>
-                  <a:tcPr marL="9525" marR="9525" marT="9525" marB="0" anchor="ctr">
-                    <a:lnL>
-                      <a:noFill/>
-                    </a:lnL>
-                    <a:lnR>
-                      <a:noFill/>
-                    </a:lnR>
-                    <a:lnT>
-                      <a:noFill/>
-                    </a:lnT>
-                    <a:lnB>
-                      <a:noFill/>
-                    </a:lnB>
-                    <a:solidFill>
-                      <a:srgbClr val="D9D9D9"/>
-                    </a:solidFill>
-                  </a:tcPr>
-                </a:tc>
-                <a:tc>
-                  <a:txBody>
-                    <a:bodyPr/>
-                    <a:lstStyle/>
-                    <a:p>
-                      <a:pPr algn="ctr" fontAlgn="ctr"/>
-                      <a:r>
-                        <a:rPr lang="en-US" sz="1100" b="0" i="0" u="none" strike="noStrike">
-                          <a:solidFill>
-                            <a:srgbClr val="000000"/>
-                          </a:solidFill>
-                          <a:effectLst/>
-                          <a:latin typeface="Calibri" panose="020F0502020204030204" pitchFamily="34" charset="0"/>
-                        </a:rPr>
-                        <a:t>COMMITMENT_TERM</a:t>
-                      </a:r>
-                    </a:p>
-                  </a:txBody>
-                  <a:tcPr marL="9525" marR="9525" marT="9525" marB="0" anchor="ctr">
-                    <a:lnL>
-                      <a:noFill/>
-                    </a:lnL>
-                    <a:lnR>
-                      <a:noFill/>
-                    </a:lnR>
-                    <a:lnT>
-                      <a:noFill/>
-                    </a:lnT>
-                    <a:lnB>
-                      <a:noFill/>
-                    </a:lnB>
-                    <a:solidFill>
-                      <a:srgbClr val="D9D9D9"/>
-                    </a:solidFill>
-                  </a:tcPr>
-                </a:tc>
-                <a:tc>
-                  <a:txBody>
-                    <a:bodyPr/>
-                    <a:lstStyle/>
-                    <a:p>
-                      <a:pPr algn="ctr" fontAlgn="ctr"/>
-                      <a:endParaRPr lang="en-US" sz="1100" b="0" i="0" u="none" strike="noStrike">
+                      <a:endParaRPr lang="en-US" sz="1100" b="0" i="0" u="none" strike="noStrike" dirty="0">
                         <a:solidFill>
                           <a:srgbClr val="000000"/>
                         </a:solidFill>
@@ -6596,17 +7152,43 @@
                     <a:bodyPr/>
                     <a:lstStyle/>
                     <a:p>
+                      <a:pPr marL="0" marR="0" indent="0" algn="ctr" defTabSz="914400" rtl="0" eaLnBrk="1" fontAlgn="ctr" latinLnBrk="0" hangingPunct="1">
+                        <a:lnSpc>
+                          <a:spcPct val="100000"/>
+                        </a:lnSpc>
+                        <a:spcBef>
+                          <a:spcPts val="0"/>
+                        </a:spcBef>
+                        <a:spcAft>
+                          <a:spcPts val="0"/>
+                        </a:spcAft>
+                        <a:buClrTx/>
+                        <a:buSzTx/>
+                        <a:buFontTx/>
+                        <a:buNone/>
+                        <a:tabLst/>
+                        <a:defRPr/>
+                      </a:pPr>
+                      <a:r>
+                        <a:rPr lang="en-US" sz="1100" b="0" i="0" u="none" strike="noStrike" dirty="0" smtClean="0">
+                          <a:solidFill>
+                            <a:srgbClr val="000000"/>
+                          </a:solidFill>
+                          <a:effectLst/>
+                          <a:latin typeface="Calibri" panose="020F0502020204030204" pitchFamily="34" charset="0"/>
+                        </a:rPr>
+                        <a:t>SENTENCE_TYPE</a:t>
+                      </a:r>
+                    </a:p>
+                    <a:p>
                       <a:pPr algn="ctr" fontAlgn="ctr"/>
-                      <a:r>
-                        <a:rPr lang="en-US" sz="1100" b="0" i="0" u="none" strike="noStrike">
-                          <a:solidFill>
-                            <a:srgbClr val="000000"/>
-                          </a:solidFill>
-                          <a:effectLst/>
-                          <a:latin typeface="Calibri" panose="020F0502020204030204" pitchFamily="34" charset="0"/>
-                        </a:rPr>
-                        <a:t>Multilevel pie chart</a:t>
-                      </a:r>
+                      <a:endParaRPr lang="en-US" sz="1100" b="0" i="0" u="none" strike="noStrike" dirty="0">
+                        <a:solidFill>
+                          <a:srgbClr val="000000"/>
+                        </a:solidFill>
+                        <a:effectLst/>
+                        <a:latin typeface="Calibri" panose="020F0502020204030204" pitchFamily="34" charset="0"/>
+                      </a:endParaRPr>
                     </a:p>
                   </a:txBody>
                   <a:tcPr marL="9525" marR="9525" marT="9525" marB="0" anchor="ctr">
@@ -6634,15 +7216,22 @@
                     <a:p>
                       <a:pPr algn="ctr" fontAlgn="ctr"/>
                       <a:r>
-                        <a:rPr lang="en-US" sz="1100" b="0" i="0" u="none" strike="noStrike">
-                          <a:solidFill>
-                            <a:srgbClr val="000000"/>
-                          </a:solidFill>
-                          <a:effectLst/>
-                          <a:latin typeface="Calibri" panose="020F0502020204030204" pitchFamily="34" charset="0"/>
-                        </a:rPr>
-                        <a:t>Yes</a:t>
-                      </a:r>
+                        <a:rPr lang="en-US" sz="1100" b="0" i="0" u="none" strike="noStrike" dirty="0" smtClean="0">
+                          <a:solidFill>
+                            <a:srgbClr val="000000"/>
+                          </a:solidFill>
+                          <a:effectLst/>
+                          <a:latin typeface="Calibri" panose="020F0502020204030204" pitchFamily="34" charset="0"/>
+                        </a:rPr>
+                        <a:t>COURT_NAME(filter only in /O_C)</a:t>
+                      </a:r>
+                      <a:endParaRPr lang="en-US" sz="1100" b="0" i="0" u="none" strike="noStrike" dirty="0">
+                        <a:solidFill>
+                          <a:srgbClr val="000000"/>
+                        </a:solidFill>
+                        <a:effectLst/>
+                        <a:latin typeface="Calibri" panose="020F0502020204030204" pitchFamily="34" charset="0"/>
+                      </a:endParaRPr>
                     </a:p>
                   </a:txBody>
                   <a:tcPr marL="9525" marR="9525" marT="9525" marB="0" anchor="ctr">
@@ -6669,16 +7258,167 @@
                     <a:lstStyle/>
                     <a:p>
                       <a:pPr algn="ctr" fontAlgn="ctr"/>
-                      <a:r>
-                        <a:rPr lang="en-US" sz="1100" b="0" i="0" u="none" strike="noStrike">
-                          <a:solidFill>
-                            <a:srgbClr val="000000"/>
-                          </a:solidFill>
-                          <a:effectLst/>
-                          <a:latin typeface="Calibri" panose="020F0502020204030204" pitchFamily="34" charset="0"/>
-                        </a:rPr>
-                        <a:t>Offense Category</a:t>
-                      </a:r>
+                      <a:endParaRPr lang="en-US" sz="1100" b="0" i="0" u="none" strike="noStrike" dirty="0">
+                        <a:solidFill>
+                          <a:srgbClr val="000000"/>
+                        </a:solidFill>
+                        <a:effectLst/>
+                        <a:latin typeface="Calibri" panose="020F0502020204030204" pitchFamily="34" charset="0"/>
+                      </a:endParaRPr>
+                    </a:p>
+                  </a:txBody>
+                  <a:tcPr marL="9525" marR="9525" marT="9525" marB="0" anchor="ctr">
+                    <a:lnL>
+                      <a:noFill/>
+                    </a:lnL>
+                    <a:lnR>
+                      <a:noFill/>
+                    </a:lnR>
+                    <a:lnT>
+                      <a:noFill/>
+                    </a:lnT>
+                    <a:lnB>
+                      <a:noFill/>
+                    </a:lnB>
+                    <a:solidFill>
+                      <a:srgbClr val="D9D9D9"/>
+                    </a:solidFill>
+                  </a:tcPr>
+                </a:tc>
+                <a:tc>
+                  <a:txBody>
+                    <a:bodyPr/>
+                    <a:lstStyle/>
+                    <a:p>
+                      <a:pPr algn="ctr" fontAlgn="ctr"/>
+                      <a:r>
+                        <a:rPr lang="en-US" sz="1100" b="0" i="0" u="none" strike="noStrike" dirty="0">
+                          <a:solidFill>
+                            <a:srgbClr val="000000"/>
+                          </a:solidFill>
+                          <a:effectLst/>
+                          <a:latin typeface="Calibri" panose="020F0502020204030204" pitchFamily="34" charset="0"/>
+                        </a:rPr>
+                        <a:t>Multilevel pie chart</a:t>
+                      </a:r>
+                    </a:p>
+                  </a:txBody>
+                  <a:tcPr marL="9525" marR="9525" marT="9525" marB="0" anchor="ctr">
+                    <a:lnL>
+                      <a:noFill/>
+                    </a:lnL>
+                    <a:lnR>
+                      <a:noFill/>
+                    </a:lnR>
+                    <a:lnT>
+                      <a:noFill/>
+                    </a:lnT>
+                    <a:lnB>
+                      <a:noFill/>
+                    </a:lnB>
+                    <a:solidFill>
+                      <a:srgbClr val="D9D9D9"/>
+                    </a:solidFill>
+                  </a:tcPr>
+                </a:tc>
+                <a:tc>
+                  <a:txBody>
+                    <a:bodyPr/>
+                    <a:lstStyle/>
+                    <a:p>
+                      <a:pPr algn="ctr" fontAlgn="ctr"/>
+                      <a:r>
+                        <a:rPr lang="en-US" sz="1100" b="0" i="0" u="none" strike="noStrike" dirty="0">
+                          <a:solidFill>
+                            <a:srgbClr val="000000"/>
+                          </a:solidFill>
+                          <a:effectLst/>
+                          <a:latin typeface="Calibri" panose="020F0502020204030204" pitchFamily="34" charset="0"/>
+                        </a:rPr>
+                        <a:t>Yes</a:t>
+                      </a:r>
+                    </a:p>
+                  </a:txBody>
+                  <a:tcPr marL="9525" marR="9525" marT="9525" marB="0" anchor="ctr">
+                    <a:lnL>
+                      <a:noFill/>
+                    </a:lnL>
+                    <a:lnR>
+                      <a:noFill/>
+                    </a:lnR>
+                    <a:lnT>
+                      <a:noFill/>
+                    </a:lnT>
+                    <a:lnB>
+                      <a:noFill/>
+                    </a:lnB>
+                    <a:solidFill>
+                      <a:srgbClr val="D9D9D9"/>
+                    </a:solidFill>
+                  </a:tcPr>
+                </a:tc>
+                <a:tc>
+                  <a:txBody>
+                    <a:bodyPr/>
+                    <a:lstStyle/>
+                    <a:p>
+                      <a:pPr marL="0" marR="0" indent="0" algn="ctr" defTabSz="914400" rtl="0" eaLnBrk="1" fontAlgn="ctr" latinLnBrk="0" hangingPunct="1">
+                        <a:lnSpc>
+                          <a:spcPct val="100000"/>
+                        </a:lnSpc>
+                        <a:spcBef>
+                          <a:spcPts val="0"/>
+                        </a:spcBef>
+                        <a:spcAft>
+                          <a:spcPts val="0"/>
+                        </a:spcAft>
+                        <a:buClrTx/>
+                        <a:buSzTx/>
+                        <a:buFontTx/>
+                        <a:buNone/>
+                        <a:tabLst/>
+                        <a:defRPr/>
+                      </a:pPr>
+                      <a:r>
+                        <a:rPr lang="en-US" sz="1100" b="0" i="0" u="none" strike="noStrike" dirty="0" smtClean="0">
+                          <a:solidFill>
+                            <a:srgbClr val="000000"/>
+                          </a:solidFill>
+                          <a:effectLst/>
+                          <a:latin typeface="Calibri" panose="020F0502020204030204" pitchFamily="34" charset="0"/>
+                        </a:rPr>
+                        <a:t>/index(general)</a:t>
+                      </a:r>
+                    </a:p>
+                    <a:p>
+                      <a:pPr algn="ctr" fontAlgn="ctr"/>
+                      <a:r>
+                        <a:rPr lang="en-US" sz="1100" b="0" i="0" u="none" strike="noStrike" dirty="0" smtClean="0">
+                          <a:solidFill>
+                            <a:srgbClr val="000000"/>
+                          </a:solidFill>
+                          <a:effectLst/>
+                          <a:latin typeface="Calibri" panose="020F0502020204030204" pitchFamily="34" charset="0"/>
+                        </a:rPr>
+                        <a:t>/</a:t>
+                      </a:r>
+                      <a:r>
+                        <a:rPr lang="en-US" sz="1100" b="0" i="0" u="none" strike="noStrike" dirty="0" err="1" smtClean="0">
+                          <a:solidFill>
+                            <a:srgbClr val="000000"/>
+                          </a:solidFill>
+                          <a:effectLst/>
+                          <a:latin typeface="Calibri" panose="020F0502020204030204" pitchFamily="34" charset="0"/>
+                        </a:rPr>
+                        <a:t>Offense_Category</a:t>
+                      </a:r>
+                      <a:endParaRPr lang="en-US" sz="1100" b="0" i="0" u="none" strike="noStrike" dirty="0">
+                        <a:solidFill>
+                          <a:srgbClr val="000000"/>
+                        </a:solidFill>
+                        <a:effectLst/>
+                        <a:latin typeface="Calibri" panose="020F0502020204030204" pitchFamily="34" charset="0"/>
+                      </a:endParaRPr>
                     </a:p>
                   </a:txBody>
                   <a:tcPr marL="9525" marR="9525" marT="9525" marB="0" anchor="ctr">
@@ -6707,7 +7447,7 @@
                 </a:tc>
                 <a:extLst>
                   <a:ext uri="{0D108BD9-81ED-4DB2-BD59-A6C34878D82A}">
-                    <a16:rowId xmlns:a16="http://schemas.microsoft.com/office/drawing/2014/main" val="1569504245"/>
+                    <a16:rowId xmlns:a16="http://schemas.microsoft.com/office/drawing/2014/main" xmlns="" val="1569504245"/>
                   </a:ext>
                 </a:extLst>
               </a:tr>
@@ -6719,7 +7459,7 @@
                     <a:p>
                       <a:pPr algn="ctr" fontAlgn="ctr"/>
                       <a:r>
-                        <a:rPr lang="en-US" sz="1100" b="0" i="0" u="none" strike="noStrike">
+                        <a:rPr lang="en-US" sz="1100" b="0" i="0" u="none" strike="noStrike" dirty="0">
                           <a:solidFill>
                             <a:srgbClr val="000000"/>
                           </a:solidFill>
@@ -6764,7 +7504,7 @@
                     <a:p>
                       <a:pPr algn="ctr" fontAlgn="ctr"/>
                       <a:r>
-                        <a:rPr lang="en-US" sz="1100" b="0" i="0" u="none" strike="noStrike">
+                        <a:rPr lang="en-US" sz="1100" b="0" i="0" u="none" strike="noStrike" dirty="0">
                           <a:solidFill>
                             <a:srgbClr val="000000"/>
                           </a:solidFill>
@@ -6803,7 +7543,7 @@
                     <a:p>
                       <a:pPr algn="ctr" fontAlgn="ctr"/>
                       <a:r>
-                        <a:rPr lang="en-US" sz="1100" b="0" i="0" u="none" strike="noStrike">
+                        <a:rPr lang="en-US" sz="1100" b="0" i="0" u="none" strike="noStrike" dirty="0">
                           <a:solidFill>
                             <a:srgbClr val="000000"/>
                           </a:solidFill>
@@ -6841,7 +7581,7 @@
                     <a:lstStyle/>
                     <a:p>
                       <a:pPr algn="ctr" fontAlgn="ctr"/>
-                      <a:endParaRPr lang="en-US" sz="1100" b="0" i="0" u="none" strike="noStrike">
+                      <a:endParaRPr lang="en-US" sz="1100" b="0" i="0" u="none" strike="noStrike" dirty="0">
                         <a:solidFill>
                           <a:srgbClr val="000000"/>
                         </a:solidFill>
@@ -6877,7 +7617,7 @@
                     <a:lstStyle/>
                     <a:p>
                       <a:pPr algn="ctr" fontAlgn="ctr"/>
-                      <a:endParaRPr lang="en-US" sz="1100" b="0" i="0" u="none" strike="noStrike">
+                      <a:endParaRPr lang="en-US" sz="1100" b="0" i="0" u="none" strike="noStrike" dirty="0">
                         <a:solidFill>
                           <a:srgbClr val="000000"/>
                         </a:solidFill>
@@ -6914,7 +7654,7 @@
                     <a:p>
                       <a:pPr algn="ctr" fontAlgn="ctr"/>
                       <a:r>
-                        <a:rPr lang="en-US" sz="1100" b="0" i="0" u="none" strike="noStrike">
+                        <a:rPr lang="en-US" sz="1100" b="0" i="0" u="none" strike="noStrike" dirty="0">
                           <a:solidFill>
                             <a:srgbClr val="000000"/>
                           </a:solidFill>
@@ -6953,7 +7693,7 @@
                     <a:p>
                       <a:pPr algn="ctr" fontAlgn="ctr"/>
                       <a:r>
-                        <a:rPr lang="en-US" sz="1100" b="0" i="0" u="none" strike="noStrike">
+                        <a:rPr lang="en-US" sz="1100" b="0" i="0" u="none" strike="noStrike" dirty="0">
                           <a:solidFill>
                             <a:srgbClr val="000000"/>
                           </a:solidFill>
@@ -6990,17 +7730,53 @@
                     <a:bodyPr/>
                     <a:lstStyle/>
                     <a:p>
+                      <a:pPr marL="0" marR="0" indent="0" algn="ctr" defTabSz="914400" rtl="0" eaLnBrk="1" fontAlgn="ctr" latinLnBrk="0" hangingPunct="1">
+                        <a:lnSpc>
+                          <a:spcPct val="100000"/>
+                        </a:lnSpc>
+                        <a:spcBef>
+                          <a:spcPts val="0"/>
+                        </a:spcBef>
+                        <a:spcAft>
+                          <a:spcPts val="0"/>
+                        </a:spcAft>
+                        <a:buClrTx/>
+                        <a:buSzTx/>
+                        <a:buFontTx/>
+                        <a:buNone/>
+                        <a:tabLst/>
+                        <a:defRPr/>
+                      </a:pPr>
+                      <a:r>
+                        <a:rPr lang="en-US" sz="1100" b="0" i="0" u="none" strike="noStrike" dirty="0" smtClean="0">
+                          <a:solidFill>
+                            <a:srgbClr val="000000"/>
+                          </a:solidFill>
+                          <a:effectLst/>
+                          <a:latin typeface="Calibri" panose="020F0502020204030204" pitchFamily="34" charset="0"/>
+                        </a:rPr>
+                        <a:t>/index(general</a:t>
+                      </a:r>
+                    </a:p>
+                    <a:p>
                       <a:pPr algn="ctr" fontAlgn="ctr"/>
                       <a:r>
-                        <a:rPr lang="en-US" sz="1100" b="0" i="0" u="none" strike="noStrike" dirty="0">
-                          <a:solidFill>
-                            <a:srgbClr val="000000"/>
-                          </a:solidFill>
-                          <a:effectLst/>
-                          <a:latin typeface="Calibri" panose="020F0502020204030204" pitchFamily="34" charset="0"/>
-                        </a:rPr>
-                        <a:t>Demographic</a:t>
-                      </a:r>
+                        <a:rPr lang="en-US" sz="1100" b="0" i="0" u="none" strike="noStrike" dirty="0" smtClean="0">
+                          <a:solidFill>
+                            <a:srgbClr val="000000"/>
+                          </a:solidFill>
+                          <a:effectLst/>
+                          <a:latin typeface="Calibri" panose="020F0502020204030204" pitchFamily="34" charset="0"/>
+                        </a:rPr>
+                        <a:t>/Demographic</a:t>
+                      </a:r>
+                      <a:endParaRPr lang="en-US" sz="1100" b="0" i="0" u="none" strike="noStrike" dirty="0">
+                        <a:solidFill>
+                          <a:srgbClr val="000000"/>
+                        </a:solidFill>
+                        <a:effectLst/>
+                        <a:latin typeface="Calibri" panose="020F0502020204030204" pitchFamily="34" charset="0"/>
+                      </a:endParaRPr>
                     </a:p>
                   </a:txBody>
                   <a:tcPr marL="9525" marR="9525" marT="9525" marB="0" anchor="ctr">
@@ -7032,7 +7808,7 @@
                 </a:tc>
                 <a:extLst>
                   <a:ext uri="{0D108BD9-81ED-4DB2-BD59-A6C34878D82A}">
-                    <a16:rowId xmlns:a16="http://schemas.microsoft.com/office/drawing/2014/main" val="4170347301"/>
+                    <a16:rowId xmlns:a16="http://schemas.microsoft.com/office/drawing/2014/main" xmlns="" val="4170347301"/>
                   </a:ext>
                 </a:extLst>
               </a:tr>
@@ -7075,7 +7851,7 @@
           <p:cNvPr id="4" name="Picture 3">
             <a:extLst>
               <a:ext uri="{FF2B5EF4-FFF2-40B4-BE49-F238E27FC236}">
-                <a16:creationId xmlns:a16="http://schemas.microsoft.com/office/drawing/2014/main" id="{A55033D6-F8B4-4EF0-898E-92DFE9BF17BD}"/>
+                <a16:creationId xmlns:a16="http://schemas.microsoft.com/office/drawing/2014/main" xmlns="" id="{A55033D6-F8B4-4EF0-898E-92DFE9BF17BD}"/>
               </a:ext>
             </a:extLst>
           </p:cNvPr>
@@ -7105,7 +7881,7 @@
           <p:cNvPr id="13" name="Picture 12">
             <a:extLst>
               <a:ext uri="{FF2B5EF4-FFF2-40B4-BE49-F238E27FC236}">
-                <a16:creationId xmlns:a16="http://schemas.microsoft.com/office/drawing/2014/main" id="{96C7753B-9384-4C05-9D59-2BCB883A2247}"/>
+                <a16:creationId xmlns:a16="http://schemas.microsoft.com/office/drawing/2014/main" xmlns="" id="{96C7753B-9384-4C05-9D59-2BCB883A2247}"/>
               </a:ext>
             </a:extLst>
           </p:cNvPr>
@@ -7134,7 +7910,7 @@
           <p:cNvPr id="15" name="TextBox 14">
             <a:extLst>
               <a:ext uri="{FF2B5EF4-FFF2-40B4-BE49-F238E27FC236}">
-                <a16:creationId xmlns:a16="http://schemas.microsoft.com/office/drawing/2014/main" id="{94228215-16EE-4D5D-B9CF-755B234C7F4D}"/>
+                <a16:creationId xmlns:a16="http://schemas.microsoft.com/office/drawing/2014/main" xmlns="" id="{94228215-16EE-4D5D-B9CF-755B234C7F4D}"/>
               </a:ext>
             </a:extLst>
           </p:cNvPr>
@@ -7175,7 +7951,7 @@
           <p:cNvPr id="16" name="TextBox 15">
             <a:extLst>
               <a:ext uri="{FF2B5EF4-FFF2-40B4-BE49-F238E27FC236}">
-                <a16:creationId xmlns:a16="http://schemas.microsoft.com/office/drawing/2014/main" id="{61636041-070A-4FBA-9F8D-8EFB33C89267}"/>
+                <a16:creationId xmlns:a16="http://schemas.microsoft.com/office/drawing/2014/main" xmlns="" id="{61636041-070A-4FBA-9F8D-8EFB33C89267}"/>
               </a:ext>
             </a:extLst>
           </p:cNvPr>
@@ -7216,7 +7992,7 @@
           <p:cNvPr id="17" name="TextBox 16">
             <a:extLst>
               <a:ext uri="{FF2B5EF4-FFF2-40B4-BE49-F238E27FC236}">
-                <a16:creationId xmlns:a16="http://schemas.microsoft.com/office/drawing/2014/main" id="{A94CCE65-356F-4931-8F19-72E0A96B15AC}"/>
+                <a16:creationId xmlns:a16="http://schemas.microsoft.com/office/drawing/2014/main" xmlns="" id="{A94CCE65-356F-4931-8F19-72E0A96B15AC}"/>
               </a:ext>
             </a:extLst>
           </p:cNvPr>
@@ -7257,7 +8033,7 @@
           <p:cNvPr id="18" name="TextBox 17">
             <a:extLst>
               <a:ext uri="{FF2B5EF4-FFF2-40B4-BE49-F238E27FC236}">
-                <a16:creationId xmlns:a16="http://schemas.microsoft.com/office/drawing/2014/main" id="{CCF375E3-0B10-4B53-BFA0-AE652782973E}"/>
+                <a16:creationId xmlns:a16="http://schemas.microsoft.com/office/drawing/2014/main" xmlns="" id="{CCF375E3-0B10-4B53-BFA0-AE652782973E}"/>
               </a:ext>
             </a:extLst>
           </p:cNvPr>
@@ -7298,7 +8074,7 @@
           <p:cNvPr id="19" name="TextBox 18">
             <a:extLst>
               <a:ext uri="{FF2B5EF4-FFF2-40B4-BE49-F238E27FC236}">
-                <a16:creationId xmlns:a16="http://schemas.microsoft.com/office/drawing/2014/main" id="{75838CBE-A170-489C-A63F-D0C7BD0AC427}"/>
+                <a16:creationId xmlns:a16="http://schemas.microsoft.com/office/drawing/2014/main" xmlns="" id="{75838CBE-A170-489C-A63F-D0C7BD0AC427}"/>
               </a:ext>
             </a:extLst>
           </p:cNvPr>
@@ -7339,7 +8115,7 @@
           <p:cNvPr id="20" name="TextBox 19">
             <a:extLst>
               <a:ext uri="{FF2B5EF4-FFF2-40B4-BE49-F238E27FC236}">
-                <a16:creationId xmlns:a16="http://schemas.microsoft.com/office/drawing/2014/main" id="{A6C35433-F97B-4AC2-8CAF-07EAFAB9172E}"/>
+                <a16:creationId xmlns:a16="http://schemas.microsoft.com/office/drawing/2014/main" xmlns="" id="{A6C35433-F97B-4AC2-8CAF-07EAFAB9172E}"/>
               </a:ext>
             </a:extLst>
           </p:cNvPr>
@@ -7380,7 +8156,7 @@
           <p:cNvPr id="2" name="Picture 1">
             <a:extLst>
               <a:ext uri="{FF2B5EF4-FFF2-40B4-BE49-F238E27FC236}">
-                <a16:creationId xmlns:a16="http://schemas.microsoft.com/office/drawing/2014/main" id="{4FA699D5-0547-4A43-ADBC-E690424CEE34}"/>
+                <a16:creationId xmlns:a16="http://schemas.microsoft.com/office/drawing/2014/main" xmlns="" id="{4FA699D5-0547-4A43-ADBC-E690424CEE34}"/>
               </a:ext>
             </a:extLst>
           </p:cNvPr>
@@ -7410,7 +8186,7 @@
           <p:cNvPr id="21" name="TextBox 20">
             <a:extLst>
               <a:ext uri="{FF2B5EF4-FFF2-40B4-BE49-F238E27FC236}">
-                <a16:creationId xmlns:a16="http://schemas.microsoft.com/office/drawing/2014/main" id="{F645991A-71F1-4859-8CC3-C4E8B35B18C0}"/>
+                <a16:creationId xmlns:a16="http://schemas.microsoft.com/office/drawing/2014/main" xmlns="" id="{F645991A-71F1-4859-8CC3-C4E8B35B18C0}"/>
               </a:ext>
             </a:extLst>
           </p:cNvPr>
@@ -7488,7 +8264,7 @@
           <p:cNvPr id="2" name="Picture 1">
             <a:extLst>
               <a:ext uri="{FF2B5EF4-FFF2-40B4-BE49-F238E27FC236}">
-                <a16:creationId xmlns:a16="http://schemas.microsoft.com/office/drawing/2014/main" id="{869AF85B-EA9E-4A34-9D16-19C99BD660D1}"/>
+                <a16:creationId xmlns:a16="http://schemas.microsoft.com/office/drawing/2014/main" xmlns="" id="{869AF85B-EA9E-4A34-9D16-19C99BD660D1}"/>
               </a:ext>
             </a:extLst>
           </p:cNvPr>
@@ -7518,7 +8294,7 @@
           <p:cNvPr id="3" name="TextBox 2">
             <a:extLst>
               <a:ext uri="{FF2B5EF4-FFF2-40B4-BE49-F238E27FC236}">
-                <a16:creationId xmlns:a16="http://schemas.microsoft.com/office/drawing/2014/main" id="{A79FADA1-030D-435C-BECB-624BAB1BD0D2}"/>
+                <a16:creationId xmlns:a16="http://schemas.microsoft.com/office/drawing/2014/main" xmlns="" id="{A79FADA1-030D-435C-BECB-624BAB1BD0D2}"/>
               </a:ext>
             </a:extLst>
           </p:cNvPr>
@@ -7559,7 +8335,7 @@
           <p:cNvPr id="4" name="TextBox 3">
             <a:extLst>
               <a:ext uri="{FF2B5EF4-FFF2-40B4-BE49-F238E27FC236}">
-                <a16:creationId xmlns:a16="http://schemas.microsoft.com/office/drawing/2014/main" id="{EF65AC2F-B049-4C96-A0C7-59D9CC5C55D5}"/>
+                <a16:creationId xmlns:a16="http://schemas.microsoft.com/office/drawing/2014/main" xmlns="" id="{EF65AC2F-B049-4C96-A0C7-59D9CC5C55D5}"/>
               </a:ext>
             </a:extLst>
           </p:cNvPr>
@@ -7600,7 +8376,7 @@
           <p:cNvPr id="5" name="TextBox 4">
             <a:extLst>
               <a:ext uri="{FF2B5EF4-FFF2-40B4-BE49-F238E27FC236}">
-                <a16:creationId xmlns:a16="http://schemas.microsoft.com/office/drawing/2014/main" id="{364530E4-DAFA-461E-80C4-F9740865A958}"/>
+                <a16:creationId xmlns:a16="http://schemas.microsoft.com/office/drawing/2014/main" xmlns="" id="{364530E4-DAFA-461E-80C4-F9740865A958}"/>
               </a:ext>
             </a:extLst>
           </p:cNvPr>
@@ -7641,7 +8417,7 @@
           <p:cNvPr id="6" name="TextBox 5">
             <a:extLst>
               <a:ext uri="{FF2B5EF4-FFF2-40B4-BE49-F238E27FC236}">
-                <a16:creationId xmlns:a16="http://schemas.microsoft.com/office/drawing/2014/main" id="{A364160E-8E0A-4863-9AFE-1B1FC54A9C4B}"/>
+                <a16:creationId xmlns:a16="http://schemas.microsoft.com/office/drawing/2014/main" xmlns="" id="{A364160E-8E0A-4863-9AFE-1B1FC54A9C4B}"/>
               </a:ext>
             </a:extLst>
           </p:cNvPr>
@@ -7682,7 +8458,7 @@
           <p:cNvPr id="7" name="TextBox 6">
             <a:extLst>
               <a:ext uri="{FF2B5EF4-FFF2-40B4-BE49-F238E27FC236}">
-                <a16:creationId xmlns:a16="http://schemas.microsoft.com/office/drawing/2014/main" id="{9F31CE06-1B91-4F1A-953D-AA12C72E3C4C}"/>
+                <a16:creationId xmlns:a16="http://schemas.microsoft.com/office/drawing/2014/main" xmlns="" id="{9F31CE06-1B91-4F1A-953D-AA12C72E3C4C}"/>
               </a:ext>
             </a:extLst>
           </p:cNvPr>
@@ -7753,7 +8529,7 @@
           <p:cNvPr id="4" name="Picture 3">
             <a:extLst>
               <a:ext uri="{FF2B5EF4-FFF2-40B4-BE49-F238E27FC236}">
-                <a16:creationId xmlns:a16="http://schemas.microsoft.com/office/drawing/2014/main" id="{A55033D6-F8B4-4EF0-898E-92DFE9BF17BD}"/>
+                <a16:creationId xmlns:a16="http://schemas.microsoft.com/office/drawing/2014/main" xmlns="" id="{A55033D6-F8B4-4EF0-898E-92DFE9BF17BD}"/>
               </a:ext>
             </a:extLst>
           </p:cNvPr>
@@ -7783,7 +8559,7 @@
           <p:cNvPr id="5" name="TextBox 4">
             <a:extLst>
               <a:ext uri="{FF2B5EF4-FFF2-40B4-BE49-F238E27FC236}">
-                <a16:creationId xmlns:a16="http://schemas.microsoft.com/office/drawing/2014/main" id="{E1865019-75DE-4D7A-BF4F-60367FB03C20}"/>
+                <a16:creationId xmlns:a16="http://schemas.microsoft.com/office/drawing/2014/main" xmlns="" id="{E1865019-75DE-4D7A-BF4F-60367FB03C20}"/>
               </a:ext>
             </a:extLst>
           </p:cNvPr>
@@ -7822,7 +8598,7 @@
           <p:cNvPr id="6" name="Oval 5">
             <a:extLst>
               <a:ext uri="{FF2B5EF4-FFF2-40B4-BE49-F238E27FC236}">
-                <a16:creationId xmlns:a16="http://schemas.microsoft.com/office/drawing/2014/main" id="{F709F106-70F8-40CB-BB61-97EFDA077607}"/>
+                <a16:creationId xmlns:a16="http://schemas.microsoft.com/office/drawing/2014/main" xmlns="" id="{F709F106-70F8-40CB-BB61-97EFDA077607}"/>
               </a:ext>
             </a:extLst>
           </p:cNvPr>
@@ -7868,7 +8644,7 @@
           <p:cNvPr id="7" name="TextBox 6">
             <a:extLst>
               <a:ext uri="{FF2B5EF4-FFF2-40B4-BE49-F238E27FC236}">
-                <a16:creationId xmlns:a16="http://schemas.microsoft.com/office/drawing/2014/main" id="{87C6A90F-7EA4-4B27-8903-CB2F588B0426}"/>
+                <a16:creationId xmlns:a16="http://schemas.microsoft.com/office/drawing/2014/main" xmlns="" id="{87C6A90F-7EA4-4B27-8903-CB2F588B0426}"/>
               </a:ext>
             </a:extLst>
           </p:cNvPr>
@@ -7919,7 +8695,7 @@
           <p:cNvPr id="8" name="TextBox 7">
             <a:extLst>
               <a:ext uri="{FF2B5EF4-FFF2-40B4-BE49-F238E27FC236}">
-                <a16:creationId xmlns:a16="http://schemas.microsoft.com/office/drawing/2014/main" id="{FB329139-9F3E-4763-99F3-59678D62E734}"/>
+                <a16:creationId xmlns:a16="http://schemas.microsoft.com/office/drawing/2014/main" xmlns="" id="{FB329139-9F3E-4763-99F3-59678D62E734}"/>
               </a:ext>
             </a:extLst>
           </p:cNvPr>
@@ -7958,7 +8734,7 @@
           <p:cNvPr id="9" name="TextBox 8">
             <a:extLst>
               <a:ext uri="{FF2B5EF4-FFF2-40B4-BE49-F238E27FC236}">
-                <a16:creationId xmlns:a16="http://schemas.microsoft.com/office/drawing/2014/main" id="{56A90416-2D65-4992-9A83-81180543299E}"/>
+                <a16:creationId xmlns:a16="http://schemas.microsoft.com/office/drawing/2014/main" xmlns="" id="{56A90416-2D65-4992-9A83-81180543299E}"/>
               </a:ext>
             </a:extLst>
           </p:cNvPr>
@@ -7997,7 +8773,7 @@
           <p:cNvPr id="10" name="TextBox 9">
             <a:extLst>
               <a:ext uri="{FF2B5EF4-FFF2-40B4-BE49-F238E27FC236}">
-                <a16:creationId xmlns:a16="http://schemas.microsoft.com/office/drawing/2014/main" id="{D90CC7FA-A98B-4B69-8C60-BA784B726E74}"/>
+                <a16:creationId xmlns:a16="http://schemas.microsoft.com/office/drawing/2014/main" xmlns="" id="{D90CC7FA-A98B-4B69-8C60-BA784B726E74}"/>
               </a:ext>
             </a:extLst>
           </p:cNvPr>
@@ -8036,7 +8812,7 @@
           <p:cNvPr id="11" name="Oval 10">
             <a:extLst>
               <a:ext uri="{FF2B5EF4-FFF2-40B4-BE49-F238E27FC236}">
-                <a16:creationId xmlns:a16="http://schemas.microsoft.com/office/drawing/2014/main" id="{F5A185B3-0119-4687-9187-3683FA94C77F}"/>
+                <a16:creationId xmlns:a16="http://schemas.microsoft.com/office/drawing/2014/main" xmlns="" id="{F5A185B3-0119-4687-9187-3683FA94C77F}"/>
               </a:ext>
             </a:extLst>
           </p:cNvPr>
@@ -8082,7 +8858,7 @@
           <p:cNvPr id="12" name="TextBox 11">
             <a:extLst>
               <a:ext uri="{FF2B5EF4-FFF2-40B4-BE49-F238E27FC236}">
-                <a16:creationId xmlns:a16="http://schemas.microsoft.com/office/drawing/2014/main" id="{77A9E3E2-B863-47A0-BF06-07CB47A50CBC}"/>
+                <a16:creationId xmlns:a16="http://schemas.microsoft.com/office/drawing/2014/main" xmlns="" id="{77A9E3E2-B863-47A0-BF06-07CB47A50CBC}"/>
               </a:ext>
             </a:extLst>
           </p:cNvPr>
@@ -8133,7 +8909,7 @@
           <p:cNvPr id="14" name="TextBox 13">
             <a:extLst>
               <a:ext uri="{FF2B5EF4-FFF2-40B4-BE49-F238E27FC236}">
-                <a16:creationId xmlns:a16="http://schemas.microsoft.com/office/drawing/2014/main" id="{DDDBD8D2-C849-4B6C-90F2-67B997DB5602}"/>
+                <a16:creationId xmlns:a16="http://schemas.microsoft.com/office/drawing/2014/main" xmlns="" id="{DDDBD8D2-C849-4B6C-90F2-67B997DB5602}"/>
               </a:ext>
             </a:extLst>
           </p:cNvPr>
@@ -8204,7 +8980,7 @@
           <p:cNvPr id="2" name="Table 1">
             <a:extLst>
               <a:ext uri="{FF2B5EF4-FFF2-40B4-BE49-F238E27FC236}">
-                <a16:creationId xmlns:a16="http://schemas.microsoft.com/office/drawing/2014/main" id="{D85EF2F4-ACF4-45BD-8C20-C32021D2345F}"/>
+                <a16:creationId xmlns:a16="http://schemas.microsoft.com/office/drawing/2014/main" xmlns="" id="{D85EF2F4-ACF4-45BD-8C20-C32021D2345F}"/>
               </a:ext>
             </a:extLst>
           </p:cNvPr>
@@ -8233,14 +9009,14 @@
                 <a:gridCol w="2464659">
                   <a:extLst>
                     <a:ext uri="{9D8B030D-6E8A-4147-A177-3AD203B41FA5}">
-                      <a16:colId xmlns:a16="http://schemas.microsoft.com/office/drawing/2014/main" val="2949619691"/>
+                      <a16:colId xmlns:a16="http://schemas.microsoft.com/office/drawing/2014/main" xmlns="" val="2949619691"/>
                     </a:ext>
                   </a:extLst>
                 </a:gridCol>
                 <a:gridCol w="913541">
                   <a:extLst>
                     <a:ext uri="{9D8B030D-6E8A-4147-A177-3AD203B41FA5}">
-                      <a16:colId xmlns:a16="http://schemas.microsoft.com/office/drawing/2014/main" val="604774021"/>
+                      <a16:colId xmlns:a16="http://schemas.microsoft.com/office/drawing/2014/main" xmlns="" val="604774021"/>
                     </a:ext>
                   </a:extLst>
                 </a:gridCol>
@@ -8294,7 +9070,7 @@
                 </a:tc>
                 <a:extLst>
                   <a:ext uri="{0D108BD9-81ED-4DB2-BD59-A6C34878D82A}">
-                    <a16:rowId xmlns:a16="http://schemas.microsoft.com/office/drawing/2014/main" val="713225754"/>
+                    <a16:rowId xmlns:a16="http://schemas.microsoft.com/office/drawing/2014/main" xmlns="" val="713225754"/>
                   </a:ext>
                 </a:extLst>
               </a:tr>
@@ -8347,7 +9123,7 @@
                 </a:tc>
                 <a:extLst>
                   <a:ext uri="{0D108BD9-81ED-4DB2-BD59-A6C34878D82A}">
-                    <a16:rowId xmlns:a16="http://schemas.microsoft.com/office/drawing/2014/main" val="959027876"/>
+                    <a16:rowId xmlns:a16="http://schemas.microsoft.com/office/drawing/2014/main" xmlns="" val="959027876"/>
                   </a:ext>
                 </a:extLst>
               </a:tr>
@@ -8400,7 +9176,7 @@
                 </a:tc>
                 <a:extLst>
                   <a:ext uri="{0D108BD9-81ED-4DB2-BD59-A6C34878D82A}">
-                    <a16:rowId xmlns:a16="http://schemas.microsoft.com/office/drawing/2014/main" val="1677285584"/>
+                    <a16:rowId xmlns:a16="http://schemas.microsoft.com/office/drawing/2014/main" xmlns="" val="1677285584"/>
                   </a:ext>
                 </a:extLst>
               </a:tr>
@@ -8453,7 +9229,7 @@
                 </a:tc>
                 <a:extLst>
                   <a:ext uri="{0D108BD9-81ED-4DB2-BD59-A6C34878D82A}">
-                    <a16:rowId xmlns:a16="http://schemas.microsoft.com/office/drawing/2014/main" val="2803085019"/>
+                    <a16:rowId xmlns:a16="http://schemas.microsoft.com/office/drawing/2014/main" xmlns="" val="2803085019"/>
                   </a:ext>
                 </a:extLst>
               </a:tr>
@@ -8506,7 +9282,7 @@
                 </a:tc>
                 <a:extLst>
                   <a:ext uri="{0D108BD9-81ED-4DB2-BD59-A6C34878D82A}">
-                    <a16:rowId xmlns:a16="http://schemas.microsoft.com/office/drawing/2014/main" val="923224158"/>
+                    <a16:rowId xmlns:a16="http://schemas.microsoft.com/office/drawing/2014/main" xmlns="" val="923224158"/>
                   </a:ext>
                 </a:extLst>
               </a:tr>
@@ -8559,7 +9335,7 @@
                 </a:tc>
                 <a:extLst>
                   <a:ext uri="{0D108BD9-81ED-4DB2-BD59-A6C34878D82A}">
-                    <a16:rowId xmlns:a16="http://schemas.microsoft.com/office/drawing/2014/main" val="43392279"/>
+                    <a16:rowId xmlns:a16="http://schemas.microsoft.com/office/drawing/2014/main" xmlns="" val="43392279"/>
                   </a:ext>
                 </a:extLst>
               </a:tr>
@@ -8612,7 +9388,7 @@
                 </a:tc>
                 <a:extLst>
                   <a:ext uri="{0D108BD9-81ED-4DB2-BD59-A6C34878D82A}">
-                    <a16:rowId xmlns:a16="http://schemas.microsoft.com/office/drawing/2014/main" val="3716098942"/>
+                    <a16:rowId xmlns:a16="http://schemas.microsoft.com/office/drawing/2014/main" xmlns="" val="3716098942"/>
                   </a:ext>
                 </a:extLst>
               </a:tr>
@@ -8665,7 +9441,7 @@
                 </a:tc>
                 <a:extLst>
                   <a:ext uri="{0D108BD9-81ED-4DB2-BD59-A6C34878D82A}">
-                    <a16:rowId xmlns:a16="http://schemas.microsoft.com/office/drawing/2014/main" val="1351026217"/>
+                    <a16:rowId xmlns:a16="http://schemas.microsoft.com/office/drawing/2014/main" xmlns="" val="1351026217"/>
                   </a:ext>
                 </a:extLst>
               </a:tr>
@@ -8718,7 +9494,7 @@
                 </a:tc>
                 <a:extLst>
                   <a:ext uri="{0D108BD9-81ED-4DB2-BD59-A6C34878D82A}">
-                    <a16:rowId xmlns:a16="http://schemas.microsoft.com/office/drawing/2014/main" val="1182668082"/>
+                    <a16:rowId xmlns:a16="http://schemas.microsoft.com/office/drawing/2014/main" xmlns="" val="1182668082"/>
                   </a:ext>
                 </a:extLst>
               </a:tr>
@@ -8771,7 +9547,7 @@
                 </a:tc>
                 <a:extLst>
                   <a:ext uri="{0D108BD9-81ED-4DB2-BD59-A6C34878D82A}">
-                    <a16:rowId xmlns:a16="http://schemas.microsoft.com/office/drawing/2014/main" val="4048025060"/>
+                    <a16:rowId xmlns:a16="http://schemas.microsoft.com/office/drawing/2014/main" xmlns="" val="4048025060"/>
                   </a:ext>
                 </a:extLst>
               </a:tr>
@@ -8824,7 +9600,7 @@
                 </a:tc>
                 <a:extLst>
                   <a:ext uri="{0D108BD9-81ED-4DB2-BD59-A6C34878D82A}">
-                    <a16:rowId xmlns:a16="http://schemas.microsoft.com/office/drawing/2014/main" val="1715939075"/>
+                    <a16:rowId xmlns:a16="http://schemas.microsoft.com/office/drawing/2014/main" xmlns="" val="1715939075"/>
                   </a:ext>
                 </a:extLst>
               </a:tr>
@@ -8877,7 +9653,7 @@
                 </a:tc>
                 <a:extLst>
                   <a:ext uri="{0D108BD9-81ED-4DB2-BD59-A6C34878D82A}">
-                    <a16:rowId xmlns:a16="http://schemas.microsoft.com/office/drawing/2014/main" val="1341766513"/>
+                    <a16:rowId xmlns:a16="http://schemas.microsoft.com/office/drawing/2014/main" xmlns="" val="1341766513"/>
                   </a:ext>
                 </a:extLst>
               </a:tr>
@@ -8930,7 +9706,7 @@
                 </a:tc>
                 <a:extLst>
                   <a:ext uri="{0D108BD9-81ED-4DB2-BD59-A6C34878D82A}">
-                    <a16:rowId xmlns:a16="http://schemas.microsoft.com/office/drawing/2014/main" val="3468686992"/>
+                    <a16:rowId xmlns:a16="http://schemas.microsoft.com/office/drawing/2014/main" xmlns="" val="3468686992"/>
                   </a:ext>
                 </a:extLst>
               </a:tr>
@@ -8983,7 +9759,7 @@
                 </a:tc>
                 <a:extLst>
                   <a:ext uri="{0D108BD9-81ED-4DB2-BD59-A6C34878D82A}">
-                    <a16:rowId xmlns:a16="http://schemas.microsoft.com/office/drawing/2014/main" val="938833329"/>
+                    <a16:rowId xmlns:a16="http://schemas.microsoft.com/office/drawing/2014/main" xmlns="" val="938833329"/>
                   </a:ext>
                 </a:extLst>
               </a:tr>
@@ -9036,7 +9812,7 @@
                 </a:tc>
                 <a:extLst>
                   <a:ext uri="{0D108BD9-81ED-4DB2-BD59-A6C34878D82A}">
-                    <a16:rowId xmlns:a16="http://schemas.microsoft.com/office/drawing/2014/main" val="2468822781"/>
+                    <a16:rowId xmlns:a16="http://schemas.microsoft.com/office/drawing/2014/main" xmlns="" val="2468822781"/>
                   </a:ext>
                 </a:extLst>
               </a:tr>
@@ -9089,7 +9865,7 @@
                 </a:tc>
                 <a:extLst>
                   <a:ext uri="{0D108BD9-81ED-4DB2-BD59-A6C34878D82A}">
-                    <a16:rowId xmlns:a16="http://schemas.microsoft.com/office/drawing/2014/main" val="1103337781"/>
+                    <a16:rowId xmlns:a16="http://schemas.microsoft.com/office/drawing/2014/main" xmlns="" val="1103337781"/>
                   </a:ext>
                 </a:extLst>
               </a:tr>
@@ -9142,7 +9918,7 @@
                 </a:tc>
                 <a:extLst>
                   <a:ext uri="{0D108BD9-81ED-4DB2-BD59-A6C34878D82A}">
-                    <a16:rowId xmlns:a16="http://schemas.microsoft.com/office/drawing/2014/main" val="4147272330"/>
+                    <a16:rowId xmlns:a16="http://schemas.microsoft.com/office/drawing/2014/main" xmlns="" val="4147272330"/>
                   </a:ext>
                 </a:extLst>
               </a:tr>
@@ -9195,7 +9971,7 @@
                 </a:tc>
                 <a:extLst>
                   <a:ext uri="{0D108BD9-81ED-4DB2-BD59-A6C34878D82A}">
-                    <a16:rowId xmlns:a16="http://schemas.microsoft.com/office/drawing/2014/main" val="206391269"/>
+                    <a16:rowId xmlns:a16="http://schemas.microsoft.com/office/drawing/2014/main" xmlns="" val="206391269"/>
                   </a:ext>
                 </a:extLst>
               </a:tr>
@@ -9248,7 +10024,7 @@
                 </a:tc>
                 <a:extLst>
                   <a:ext uri="{0D108BD9-81ED-4DB2-BD59-A6C34878D82A}">
-                    <a16:rowId xmlns:a16="http://schemas.microsoft.com/office/drawing/2014/main" val="1126938013"/>
+                    <a16:rowId xmlns:a16="http://schemas.microsoft.com/office/drawing/2014/main" xmlns="" val="1126938013"/>
                   </a:ext>
                 </a:extLst>
               </a:tr>
@@ -9301,7 +10077,7 @@
                 </a:tc>
                 <a:extLst>
                   <a:ext uri="{0D108BD9-81ED-4DB2-BD59-A6C34878D82A}">
-                    <a16:rowId xmlns:a16="http://schemas.microsoft.com/office/drawing/2014/main" val="2352634924"/>
+                    <a16:rowId xmlns:a16="http://schemas.microsoft.com/office/drawing/2014/main" xmlns="" val="2352634924"/>
                   </a:ext>
                 </a:extLst>
               </a:tr>
@@ -9354,7 +10130,7 @@
                 </a:tc>
                 <a:extLst>
                   <a:ext uri="{0D108BD9-81ED-4DB2-BD59-A6C34878D82A}">
-                    <a16:rowId xmlns:a16="http://schemas.microsoft.com/office/drawing/2014/main" val="3859273979"/>
+                    <a16:rowId xmlns:a16="http://schemas.microsoft.com/office/drawing/2014/main" xmlns="" val="3859273979"/>
                   </a:ext>
                 </a:extLst>
               </a:tr>

--- a/sketches.pptx
+++ b/sketches.pptx
@@ -7,10 +7,11 @@
   <p:sldIdLst>
     <p:sldId id="260" r:id="rId2"/>
     <p:sldId id="261" r:id="rId3"/>
-    <p:sldId id="258" r:id="rId4"/>
-    <p:sldId id="259" r:id="rId5"/>
-    <p:sldId id="256" r:id="rId6"/>
-    <p:sldId id="257" r:id="rId7"/>
+    <p:sldId id="262" r:id="rId4"/>
+    <p:sldId id="258" r:id="rId5"/>
+    <p:sldId id="259" r:id="rId6"/>
+    <p:sldId id="256" r:id="rId7"/>
+    <p:sldId id="257" r:id="rId8"/>
   </p:sldIdLst>
   <p:sldSz cx="12192000" cy="6858000"/>
   <p:notesSz cx="6858000" cy="9144000"/>
@@ -117,6 +118,5129 @@
 </p:presentation>
 </file>
 
+<file path=ppt/diagrams/colors1.xml><?xml version="1.0" encoding="utf-8"?>
+<dgm:colorsDef xmlns:dgm="http://schemas.openxmlformats.org/drawingml/2006/diagram" xmlns:a="http://schemas.openxmlformats.org/drawingml/2006/main" uniqueId="urn:microsoft.com/office/officeart/2005/8/colors/colorful1">
+  <dgm:title val=""/>
+  <dgm:desc val=""/>
+  <dgm:catLst>
+    <dgm:cat type="colorful" pri="10100"/>
+  </dgm:catLst>
+  <dgm:styleLbl name="node0">
+    <dgm:fillClrLst meth="repeat">
+      <a:schemeClr val="accent1"/>
+    </dgm:fillClrLst>
+    <dgm:linClrLst meth="repeat">
+      <a:schemeClr val="lt1"/>
+    </dgm:linClrLst>
+    <dgm:effectClrLst/>
+    <dgm:txLinClrLst/>
+    <dgm:txFillClrLst/>
+    <dgm:txEffectClrLst/>
+  </dgm:styleLbl>
+  <dgm:styleLbl name="node1">
+    <dgm:fillClrLst meth="repeat">
+      <a:schemeClr val="accent2"/>
+      <a:schemeClr val="accent3"/>
+      <a:schemeClr val="accent4"/>
+      <a:schemeClr val="accent5"/>
+      <a:schemeClr val="accent6"/>
+    </dgm:fillClrLst>
+    <dgm:linClrLst meth="repeat">
+      <a:schemeClr val="lt1"/>
+    </dgm:linClrLst>
+    <dgm:effectClrLst/>
+    <dgm:txLinClrLst/>
+    <dgm:txFillClrLst/>
+    <dgm:txEffectClrLst/>
+  </dgm:styleLbl>
+  <dgm:styleLbl name="alignNode1">
+    <dgm:fillClrLst meth="repeat">
+      <a:schemeClr val="accent2"/>
+      <a:schemeClr val="accent3"/>
+      <a:schemeClr val="accent4"/>
+      <a:schemeClr val="accent5"/>
+      <a:schemeClr val="accent6"/>
+    </dgm:fillClrLst>
+    <dgm:linClrLst meth="repeat">
+      <a:schemeClr val="accent2"/>
+      <a:schemeClr val="accent3"/>
+      <a:schemeClr val="accent4"/>
+      <a:schemeClr val="accent5"/>
+      <a:schemeClr val="accent6"/>
+    </dgm:linClrLst>
+    <dgm:effectClrLst/>
+    <dgm:txLinClrLst/>
+    <dgm:txFillClrLst/>
+    <dgm:txEffectClrLst/>
+  </dgm:styleLbl>
+  <dgm:styleLbl name="lnNode1">
+    <dgm:fillClrLst meth="repeat">
+      <a:schemeClr val="accent2"/>
+      <a:schemeClr val="accent3"/>
+      <a:schemeClr val="accent4"/>
+      <a:schemeClr val="accent5"/>
+      <a:schemeClr val="accent6"/>
+    </dgm:fillClrLst>
+    <dgm:linClrLst meth="repeat">
+      <a:schemeClr val="lt1"/>
+    </dgm:linClrLst>
+    <dgm:effectClrLst/>
+    <dgm:txLinClrLst/>
+    <dgm:txFillClrLst/>
+    <dgm:txEffectClrLst/>
+  </dgm:styleLbl>
+  <dgm:styleLbl name="vennNode1">
+    <dgm:fillClrLst meth="repeat">
+      <a:schemeClr val="accent2">
+        <a:alpha val="50000"/>
+      </a:schemeClr>
+      <a:schemeClr val="accent3">
+        <a:alpha val="50000"/>
+      </a:schemeClr>
+      <a:schemeClr val="accent4">
+        <a:alpha val="50000"/>
+      </a:schemeClr>
+      <a:schemeClr val="accent5">
+        <a:alpha val="50000"/>
+      </a:schemeClr>
+      <a:schemeClr val="accent6">
+        <a:alpha val="50000"/>
+      </a:schemeClr>
+    </dgm:fillClrLst>
+    <dgm:linClrLst meth="repeat">
+      <a:schemeClr val="lt1"/>
+    </dgm:linClrLst>
+    <dgm:effectClrLst/>
+    <dgm:txLinClrLst/>
+    <dgm:txFillClrLst/>
+    <dgm:txEffectClrLst/>
+  </dgm:styleLbl>
+  <dgm:styleLbl name="node2">
+    <dgm:fillClrLst>
+      <a:schemeClr val="accent2"/>
+    </dgm:fillClrLst>
+    <dgm:linClrLst meth="repeat">
+      <a:schemeClr val="lt1"/>
+    </dgm:linClrLst>
+    <dgm:effectClrLst/>
+    <dgm:txLinClrLst/>
+    <dgm:txFillClrLst/>
+    <dgm:txEffectClrLst/>
+  </dgm:styleLbl>
+  <dgm:styleLbl name="node3">
+    <dgm:fillClrLst>
+      <a:schemeClr val="accent3"/>
+    </dgm:fillClrLst>
+    <dgm:linClrLst meth="repeat">
+      <a:schemeClr val="lt1"/>
+    </dgm:linClrLst>
+    <dgm:effectClrLst/>
+    <dgm:txLinClrLst/>
+    <dgm:txFillClrLst/>
+    <dgm:txEffectClrLst/>
+  </dgm:styleLbl>
+  <dgm:styleLbl name="node4">
+    <dgm:fillClrLst>
+      <a:schemeClr val="accent4"/>
+    </dgm:fillClrLst>
+    <dgm:linClrLst meth="repeat">
+      <a:schemeClr val="lt1"/>
+    </dgm:linClrLst>
+    <dgm:effectClrLst/>
+    <dgm:txLinClrLst/>
+    <dgm:txFillClrLst/>
+    <dgm:txEffectClrLst/>
+  </dgm:styleLbl>
+  <dgm:styleLbl name="fgImgPlace1">
+    <dgm:fillClrLst meth="repeat">
+      <a:schemeClr val="accent2">
+        <a:tint val="50000"/>
+      </a:schemeClr>
+      <a:schemeClr val="accent3">
+        <a:tint val="50000"/>
+      </a:schemeClr>
+      <a:schemeClr val="accent4">
+        <a:tint val="50000"/>
+      </a:schemeClr>
+      <a:schemeClr val="accent5">
+        <a:tint val="50000"/>
+      </a:schemeClr>
+      <a:schemeClr val="accent6">
+        <a:tint val="50000"/>
+      </a:schemeClr>
+    </dgm:fillClrLst>
+    <dgm:linClrLst meth="repeat">
+      <a:schemeClr val="lt1"/>
+    </dgm:linClrLst>
+    <dgm:effectClrLst/>
+    <dgm:txLinClrLst/>
+    <dgm:txFillClrLst meth="repeat">
+      <a:schemeClr val="lt1"/>
+    </dgm:txFillClrLst>
+    <dgm:txEffectClrLst/>
+  </dgm:styleLbl>
+  <dgm:styleLbl name="alignImgPlace1">
+    <dgm:fillClrLst>
+      <a:schemeClr val="accent1">
+        <a:tint val="50000"/>
+      </a:schemeClr>
+      <a:schemeClr val="accent2">
+        <a:tint val="20000"/>
+      </a:schemeClr>
+    </dgm:fillClrLst>
+    <dgm:linClrLst meth="repeat">
+      <a:schemeClr val="lt1"/>
+    </dgm:linClrLst>
+    <dgm:effectClrLst/>
+    <dgm:txLinClrLst/>
+    <dgm:txFillClrLst meth="repeat">
+      <a:schemeClr val="lt1"/>
+    </dgm:txFillClrLst>
+    <dgm:txEffectClrLst/>
+  </dgm:styleLbl>
+  <dgm:styleLbl name="bgImgPlace1">
+    <dgm:fillClrLst>
+      <a:schemeClr val="accent1">
+        <a:tint val="50000"/>
+      </a:schemeClr>
+      <a:schemeClr val="accent2">
+        <a:tint val="20000"/>
+      </a:schemeClr>
+    </dgm:fillClrLst>
+    <dgm:linClrLst meth="repeat">
+      <a:schemeClr val="lt1"/>
+    </dgm:linClrLst>
+    <dgm:effectClrLst/>
+    <dgm:txLinClrLst/>
+    <dgm:txFillClrLst meth="repeat">
+      <a:schemeClr val="lt1"/>
+    </dgm:txFillClrLst>
+    <dgm:txEffectClrLst/>
+  </dgm:styleLbl>
+  <dgm:styleLbl name="sibTrans2D1">
+    <dgm:fillClrLst meth="repeat">
+      <a:schemeClr val="accent2"/>
+      <a:schemeClr val="accent3"/>
+      <a:schemeClr val="accent4"/>
+      <a:schemeClr val="accent5"/>
+      <a:schemeClr val="accent6"/>
+    </dgm:fillClrLst>
+    <dgm:linClrLst meth="cycle">
+      <a:schemeClr val="lt1"/>
+    </dgm:linClrLst>
+    <dgm:effectClrLst/>
+    <dgm:txLinClrLst/>
+    <dgm:txFillClrLst/>
+    <dgm:txEffectClrLst/>
+  </dgm:styleLbl>
+  <dgm:styleLbl name="fgSibTrans2D1">
+    <dgm:fillClrLst meth="repeat">
+      <a:schemeClr val="accent2"/>
+      <a:schemeClr val="accent3"/>
+      <a:schemeClr val="accent4"/>
+      <a:schemeClr val="accent5"/>
+      <a:schemeClr val="accent6"/>
+    </dgm:fillClrLst>
+    <dgm:linClrLst meth="cycle">
+      <a:schemeClr val="lt1"/>
+    </dgm:linClrLst>
+    <dgm:effectClrLst/>
+    <dgm:txLinClrLst/>
+    <dgm:txFillClrLst meth="repeat">
+      <a:schemeClr val="lt1"/>
+    </dgm:txFillClrLst>
+    <dgm:txEffectClrLst/>
+  </dgm:styleLbl>
+  <dgm:styleLbl name="bgSibTrans2D1">
+    <dgm:fillClrLst meth="repeat">
+      <a:schemeClr val="accent2"/>
+      <a:schemeClr val="accent3"/>
+      <a:schemeClr val="accent4"/>
+      <a:schemeClr val="accent5"/>
+      <a:schemeClr val="accent6"/>
+    </dgm:fillClrLst>
+    <dgm:linClrLst meth="cycle">
+      <a:schemeClr val="lt1"/>
+    </dgm:linClrLst>
+    <dgm:effectClrLst/>
+    <dgm:txLinClrLst/>
+    <dgm:txFillClrLst meth="repeat">
+      <a:schemeClr val="lt1"/>
+    </dgm:txFillClrLst>
+    <dgm:txEffectClrLst/>
+  </dgm:styleLbl>
+  <dgm:styleLbl name="sibTrans1D1">
+    <dgm:fillClrLst meth="repeat">
+      <a:schemeClr val="accent2"/>
+      <a:schemeClr val="accent3"/>
+      <a:schemeClr val="accent4"/>
+      <a:schemeClr val="accent5"/>
+      <a:schemeClr val="accent6"/>
+    </dgm:fillClrLst>
+    <dgm:linClrLst meth="repeat">
+      <a:schemeClr val="accent2"/>
+      <a:schemeClr val="accent3"/>
+      <a:schemeClr val="accent4"/>
+      <a:schemeClr val="accent5"/>
+      <a:schemeClr val="accent6"/>
+    </dgm:linClrLst>
+    <dgm:effectClrLst/>
+    <dgm:txLinClrLst/>
+    <dgm:txFillClrLst meth="repeat">
+      <a:schemeClr val="tx1"/>
+    </dgm:txFillClrLst>
+    <dgm:txEffectClrLst/>
+  </dgm:styleLbl>
+  <dgm:styleLbl name="callout">
+    <dgm:fillClrLst meth="repeat">
+      <a:schemeClr val="accent2"/>
+    </dgm:fillClrLst>
+    <dgm:linClrLst meth="repeat">
+      <a:schemeClr val="accent2">
+        <a:tint val="50000"/>
+      </a:schemeClr>
+    </dgm:linClrLst>
+    <dgm:effectClrLst/>
+    <dgm:txLinClrLst/>
+    <dgm:txFillClrLst meth="repeat">
+      <a:schemeClr val="tx1"/>
+    </dgm:txFillClrLst>
+    <dgm:txEffectClrLst/>
+  </dgm:styleLbl>
+  <dgm:styleLbl name="asst0">
+    <dgm:fillClrLst meth="repeat">
+      <a:schemeClr val="accent1"/>
+    </dgm:fillClrLst>
+    <dgm:linClrLst meth="repeat">
+      <a:schemeClr val="lt1"/>
+    </dgm:linClrLst>
+    <dgm:effectClrLst/>
+    <dgm:txLinClrLst/>
+    <dgm:txFillClrLst/>
+    <dgm:txEffectClrLst/>
+  </dgm:styleLbl>
+  <dgm:styleLbl name="asst1">
+    <dgm:fillClrLst meth="repeat">
+      <a:schemeClr val="accent2"/>
+    </dgm:fillClrLst>
+    <dgm:linClrLst meth="repeat">
+      <a:schemeClr val="lt1"/>
+    </dgm:linClrLst>
+    <dgm:effectClrLst/>
+    <dgm:txLinClrLst/>
+    <dgm:txFillClrLst/>
+    <dgm:txEffectClrLst/>
+  </dgm:styleLbl>
+  <dgm:styleLbl name="asst2">
+    <dgm:fillClrLst>
+      <a:schemeClr val="accent3"/>
+    </dgm:fillClrLst>
+    <dgm:linClrLst meth="repeat">
+      <a:schemeClr val="lt1"/>
+    </dgm:linClrLst>
+    <dgm:effectClrLst/>
+    <dgm:txLinClrLst/>
+    <dgm:txFillClrLst/>
+    <dgm:txEffectClrLst/>
+  </dgm:styleLbl>
+  <dgm:styleLbl name="asst3">
+    <dgm:fillClrLst>
+      <a:schemeClr val="accent4"/>
+    </dgm:fillClrLst>
+    <dgm:linClrLst meth="repeat">
+      <a:schemeClr val="lt1"/>
+    </dgm:linClrLst>
+    <dgm:effectClrLst/>
+    <dgm:txLinClrLst/>
+    <dgm:txFillClrLst/>
+    <dgm:txEffectClrLst/>
+  </dgm:styleLbl>
+  <dgm:styleLbl name="asst4">
+    <dgm:fillClrLst>
+      <a:schemeClr val="accent5"/>
+    </dgm:fillClrLst>
+    <dgm:linClrLst meth="repeat">
+      <a:schemeClr val="lt1"/>
+    </dgm:linClrLst>
+    <dgm:effectClrLst/>
+    <dgm:txLinClrLst/>
+    <dgm:txFillClrLst/>
+    <dgm:txEffectClrLst/>
+  </dgm:styleLbl>
+  <dgm:styleLbl name="parChTrans2D1">
+    <dgm:fillClrLst meth="repeat">
+      <a:schemeClr val="accent2"/>
+    </dgm:fillClrLst>
+    <dgm:linClrLst meth="repeat">
+      <a:schemeClr val="lt1"/>
+    </dgm:linClrLst>
+    <dgm:effectClrLst/>
+    <dgm:txLinClrLst/>
+    <dgm:txFillClrLst meth="repeat">
+      <a:schemeClr val="lt1"/>
+    </dgm:txFillClrLst>
+    <dgm:txEffectClrLst/>
+  </dgm:styleLbl>
+  <dgm:styleLbl name="parChTrans2D2">
+    <dgm:fillClrLst meth="repeat">
+      <a:schemeClr val="accent3"/>
+    </dgm:fillClrLst>
+    <dgm:linClrLst meth="repeat">
+      <a:schemeClr val="lt1"/>
+    </dgm:linClrLst>
+    <dgm:effectClrLst/>
+    <dgm:txLinClrLst/>
+    <dgm:txFillClrLst/>
+    <dgm:txEffectClrLst/>
+  </dgm:styleLbl>
+  <dgm:styleLbl name="parChTrans2D3">
+    <dgm:fillClrLst meth="repeat">
+      <a:schemeClr val="accent4"/>
+    </dgm:fillClrLst>
+    <dgm:linClrLst meth="repeat">
+      <a:schemeClr val="lt1"/>
+    </dgm:linClrLst>
+    <dgm:effectClrLst/>
+    <dgm:txLinClrLst/>
+    <dgm:txFillClrLst/>
+    <dgm:txEffectClrLst/>
+  </dgm:styleLbl>
+  <dgm:styleLbl name="parChTrans2D4">
+    <dgm:fillClrLst meth="repeat">
+      <a:schemeClr val="accent5"/>
+    </dgm:fillClrLst>
+    <dgm:linClrLst meth="repeat">
+      <a:schemeClr val="lt1"/>
+    </dgm:linClrLst>
+    <dgm:effectClrLst/>
+    <dgm:txLinClrLst/>
+    <dgm:txFillClrLst meth="repeat">
+      <a:schemeClr val="lt1"/>
+    </dgm:txFillClrLst>
+    <dgm:txEffectClrLst/>
+  </dgm:styleLbl>
+  <dgm:styleLbl name="parChTrans1D1">
+    <dgm:fillClrLst meth="repeat">
+      <a:schemeClr val="accent2"/>
+    </dgm:fillClrLst>
+    <dgm:linClrLst meth="repeat">
+      <a:schemeClr val="accent1"/>
+    </dgm:linClrLst>
+    <dgm:effectClrLst/>
+    <dgm:txLinClrLst/>
+    <dgm:txFillClrLst meth="repeat">
+      <a:schemeClr val="tx1"/>
+    </dgm:txFillClrLst>
+    <dgm:txEffectClrLst/>
+  </dgm:styleLbl>
+  <dgm:styleLbl name="parChTrans1D2">
+    <dgm:fillClrLst meth="repeat">
+      <a:schemeClr val="accent3">
+        <a:tint val="90000"/>
+      </a:schemeClr>
+    </dgm:fillClrLst>
+    <dgm:linClrLst meth="repeat">
+      <a:schemeClr val="accent2"/>
+    </dgm:linClrLst>
+    <dgm:effectClrLst/>
+    <dgm:txLinClrLst/>
+    <dgm:txFillClrLst meth="repeat">
+      <a:schemeClr val="tx1"/>
+    </dgm:txFillClrLst>
+    <dgm:txEffectClrLst/>
+  </dgm:styleLbl>
+  <dgm:styleLbl name="parChTrans1D3">
+    <dgm:fillClrLst meth="repeat">
+      <a:schemeClr val="accent4">
+        <a:tint val="70000"/>
+      </a:schemeClr>
+    </dgm:fillClrLst>
+    <dgm:linClrLst meth="repeat">
+      <a:schemeClr val="accent3"/>
+    </dgm:linClrLst>
+    <dgm:effectClrLst/>
+    <dgm:txLinClrLst/>
+    <dgm:txFillClrLst meth="repeat">
+      <a:schemeClr val="tx1"/>
+    </dgm:txFillClrLst>
+    <dgm:txEffectClrLst/>
+  </dgm:styleLbl>
+  <dgm:styleLbl name="parChTrans1D4">
+    <dgm:fillClrLst meth="repeat">
+      <a:schemeClr val="accent5">
+        <a:tint val="50000"/>
+      </a:schemeClr>
+    </dgm:fillClrLst>
+    <dgm:linClrLst meth="repeat">
+      <a:schemeClr val="accent4"/>
+    </dgm:linClrLst>
+    <dgm:effectClrLst/>
+    <dgm:txLinClrLst/>
+    <dgm:txFillClrLst meth="repeat">
+      <a:schemeClr val="tx1"/>
+    </dgm:txFillClrLst>
+    <dgm:txEffectClrLst/>
+  </dgm:styleLbl>
+  <dgm:styleLbl name="fgAcc1">
+    <dgm:fillClrLst meth="repeat">
+      <a:schemeClr val="lt1">
+        <a:alpha val="90000"/>
+      </a:schemeClr>
+    </dgm:fillClrLst>
+    <dgm:linClrLst meth="repeat">
+      <a:schemeClr val="accent2"/>
+      <a:schemeClr val="accent3"/>
+      <a:schemeClr val="accent4"/>
+      <a:schemeClr val="accent5"/>
+      <a:schemeClr val="accent6"/>
+    </dgm:linClrLst>
+    <dgm:effectClrLst/>
+    <dgm:txLinClrLst/>
+    <dgm:txFillClrLst meth="repeat">
+      <a:schemeClr val="dk1"/>
+    </dgm:txFillClrLst>
+    <dgm:txEffectClrLst/>
+  </dgm:styleLbl>
+  <dgm:styleLbl name="conFgAcc1">
+    <dgm:fillClrLst meth="repeat">
+      <a:schemeClr val="lt1">
+        <a:alpha val="90000"/>
+      </a:schemeClr>
+    </dgm:fillClrLst>
+    <dgm:linClrLst meth="repeat">
+      <a:schemeClr val="accent2"/>
+      <a:schemeClr val="accent3"/>
+      <a:schemeClr val="accent4"/>
+      <a:schemeClr val="accent5"/>
+      <a:schemeClr val="accent6"/>
+    </dgm:linClrLst>
+    <dgm:effectClrLst/>
+    <dgm:txLinClrLst/>
+    <dgm:txFillClrLst meth="repeat">
+      <a:schemeClr val="dk1"/>
+    </dgm:txFillClrLst>
+    <dgm:txEffectClrLst/>
+  </dgm:styleLbl>
+  <dgm:styleLbl name="alignAcc1">
+    <dgm:fillClrLst meth="repeat">
+      <a:schemeClr val="lt1">
+        <a:alpha val="90000"/>
+      </a:schemeClr>
+    </dgm:fillClrLst>
+    <dgm:linClrLst meth="repeat">
+      <a:schemeClr val="accent2"/>
+      <a:schemeClr val="accent3"/>
+      <a:schemeClr val="accent4"/>
+      <a:schemeClr val="accent5"/>
+      <a:schemeClr val="accent6"/>
+    </dgm:linClrLst>
+    <dgm:effectClrLst/>
+    <dgm:txLinClrLst/>
+    <dgm:txFillClrLst meth="repeat">
+      <a:schemeClr val="dk1"/>
+    </dgm:txFillClrLst>
+    <dgm:txEffectClrLst/>
+  </dgm:styleLbl>
+  <dgm:styleLbl name="trAlignAcc1">
+    <dgm:fillClrLst meth="repeat">
+      <a:schemeClr val="lt1">
+        <a:alpha val="40000"/>
+      </a:schemeClr>
+    </dgm:fillClrLst>
+    <dgm:linClrLst meth="repeat">
+      <a:schemeClr val="accent1"/>
+    </dgm:linClrLst>
+    <dgm:effectClrLst/>
+    <dgm:txLinClrLst/>
+    <dgm:txFillClrLst meth="repeat">
+      <a:schemeClr val="dk1"/>
+    </dgm:txFillClrLst>
+    <dgm:txEffectClrLst/>
+  </dgm:styleLbl>
+  <dgm:styleLbl name="bgAcc1">
+    <dgm:fillClrLst meth="repeat">
+      <a:schemeClr val="lt1">
+        <a:alpha val="90000"/>
+      </a:schemeClr>
+    </dgm:fillClrLst>
+    <dgm:linClrLst meth="repeat">
+      <a:schemeClr val="accent2"/>
+      <a:schemeClr val="accent3"/>
+      <a:schemeClr val="accent4"/>
+      <a:schemeClr val="accent5"/>
+      <a:schemeClr val="accent6"/>
+    </dgm:linClrLst>
+    <dgm:effectClrLst/>
+    <dgm:txLinClrLst/>
+    <dgm:txFillClrLst meth="repeat">
+      <a:schemeClr val="dk1"/>
+    </dgm:txFillClrLst>
+    <dgm:txEffectClrLst/>
+  </dgm:styleLbl>
+  <dgm:styleLbl name="solidFgAcc1">
+    <dgm:fillClrLst meth="repeat">
+      <a:schemeClr val="lt1"/>
+    </dgm:fillClrLst>
+    <dgm:linClrLst meth="repeat">
+      <a:schemeClr val="accent2"/>
+      <a:schemeClr val="accent3"/>
+      <a:schemeClr val="accent4"/>
+      <a:schemeClr val="accent5"/>
+      <a:schemeClr val="accent6"/>
+    </dgm:linClrLst>
+    <dgm:effectClrLst/>
+    <dgm:txLinClrLst/>
+    <dgm:txFillClrLst meth="repeat">
+      <a:schemeClr val="dk1"/>
+    </dgm:txFillClrLst>
+    <dgm:txEffectClrLst/>
+  </dgm:styleLbl>
+  <dgm:styleLbl name="solidAlignAcc1">
+    <dgm:fillClrLst meth="repeat">
+      <a:schemeClr val="lt1"/>
+    </dgm:fillClrLst>
+    <dgm:linClrLst meth="repeat">
+      <a:schemeClr val="accent2"/>
+      <a:schemeClr val="accent3"/>
+      <a:schemeClr val="accent4"/>
+      <a:schemeClr val="accent5"/>
+      <a:schemeClr val="accent6"/>
+    </dgm:linClrLst>
+    <dgm:effectClrLst/>
+    <dgm:txLinClrLst/>
+    <dgm:txFillClrLst meth="repeat">
+      <a:schemeClr val="dk1"/>
+    </dgm:txFillClrLst>
+    <dgm:txEffectClrLst/>
+  </dgm:styleLbl>
+  <dgm:styleLbl name="solidBgAcc1">
+    <dgm:fillClrLst meth="repeat">
+      <a:schemeClr val="lt1"/>
+    </dgm:fillClrLst>
+    <dgm:linClrLst meth="repeat">
+      <a:schemeClr val="accent2"/>
+      <a:schemeClr val="accent3"/>
+      <a:schemeClr val="accent4"/>
+      <a:schemeClr val="accent5"/>
+      <a:schemeClr val="accent6"/>
+    </dgm:linClrLst>
+    <dgm:effectClrLst/>
+    <dgm:txLinClrLst/>
+    <dgm:txFillClrLst meth="repeat">
+      <a:schemeClr val="dk1"/>
+    </dgm:txFillClrLst>
+    <dgm:txEffectClrLst/>
+  </dgm:styleLbl>
+  <dgm:styleLbl name="fgAccFollowNode1">
+    <dgm:fillClrLst meth="repeat">
+      <a:schemeClr val="accent2">
+        <a:tint val="40000"/>
+        <a:alpha val="90000"/>
+      </a:schemeClr>
+      <a:schemeClr val="accent3">
+        <a:tint val="40000"/>
+        <a:alpha val="90000"/>
+      </a:schemeClr>
+      <a:schemeClr val="accent4">
+        <a:tint val="40000"/>
+        <a:alpha val="90000"/>
+      </a:schemeClr>
+      <a:schemeClr val="accent5">
+        <a:tint val="40000"/>
+        <a:alpha val="90000"/>
+      </a:schemeClr>
+      <a:schemeClr val="accent6">
+        <a:tint val="40000"/>
+        <a:alpha val="90000"/>
+      </a:schemeClr>
+    </dgm:fillClrLst>
+    <dgm:linClrLst meth="repeat">
+      <a:schemeClr val="accent2">
+        <a:tint val="40000"/>
+        <a:alpha val="90000"/>
+      </a:schemeClr>
+      <a:schemeClr val="accent3">
+        <a:tint val="40000"/>
+        <a:alpha val="90000"/>
+      </a:schemeClr>
+      <a:schemeClr val="accent4">
+        <a:tint val="40000"/>
+        <a:alpha val="90000"/>
+      </a:schemeClr>
+      <a:schemeClr val="accent5">
+        <a:tint val="40000"/>
+        <a:alpha val="90000"/>
+      </a:schemeClr>
+      <a:schemeClr val="accent6">
+        <a:tint val="40000"/>
+        <a:alpha val="90000"/>
+      </a:schemeClr>
+    </dgm:linClrLst>
+    <dgm:effectClrLst/>
+    <dgm:txLinClrLst/>
+    <dgm:txFillClrLst meth="repeat">
+      <a:schemeClr val="dk1"/>
+    </dgm:txFillClrLst>
+    <dgm:txEffectClrLst/>
+  </dgm:styleLbl>
+  <dgm:styleLbl name="alignAccFollowNode1">
+    <dgm:fillClrLst meth="repeat">
+      <a:schemeClr val="accent2">
+        <a:tint val="40000"/>
+        <a:alpha val="90000"/>
+      </a:schemeClr>
+      <a:schemeClr val="accent3">
+        <a:tint val="40000"/>
+        <a:alpha val="90000"/>
+      </a:schemeClr>
+      <a:schemeClr val="accent4">
+        <a:tint val="40000"/>
+        <a:alpha val="90000"/>
+      </a:schemeClr>
+      <a:schemeClr val="accent5">
+        <a:tint val="40000"/>
+        <a:alpha val="90000"/>
+      </a:schemeClr>
+      <a:schemeClr val="accent6">
+        <a:tint val="40000"/>
+        <a:alpha val="90000"/>
+      </a:schemeClr>
+    </dgm:fillClrLst>
+    <dgm:linClrLst meth="repeat">
+      <a:schemeClr val="accent2">
+        <a:tint val="40000"/>
+        <a:alpha val="90000"/>
+      </a:schemeClr>
+      <a:schemeClr val="accent3">
+        <a:tint val="40000"/>
+        <a:alpha val="90000"/>
+      </a:schemeClr>
+      <a:schemeClr val="accent4">
+        <a:tint val="40000"/>
+        <a:alpha val="90000"/>
+      </a:schemeClr>
+      <a:schemeClr val="accent5">
+        <a:tint val="40000"/>
+        <a:alpha val="90000"/>
+      </a:schemeClr>
+      <a:schemeClr val="accent6">
+        <a:tint val="40000"/>
+        <a:alpha val="90000"/>
+      </a:schemeClr>
+    </dgm:linClrLst>
+    <dgm:effectClrLst/>
+    <dgm:txLinClrLst/>
+    <dgm:txFillClrLst meth="repeat">
+      <a:schemeClr val="dk1"/>
+    </dgm:txFillClrLst>
+    <dgm:txEffectClrLst/>
+  </dgm:styleLbl>
+  <dgm:styleLbl name="bgAccFollowNode1">
+    <dgm:fillClrLst meth="repeat">
+      <a:schemeClr val="accent2">
+        <a:tint val="40000"/>
+        <a:alpha val="90000"/>
+      </a:schemeClr>
+      <a:schemeClr val="accent3">
+        <a:tint val="40000"/>
+        <a:alpha val="90000"/>
+      </a:schemeClr>
+      <a:schemeClr val="accent4">
+        <a:tint val="40000"/>
+        <a:alpha val="90000"/>
+      </a:schemeClr>
+      <a:schemeClr val="accent5">
+        <a:tint val="40000"/>
+        <a:alpha val="90000"/>
+      </a:schemeClr>
+      <a:schemeClr val="accent6">
+        <a:tint val="40000"/>
+        <a:alpha val="90000"/>
+      </a:schemeClr>
+    </dgm:fillClrLst>
+    <dgm:linClrLst meth="repeat">
+      <a:schemeClr val="accent2">
+        <a:tint val="40000"/>
+        <a:alpha val="90000"/>
+      </a:schemeClr>
+      <a:schemeClr val="accent3">
+        <a:tint val="40000"/>
+        <a:alpha val="90000"/>
+      </a:schemeClr>
+      <a:schemeClr val="accent4">
+        <a:tint val="40000"/>
+        <a:alpha val="90000"/>
+      </a:schemeClr>
+      <a:schemeClr val="accent5">
+        <a:tint val="40000"/>
+        <a:alpha val="90000"/>
+      </a:schemeClr>
+      <a:schemeClr val="accent6">
+        <a:tint val="40000"/>
+        <a:alpha val="90000"/>
+      </a:schemeClr>
+    </dgm:linClrLst>
+    <dgm:effectClrLst/>
+    <dgm:txLinClrLst/>
+    <dgm:txFillClrLst meth="repeat">
+      <a:schemeClr val="dk1"/>
+    </dgm:txFillClrLst>
+    <dgm:txEffectClrLst/>
+  </dgm:styleLbl>
+  <dgm:styleLbl name="fgAcc0">
+    <dgm:fillClrLst meth="repeat">
+      <a:schemeClr val="lt1">
+        <a:alpha val="90000"/>
+      </a:schemeClr>
+    </dgm:fillClrLst>
+    <dgm:linClrLst>
+      <a:schemeClr val="accent1"/>
+    </dgm:linClrLst>
+    <dgm:effectClrLst/>
+    <dgm:txLinClrLst/>
+    <dgm:txFillClrLst meth="repeat">
+      <a:schemeClr val="dk1"/>
+    </dgm:txFillClrLst>
+    <dgm:txEffectClrLst/>
+  </dgm:styleLbl>
+  <dgm:styleLbl name="fgAcc2">
+    <dgm:fillClrLst meth="repeat">
+      <a:schemeClr val="lt1">
+        <a:alpha val="90000"/>
+      </a:schemeClr>
+    </dgm:fillClrLst>
+    <dgm:linClrLst>
+      <a:schemeClr val="accent2"/>
+    </dgm:linClrLst>
+    <dgm:effectClrLst/>
+    <dgm:txLinClrLst/>
+    <dgm:txFillClrLst meth="repeat">
+      <a:schemeClr val="dk1"/>
+    </dgm:txFillClrLst>
+    <dgm:txEffectClrLst/>
+  </dgm:styleLbl>
+  <dgm:styleLbl name="fgAcc3">
+    <dgm:fillClrLst meth="repeat">
+      <a:schemeClr val="lt1">
+        <a:alpha val="90000"/>
+      </a:schemeClr>
+    </dgm:fillClrLst>
+    <dgm:linClrLst>
+      <a:schemeClr val="accent3"/>
+    </dgm:linClrLst>
+    <dgm:effectClrLst/>
+    <dgm:txLinClrLst/>
+    <dgm:txFillClrLst meth="repeat">
+      <a:schemeClr val="dk1"/>
+    </dgm:txFillClrLst>
+    <dgm:txEffectClrLst/>
+  </dgm:styleLbl>
+  <dgm:styleLbl name="fgAcc4">
+    <dgm:fillClrLst meth="repeat">
+      <a:schemeClr val="lt1">
+        <a:alpha val="90000"/>
+      </a:schemeClr>
+    </dgm:fillClrLst>
+    <dgm:linClrLst>
+      <a:schemeClr val="accent4"/>
+    </dgm:linClrLst>
+    <dgm:effectClrLst/>
+    <dgm:txLinClrLst/>
+    <dgm:txFillClrLst meth="repeat">
+      <a:schemeClr val="dk1"/>
+    </dgm:txFillClrLst>
+    <dgm:txEffectClrLst/>
+  </dgm:styleLbl>
+  <dgm:styleLbl name="bgShp">
+    <dgm:fillClrLst meth="repeat">
+      <a:schemeClr val="accent2">
+        <a:tint val="40000"/>
+      </a:schemeClr>
+    </dgm:fillClrLst>
+    <dgm:linClrLst meth="repeat">
+      <a:schemeClr val="dk1"/>
+    </dgm:linClrLst>
+    <dgm:effectClrLst/>
+    <dgm:txLinClrLst/>
+    <dgm:txFillClrLst meth="repeat">
+      <a:schemeClr val="dk1"/>
+    </dgm:txFillClrLst>
+    <dgm:txEffectClrLst/>
+  </dgm:styleLbl>
+  <dgm:styleLbl name="dkBgShp">
+    <dgm:fillClrLst meth="repeat">
+      <a:schemeClr val="accent2">
+        <a:shade val="90000"/>
+      </a:schemeClr>
+    </dgm:fillClrLst>
+    <dgm:linClrLst meth="repeat">
+      <a:schemeClr val="dk1"/>
+    </dgm:linClrLst>
+    <dgm:effectClrLst/>
+    <dgm:txLinClrLst/>
+    <dgm:txFillClrLst meth="repeat">
+      <a:schemeClr val="lt1"/>
+    </dgm:txFillClrLst>
+    <dgm:txEffectClrLst/>
+  </dgm:styleLbl>
+  <dgm:styleLbl name="trBgShp">
+    <dgm:fillClrLst meth="repeat">
+      <a:schemeClr val="accent1">
+        <a:tint val="50000"/>
+        <a:alpha val="40000"/>
+      </a:schemeClr>
+    </dgm:fillClrLst>
+    <dgm:linClrLst meth="repeat">
+      <a:schemeClr val="accent2"/>
+    </dgm:linClrLst>
+    <dgm:effectClrLst/>
+    <dgm:txLinClrLst/>
+    <dgm:txFillClrLst meth="repeat">
+      <a:schemeClr val="lt1"/>
+    </dgm:txFillClrLst>
+    <dgm:txEffectClrLst/>
+  </dgm:styleLbl>
+  <dgm:styleLbl name="fgShp">
+    <dgm:fillClrLst meth="repeat">
+      <a:schemeClr val="accent2">
+        <a:tint val="40000"/>
+      </a:schemeClr>
+    </dgm:fillClrLst>
+    <dgm:linClrLst meth="repeat">
+      <a:schemeClr val="lt1"/>
+    </dgm:linClrLst>
+    <dgm:effectClrLst/>
+    <dgm:txLinClrLst/>
+    <dgm:txFillClrLst meth="repeat">
+      <a:schemeClr val="dk1"/>
+    </dgm:txFillClrLst>
+    <dgm:txEffectClrLst/>
+  </dgm:styleLbl>
+  <dgm:styleLbl name="revTx">
+    <dgm:fillClrLst meth="repeat">
+      <a:schemeClr val="lt1">
+        <a:alpha val="0"/>
+      </a:schemeClr>
+    </dgm:fillClrLst>
+    <dgm:linClrLst meth="repeat">
+      <a:schemeClr val="dk1">
+        <a:alpha val="0"/>
+      </a:schemeClr>
+    </dgm:linClrLst>
+    <dgm:effectClrLst/>
+    <dgm:txLinClrLst/>
+    <dgm:txFillClrLst meth="repeat">
+      <a:schemeClr val="tx1"/>
+    </dgm:txFillClrLst>
+    <dgm:txEffectClrLst/>
+  </dgm:styleLbl>
+</dgm:colorsDef>
+</file>
+
+<file path=ppt/diagrams/data1.xml><?xml version="1.0" encoding="utf-8"?>
+<dgm:dataModel xmlns:dgm="http://schemas.openxmlformats.org/drawingml/2006/diagram" xmlns:a="http://schemas.openxmlformats.org/drawingml/2006/main">
+  <dgm:ptLst>
+    <dgm:pt modelId="{2017F42E-34A6-47C1-BC04-A4A1C2C50EB1}" type="doc">
+      <dgm:prSet loTypeId="urn:microsoft.com/office/officeart/2005/8/layout/hList1" loCatId="list" qsTypeId="urn:microsoft.com/office/officeart/2005/8/quickstyle/simple1" qsCatId="simple" csTypeId="urn:microsoft.com/office/officeart/2005/8/colors/colorful1" csCatId="colorful" phldr="1"/>
+      <dgm:spPr/>
+      <dgm:t>
+        <a:bodyPr/>
+        <a:lstStyle/>
+        <a:p>
+          <a:endParaRPr lang="en-US"/>
+        </a:p>
+      </dgm:t>
+    </dgm:pt>
+    <dgm:pt modelId="{4F6E2496-150B-4583-980A-DE4374DD161E}">
+      <dgm:prSet phldrT="[Text]"/>
+      <dgm:spPr/>
+      <dgm:t>
+        <a:bodyPr/>
+        <a:lstStyle/>
+        <a:p>
+          <a:r>
+            <a:rPr lang="en-US" dirty="0">
+              <a:solidFill>
+                <a:schemeClr val="tx1"/>
+              </a:solidFill>
+            </a:rPr>
+            <a:t>Case</a:t>
+          </a:r>
+        </a:p>
+      </dgm:t>
+    </dgm:pt>
+    <dgm:pt modelId="{9FF93BB4-FAD2-4FDC-AD4A-A987D58109F6}" type="parTrans" cxnId="{C6070125-F2BD-4E75-A25E-A9643A4E2BA4}">
+      <dgm:prSet/>
+      <dgm:spPr/>
+      <dgm:t>
+        <a:bodyPr/>
+        <a:lstStyle/>
+        <a:p>
+          <a:endParaRPr lang="en-US">
+            <a:solidFill>
+              <a:schemeClr val="tx1"/>
+            </a:solidFill>
+          </a:endParaRPr>
+        </a:p>
+      </dgm:t>
+    </dgm:pt>
+    <dgm:pt modelId="{88FEFC71-9456-4386-A0DF-F4E3107C9542}" type="sibTrans" cxnId="{C6070125-F2BD-4E75-A25E-A9643A4E2BA4}">
+      <dgm:prSet/>
+      <dgm:spPr/>
+      <dgm:t>
+        <a:bodyPr/>
+        <a:lstStyle/>
+        <a:p>
+          <a:endParaRPr lang="en-US">
+            <a:solidFill>
+              <a:schemeClr val="tx1"/>
+            </a:solidFill>
+          </a:endParaRPr>
+        </a:p>
+      </dgm:t>
+    </dgm:pt>
+    <dgm:pt modelId="{EF5FBCA5-AB7B-4C82-9802-CA1CED5F5D49}">
+      <dgm:prSet phldrT="[Text]"/>
+      <dgm:spPr/>
+      <dgm:t>
+        <a:bodyPr/>
+        <a:lstStyle/>
+        <a:p>
+          <a:r>
+            <a:rPr lang="en-US" dirty="0">
+              <a:solidFill>
+                <a:schemeClr val="tx1"/>
+              </a:solidFill>
+            </a:rPr>
+            <a:t>Charge</a:t>
+          </a:r>
+        </a:p>
+      </dgm:t>
+    </dgm:pt>
+    <dgm:pt modelId="{32546E13-06A3-420C-91BA-C930BBC1CFE9}" type="parTrans" cxnId="{02DBBE69-F45D-4B59-82C7-F7F9E18AC98B}">
+      <dgm:prSet/>
+      <dgm:spPr/>
+      <dgm:t>
+        <a:bodyPr/>
+        <a:lstStyle/>
+        <a:p>
+          <a:endParaRPr lang="en-US">
+            <a:solidFill>
+              <a:schemeClr val="tx1"/>
+            </a:solidFill>
+          </a:endParaRPr>
+        </a:p>
+      </dgm:t>
+    </dgm:pt>
+    <dgm:pt modelId="{B04D9DEA-EF8A-468F-81CF-9C26C9109A28}" type="sibTrans" cxnId="{02DBBE69-F45D-4B59-82C7-F7F9E18AC98B}">
+      <dgm:prSet/>
+      <dgm:spPr/>
+      <dgm:t>
+        <a:bodyPr/>
+        <a:lstStyle/>
+        <a:p>
+          <a:endParaRPr lang="en-US">
+            <a:solidFill>
+              <a:schemeClr val="tx1"/>
+            </a:solidFill>
+          </a:endParaRPr>
+        </a:p>
+      </dgm:t>
+    </dgm:pt>
+    <dgm:pt modelId="{1281C525-8B49-4165-80B4-D7925C0152C6}">
+      <dgm:prSet phldrT="[Text]"/>
+      <dgm:spPr/>
+      <dgm:t>
+        <a:bodyPr/>
+        <a:lstStyle/>
+        <a:p>
+          <a:r>
+            <a:rPr lang="en-US" dirty="0">
+              <a:solidFill>
+                <a:schemeClr val="tx1"/>
+              </a:solidFill>
+            </a:rPr>
+            <a:t>Participant</a:t>
+          </a:r>
+        </a:p>
+      </dgm:t>
+    </dgm:pt>
+    <dgm:pt modelId="{1E6D14CB-F914-406C-80E1-20EEAB492E4E}" type="parTrans" cxnId="{3F3456B3-0E4B-4F6D-A8EB-ABF46A7FDD53}">
+      <dgm:prSet/>
+      <dgm:spPr/>
+      <dgm:t>
+        <a:bodyPr/>
+        <a:lstStyle/>
+        <a:p>
+          <a:endParaRPr lang="en-US">
+            <a:solidFill>
+              <a:schemeClr val="tx1"/>
+            </a:solidFill>
+          </a:endParaRPr>
+        </a:p>
+      </dgm:t>
+    </dgm:pt>
+    <dgm:pt modelId="{E0DEE447-2767-4FE9-8FCC-ED19310E1D0E}" type="sibTrans" cxnId="{3F3456B3-0E4B-4F6D-A8EB-ABF46A7FDD53}">
+      <dgm:prSet/>
+      <dgm:spPr/>
+      <dgm:t>
+        <a:bodyPr/>
+        <a:lstStyle/>
+        <a:p>
+          <a:endParaRPr lang="en-US">
+            <a:solidFill>
+              <a:schemeClr val="tx1"/>
+            </a:solidFill>
+          </a:endParaRPr>
+        </a:p>
+      </dgm:t>
+    </dgm:pt>
+    <dgm:pt modelId="{1F1451BE-A96C-444D-B182-A0BBC5D8E793}">
+      <dgm:prSet phldrT="[Text]"/>
+      <dgm:spPr/>
+      <dgm:t>
+        <a:bodyPr/>
+        <a:lstStyle/>
+        <a:p>
+          <a:r>
+            <a:rPr lang="en-US" dirty="0">
+              <a:solidFill>
+                <a:schemeClr val="tx1"/>
+              </a:solidFill>
+            </a:rPr>
+            <a:t>Court</a:t>
+          </a:r>
+        </a:p>
+      </dgm:t>
+    </dgm:pt>
+    <dgm:pt modelId="{80A635EC-31D9-4702-BED8-068C859EBDC2}" type="parTrans" cxnId="{EE66BEF1-4677-4104-8D98-BB59901EC762}">
+      <dgm:prSet/>
+      <dgm:spPr/>
+      <dgm:t>
+        <a:bodyPr/>
+        <a:lstStyle/>
+        <a:p>
+          <a:endParaRPr lang="en-US">
+            <a:solidFill>
+              <a:schemeClr val="tx1"/>
+            </a:solidFill>
+          </a:endParaRPr>
+        </a:p>
+      </dgm:t>
+    </dgm:pt>
+    <dgm:pt modelId="{903A67BF-0169-4DC2-998D-3277E1D3BAE8}" type="sibTrans" cxnId="{EE66BEF1-4677-4104-8D98-BB59901EC762}">
+      <dgm:prSet/>
+      <dgm:spPr/>
+      <dgm:t>
+        <a:bodyPr/>
+        <a:lstStyle/>
+        <a:p>
+          <a:endParaRPr lang="en-US">
+            <a:solidFill>
+              <a:schemeClr val="tx1"/>
+            </a:solidFill>
+          </a:endParaRPr>
+        </a:p>
+      </dgm:t>
+    </dgm:pt>
+    <dgm:pt modelId="{C8133D13-B09A-45C6-8C2E-95C3D6FCEAD8}">
+      <dgm:prSet phldrT="[Text]"/>
+      <dgm:spPr/>
+      <dgm:t>
+        <a:bodyPr/>
+        <a:lstStyle/>
+        <a:p>
+          <a:r>
+            <a:rPr lang="en-US" dirty="0">
+              <a:solidFill>
+                <a:schemeClr val="tx1"/>
+              </a:solidFill>
+            </a:rPr>
+            <a:t>Sentence</a:t>
+          </a:r>
+        </a:p>
+      </dgm:t>
+    </dgm:pt>
+    <dgm:pt modelId="{D6D02C07-107B-4CC7-9D75-0E09C13EAC92}" type="parTrans" cxnId="{811147C5-A1EC-49A2-8000-42E319C6058D}">
+      <dgm:prSet/>
+      <dgm:spPr/>
+      <dgm:t>
+        <a:bodyPr/>
+        <a:lstStyle/>
+        <a:p>
+          <a:endParaRPr lang="en-US">
+            <a:solidFill>
+              <a:schemeClr val="tx1"/>
+            </a:solidFill>
+          </a:endParaRPr>
+        </a:p>
+      </dgm:t>
+    </dgm:pt>
+    <dgm:pt modelId="{2641A295-F118-4747-AAE6-E0E1A18429F6}" type="sibTrans" cxnId="{811147C5-A1EC-49A2-8000-42E319C6058D}">
+      <dgm:prSet/>
+      <dgm:spPr/>
+      <dgm:t>
+        <a:bodyPr/>
+        <a:lstStyle/>
+        <a:p>
+          <a:endParaRPr lang="en-US">
+            <a:solidFill>
+              <a:schemeClr val="tx1"/>
+            </a:solidFill>
+          </a:endParaRPr>
+        </a:p>
+      </dgm:t>
+    </dgm:pt>
+    <dgm:pt modelId="{0B97082E-163D-480D-8E67-EBE3EE12ACCB}">
+      <dgm:prSet phldrT="[Text]"/>
+      <dgm:spPr/>
+      <dgm:t>
+        <a:bodyPr/>
+        <a:lstStyle/>
+        <a:p>
+          <a:r>
+            <a:rPr lang="en-US" dirty="0" err="1">
+              <a:solidFill>
+                <a:schemeClr val="tx1"/>
+              </a:solidFill>
+            </a:rPr>
+            <a:t>Case_participant_id</a:t>
+          </a:r>
+          <a:r>
+            <a:rPr lang="en-US" dirty="0">
+              <a:solidFill>
+                <a:schemeClr val="tx1"/>
+              </a:solidFill>
+            </a:rPr>
+            <a:t> ID</a:t>
+          </a:r>
+        </a:p>
+      </dgm:t>
+    </dgm:pt>
+    <dgm:pt modelId="{2C8CA383-53D4-4D0F-8047-9D6BD8A6C47C}" type="parTrans" cxnId="{35CC488A-E394-41D4-B0BC-96E80646A3FB}">
+      <dgm:prSet/>
+      <dgm:spPr/>
+      <dgm:t>
+        <a:bodyPr/>
+        <a:lstStyle/>
+        <a:p>
+          <a:endParaRPr lang="en-US">
+            <a:solidFill>
+              <a:schemeClr val="tx1"/>
+            </a:solidFill>
+          </a:endParaRPr>
+        </a:p>
+      </dgm:t>
+    </dgm:pt>
+    <dgm:pt modelId="{7CA71E21-4280-41E0-A7CE-0745462CDB23}" type="sibTrans" cxnId="{35CC488A-E394-41D4-B0BC-96E80646A3FB}">
+      <dgm:prSet/>
+      <dgm:spPr/>
+      <dgm:t>
+        <a:bodyPr/>
+        <a:lstStyle/>
+        <a:p>
+          <a:endParaRPr lang="en-US">
+            <a:solidFill>
+              <a:schemeClr val="tx1"/>
+            </a:solidFill>
+          </a:endParaRPr>
+        </a:p>
+      </dgm:t>
+    </dgm:pt>
+    <dgm:pt modelId="{11915FDB-9152-4D64-A004-FBFAD57F9397}">
+      <dgm:prSet/>
+      <dgm:spPr/>
+      <dgm:t>
+        <a:bodyPr/>
+        <a:lstStyle/>
+        <a:p>
+          <a:r>
+            <a:rPr kumimoji="0" lang="en-US" altLang="en-US" b="0" i="0" u="none" strike="noStrike" cap="none" normalizeH="0" baseline="0" dirty="0" err="1">
+              <a:ln>
+                <a:noFill/>
+              </a:ln>
+              <a:solidFill>
+                <a:schemeClr val="tx1"/>
+              </a:solidFill>
+              <a:effectLst/>
+              <a:latin typeface="var(--vscode-editor-font-family)"/>
+            </a:rPr>
+            <a:t>court_facility</a:t>
+          </a:r>
+          <a:endParaRPr lang="en-US" dirty="0">
+            <a:solidFill>
+              <a:schemeClr val="tx1"/>
+            </a:solidFill>
+          </a:endParaRPr>
+        </a:p>
+      </dgm:t>
+    </dgm:pt>
+    <dgm:pt modelId="{12CBB41B-4C65-49E3-AC46-4B1A5142D506}" type="parTrans" cxnId="{5898C1EF-77BD-4F88-8256-9496C6BDFB65}">
+      <dgm:prSet/>
+      <dgm:spPr/>
+      <dgm:t>
+        <a:bodyPr/>
+        <a:lstStyle/>
+        <a:p>
+          <a:endParaRPr lang="en-US">
+            <a:solidFill>
+              <a:schemeClr val="tx1"/>
+            </a:solidFill>
+          </a:endParaRPr>
+        </a:p>
+      </dgm:t>
+    </dgm:pt>
+    <dgm:pt modelId="{560F9E6B-B3CE-4B16-9882-29285310D084}" type="sibTrans" cxnId="{5898C1EF-77BD-4F88-8256-9496C6BDFB65}">
+      <dgm:prSet/>
+      <dgm:spPr/>
+      <dgm:t>
+        <a:bodyPr/>
+        <a:lstStyle/>
+        <a:p>
+          <a:endParaRPr lang="en-US">
+            <a:solidFill>
+              <a:schemeClr val="tx1"/>
+            </a:solidFill>
+          </a:endParaRPr>
+        </a:p>
+      </dgm:t>
+    </dgm:pt>
+    <dgm:pt modelId="{2181D58C-6081-401F-BD8D-21F96DD52079}">
+      <dgm:prSet/>
+      <dgm:spPr/>
+      <dgm:t>
+        <a:bodyPr/>
+        <a:lstStyle/>
+        <a:p>
+          <a:r>
+            <a:rPr kumimoji="0" lang="en-US" altLang="en-US" b="0" i="0" u="none" strike="noStrike" cap="none" normalizeH="0" baseline="0" dirty="0" err="1">
+              <a:ln>
+                <a:noFill/>
+              </a:ln>
+              <a:solidFill>
+                <a:schemeClr val="tx1"/>
+              </a:solidFill>
+              <a:effectLst/>
+              <a:latin typeface="var(--vscode-editor-font-family)"/>
+            </a:rPr>
+            <a:t>court_name</a:t>
+          </a:r>
+          <a:endParaRPr lang="en-US" dirty="0">
+            <a:solidFill>
+              <a:schemeClr val="tx1"/>
+            </a:solidFill>
+          </a:endParaRPr>
+        </a:p>
+      </dgm:t>
+    </dgm:pt>
+    <dgm:pt modelId="{5F578576-E427-496F-8564-558DB02D0B53}" type="parTrans" cxnId="{4C0E62C2-3071-4C21-93B4-C1C40DD4F3E5}">
+      <dgm:prSet/>
+      <dgm:spPr/>
+      <dgm:t>
+        <a:bodyPr/>
+        <a:lstStyle/>
+        <a:p>
+          <a:endParaRPr lang="en-US">
+            <a:solidFill>
+              <a:schemeClr val="tx1"/>
+            </a:solidFill>
+          </a:endParaRPr>
+        </a:p>
+      </dgm:t>
+    </dgm:pt>
+    <dgm:pt modelId="{D2008A82-8757-45B2-BE53-0D4A275EE1FC}" type="sibTrans" cxnId="{4C0E62C2-3071-4C21-93B4-C1C40DD4F3E5}">
+      <dgm:prSet/>
+      <dgm:spPr/>
+      <dgm:t>
+        <a:bodyPr/>
+        <a:lstStyle/>
+        <a:p>
+          <a:endParaRPr lang="en-US">
+            <a:solidFill>
+              <a:schemeClr val="tx1"/>
+            </a:solidFill>
+          </a:endParaRPr>
+        </a:p>
+      </dgm:t>
+    </dgm:pt>
+    <dgm:pt modelId="{AF6BA249-731E-4935-B0E3-22F2582B919E}">
+      <dgm:prSet phldrT="[Text]"/>
+      <dgm:spPr/>
+      <dgm:t>
+        <a:bodyPr/>
+        <a:lstStyle/>
+        <a:p>
+          <a:r>
+            <a:rPr kumimoji="0" lang="en-US" altLang="en-US" b="0" i="0" u="none" strike="noStrike" cap="none" normalizeH="0" baseline="0" dirty="0" err="1">
+              <a:ln>
+                <a:noFill/>
+              </a:ln>
+              <a:solidFill>
+                <a:schemeClr val="tx1"/>
+              </a:solidFill>
+              <a:effectLst/>
+              <a:latin typeface="var(--vscode-editor-font-family)"/>
+            </a:rPr>
+            <a:t>age_at_incident</a:t>
+          </a:r>
+          <a:endParaRPr lang="en-US" dirty="0">
+            <a:solidFill>
+              <a:schemeClr val="tx1"/>
+            </a:solidFill>
+          </a:endParaRPr>
+        </a:p>
+      </dgm:t>
+    </dgm:pt>
+    <dgm:pt modelId="{FD8E0C80-3D9F-44BE-9936-EFF4EC4A32C7}" type="parTrans" cxnId="{AF774703-FB70-4A7A-BC9A-9E9CBB772225}">
+      <dgm:prSet/>
+      <dgm:spPr/>
+      <dgm:t>
+        <a:bodyPr/>
+        <a:lstStyle/>
+        <a:p>
+          <a:endParaRPr lang="en-US">
+            <a:solidFill>
+              <a:schemeClr val="tx1"/>
+            </a:solidFill>
+          </a:endParaRPr>
+        </a:p>
+      </dgm:t>
+    </dgm:pt>
+    <dgm:pt modelId="{93A1AE47-8F8A-4F1A-A39E-25E8894A78EF}" type="sibTrans" cxnId="{AF774703-FB70-4A7A-BC9A-9E9CBB772225}">
+      <dgm:prSet/>
+      <dgm:spPr/>
+      <dgm:t>
+        <a:bodyPr/>
+        <a:lstStyle/>
+        <a:p>
+          <a:endParaRPr lang="en-US">
+            <a:solidFill>
+              <a:schemeClr val="tx1"/>
+            </a:solidFill>
+          </a:endParaRPr>
+        </a:p>
+      </dgm:t>
+    </dgm:pt>
+    <dgm:pt modelId="{A1EB0EB0-A217-4C97-982B-6D75458D8682}">
+      <dgm:prSet phldrT="[Text]"/>
+      <dgm:spPr/>
+      <dgm:t>
+        <a:bodyPr/>
+        <a:lstStyle/>
+        <a:p>
+          <a:r>
+            <a:rPr kumimoji="0" lang="en-US" altLang="en-US" b="0" i="0" u="none" strike="noStrike" cap="none" normalizeH="0" baseline="0" dirty="0">
+              <a:ln>
+                <a:noFill/>
+              </a:ln>
+              <a:solidFill>
+                <a:schemeClr val="tx1"/>
+              </a:solidFill>
+              <a:effectLst/>
+              <a:latin typeface="var(--vscode-editor-font-family)"/>
+            </a:rPr>
+            <a:t>gender</a:t>
+          </a:r>
+          <a:endParaRPr lang="en-US" dirty="0">
+            <a:solidFill>
+              <a:schemeClr val="tx1"/>
+            </a:solidFill>
+          </a:endParaRPr>
+        </a:p>
+      </dgm:t>
+    </dgm:pt>
+    <dgm:pt modelId="{FEFBF819-40E2-41E5-ACB6-579A24BD991F}" type="parTrans" cxnId="{E0FC8648-776F-4101-AEDF-D57A511AAEE1}">
+      <dgm:prSet/>
+      <dgm:spPr/>
+      <dgm:t>
+        <a:bodyPr/>
+        <a:lstStyle/>
+        <a:p>
+          <a:endParaRPr lang="en-US">
+            <a:solidFill>
+              <a:schemeClr val="tx1"/>
+            </a:solidFill>
+          </a:endParaRPr>
+        </a:p>
+      </dgm:t>
+    </dgm:pt>
+    <dgm:pt modelId="{64CFD10F-49C6-46B1-9CF5-4DEC5B3B6B90}" type="sibTrans" cxnId="{E0FC8648-776F-4101-AEDF-D57A511AAEE1}">
+      <dgm:prSet/>
+      <dgm:spPr/>
+      <dgm:t>
+        <a:bodyPr/>
+        <a:lstStyle/>
+        <a:p>
+          <a:endParaRPr lang="en-US">
+            <a:solidFill>
+              <a:schemeClr val="tx1"/>
+            </a:solidFill>
+          </a:endParaRPr>
+        </a:p>
+      </dgm:t>
+    </dgm:pt>
+    <dgm:pt modelId="{7EB5FAA9-BBE3-42C6-B7BF-A1978CFC6A19}">
+      <dgm:prSet phldrT="[Text]"/>
+      <dgm:spPr/>
+      <dgm:t>
+        <a:bodyPr/>
+        <a:lstStyle/>
+        <a:p>
+          <a:r>
+            <a:rPr kumimoji="0" lang="en-US" altLang="en-US" b="0" i="0" u="none" strike="noStrike" cap="none" normalizeH="0" baseline="0" dirty="0">
+              <a:ln>
+                <a:noFill/>
+              </a:ln>
+              <a:solidFill>
+                <a:schemeClr val="tx1"/>
+              </a:solidFill>
+              <a:effectLst/>
+              <a:latin typeface="var(--vscode-editor-font-family)"/>
+            </a:rPr>
+            <a:t>race</a:t>
+          </a:r>
+          <a:endParaRPr lang="en-US" dirty="0">
+            <a:solidFill>
+              <a:schemeClr val="tx1"/>
+            </a:solidFill>
+          </a:endParaRPr>
+        </a:p>
+      </dgm:t>
+    </dgm:pt>
+    <dgm:pt modelId="{E85307A9-5EF1-4CC2-93A8-D00B5D4407CA}" type="parTrans" cxnId="{D3B6751A-CAEE-40E6-B872-B9477EB6E300}">
+      <dgm:prSet/>
+      <dgm:spPr/>
+      <dgm:t>
+        <a:bodyPr/>
+        <a:lstStyle/>
+        <a:p>
+          <a:endParaRPr lang="en-US">
+            <a:solidFill>
+              <a:schemeClr val="tx1"/>
+            </a:solidFill>
+          </a:endParaRPr>
+        </a:p>
+      </dgm:t>
+    </dgm:pt>
+    <dgm:pt modelId="{789430CD-A511-4415-ACCE-C56B44E90338}" type="sibTrans" cxnId="{D3B6751A-CAEE-40E6-B872-B9477EB6E300}">
+      <dgm:prSet/>
+      <dgm:spPr/>
+      <dgm:t>
+        <a:bodyPr/>
+        <a:lstStyle/>
+        <a:p>
+          <a:endParaRPr lang="en-US">
+            <a:solidFill>
+              <a:schemeClr val="tx1"/>
+            </a:solidFill>
+          </a:endParaRPr>
+        </a:p>
+      </dgm:t>
+    </dgm:pt>
+    <dgm:pt modelId="{5A2734C1-9343-45E5-BF34-F9396A029646}">
+      <dgm:prSet phldrT="[Text]"/>
+      <dgm:spPr/>
+      <dgm:t>
+        <a:bodyPr/>
+        <a:lstStyle/>
+        <a:p>
+          <a:r>
+            <a:rPr kumimoji="0" lang="en-US" altLang="en-US" b="0" i="0" u="none" strike="noStrike" cap="none" normalizeH="0" baseline="0" dirty="0" err="1">
+              <a:ln>
+                <a:noFill/>
+              </a:ln>
+              <a:solidFill>
+                <a:schemeClr val="tx1"/>
+              </a:solidFill>
+              <a:effectLst/>
+              <a:latin typeface="var(--vscode-editor-font-family)"/>
+            </a:rPr>
+            <a:t>charge_disposition</a:t>
+          </a:r>
+          <a:endParaRPr lang="en-US" dirty="0">
+            <a:solidFill>
+              <a:schemeClr val="tx1"/>
+            </a:solidFill>
+          </a:endParaRPr>
+        </a:p>
+      </dgm:t>
+    </dgm:pt>
+    <dgm:pt modelId="{365C85DE-9364-46AD-953E-1E7131DDFAF8}" type="parTrans" cxnId="{EED37967-6F23-43F1-BE02-6D1378BBCA6E}">
+      <dgm:prSet/>
+      <dgm:spPr/>
+      <dgm:t>
+        <a:bodyPr/>
+        <a:lstStyle/>
+        <a:p>
+          <a:endParaRPr lang="en-US">
+            <a:solidFill>
+              <a:schemeClr val="tx1"/>
+            </a:solidFill>
+          </a:endParaRPr>
+        </a:p>
+      </dgm:t>
+    </dgm:pt>
+    <dgm:pt modelId="{D793CFA8-0F24-406A-BAF5-FF683B336EF3}" type="sibTrans" cxnId="{EED37967-6F23-43F1-BE02-6D1378BBCA6E}">
+      <dgm:prSet/>
+      <dgm:spPr/>
+      <dgm:t>
+        <a:bodyPr/>
+        <a:lstStyle/>
+        <a:p>
+          <a:endParaRPr lang="en-US">
+            <a:solidFill>
+              <a:schemeClr val="tx1"/>
+            </a:solidFill>
+          </a:endParaRPr>
+        </a:p>
+      </dgm:t>
+    </dgm:pt>
+    <dgm:pt modelId="{C695D4F8-F57B-44E8-AA44-C5EDDE0290E8}">
+      <dgm:prSet phldrT="[Text]"/>
+      <dgm:spPr/>
+      <dgm:t>
+        <a:bodyPr/>
+        <a:lstStyle/>
+        <a:p>
+          <a:r>
+            <a:rPr kumimoji="0" lang="en-US" altLang="en-US" b="0" i="0" u="none" strike="noStrike" cap="none" normalizeH="0" baseline="0" dirty="0" err="1">
+              <a:ln>
+                <a:noFill/>
+              </a:ln>
+              <a:solidFill>
+                <a:schemeClr val="tx1"/>
+              </a:solidFill>
+              <a:effectLst/>
+              <a:latin typeface="var(--vscode-editor-font-family)"/>
+            </a:rPr>
+            <a:t>length_of_case_in_days</a:t>
+          </a:r>
+          <a:endParaRPr lang="en-US" dirty="0">
+            <a:solidFill>
+              <a:schemeClr val="tx1"/>
+            </a:solidFill>
+          </a:endParaRPr>
+        </a:p>
+      </dgm:t>
+    </dgm:pt>
+    <dgm:pt modelId="{EFF2DD2A-9640-4E73-AEAA-3D4B10BA56DE}" type="parTrans" cxnId="{290A68A9-0199-430D-9D1B-5FE4BD006E36}">
+      <dgm:prSet/>
+      <dgm:spPr/>
+      <dgm:t>
+        <a:bodyPr/>
+        <a:lstStyle/>
+        <a:p>
+          <a:endParaRPr lang="en-US">
+            <a:solidFill>
+              <a:schemeClr val="tx1"/>
+            </a:solidFill>
+          </a:endParaRPr>
+        </a:p>
+      </dgm:t>
+    </dgm:pt>
+    <dgm:pt modelId="{B209B3A4-4347-47E4-ADE7-566EFAE45232}" type="sibTrans" cxnId="{290A68A9-0199-430D-9D1B-5FE4BD006E36}">
+      <dgm:prSet/>
+      <dgm:spPr/>
+      <dgm:t>
+        <a:bodyPr/>
+        <a:lstStyle/>
+        <a:p>
+          <a:endParaRPr lang="en-US">
+            <a:solidFill>
+              <a:schemeClr val="tx1"/>
+            </a:solidFill>
+          </a:endParaRPr>
+        </a:p>
+      </dgm:t>
+    </dgm:pt>
+    <dgm:pt modelId="{9EDFAA69-F6F0-45FF-8A3D-0B0092FCC81E}">
+      <dgm:prSet phldrT="[Text]"/>
+      <dgm:spPr/>
+      <dgm:t>
+        <a:bodyPr/>
+        <a:lstStyle/>
+        <a:p>
+          <a:r>
+            <a:rPr kumimoji="0" lang="en-US" altLang="en-US" b="0" i="0" u="none" strike="noStrike" cap="none" normalizeH="0" baseline="0" dirty="0" err="1">
+              <a:ln>
+                <a:noFill/>
+              </a:ln>
+              <a:solidFill>
+                <a:schemeClr val="tx1"/>
+              </a:solidFill>
+              <a:effectLst/>
+              <a:latin typeface="var(--vscode-editor-font-family)"/>
+            </a:rPr>
+            <a:t>current_sentence</a:t>
+          </a:r>
+          <a:endParaRPr lang="en-US" dirty="0">
+            <a:solidFill>
+              <a:schemeClr val="tx1"/>
+            </a:solidFill>
+          </a:endParaRPr>
+        </a:p>
+      </dgm:t>
+    </dgm:pt>
+    <dgm:pt modelId="{116C5CAF-D59D-4547-90F8-9D832ACCC9E8}" type="parTrans" cxnId="{AABECCF7-FB56-4D02-8596-0B64EF2CC64F}">
+      <dgm:prSet/>
+      <dgm:spPr/>
+      <dgm:t>
+        <a:bodyPr/>
+        <a:lstStyle/>
+        <a:p>
+          <a:endParaRPr lang="en-US">
+            <a:solidFill>
+              <a:schemeClr val="tx1"/>
+            </a:solidFill>
+          </a:endParaRPr>
+        </a:p>
+      </dgm:t>
+    </dgm:pt>
+    <dgm:pt modelId="{616F3312-3364-44CE-B7C8-6CEEC7C370DC}" type="sibTrans" cxnId="{AABECCF7-FB56-4D02-8596-0B64EF2CC64F}">
+      <dgm:prSet/>
+      <dgm:spPr/>
+      <dgm:t>
+        <a:bodyPr/>
+        <a:lstStyle/>
+        <a:p>
+          <a:endParaRPr lang="en-US">
+            <a:solidFill>
+              <a:schemeClr val="tx1"/>
+            </a:solidFill>
+          </a:endParaRPr>
+        </a:p>
+      </dgm:t>
+    </dgm:pt>
+    <dgm:pt modelId="{DC9B6780-6866-4080-800A-4F077065719C}">
+      <dgm:prSet phldrT="[Text]"/>
+      <dgm:spPr/>
+      <dgm:t>
+        <a:bodyPr/>
+        <a:lstStyle/>
+        <a:p>
+          <a:r>
+            <a:rPr kumimoji="0" lang="en-US" altLang="en-US" b="0" i="0" u="none" strike="noStrike" cap="none" normalizeH="0" baseline="0" dirty="0" err="1">
+              <a:ln>
+                <a:noFill/>
+              </a:ln>
+              <a:solidFill>
+                <a:schemeClr val="tx1"/>
+              </a:solidFill>
+              <a:effectLst/>
+              <a:latin typeface="var(--vscode-editor-font-family)"/>
+            </a:rPr>
+            <a:t>offense_category</a:t>
+          </a:r>
+          <a:endParaRPr lang="en-US" dirty="0">
+            <a:solidFill>
+              <a:schemeClr val="tx1"/>
+            </a:solidFill>
+          </a:endParaRPr>
+        </a:p>
+      </dgm:t>
+    </dgm:pt>
+    <dgm:pt modelId="{2136BE84-88D3-4875-89BE-498730570D68}" type="parTrans" cxnId="{74EC32AD-6216-45BB-9AB6-76B8A9EB17CA}">
+      <dgm:prSet/>
+      <dgm:spPr/>
+      <dgm:t>
+        <a:bodyPr/>
+        <a:lstStyle/>
+        <a:p>
+          <a:endParaRPr lang="en-US">
+            <a:solidFill>
+              <a:schemeClr val="tx1"/>
+            </a:solidFill>
+          </a:endParaRPr>
+        </a:p>
+      </dgm:t>
+    </dgm:pt>
+    <dgm:pt modelId="{4B47DE45-6FD2-4676-9ABB-014E5FBFB7A2}" type="sibTrans" cxnId="{74EC32AD-6216-45BB-9AB6-76B8A9EB17CA}">
+      <dgm:prSet/>
+      <dgm:spPr/>
+      <dgm:t>
+        <a:bodyPr/>
+        <a:lstStyle/>
+        <a:p>
+          <a:endParaRPr lang="en-US">
+            <a:solidFill>
+              <a:schemeClr val="tx1"/>
+            </a:solidFill>
+          </a:endParaRPr>
+        </a:p>
+      </dgm:t>
+    </dgm:pt>
+    <dgm:pt modelId="{36F09D58-A46F-4BE9-8839-3F10D6EFB5F5}">
+      <dgm:prSet phldrT="[Text]"/>
+      <dgm:spPr/>
+      <dgm:t>
+        <a:bodyPr/>
+        <a:lstStyle/>
+        <a:p>
+          <a:r>
+            <a:rPr kumimoji="0" lang="en-US" altLang="en-US" b="0" i="0" u="none" strike="noStrike" cap="none" normalizeH="0" baseline="0" dirty="0" err="1">
+              <a:ln>
+                <a:noFill/>
+              </a:ln>
+              <a:solidFill>
+                <a:schemeClr val="tx1"/>
+              </a:solidFill>
+              <a:effectLst/>
+              <a:latin typeface="var(--vscode-editor-font-family)"/>
+            </a:rPr>
+            <a:t>sentence_date</a:t>
+          </a:r>
+          <a:endParaRPr lang="en-US" dirty="0">
+            <a:solidFill>
+              <a:schemeClr val="tx1"/>
+            </a:solidFill>
+          </a:endParaRPr>
+        </a:p>
+      </dgm:t>
+    </dgm:pt>
+    <dgm:pt modelId="{6BCEC3B1-37A5-4B34-A68F-C551D8C379D7}" type="parTrans" cxnId="{3E0BE856-B9FA-42A3-9C9F-E7ABB8BF3BD7}">
+      <dgm:prSet/>
+      <dgm:spPr/>
+      <dgm:t>
+        <a:bodyPr/>
+        <a:lstStyle/>
+        <a:p>
+          <a:endParaRPr lang="en-US">
+            <a:solidFill>
+              <a:schemeClr val="tx1"/>
+            </a:solidFill>
+          </a:endParaRPr>
+        </a:p>
+      </dgm:t>
+    </dgm:pt>
+    <dgm:pt modelId="{4E6A6816-CBDF-426D-B353-56D51B0D9C29}" type="sibTrans" cxnId="{3E0BE856-B9FA-42A3-9C9F-E7ABB8BF3BD7}">
+      <dgm:prSet/>
+      <dgm:spPr/>
+      <dgm:t>
+        <a:bodyPr/>
+        <a:lstStyle/>
+        <a:p>
+          <a:endParaRPr lang="en-US">
+            <a:solidFill>
+              <a:schemeClr val="tx1"/>
+            </a:solidFill>
+          </a:endParaRPr>
+        </a:p>
+      </dgm:t>
+    </dgm:pt>
+    <dgm:pt modelId="{056F8687-0699-4E2B-9179-9A25BF1F3927}">
+      <dgm:prSet phldrT="[Text]"/>
+      <dgm:spPr/>
+      <dgm:t>
+        <a:bodyPr/>
+        <a:lstStyle/>
+        <a:p>
+          <a:r>
+            <a:rPr kumimoji="0" lang="en-US" altLang="en-US" b="0" i="0" u="none" strike="noStrike" cap="none" normalizeH="0" baseline="0" dirty="0" err="1">
+              <a:ln>
+                <a:noFill/>
+              </a:ln>
+              <a:solidFill>
+                <a:schemeClr val="tx1"/>
+              </a:solidFill>
+              <a:effectLst/>
+              <a:latin typeface="var(--vscode-editor-font-family)"/>
+            </a:rPr>
+            <a:t>commitment_term</a:t>
+          </a:r>
+          <a:endParaRPr lang="en-US" dirty="0">
+            <a:solidFill>
+              <a:schemeClr val="tx1"/>
+            </a:solidFill>
+          </a:endParaRPr>
+        </a:p>
+      </dgm:t>
+    </dgm:pt>
+    <dgm:pt modelId="{0CF13C46-675F-4353-BC74-F8FA64891625}" type="parTrans" cxnId="{AF3BCF19-90AA-4820-8252-11C90025942E}">
+      <dgm:prSet/>
+      <dgm:spPr/>
+      <dgm:t>
+        <a:bodyPr/>
+        <a:lstStyle/>
+        <a:p>
+          <a:endParaRPr lang="en-US">
+            <a:solidFill>
+              <a:schemeClr val="tx1"/>
+            </a:solidFill>
+          </a:endParaRPr>
+        </a:p>
+      </dgm:t>
+    </dgm:pt>
+    <dgm:pt modelId="{45B180A0-9DAE-4211-9336-0A5BE53497CD}" type="sibTrans" cxnId="{AF3BCF19-90AA-4820-8252-11C90025942E}">
+      <dgm:prSet/>
+      <dgm:spPr/>
+      <dgm:t>
+        <a:bodyPr/>
+        <a:lstStyle/>
+        <a:p>
+          <a:endParaRPr lang="en-US">
+            <a:solidFill>
+              <a:schemeClr val="tx1"/>
+            </a:solidFill>
+          </a:endParaRPr>
+        </a:p>
+      </dgm:t>
+    </dgm:pt>
+    <dgm:pt modelId="{A2A7A921-D9AE-41E0-9A32-C0E81D6E0079}">
+      <dgm:prSet phldrT="[Text]"/>
+      <dgm:spPr/>
+      <dgm:t>
+        <a:bodyPr/>
+        <a:lstStyle/>
+        <a:p>
+          <a:r>
+            <a:rPr kumimoji="0" lang="en-US" altLang="en-US" b="0" i="0" u="none" strike="noStrike" cap="none" normalizeH="0" baseline="0" dirty="0" err="1">
+              <a:ln>
+                <a:noFill/>
+              </a:ln>
+              <a:solidFill>
+                <a:schemeClr val="tx1"/>
+              </a:solidFill>
+              <a:effectLst/>
+              <a:latin typeface="var(--vscode-editor-font-family)"/>
+            </a:rPr>
+            <a:t>commitment_unit</a:t>
+          </a:r>
+          <a:endParaRPr lang="en-US" dirty="0">
+            <a:solidFill>
+              <a:schemeClr val="tx1"/>
+            </a:solidFill>
+          </a:endParaRPr>
+        </a:p>
+      </dgm:t>
+    </dgm:pt>
+    <dgm:pt modelId="{0FFF7707-4D7D-44B3-B34C-C8C24C81A391}" type="parTrans" cxnId="{094ED403-F54A-423A-880C-D1E750FC62BF}">
+      <dgm:prSet/>
+      <dgm:spPr/>
+      <dgm:t>
+        <a:bodyPr/>
+        <a:lstStyle/>
+        <a:p>
+          <a:endParaRPr lang="en-US">
+            <a:solidFill>
+              <a:schemeClr val="tx1"/>
+            </a:solidFill>
+          </a:endParaRPr>
+        </a:p>
+      </dgm:t>
+    </dgm:pt>
+    <dgm:pt modelId="{9206522C-7F06-407D-AE9F-7D6D58584CCD}" type="sibTrans" cxnId="{094ED403-F54A-423A-880C-D1E750FC62BF}">
+      <dgm:prSet/>
+      <dgm:spPr/>
+      <dgm:t>
+        <a:bodyPr/>
+        <a:lstStyle/>
+        <a:p>
+          <a:endParaRPr lang="en-US">
+            <a:solidFill>
+              <a:schemeClr val="tx1"/>
+            </a:solidFill>
+          </a:endParaRPr>
+        </a:p>
+      </dgm:t>
+    </dgm:pt>
+    <dgm:pt modelId="{85DEB63E-AC43-4334-AC8C-7B81C43AB388}">
+      <dgm:prSet phldrT="[Text]"/>
+      <dgm:spPr/>
+      <dgm:t>
+        <a:bodyPr/>
+        <a:lstStyle/>
+        <a:p>
+          <a:r>
+            <a:rPr kumimoji="0" lang="en-US" altLang="en-US" b="0" i="0" u="none" strike="noStrike" cap="none" normalizeH="0" baseline="0" dirty="0" err="1">
+              <a:ln>
+                <a:noFill/>
+              </a:ln>
+              <a:solidFill>
+                <a:schemeClr val="tx1"/>
+              </a:solidFill>
+              <a:effectLst/>
+              <a:latin typeface="var(--vscode-editor-font-family)"/>
+            </a:rPr>
+            <a:t>sentence_type</a:t>
+          </a:r>
+          <a:endParaRPr lang="en-US" dirty="0">
+            <a:solidFill>
+              <a:schemeClr val="tx1"/>
+            </a:solidFill>
+          </a:endParaRPr>
+        </a:p>
+      </dgm:t>
+    </dgm:pt>
+    <dgm:pt modelId="{FD6DE090-4A2B-48EF-B722-2E36F0CE3021}" type="parTrans" cxnId="{FBFE2DFF-5AF2-4C5B-8E2A-6331558F144D}">
+      <dgm:prSet/>
+      <dgm:spPr/>
+      <dgm:t>
+        <a:bodyPr/>
+        <a:lstStyle/>
+        <a:p>
+          <a:endParaRPr lang="en-US">
+            <a:solidFill>
+              <a:schemeClr val="tx1"/>
+            </a:solidFill>
+          </a:endParaRPr>
+        </a:p>
+      </dgm:t>
+    </dgm:pt>
+    <dgm:pt modelId="{8CADDAC4-A9CD-4BED-81C0-6CB061754652}" type="sibTrans" cxnId="{FBFE2DFF-5AF2-4C5B-8E2A-6331558F144D}">
+      <dgm:prSet/>
+      <dgm:spPr/>
+      <dgm:t>
+        <a:bodyPr/>
+        <a:lstStyle/>
+        <a:p>
+          <a:endParaRPr lang="en-US">
+            <a:solidFill>
+              <a:schemeClr val="tx1"/>
+            </a:solidFill>
+          </a:endParaRPr>
+        </a:p>
+      </dgm:t>
+    </dgm:pt>
+    <dgm:pt modelId="{73D28E7C-6011-45FA-8F6E-A11C1BF3F10C}">
+      <dgm:prSet phldrT="[Text]"/>
+      <dgm:spPr/>
+      <dgm:t>
+        <a:bodyPr/>
+        <a:lstStyle/>
+        <a:p>
+          <a:r>
+            <a:rPr kumimoji="0" lang="en-US" altLang="en-US" b="0" i="0" u="none" strike="noStrike" cap="none" normalizeH="0" baseline="0" dirty="0" err="1">
+              <a:ln>
+                <a:noFill/>
+              </a:ln>
+              <a:solidFill>
+                <a:schemeClr val="tx1"/>
+              </a:solidFill>
+              <a:effectLst/>
+              <a:latin typeface="var(--vscode-editor-font-family)"/>
+            </a:rPr>
+            <a:t>date_year</a:t>
+          </a:r>
+          <a:endParaRPr lang="en-US" dirty="0">
+            <a:solidFill>
+              <a:schemeClr val="tx1"/>
+            </a:solidFill>
+          </a:endParaRPr>
+        </a:p>
+      </dgm:t>
+    </dgm:pt>
+    <dgm:pt modelId="{0EB74911-48F0-4873-894F-E472B00FBF8D}" type="parTrans" cxnId="{62CAF7C6-6FF2-4688-873D-4C456CD47C0B}">
+      <dgm:prSet/>
+      <dgm:spPr/>
+      <dgm:t>
+        <a:bodyPr/>
+        <a:lstStyle/>
+        <a:p>
+          <a:endParaRPr lang="en-US">
+            <a:solidFill>
+              <a:schemeClr val="tx1"/>
+            </a:solidFill>
+          </a:endParaRPr>
+        </a:p>
+      </dgm:t>
+    </dgm:pt>
+    <dgm:pt modelId="{9B827797-77D7-4941-B4CD-7FA8EFCC617C}" type="sibTrans" cxnId="{62CAF7C6-6FF2-4688-873D-4C456CD47C0B}">
+      <dgm:prSet/>
+      <dgm:spPr/>
+      <dgm:t>
+        <a:bodyPr/>
+        <a:lstStyle/>
+        <a:p>
+          <a:endParaRPr lang="en-US">
+            <a:solidFill>
+              <a:schemeClr val="tx1"/>
+            </a:solidFill>
+          </a:endParaRPr>
+        </a:p>
+      </dgm:t>
+    </dgm:pt>
+    <dgm:pt modelId="{C425FBBD-CCD7-46B1-9749-DCC3A3C2DFBE}">
+      <dgm:prSet phldrT="[Text]"/>
+      <dgm:spPr/>
+      <dgm:t>
+        <a:bodyPr/>
+        <a:lstStyle/>
+        <a:p>
+          <a:r>
+            <a:rPr kumimoji="0" lang="en-US" altLang="en-US" b="0" i="0" u="none" strike="noStrike" cap="none" normalizeH="0" baseline="0" dirty="0">
+              <a:ln>
+                <a:noFill/>
+              </a:ln>
+              <a:solidFill>
+                <a:schemeClr val="tx1"/>
+              </a:solidFill>
+              <a:effectLst/>
+              <a:latin typeface="var(--vscode-editor-font-family)"/>
+            </a:rPr>
+            <a:t>month</a:t>
+          </a:r>
+          <a:endParaRPr lang="en-US" dirty="0">
+            <a:solidFill>
+              <a:schemeClr val="tx1"/>
+            </a:solidFill>
+          </a:endParaRPr>
+        </a:p>
+      </dgm:t>
+    </dgm:pt>
+    <dgm:pt modelId="{8486DBE4-AA3D-48EC-9D07-1F2CCE56EBB7}" type="parTrans" cxnId="{2F965775-7D56-4DBC-916E-47F6877674E9}">
+      <dgm:prSet/>
+      <dgm:spPr/>
+      <dgm:t>
+        <a:bodyPr/>
+        <a:lstStyle/>
+        <a:p>
+          <a:endParaRPr lang="en-US">
+            <a:solidFill>
+              <a:schemeClr val="tx1"/>
+            </a:solidFill>
+          </a:endParaRPr>
+        </a:p>
+      </dgm:t>
+    </dgm:pt>
+    <dgm:pt modelId="{1FB0AB22-7782-4575-B536-1D25AEB08C93}" type="sibTrans" cxnId="{2F965775-7D56-4DBC-916E-47F6877674E9}">
+      <dgm:prSet/>
+      <dgm:spPr/>
+      <dgm:t>
+        <a:bodyPr/>
+        <a:lstStyle/>
+        <a:p>
+          <a:endParaRPr lang="en-US">
+            <a:solidFill>
+              <a:schemeClr val="tx1"/>
+            </a:solidFill>
+          </a:endParaRPr>
+        </a:p>
+      </dgm:t>
+    </dgm:pt>
+    <dgm:pt modelId="{745FB8F8-63D4-49C8-9E01-CAF83CCD5746}">
+      <dgm:prSet phldrT="[Text]"/>
+      <dgm:spPr/>
+      <dgm:t>
+        <a:bodyPr/>
+        <a:lstStyle/>
+        <a:p>
+          <a:r>
+            <a:rPr kumimoji="0" lang="en-US" altLang="en-US" b="0" i="0" u="none" strike="noStrike" cap="none" normalizeH="0" baseline="0" dirty="0">
+              <a:ln>
+                <a:noFill/>
+              </a:ln>
+              <a:solidFill>
+                <a:schemeClr val="tx1"/>
+              </a:solidFill>
+              <a:effectLst/>
+              <a:latin typeface="var(--vscode-editor-font-family)"/>
+            </a:rPr>
+            <a:t>year</a:t>
+          </a:r>
+          <a:endParaRPr lang="en-US" dirty="0">
+            <a:solidFill>
+              <a:schemeClr val="tx1"/>
+            </a:solidFill>
+          </a:endParaRPr>
+        </a:p>
+      </dgm:t>
+    </dgm:pt>
+    <dgm:pt modelId="{E945A2DC-E98F-425B-A449-7FF5AC57D80D}" type="parTrans" cxnId="{37C695A2-0AE2-4A74-A64A-308A074B87DA}">
+      <dgm:prSet/>
+      <dgm:spPr/>
+      <dgm:t>
+        <a:bodyPr/>
+        <a:lstStyle/>
+        <a:p>
+          <a:endParaRPr lang="en-US">
+            <a:solidFill>
+              <a:schemeClr val="tx1"/>
+            </a:solidFill>
+          </a:endParaRPr>
+        </a:p>
+      </dgm:t>
+    </dgm:pt>
+    <dgm:pt modelId="{4284B624-3194-4335-B71D-ACBCF298271B}" type="sibTrans" cxnId="{37C695A2-0AE2-4A74-A64A-308A074B87DA}">
+      <dgm:prSet/>
+      <dgm:spPr/>
+      <dgm:t>
+        <a:bodyPr/>
+        <a:lstStyle/>
+        <a:p>
+          <a:endParaRPr lang="en-US">
+            <a:solidFill>
+              <a:schemeClr val="tx1"/>
+            </a:solidFill>
+          </a:endParaRPr>
+        </a:p>
+      </dgm:t>
+    </dgm:pt>
+    <dgm:pt modelId="{30093910-C771-4497-B72C-4AD9F0BA42BD}">
+      <dgm:prSet/>
+      <dgm:spPr/>
+      <dgm:t>
+        <a:bodyPr/>
+        <a:lstStyle/>
+        <a:p>
+          <a:r>
+            <a:rPr lang="en-US" dirty="0" err="1">
+              <a:solidFill>
+                <a:schemeClr val="tx1"/>
+              </a:solidFill>
+            </a:rPr>
+            <a:t>Court_id</a:t>
+          </a:r>
+          <a:r>
+            <a:rPr lang="en-US" dirty="0">
+              <a:solidFill>
+                <a:schemeClr val="tx1"/>
+              </a:solidFill>
+            </a:rPr>
+            <a:t> ID</a:t>
+          </a:r>
+        </a:p>
+      </dgm:t>
+    </dgm:pt>
+    <dgm:pt modelId="{E0486AFA-E9B9-4D65-9D25-11F1B3927D31}" type="parTrans" cxnId="{A760B9E7-8EF5-4E51-8496-BB6D5D1420C4}">
+      <dgm:prSet/>
+      <dgm:spPr/>
+      <dgm:t>
+        <a:bodyPr/>
+        <a:lstStyle/>
+        <a:p>
+          <a:endParaRPr lang="en-US"/>
+        </a:p>
+      </dgm:t>
+    </dgm:pt>
+    <dgm:pt modelId="{C3064867-F361-42B3-920D-5724E07D500C}" type="sibTrans" cxnId="{A760B9E7-8EF5-4E51-8496-BB6D5D1420C4}">
+      <dgm:prSet/>
+      <dgm:spPr/>
+      <dgm:t>
+        <a:bodyPr/>
+        <a:lstStyle/>
+        <a:p>
+          <a:endParaRPr lang="en-US"/>
+        </a:p>
+      </dgm:t>
+    </dgm:pt>
+    <dgm:pt modelId="{A7C85D92-33E3-40C5-B646-838533076EE6}">
+      <dgm:prSet phldrT="[Text]"/>
+      <dgm:spPr/>
+      <dgm:t>
+        <a:bodyPr/>
+        <a:lstStyle/>
+        <a:p>
+          <a:r>
+            <a:rPr lang="en-US" dirty="0" err="1">
+              <a:solidFill>
+                <a:schemeClr val="tx1"/>
+              </a:solidFill>
+            </a:rPr>
+            <a:t>Case_participant_id</a:t>
+          </a:r>
+          <a:endParaRPr lang="en-US" dirty="0">
+            <a:solidFill>
+              <a:schemeClr val="tx1"/>
+            </a:solidFill>
+          </a:endParaRPr>
+        </a:p>
+      </dgm:t>
+    </dgm:pt>
+    <dgm:pt modelId="{51EA50FE-8E8C-4CDB-98BB-9B4F747B93C0}" type="parTrans" cxnId="{F09A757C-2A97-485F-8798-55B1530E49AB}">
+      <dgm:prSet/>
+      <dgm:spPr/>
+      <dgm:t>
+        <a:bodyPr/>
+        <a:lstStyle/>
+        <a:p>
+          <a:endParaRPr lang="en-US"/>
+        </a:p>
+      </dgm:t>
+    </dgm:pt>
+    <dgm:pt modelId="{67B36CFD-718F-4D62-9885-C91730DB79A4}" type="sibTrans" cxnId="{F09A757C-2A97-485F-8798-55B1530E49AB}">
+      <dgm:prSet/>
+      <dgm:spPr/>
+      <dgm:t>
+        <a:bodyPr/>
+        <a:lstStyle/>
+        <a:p>
+          <a:endParaRPr lang="en-US"/>
+        </a:p>
+      </dgm:t>
+    </dgm:pt>
+    <dgm:pt modelId="{390B6CCD-7F77-4E27-84A6-C13299A369B6}">
+      <dgm:prSet phldrT="[Text]"/>
+      <dgm:spPr/>
+      <dgm:t>
+        <a:bodyPr/>
+        <a:lstStyle/>
+        <a:p>
+          <a:r>
+            <a:rPr lang="en-US" dirty="0" err="1">
+              <a:solidFill>
+                <a:schemeClr val="tx1"/>
+              </a:solidFill>
+            </a:rPr>
+            <a:t>Court_id</a:t>
+          </a:r>
+          <a:endParaRPr lang="en-US" dirty="0">
+            <a:solidFill>
+              <a:schemeClr val="tx1"/>
+            </a:solidFill>
+          </a:endParaRPr>
+        </a:p>
+      </dgm:t>
+    </dgm:pt>
+    <dgm:pt modelId="{2F44486B-6080-4487-A864-E8C305985578}" type="parTrans" cxnId="{E6C4D43A-4B7B-461D-8436-B302412C800A}">
+      <dgm:prSet/>
+      <dgm:spPr/>
+      <dgm:t>
+        <a:bodyPr/>
+        <a:lstStyle/>
+        <a:p>
+          <a:endParaRPr lang="en-US"/>
+        </a:p>
+      </dgm:t>
+    </dgm:pt>
+    <dgm:pt modelId="{E5E1462F-7D02-4353-BCA1-FDFFABCBF640}" type="sibTrans" cxnId="{E6C4D43A-4B7B-461D-8436-B302412C800A}">
+      <dgm:prSet/>
+      <dgm:spPr/>
+      <dgm:t>
+        <a:bodyPr/>
+        <a:lstStyle/>
+        <a:p>
+          <a:endParaRPr lang="en-US"/>
+        </a:p>
+      </dgm:t>
+    </dgm:pt>
+    <dgm:pt modelId="{6BE9411A-A339-4F70-BABB-C21E4BC730AC}" type="pres">
+      <dgm:prSet presAssocID="{2017F42E-34A6-47C1-BC04-A4A1C2C50EB1}" presName="Name0" presStyleCnt="0">
+        <dgm:presLayoutVars>
+          <dgm:dir/>
+          <dgm:animLvl val="lvl"/>
+          <dgm:resizeHandles val="exact"/>
+        </dgm:presLayoutVars>
+      </dgm:prSet>
+      <dgm:spPr/>
+    </dgm:pt>
+    <dgm:pt modelId="{E5A65DF1-6FA1-476F-9C1D-40C7522B79B2}" type="pres">
+      <dgm:prSet presAssocID="{4F6E2496-150B-4583-980A-DE4374DD161E}" presName="composite" presStyleCnt="0"/>
+      <dgm:spPr/>
+    </dgm:pt>
+    <dgm:pt modelId="{0A0C52F4-9AC5-4859-B340-552FF4498396}" type="pres">
+      <dgm:prSet presAssocID="{4F6E2496-150B-4583-980A-DE4374DD161E}" presName="parTx" presStyleLbl="alignNode1" presStyleIdx="0" presStyleCnt="5">
+        <dgm:presLayoutVars>
+          <dgm:chMax val="0"/>
+          <dgm:chPref val="0"/>
+          <dgm:bulletEnabled val="1"/>
+        </dgm:presLayoutVars>
+      </dgm:prSet>
+      <dgm:spPr/>
+    </dgm:pt>
+    <dgm:pt modelId="{4A66261F-6252-4BCA-81AB-6BAB76C9D0A4}" type="pres">
+      <dgm:prSet presAssocID="{4F6E2496-150B-4583-980A-DE4374DD161E}" presName="desTx" presStyleLbl="alignAccFollowNode1" presStyleIdx="0" presStyleCnt="5">
+        <dgm:presLayoutVars>
+          <dgm:bulletEnabled val="1"/>
+        </dgm:presLayoutVars>
+      </dgm:prSet>
+      <dgm:spPr/>
+    </dgm:pt>
+    <dgm:pt modelId="{1C5DEC0B-030C-4B68-928E-BA91FC0F4C46}" type="pres">
+      <dgm:prSet presAssocID="{88FEFC71-9456-4386-A0DF-F4E3107C9542}" presName="space" presStyleCnt="0"/>
+      <dgm:spPr/>
+    </dgm:pt>
+    <dgm:pt modelId="{8306139F-5AFC-4CC3-8C1C-26DA983F3FB6}" type="pres">
+      <dgm:prSet presAssocID="{EF5FBCA5-AB7B-4C82-9802-CA1CED5F5D49}" presName="composite" presStyleCnt="0"/>
+      <dgm:spPr/>
+    </dgm:pt>
+    <dgm:pt modelId="{29C5EB52-E6B4-4836-AA5D-A9F5E9908C35}" type="pres">
+      <dgm:prSet presAssocID="{EF5FBCA5-AB7B-4C82-9802-CA1CED5F5D49}" presName="parTx" presStyleLbl="alignNode1" presStyleIdx="1" presStyleCnt="5">
+        <dgm:presLayoutVars>
+          <dgm:chMax val="0"/>
+          <dgm:chPref val="0"/>
+          <dgm:bulletEnabled val="1"/>
+        </dgm:presLayoutVars>
+      </dgm:prSet>
+      <dgm:spPr/>
+    </dgm:pt>
+    <dgm:pt modelId="{68F5E046-C14C-4FDE-8969-2EF7B9323FCA}" type="pres">
+      <dgm:prSet presAssocID="{EF5FBCA5-AB7B-4C82-9802-CA1CED5F5D49}" presName="desTx" presStyleLbl="alignAccFollowNode1" presStyleIdx="1" presStyleCnt="5">
+        <dgm:presLayoutVars>
+          <dgm:bulletEnabled val="1"/>
+        </dgm:presLayoutVars>
+      </dgm:prSet>
+      <dgm:spPr/>
+    </dgm:pt>
+    <dgm:pt modelId="{4C3DF258-A1FA-4F63-8CCD-54322332A9AF}" type="pres">
+      <dgm:prSet presAssocID="{B04D9DEA-EF8A-468F-81CF-9C26C9109A28}" presName="space" presStyleCnt="0"/>
+      <dgm:spPr/>
+    </dgm:pt>
+    <dgm:pt modelId="{26C2DE0F-EAB4-4FE5-BA80-7444EECA66F5}" type="pres">
+      <dgm:prSet presAssocID="{1281C525-8B49-4165-80B4-D7925C0152C6}" presName="composite" presStyleCnt="0"/>
+      <dgm:spPr/>
+    </dgm:pt>
+    <dgm:pt modelId="{0E1FC99C-C1E1-464B-9688-1F7BF4E8D14A}" type="pres">
+      <dgm:prSet presAssocID="{1281C525-8B49-4165-80B4-D7925C0152C6}" presName="parTx" presStyleLbl="alignNode1" presStyleIdx="2" presStyleCnt="5">
+        <dgm:presLayoutVars>
+          <dgm:chMax val="0"/>
+          <dgm:chPref val="0"/>
+          <dgm:bulletEnabled val="1"/>
+        </dgm:presLayoutVars>
+      </dgm:prSet>
+      <dgm:spPr/>
+    </dgm:pt>
+    <dgm:pt modelId="{B10FBDA0-97E0-425D-B58A-D0BAE8C8B792}" type="pres">
+      <dgm:prSet presAssocID="{1281C525-8B49-4165-80B4-D7925C0152C6}" presName="desTx" presStyleLbl="alignAccFollowNode1" presStyleIdx="2" presStyleCnt="5">
+        <dgm:presLayoutVars>
+          <dgm:bulletEnabled val="1"/>
+        </dgm:presLayoutVars>
+      </dgm:prSet>
+      <dgm:spPr/>
+    </dgm:pt>
+    <dgm:pt modelId="{1A669D84-492D-4957-9845-D3B801A4238B}" type="pres">
+      <dgm:prSet presAssocID="{E0DEE447-2767-4FE9-8FCC-ED19310E1D0E}" presName="space" presStyleCnt="0"/>
+      <dgm:spPr/>
+    </dgm:pt>
+    <dgm:pt modelId="{138A56F1-E01F-46A9-AFAD-4430FC332643}" type="pres">
+      <dgm:prSet presAssocID="{1F1451BE-A96C-444D-B182-A0BBC5D8E793}" presName="composite" presStyleCnt="0"/>
+      <dgm:spPr/>
+    </dgm:pt>
+    <dgm:pt modelId="{E8C0BDCA-0EE9-4176-8A08-5099E93E3F5F}" type="pres">
+      <dgm:prSet presAssocID="{1F1451BE-A96C-444D-B182-A0BBC5D8E793}" presName="parTx" presStyleLbl="alignNode1" presStyleIdx="3" presStyleCnt="5">
+        <dgm:presLayoutVars>
+          <dgm:chMax val="0"/>
+          <dgm:chPref val="0"/>
+          <dgm:bulletEnabled val="1"/>
+        </dgm:presLayoutVars>
+      </dgm:prSet>
+      <dgm:spPr/>
+    </dgm:pt>
+    <dgm:pt modelId="{6DAA56B5-4334-4759-BBB6-06A67DF12A11}" type="pres">
+      <dgm:prSet presAssocID="{1F1451BE-A96C-444D-B182-A0BBC5D8E793}" presName="desTx" presStyleLbl="alignAccFollowNode1" presStyleIdx="3" presStyleCnt="5">
+        <dgm:presLayoutVars>
+          <dgm:bulletEnabled val="1"/>
+        </dgm:presLayoutVars>
+      </dgm:prSet>
+      <dgm:spPr/>
+    </dgm:pt>
+    <dgm:pt modelId="{C3B96E11-8432-4972-9854-06D644275946}" type="pres">
+      <dgm:prSet presAssocID="{903A67BF-0169-4DC2-998D-3277E1D3BAE8}" presName="space" presStyleCnt="0"/>
+      <dgm:spPr/>
+    </dgm:pt>
+    <dgm:pt modelId="{671815E3-B0FD-4558-A484-C6F850840144}" type="pres">
+      <dgm:prSet presAssocID="{C8133D13-B09A-45C6-8C2E-95C3D6FCEAD8}" presName="composite" presStyleCnt="0"/>
+      <dgm:spPr/>
+    </dgm:pt>
+    <dgm:pt modelId="{8E4F1B31-1FB1-4F8F-AF51-29565EF0EBAB}" type="pres">
+      <dgm:prSet presAssocID="{C8133D13-B09A-45C6-8C2E-95C3D6FCEAD8}" presName="parTx" presStyleLbl="alignNode1" presStyleIdx="4" presStyleCnt="5">
+        <dgm:presLayoutVars>
+          <dgm:chMax val="0"/>
+          <dgm:chPref val="0"/>
+          <dgm:bulletEnabled val="1"/>
+        </dgm:presLayoutVars>
+      </dgm:prSet>
+      <dgm:spPr/>
+    </dgm:pt>
+    <dgm:pt modelId="{DAF384B6-DC56-42BE-9F47-9B9BAF661C18}" type="pres">
+      <dgm:prSet presAssocID="{C8133D13-B09A-45C6-8C2E-95C3D6FCEAD8}" presName="desTx" presStyleLbl="alignAccFollowNode1" presStyleIdx="4" presStyleCnt="5">
+        <dgm:presLayoutVars>
+          <dgm:bulletEnabled val="1"/>
+        </dgm:presLayoutVars>
+      </dgm:prSet>
+      <dgm:spPr/>
+    </dgm:pt>
+  </dgm:ptLst>
+  <dgm:cxnLst>
+    <dgm:cxn modelId="{AF774703-FB70-4A7A-BC9A-9E9CBB772225}" srcId="{1281C525-8B49-4165-80B4-D7925C0152C6}" destId="{AF6BA249-731E-4935-B0E3-22F2582B919E}" srcOrd="1" destOrd="0" parTransId="{FD8E0C80-3D9F-44BE-9936-EFF4EC4A32C7}" sibTransId="{93A1AE47-8F8A-4F1A-A39E-25E8894A78EF}"/>
+    <dgm:cxn modelId="{094ED403-F54A-423A-880C-D1E750FC62BF}" srcId="{C8133D13-B09A-45C6-8C2E-95C3D6FCEAD8}" destId="{A2A7A921-D9AE-41E0-9A32-C0E81D6E0079}" srcOrd="5" destOrd="0" parTransId="{0FFF7707-4D7D-44B3-B34C-C8C24C81A391}" sibTransId="{9206522C-7F06-407D-AE9F-7D6D58584CCD}"/>
+    <dgm:cxn modelId="{2AC70004-B8C4-4C6A-A154-D4371CDA2F2D}" type="presOf" srcId="{2017F42E-34A6-47C1-BC04-A4A1C2C50EB1}" destId="{6BE9411A-A339-4F70-BABB-C21E4BC730AC}" srcOrd="0" destOrd="0" presId="urn:microsoft.com/office/officeart/2005/8/layout/hList1"/>
+    <dgm:cxn modelId="{948DD306-BF79-44DD-B6A3-B670413930D5}" type="presOf" srcId="{4F6E2496-150B-4583-980A-DE4374DD161E}" destId="{0A0C52F4-9AC5-4859-B340-552FF4498396}" srcOrd="0" destOrd="0" presId="urn:microsoft.com/office/officeart/2005/8/layout/hList1"/>
+    <dgm:cxn modelId="{D8BE590B-B0A9-4581-83C8-1046C3F323A1}" type="presOf" srcId="{A7C85D92-33E3-40C5-B646-838533076EE6}" destId="{DAF384B6-DC56-42BE-9F47-9B9BAF661C18}" srcOrd="0" destOrd="0" presId="urn:microsoft.com/office/officeart/2005/8/layout/hList1"/>
+    <dgm:cxn modelId="{7856CC0D-1A86-4754-957E-AFA1F2204323}" type="presOf" srcId="{85DEB63E-AC43-4334-AC8C-7B81C43AB388}" destId="{DAF384B6-DC56-42BE-9F47-9B9BAF661C18}" srcOrd="0" destOrd="6" presId="urn:microsoft.com/office/officeart/2005/8/layout/hList1"/>
+    <dgm:cxn modelId="{AF3BCF19-90AA-4820-8252-11C90025942E}" srcId="{C8133D13-B09A-45C6-8C2E-95C3D6FCEAD8}" destId="{056F8687-0699-4E2B-9179-9A25BF1F3927}" srcOrd="4" destOrd="0" parTransId="{0CF13C46-675F-4353-BC74-F8FA64891625}" sibTransId="{45B180A0-9DAE-4211-9336-0A5BE53497CD}"/>
+    <dgm:cxn modelId="{EE96601A-5D88-4F54-BD5A-C0CC6681CE0F}" type="presOf" srcId="{C695D4F8-F57B-44E8-AA44-C5EDDE0290E8}" destId="{4A66261F-6252-4BCA-81AB-6BAB76C9D0A4}" srcOrd="0" destOrd="0" presId="urn:microsoft.com/office/officeart/2005/8/layout/hList1"/>
+    <dgm:cxn modelId="{D3B6751A-CAEE-40E6-B872-B9477EB6E300}" srcId="{1281C525-8B49-4165-80B4-D7925C0152C6}" destId="{7EB5FAA9-BBE3-42C6-B7BF-A1978CFC6A19}" srcOrd="3" destOrd="0" parTransId="{E85307A9-5EF1-4CC2-93A8-D00B5D4407CA}" sibTransId="{789430CD-A511-4415-ACCE-C56B44E90338}"/>
+    <dgm:cxn modelId="{E5B70323-0A8A-4A8D-9F37-7B3C4ACE9B86}" type="presOf" srcId="{11915FDB-9152-4D64-A004-FBFAD57F9397}" destId="{6DAA56B5-4334-4759-BBB6-06A67DF12A11}" srcOrd="0" destOrd="1" presId="urn:microsoft.com/office/officeart/2005/8/layout/hList1"/>
+    <dgm:cxn modelId="{C6070125-F2BD-4E75-A25E-A9643A4E2BA4}" srcId="{2017F42E-34A6-47C1-BC04-A4A1C2C50EB1}" destId="{4F6E2496-150B-4583-980A-DE4374DD161E}" srcOrd="0" destOrd="0" parTransId="{9FF93BB4-FAD2-4FDC-AD4A-A987D58109F6}" sibTransId="{88FEFC71-9456-4386-A0DF-F4E3107C9542}"/>
+    <dgm:cxn modelId="{E6C4D43A-4B7B-461D-8436-B302412C800A}" srcId="{C8133D13-B09A-45C6-8C2E-95C3D6FCEAD8}" destId="{390B6CCD-7F77-4E27-84A6-C13299A369B6}" srcOrd="1" destOrd="0" parTransId="{2F44486B-6080-4487-A864-E8C305985578}" sibTransId="{E5E1462F-7D02-4353-BCA1-FDFFABCBF640}"/>
+    <dgm:cxn modelId="{029C8A3D-ABA1-46F6-9674-E1F12C11A80C}" type="presOf" srcId="{EF5FBCA5-AB7B-4C82-9802-CA1CED5F5D49}" destId="{29C5EB52-E6B4-4836-AA5D-A9F5E9908C35}" srcOrd="0" destOrd="0" presId="urn:microsoft.com/office/officeart/2005/8/layout/hList1"/>
+    <dgm:cxn modelId="{EED37967-6F23-43F1-BE02-6D1378BBCA6E}" srcId="{EF5FBCA5-AB7B-4C82-9802-CA1CED5F5D49}" destId="{5A2734C1-9343-45E5-BF34-F9396A029646}" srcOrd="0" destOrd="0" parTransId="{365C85DE-9364-46AD-953E-1E7131DDFAF8}" sibTransId="{D793CFA8-0F24-406A-BAF5-FF683B336EF3}"/>
+    <dgm:cxn modelId="{E0FC8648-776F-4101-AEDF-D57A511AAEE1}" srcId="{1281C525-8B49-4165-80B4-D7925C0152C6}" destId="{A1EB0EB0-A217-4C97-982B-6D75458D8682}" srcOrd="2" destOrd="0" parTransId="{FEFBF819-40E2-41E5-ACB6-579A24BD991F}" sibTransId="{64CFD10F-49C6-46B1-9CF5-4DEC5B3B6B90}"/>
+    <dgm:cxn modelId="{02DBBE69-F45D-4B59-82C7-F7F9E18AC98B}" srcId="{2017F42E-34A6-47C1-BC04-A4A1C2C50EB1}" destId="{EF5FBCA5-AB7B-4C82-9802-CA1CED5F5D49}" srcOrd="1" destOrd="0" parTransId="{32546E13-06A3-420C-91BA-C930BBC1CFE9}" sibTransId="{B04D9DEA-EF8A-468F-81CF-9C26C9109A28}"/>
+    <dgm:cxn modelId="{22E76372-414C-4DF9-8AB7-D1B736C7DD3E}" type="presOf" srcId="{056F8687-0699-4E2B-9179-9A25BF1F3927}" destId="{DAF384B6-DC56-42BE-9F47-9B9BAF661C18}" srcOrd="0" destOrd="4" presId="urn:microsoft.com/office/officeart/2005/8/layout/hList1"/>
+    <dgm:cxn modelId="{2F965775-7D56-4DBC-916E-47F6877674E9}" srcId="{C8133D13-B09A-45C6-8C2E-95C3D6FCEAD8}" destId="{C425FBBD-CCD7-46B1-9749-DCC3A3C2DFBE}" srcOrd="8" destOrd="0" parTransId="{8486DBE4-AA3D-48EC-9D07-1F2CCE56EBB7}" sibTransId="{1FB0AB22-7782-4575-B536-1D25AEB08C93}"/>
+    <dgm:cxn modelId="{3E0BE856-B9FA-42A3-9C9F-E7ABB8BF3BD7}" srcId="{C8133D13-B09A-45C6-8C2E-95C3D6FCEAD8}" destId="{36F09D58-A46F-4BE9-8839-3F10D6EFB5F5}" srcOrd="3" destOrd="0" parTransId="{6BCEC3B1-37A5-4B34-A68F-C551D8C379D7}" sibTransId="{4E6A6816-CBDF-426D-B353-56D51B0D9C29}"/>
+    <dgm:cxn modelId="{01404D7C-7704-4073-9FD4-BFD1A5518ED1}" type="presOf" srcId="{DC9B6780-6866-4080-800A-4F077065719C}" destId="{68F5E046-C14C-4FDE-8969-2EF7B9323FCA}" srcOrd="0" destOrd="1" presId="urn:microsoft.com/office/officeart/2005/8/layout/hList1"/>
+    <dgm:cxn modelId="{F09A757C-2A97-485F-8798-55B1530E49AB}" srcId="{C8133D13-B09A-45C6-8C2E-95C3D6FCEAD8}" destId="{A7C85D92-33E3-40C5-B646-838533076EE6}" srcOrd="0" destOrd="0" parTransId="{51EA50FE-8E8C-4CDB-98BB-9B4F747B93C0}" sibTransId="{67B36CFD-718F-4D62-9885-C91730DB79A4}"/>
+    <dgm:cxn modelId="{CF1E2785-8F37-4585-BC6C-B9F628090863}" type="presOf" srcId="{1F1451BE-A96C-444D-B182-A0BBC5D8E793}" destId="{E8C0BDCA-0EE9-4176-8A08-5099E93E3F5F}" srcOrd="0" destOrd="0" presId="urn:microsoft.com/office/officeart/2005/8/layout/hList1"/>
+    <dgm:cxn modelId="{35CC488A-E394-41D4-B0BC-96E80646A3FB}" srcId="{1281C525-8B49-4165-80B4-D7925C0152C6}" destId="{0B97082E-163D-480D-8E67-EBE3EE12ACCB}" srcOrd="0" destOrd="0" parTransId="{2C8CA383-53D4-4D0F-8047-9D6BD8A6C47C}" sibTransId="{7CA71E21-4280-41E0-A7CE-0745462CDB23}"/>
+    <dgm:cxn modelId="{4F794F8D-FA4D-4A09-908F-EAC5DFE087D8}" type="presOf" srcId="{0B97082E-163D-480D-8E67-EBE3EE12ACCB}" destId="{B10FBDA0-97E0-425D-B58A-D0BAE8C8B792}" srcOrd="0" destOrd="0" presId="urn:microsoft.com/office/officeart/2005/8/layout/hList1"/>
+    <dgm:cxn modelId="{2F84808F-199F-4E84-A9B4-1C2E53273361}" type="presOf" srcId="{36F09D58-A46F-4BE9-8839-3F10D6EFB5F5}" destId="{DAF384B6-DC56-42BE-9F47-9B9BAF661C18}" srcOrd="0" destOrd="3" presId="urn:microsoft.com/office/officeart/2005/8/layout/hList1"/>
+    <dgm:cxn modelId="{0F813995-9D89-4B63-AE8B-9C44E7A735C2}" type="presOf" srcId="{AF6BA249-731E-4935-B0E3-22F2582B919E}" destId="{B10FBDA0-97E0-425D-B58A-D0BAE8C8B792}" srcOrd="0" destOrd="1" presId="urn:microsoft.com/office/officeart/2005/8/layout/hList1"/>
+    <dgm:cxn modelId="{67365097-CD2C-49CF-B3CC-6E675B9D987F}" type="presOf" srcId="{A1EB0EB0-A217-4C97-982B-6D75458D8682}" destId="{B10FBDA0-97E0-425D-B58A-D0BAE8C8B792}" srcOrd="0" destOrd="2" presId="urn:microsoft.com/office/officeart/2005/8/layout/hList1"/>
+    <dgm:cxn modelId="{6D67789A-F1AD-4175-8DF1-7C36A4D82A73}" type="presOf" srcId="{2181D58C-6081-401F-BD8D-21F96DD52079}" destId="{6DAA56B5-4334-4759-BBB6-06A67DF12A11}" srcOrd="0" destOrd="2" presId="urn:microsoft.com/office/officeart/2005/8/layout/hList1"/>
+    <dgm:cxn modelId="{3449089F-8625-4668-BCFF-ADD764B5F838}" type="presOf" srcId="{C425FBBD-CCD7-46B1-9749-DCC3A3C2DFBE}" destId="{DAF384B6-DC56-42BE-9F47-9B9BAF661C18}" srcOrd="0" destOrd="8" presId="urn:microsoft.com/office/officeart/2005/8/layout/hList1"/>
+    <dgm:cxn modelId="{15887BA2-D2D0-4314-B4CD-309F3AE30160}" type="presOf" srcId="{5A2734C1-9343-45E5-BF34-F9396A029646}" destId="{68F5E046-C14C-4FDE-8969-2EF7B9323FCA}" srcOrd="0" destOrd="0" presId="urn:microsoft.com/office/officeart/2005/8/layout/hList1"/>
+    <dgm:cxn modelId="{37C695A2-0AE2-4A74-A64A-308A074B87DA}" srcId="{C8133D13-B09A-45C6-8C2E-95C3D6FCEAD8}" destId="{745FB8F8-63D4-49C8-9E01-CAF83CCD5746}" srcOrd="9" destOrd="0" parTransId="{E945A2DC-E98F-425B-A449-7FF5AC57D80D}" sibTransId="{4284B624-3194-4335-B71D-ACBCF298271B}"/>
+    <dgm:cxn modelId="{2C8CC4A3-B00D-4BB9-B6F1-6F74E69F40AF}" type="presOf" srcId="{7EB5FAA9-BBE3-42C6-B7BF-A1978CFC6A19}" destId="{B10FBDA0-97E0-425D-B58A-D0BAE8C8B792}" srcOrd="0" destOrd="3" presId="urn:microsoft.com/office/officeart/2005/8/layout/hList1"/>
+    <dgm:cxn modelId="{9CBB0DA4-64D5-449C-933E-B46BAE5F117E}" type="presOf" srcId="{1281C525-8B49-4165-80B4-D7925C0152C6}" destId="{0E1FC99C-C1E1-464B-9688-1F7BF4E8D14A}" srcOrd="0" destOrd="0" presId="urn:microsoft.com/office/officeart/2005/8/layout/hList1"/>
+    <dgm:cxn modelId="{290A68A9-0199-430D-9D1B-5FE4BD006E36}" srcId="{4F6E2496-150B-4583-980A-DE4374DD161E}" destId="{C695D4F8-F57B-44E8-AA44-C5EDDE0290E8}" srcOrd="0" destOrd="0" parTransId="{EFF2DD2A-9640-4E73-AEAA-3D4B10BA56DE}" sibTransId="{B209B3A4-4347-47E4-ADE7-566EFAE45232}"/>
+    <dgm:cxn modelId="{74EC32AD-6216-45BB-9AB6-76B8A9EB17CA}" srcId="{EF5FBCA5-AB7B-4C82-9802-CA1CED5F5D49}" destId="{DC9B6780-6866-4080-800A-4F077065719C}" srcOrd="1" destOrd="0" parTransId="{2136BE84-88D3-4875-89BE-498730570D68}" sibTransId="{4B47DE45-6FD2-4676-9ABB-014E5FBFB7A2}"/>
+    <dgm:cxn modelId="{5C034DAE-28D8-45C6-B606-3BCA1F47DE2F}" type="presOf" srcId="{745FB8F8-63D4-49C8-9E01-CAF83CCD5746}" destId="{DAF384B6-DC56-42BE-9F47-9B9BAF661C18}" srcOrd="0" destOrd="9" presId="urn:microsoft.com/office/officeart/2005/8/layout/hList1"/>
+    <dgm:cxn modelId="{3F3456B3-0E4B-4F6D-A8EB-ABF46A7FDD53}" srcId="{2017F42E-34A6-47C1-BC04-A4A1C2C50EB1}" destId="{1281C525-8B49-4165-80B4-D7925C0152C6}" srcOrd="2" destOrd="0" parTransId="{1E6D14CB-F914-406C-80E1-20EEAB492E4E}" sibTransId="{E0DEE447-2767-4FE9-8FCC-ED19310E1D0E}"/>
+    <dgm:cxn modelId="{2160A1BE-25CE-4028-8A79-A0E63D7B6D20}" type="presOf" srcId="{73D28E7C-6011-45FA-8F6E-A11C1BF3F10C}" destId="{DAF384B6-DC56-42BE-9F47-9B9BAF661C18}" srcOrd="0" destOrd="7" presId="urn:microsoft.com/office/officeart/2005/8/layout/hList1"/>
+    <dgm:cxn modelId="{4C0E62C2-3071-4C21-93B4-C1C40DD4F3E5}" srcId="{1F1451BE-A96C-444D-B182-A0BBC5D8E793}" destId="{2181D58C-6081-401F-BD8D-21F96DD52079}" srcOrd="2" destOrd="0" parTransId="{5F578576-E427-496F-8564-558DB02D0B53}" sibTransId="{D2008A82-8757-45B2-BE53-0D4A275EE1FC}"/>
+    <dgm:cxn modelId="{811147C5-A1EC-49A2-8000-42E319C6058D}" srcId="{2017F42E-34A6-47C1-BC04-A4A1C2C50EB1}" destId="{C8133D13-B09A-45C6-8C2E-95C3D6FCEAD8}" srcOrd="4" destOrd="0" parTransId="{D6D02C07-107B-4CC7-9D75-0E09C13EAC92}" sibTransId="{2641A295-F118-4747-AAE6-E0E1A18429F6}"/>
+    <dgm:cxn modelId="{62CAF7C6-6FF2-4688-873D-4C456CD47C0B}" srcId="{C8133D13-B09A-45C6-8C2E-95C3D6FCEAD8}" destId="{73D28E7C-6011-45FA-8F6E-A11C1BF3F10C}" srcOrd="7" destOrd="0" parTransId="{0EB74911-48F0-4873-894F-E472B00FBF8D}" sibTransId="{9B827797-77D7-4941-B4CD-7FA8EFCC617C}"/>
+    <dgm:cxn modelId="{B3F273DF-E46E-40DE-B419-5FCBEB6B6091}" type="presOf" srcId="{C8133D13-B09A-45C6-8C2E-95C3D6FCEAD8}" destId="{8E4F1B31-1FB1-4F8F-AF51-29565EF0EBAB}" srcOrd="0" destOrd="0" presId="urn:microsoft.com/office/officeart/2005/8/layout/hList1"/>
+    <dgm:cxn modelId="{83848BE4-5239-4986-B87D-35FAEAFEF442}" type="presOf" srcId="{30093910-C771-4497-B72C-4AD9F0BA42BD}" destId="{6DAA56B5-4334-4759-BBB6-06A67DF12A11}" srcOrd="0" destOrd="0" presId="urn:microsoft.com/office/officeart/2005/8/layout/hList1"/>
+    <dgm:cxn modelId="{A760B9E7-8EF5-4E51-8496-BB6D5D1420C4}" srcId="{1F1451BE-A96C-444D-B182-A0BBC5D8E793}" destId="{30093910-C771-4497-B72C-4AD9F0BA42BD}" srcOrd="0" destOrd="0" parTransId="{E0486AFA-E9B9-4D65-9D25-11F1B3927D31}" sibTransId="{C3064867-F361-42B3-920D-5724E07D500C}"/>
+    <dgm:cxn modelId="{E26349EE-8CA7-4DFC-824E-628DBB32BC2E}" type="presOf" srcId="{A2A7A921-D9AE-41E0-9A32-C0E81D6E0079}" destId="{DAF384B6-DC56-42BE-9F47-9B9BAF661C18}" srcOrd="0" destOrd="5" presId="urn:microsoft.com/office/officeart/2005/8/layout/hList1"/>
+    <dgm:cxn modelId="{5898C1EF-77BD-4F88-8256-9496C6BDFB65}" srcId="{1F1451BE-A96C-444D-B182-A0BBC5D8E793}" destId="{11915FDB-9152-4D64-A004-FBFAD57F9397}" srcOrd="1" destOrd="0" parTransId="{12CBB41B-4C65-49E3-AC46-4B1A5142D506}" sibTransId="{560F9E6B-B3CE-4B16-9882-29285310D084}"/>
+    <dgm:cxn modelId="{EE66BEF1-4677-4104-8D98-BB59901EC762}" srcId="{2017F42E-34A6-47C1-BC04-A4A1C2C50EB1}" destId="{1F1451BE-A96C-444D-B182-A0BBC5D8E793}" srcOrd="3" destOrd="0" parTransId="{80A635EC-31D9-4702-BED8-068C859EBDC2}" sibTransId="{903A67BF-0169-4DC2-998D-3277E1D3BAE8}"/>
+    <dgm:cxn modelId="{063D3CF2-7D00-45A2-9514-E59A3225F120}" type="presOf" srcId="{9EDFAA69-F6F0-45FF-8A3D-0B0092FCC81E}" destId="{DAF384B6-DC56-42BE-9F47-9B9BAF661C18}" srcOrd="0" destOrd="2" presId="urn:microsoft.com/office/officeart/2005/8/layout/hList1"/>
+    <dgm:cxn modelId="{AABECCF7-FB56-4D02-8596-0B64EF2CC64F}" srcId="{C8133D13-B09A-45C6-8C2E-95C3D6FCEAD8}" destId="{9EDFAA69-F6F0-45FF-8A3D-0B0092FCC81E}" srcOrd="2" destOrd="0" parTransId="{116C5CAF-D59D-4547-90F8-9D832ACCC9E8}" sibTransId="{616F3312-3364-44CE-B7C8-6CEEC7C370DC}"/>
+    <dgm:cxn modelId="{B7C4C4FC-FFB5-45C5-8987-C907ED5D2A2A}" type="presOf" srcId="{390B6CCD-7F77-4E27-84A6-C13299A369B6}" destId="{DAF384B6-DC56-42BE-9F47-9B9BAF661C18}" srcOrd="0" destOrd="1" presId="urn:microsoft.com/office/officeart/2005/8/layout/hList1"/>
+    <dgm:cxn modelId="{FBFE2DFF-5AF2-4C5B-8E2A-6331558F144D}" srcId="{C8133D13-B09A-45C6-8C2E-95C3D6FCEAD8}" destId="{85DEB63E-AC43-4334-AC8C-7B81C43AB388}" srcOrd="6" destOrd="0" parTransId="{FD6DE090-4A2B-48EF-B722-2E36F0CE3021}" sibTransId="{8CADDAC4-A9CD-4BED-81C0-6CB061754652}"/>
+    <dgm:cxn modelId="{C5A8F372-023A-44B5-A654-3AF6979FC7A0}" type="presParOf" srcId="{6BE9411A-A339-4F70-BABB-C21E4BC730AC}" destId="{E5A65DF1-6FA1-476F-9C1D-40C7522B79B2}" srcOrd="0" destOrd="0" presId="urn:microsoft.com/office/officeart/2005/8/layout/hList1"/>
+    <dgm:cxn modelId="{F86237AD-9A86-43E3-9692-B54A65D89D9A}" type="presParOf" srcId="{E5A65DF1-6FA1-476F-9C1D-40C7522B79B2}" destId="{0A0C52F4-9AC5-4859-B340-552FF4498396}" srcOrd="0" destOrd="0" presId="urn:microsoft.com/office/officeart/2005/8/layout/hList1"/>
+    <dgm:cxn modelId="{25FC8F53-AD2C-4892-938F-3003DC007B9B}" type="presParOf" srcId="{E5A65DF1-6FA1-476F-9C1D-40C7522B79B2}" destId="{4A66261F-6252-4BCA-81AB-6BAB76C9D0A4}" srcOrd="1" destOrd="0" presId="urn:microsoft.com/office/officeart/2005/8/layout/hList1"/>
+    <dgm:cxn modelId="{6E7AC8A0-2584-4A69-BBE8-688D2B280644}" type="presParOf" srcId="{6BE9411A-A339-4F70-BABB-C21E4BC730AC}" destId="{1C5DEC0B-030C-4B68-928E-BA91FC0F4C46}" srcOrd="1" destOrd="0" presId="urn:microsoft.com/office/officeart/2005/8/layout/hList1"/>
+    <dgm:cxn modelId="{CC9D5028-3EE3-41E1-9279-8155B2F1BC1E}" type="presParOf" srcId="{6BE9411A-A339-4F70-BABB-C21E4BC730AC}" destId="{8306139F-5AFC-4CC3-8C1C-26DA983F3FB6}" srcOrd="2" destOrd="0" presId="urn:microsoft.com/office/officeart/2005/8/layout/hList1"/>
+    <dgm:cxn modelId="{C9F712B3-CAD8-4F96-9264-10002D20E9B1}" type="presParOf" srcId="{8306139F-5AFC-4CC3-8C1C-26DA983F3FB6}" destId="{29C5EB52-E6B4-4836-AA5D-A9F5E9908C35}" srcOrd="0" destOrd="0" presId="urn:microsoft.com/office/officeart/2005/8/layout/hList1"/>
+    <dgm:cxn modelId="{13E44742-EBCB-4152-B344-B35B54F1F666}" type="presParOf" srcId="{8306139F-5AFC-4CC3-8C1C-26DA983F3FB6}" destId="{68F5E046-C14C-4FDE-8969-2EF7B9323FCA}" srcOrd="1" destOrd="0" presId="urn:microsoft.com/office/officeart/2005/8/layout/hList1"/>
+    <dgm:cxn modelId="{D8934FD7-1395-4D4C-9AEE-65AD0F94D21B}" type="presParOf" srcId="{6BE9411A-A339-4F70-BABB-C21E4BC730AC}" destId="{4C3DF258-A1FA-4F63-8CCD-54322332A9AF}" srcOrd="3" destOrd="0" presId="urn:microsoft.com/office/officeart/2005/8/layout/hList1"/>
+    <dgm:cxn modelId="{A9BD3E6D-3714-475B-82C8-E453797C5C4E}" type="presParOf" srcId="{6BE9411A-A339-4F70-BABB-C21E4BC730AC}" destId="{26C2DE0F-EAB4-4FE5-BA80-7444EECA66F5}" srcOrd="4" destOrd="0" presId="urn:microsoft.com/office/officeart/2005/8/layout/hList1"/>
+    <dgm:cxn modelId="{03B6FE83-3B4C-4D4E-A321-7CD1690F56AB}" type="presParOf" srcId="{26C2DE0F-EAB4-4FE5-BA80-7444EECA66F5}" destId="{0E1FC99C-C1E1-464B-9688-1F7BF4E8D14A}" srcOrd="0" destOrd="0" presId="urn:microsoft.com/office/officeart/2005/8/layout/hList1"/>
+    <dgm:cxn modelId="{FE9B9AD8-9A17-4F6B-8A16-E270F9A51A1B}" type="presParOf" srcId="{26C2DE0F-EAB4-4FE5-BA80-7444EECA66F5}" destId="{B10FBDA0-97E0-425D-B58A-D0BAE8C8B792}" srcOrd="1" destOrd="0" presId="urn:microsoft.com/office/officeart/2005/8/layout/hList1"/>
+    <dgm:cxn modelId="{18CB81F4-ED18-4218-AE1C-5C9DCB85E0E6}" type="presParOf" srcId="{6BE9411A-A339-4F70-BABB-C21E4BC730AC}" destId="{1A669D84-492D-4957-9845-D3B801A4238B}" srcOrd="5" destOrd="0" presId="urn:microsoft.com/office/officeart/2005/8/layout/hList1"/>
+    <dgm:cxn modelId="{161B0B20-5CDF-42B1-BA1B-3E46E948ED3D}" type="presParOf" srcId="{6BE9411A-A339-4F70-BABB-C21E4BC730AC}" destId="{138A56F1-E01F-46A9-AFAD-4430FC332643}" srcOrd="6" destOrd="0" presId="urn:microsoft.com/office/officeart/2005/8/layout/hList1"/>
+    <dgm:cxn modelId="{6368845A-3FF5-4BD2-9D60-1309DF4ED75C}" type="presParOf" srcId="{138A56F1-E01F-46A9-AFAD-4430FC332643}" destId="{E8C0BDCA-0EE9-4176-8A08-5099E93E3F5F}" srcOrd="0" destOrd="0" presId="urn:microsoft.com/office/officeart/2005/8/layout/hList1"/>
+    <dgm:cxn modelId="{6C4239B0-3717-4029-9E6B-D35E1F3A3794}" type="presParOf" srcId="{138A56F1-E01F-46A9-AFAD-4430FC332643}" destId="{6DAA56B5-4334-4759-BBB6-06A67DF12A11}" srcOrd="1" destOrd="0" presId="urn:microsoft.com/office/officeart/2005/8/layout/hList1"/>
+    <dgm:cxn modelId="{30C3B22A-C99C-480B-80B6-F9B9C44EECC3}" type="presParOf" srcId="{6BE9411A-A339-4F70-BABB-C21E4BC730AC}" destId="{C3B96E11-8432-4972-9854-06D644275946}" srcOrd="7" destOrd="0" presId="urn:microsoft.com/office/officeart/2005/8/layout/hList1"/>
+    <dgm:cxn modelId="{92682E74-6193-4589-ADDE-4FD322A24106}" type="presParOf" srcId="{6BE9411A-A339-4F70-BABB-C21E4BC730AC}" destId="{671815E3-B0FD-4558-A484-C6F850840144}" srcOrd="8" destOrd="0" presId="urn:microsoft.com/office/officeart/2005/8/layout/hList1"/>
+    <dgm:cxn modelId="{E1C8A680-4BCB-4B3E-9647-F845E5061D39}" type="presParOf" srcId="{671815E3-B0FD-4558-A484-C6F850840144}" destId="{8E4F1B31-1FB1-4F8F-AF51-29565EF0EBAB}" srcOrd="0" destOrd="0" presId="urn:microsoft.com/office/officeart/2005/8/layout/hList1"/>
+    <dgm:cxn modelId="{4C2B9F60-4B78-4567-8335-DFFC2B4B7E83}" type="presParOf" srcId="{671815E3-B0FD-4558-A484-C6F850840144}" destId="{DAF384B6-DC56-42BE-9F47-9B9BAF661C18}" srcOrd="1" destOrd="0" presId="urn:microsoft.com/office/officeart/2005/8/layout/hList1"/>
+  </dgm:cxnLst>
+  <dgm:bg/>
+  <dgm:whole/>
+  <dgm:extLst>
+    <a:ext uri="http://schemas.microsoft.com/office/drawing/2008/diagram">
+      <dsp:dataModelExt xmlns:dsp="http://schemas.microsoft.com/office/drawing/2008/diagram" relId="rId6" minVer="http://schemas.openxmlformats.org/drawingml/2006/diagram"/>
+    </a:ext>
+  </dgm:extLst>
+</dgm:dataModel>
+</file>
+
+<file path=ppt/diagrams/drawing1.xml><?xml version="1.0" encoding="utf-8"?>
+<dsp:drawing xmlns:dgm="http://schemas.openxmlformats.org/drawingml/2006/diagram" xmlns:dsp="http://schemas.microsoft.com/office/drawing/2008/diagram" xmlns:a="http://schemas.openxmlformats.org/drawingml/2006/main">
+  <dsp:spTree>
+    <dsp:nvGrpSpPr>
+      <dsp:cNvPr id="0" name=""/>
+      <dsp:cNvGrpSpPr/>
+    </dsp:nvGrpSpPr>
+    <dsp:grpSpPr/>
+    <dsp:sp modelId="{0A0C52F4-9AC5-4859-B340-552FF4498396}">
+      <dsp:nvSpPr>
+        <dsp:cNvPr id="0" name=""/>
+        <dsp:cNvSpPr/>
+      </dsp:nvSpPr>
+      <dsp:spPr>
+        <a:xfrm>
+          <a:off x="3810" y="1676639"/>
+          <a:ext cx="1460499" cy="288000"/>
+        </a:xfrm>
+        <a:prstGeom prst="rect">
+          <a:avLst/>
+        </a:prstGeom>
+        <a:solidFill>
+          <a:schemeClr val="accent2">
+            <a:hueOff val="0"/>
+            <a:satOff val="0"/>
+            <a:lumOff val="0"/>
+            <a:alphaOff val="0"/>
+          </a:schemeClr>
+        </a:solidFill>
+        <a:ln w="12700" cap="flat" cmpd="sng" algn="ctr">
+          <a:solidFill>
+            <a:schemeClr val="accent2">
+              <a:hueOff val="0"/>
+              <a:satOff val="0"/>
+              <a:lumOff val="0"/>
+              <a:alphaOff val="0"/>
+            </a:schemeClr>
+          </a:solidFill>
+          <a:prstDash val="solid"/>
+          <a:miter lim="800000"/>
+        </a:ln>
+        <a:effectLst/>
+      </dsp:spPr>
+      <dsp:style>
+        <a:lnRef idx="2">
+          <a:scrgbClr r="0" g="0" b="0"/>
+        </a:lnRef>
+        <a:fillRef idx="1">
+          <a:scrgbClr r="0" g="0" b="0"/>
+        </a:fillRef>
+        <a:effectRef idx="0">
+          <a:scrgbClr r="0" g="0" b="0"/>
+        </a:effectRef>
+        <a:fontRef idx="minor">
+          <a:schemeClr val="lt1"/>
+        </a:fontRef>
+      </dsp:style>
+      <dsp:txBody>
+        <a:bodyPr spcFirstLastPara="0" vert="horz" wrap="square" lIns="71120" tIns="40640" rIns="71120" bIns="40640" numCol="1" spcCol="1270" anchor="ctr" anchorCtr="0">
+          <a:noAutofit/>
+        </a:bodyPr>
+        <a:lstStyle/>
+        <a:p>
+          <a:pPr marL="0" lvl="0" indent="0" algn="ctr" defTabSz="444500">
+            <a:lnSpc>
+              <a:spcPct val="90000"/>
+            </a:lnSpc>
+            <a:spcBef>
+              <a:spcPct val="0"/>
+            </a:spcBef>
+            <a:spcAft>
+              <a:spcPct val="35000"/>
+            </a:spcAft>
+            <a:buNone/>
+          </a:pPr>
+          <a:r>
+            <a:rPr lang="en-US" sz="1000" kern="1200" dirty="0">
+              <a:solidFill>
+                <a:schemeClr val="tx1"/>
+              </a:solidFill>
+            </a:rPr>
+            <a:t>Case</a:t>
+          </a:r>
+        </a:p>
+      </dsp:txBody>
+      <dsp:txXfrm>
+        <a:off x="3810" y="1676639"/>
+        <a:ext cx="1460499" cy="288000"/>
+      </dsp:txXfrm>
+    </dsp:sp>
+    <dsp:sp modelId="{4A66261F-6252-4BCA-81AB-6BAB76C9D0A4}">
+      <dsp:nvSpPr>
+        <dsp:cNvPr id="0" name=""/>
+        <dsp:cNvSpPr/>
+      </dsp:nvSpPr>
+      <dsp:spPr>
+        <a:xfrm>
+          <a:off x="3810" y="1964639"/>
+          <a:ext cx="1460499" cy="1777387"/>
+        </a:xfrm>
+        <a:prstGeom prst="rect">
+          <a:avLst/>
+        </a:prstGeom>
+        <a:solidFill>
+          <a:schemeClr val="accent2">
+            <a:tint val="40000"/>
+            <a:alpha val="90000"/>
+            <a:hueOff val="0"/>
+            <a:satOff val="0"/>
+            <a:lumOff val="0"/>
+            <a:alphaOff val="0"/>
+          </a:schemeClr>
+        </a:solidFill>
+        <a:ln w="12700" cap="flat" cmpd="sng" algn="ctr">
+          <a:solidFill>
+            <a:schemeClr val="accent2">
+              <a:tint val="40000"/>
+              <a:alpha val="90000"/>
+              <a:hueOff val="0"/>
+              <a:satOff val="0"/>
+              <a:lumOff val="0"/>
+              <a:alphaOff val="0"/>
+            </a:schemeClr>
+          </a:solidFill>
+          <a:prstDash val="solid"/>
+          <a:miter lim="800000"/>
+        </a:ln>
+        <a:effectLst/>
+      </dsp:spPr>
+      <dsp:style>
+        <a:lnRef idx="2">
+          <a:scrgbClr r="0" g="0" b="0"/>
+        </a:lnRef>
+        <a:fillRef idx="1">
+          <a:scrgbClr r="0" g="0" b="0"/>
+        </a:fillRef>
+        <a:effectRef idx="0">
+          <a:scrgbClr r="0" g="0" b="0"/>
+        </a:effectRef>
+        <a:fontRef idx="minor"/>
+      </dsp:style>
+      <dsp:txBody>
+        <a:bodyPr spcFirstLastPara="0" vert="horz" wrap="square" lIns="53340" tIns="53340" rIns="71120" bIns="80010" numCol="1" spcCol="1270" anchor="t" anchorCtr="0">
+          <a:noAutofit/>
+        </a:bodyPr>
+        <a:lstStyle/>
+        <a:p>
+          <a:pPr marL="57150" lvl="1" indent="-57150" algn="l" defTabSz="444500">
+            <a:lnSpc>
+              <a:spcPct val="90000"/>
+            </a:lnSpc>
+            <a:spcBef>
+              <a:spcPct val="0"/>
+            </a:spcBef>
+            <a:spcAft>
+              <a:spcPct val="15000"/>
+            </a:spcAft>
+            <a:buChar char="•"/>
+          </a:pPr>
+          <a:r>
+            <a:rPr kumimoji="0" lang="en-US" altLang="en-US" sz="1000" b="0" i="0" u="none" strike="noStrike" kern="1200" cap="none" normalizeH="0" baseline="0" dirty="0" err="1">
+              <a:ln>
+                <a:noFill/>
+              </a:ln>
+              <a:solidFill>
+                <a:schemeClr val="tx1"/>
+              </a:solidFill>
+              <a:effectLst/>
+              <a:latin typeface="var(--vscode-editor-font-family)"/>
+            </a:rPr>
+            <a:t>length_of_case_in_days</a:t>
+          </a:r>
+          <a:endParaRPr lang="en-US" sz="1000" kern="1200" dirty="0">
+            <a:solidFill>
+              <a:schemeClr val="tx1"/>
+            </a:solidFill>
+          </a:endParaRPr>
+        </a:p>
+      </dsp:txBody>
+      <dsp:txXfrm>
+        <a:off x="3810" y="1964639"/>
+        <a:ext cx="1460499" cy="1777387"/>
+      </dsp:txXfrm>
+    </dsp:sp>
+    <dsp:sp modelId="{29C5EB52-E6B4-4836-AA5D-A9F5E9908C35}">
+      <dsp:nvSpPr>
+        <dsp:cNvPr id="0" name=""/>
+        <dsp:cNvSpPr/>
+      </dsp:nvSpPr>
+      <dsp:spPr>
+        <a:xfrm>
+          <a:off x="1668780" y="1676639"/>
+          <a:ext cx="1460499" cy="288000"/>
+        </a:xfrm>
+        <a:prstGeom prst="rect">
+          <a:avLst/>
+        </a:prstGeom>
+        <a:solidFill>
+          <a:schemeClr val="accent3">
+            <a:hueOff val="0"/>
+            <a:satOff val="0"/>
+            <a:lumOff val="0"/>
+            <a:alphaOff val="0"/>
+          </a:schemeClr>
+        </a:solidFill>
+        <a:ln w="12700" cap="flat" cmpd="sng" algn="ctr">
+          <a:solidFill>
+            <a:schemeClr val="accent3">
+              <a:hueOff val="0"/>
+              <a:satOff val="0"/>
+              <a:lumOff val="0"/>
+              <a:alphaOff val="0"/>
+            </a:schemeClr>
+          </a:solidFill>
+          <a:prstDash val="solid"/>
+          <a:miter lim="800000"/>
+        </a:ln>
+        <a:effectLst/>
+      </dsp:spPr>
+      <dsp:style>
+        <a:lnRef idx="2">
+          <a:scrgbClr r="0" g="0" b="0"/>
+        </a:lnRef>
+        <a:fillRef idx="1">
+          <a:scrgbClr r="0" g="0" b="0"/>
+        </a:fillRef>
+        <a:effectRef idx="0">
+          <a:scrgbClr r="0" g="0" b="0"/>
+        </a:effectRef>
+        <a:fontRef idx="minor">
+          <a:schemeClr val="lt1"/>
+        </a:fontRef>
+      </dsp:style>
+      <dsp:txBody>
+        <a:bodyPr spcFirstLastPara="0" vert="horz" wrap="square" lIns="71120" tIns="40640" rIns="71120" bIns="40640" numCol="1" spcCol="1270" anchor="ctr" anchorCtr="0">
+          <a:noAutofit/>
+        </a:bodyPr>
+        <a:lstStyle/>
+        <a:p>
+          <a:pPr marL="0" lvl="0" indent="0" algn="ctr" defTabSz="444500">
+            <a:lnSpc>
+              <a:spcPct val="90000"/>
+            </a:lnSpc>
+            <a:spcBef>
+              <a:spcPct val="0"/>
+            </a:spcBef>
+            <a:spcAft>
+              <a:spcPct val="35000"/>
+            </a:spcAft>
+            <a:buNone/>
+          </a:pPr>
+          <a:r>
+            <a:rPr lang="en-US" sz="1000" kern="1200" dirty="0">
+              <a:solidFill>
+                <a:schemeClr val="tx1"/>
+              </a:solidFill>
+            </a:rPr>
+            <a:t>Charge</a:t>
+          </a:r>
+        </a:p>
+      </dsp:txBody>
+      <dsp:txXfrm>
+        <a:off x="1668780" y="1676639"/>
+        <a:ext cx="1460499" cy="288000"/>
+      </dsp:txXfrm>
+    </dsp:sp>
+    <dsp:sp modelId="{68F5E046-C14C-4FDE-8969-2EF7B9323FCA}">
+      <dsp:nvSpPr>
+        <dsp:cNvPr id="0" name=""/>
+        <dsp:cNvSpPr/>
+      </dsp:nvSpPr>
+      <dsp:spPr>
+        <a:xfrm>
+          <a:off x="1668780" y="1964639"/>
+          <a:ext cx="1460499" cy="1777387"/>
+        </a:xfrm>
+        <a:prstGeom prst="rect">
+          <a:avLst/>
+        </a:prstGeom>
+        <a:solidFill>
+          <a:schemeClr val="accent3">
+            <a:tint val="40000"/>
+            <a:alpha val="90000"/>
+            <a:hueOff val="0"/>
+            <a:satOff val="0"/>
+            <a:lumOff val="0"/>
+            <a:alphaOff val="0"/>
+          </a:schemeClr>
+        </a:solidFill>
+        <a:ln w="12700" cap="flat" cmpd="sng" algn="ctr">
+          <a:solidFill>
+            <a:schemeClr val="accent3">
+              <a:tint val="40000"/>
+              <a:alpha val="90000"/>
+              <a:hueOff val="0"/>
+              <a:satOff val="0"/>
+              <a:lumOff val="0"/>
+              <a:alphaOff val="0"/>
+            </a:schemeClr>
+          </a:solidFill>
+          <a:prstDash val="solid"/>
+          <a:miter lim="800000"/>
+        </a:ln>
+        <a:effectLst/>
+      </dsp:spPr>
+      <dsp:style>
+        <a:lnRef idx="2">
+          <a:scrgbClr r="0" g="0" b="0"/>
+        </a:lnRef>
+        <a:fillRef idx="1">
+          <a:scrgbClr r="0" g="0" b="0"/>
+        </a:fillRef>
+        <a:effectRef idx="0">
+          <a:scrgbClr r="0" g="0" b="0"/>
+        </a:effectRef>
+        <a:fontRef idx="minor"/>
+      </dsp:style>
+      <dsp:txBody>
+        <a:bodyPr spcFirstLastPara="0" vert="horz" wrap="square" lIns="53340" tIns="53340" rIns="71120" bIns="80010" numCol="1" spcCol="1270" anchor="t" anchorCtr="0">
+          <a:noAutofit/>
+        </a:bodyPr>
+        <a:lstStyle/>
+        <a:p>
+          <a:pPr marL="57150" lvl="1" indent="-57150" algn="l" defTabSz="444500">
+            <a:lnSpc>
+              <a:spcPct val="90000"/>
+            </a:lnSpc>
+            <a:spcBef>
+              <a:spcPct val="0"/>
+            </a:spcBef>
+            <a:spcAft>
+              <a:spcPct val="15000"/>
+            </a:spcAft>
+            <a:buChar char="•"/>
+          </a:pPr>
+          <a:r>
+            <a:rPr kumimoji="0" lang="en-US" altLang="en-US" sz="1000" b="0" i="0" u="none" strike="noStrike" kern="1200" cap="none" normalizeH="0" baseline="0" dirty="0" err="1">
+              <a:ln>
+                <a:noFill/>
+              </a:ln>
+              <a:solidFill>
+                <a:schemeClr val="tx1"/>
+              </a:solidFill>
+              <a:effectLst/>
+              <a:latin typeface="var(--vscode-editor-font-family)"/>
+            </a:rPr>
+            <a:t>charge_disposition</a:t>
+          </a:r>
+          <a:endParaRPr lang="en-US" sz="1000" kern="1200" dirty="0">
+            <a:solidFill>
+              <a:schemeClr val="tx1"/>
+            </a:solidFill>
+          </a:endParaRPr>
+        </a:p>
+        <a:p>
+          <a:pPr marL="57150" lvl="1" indent="-57150" algn="l" defTabSz="444500">
+            <a:lnSpc>
+              <a:spcPct val="90000"/>
+            </a:lnSpc>
+            <a:spcBef>
+              <a:spcPct val="0"/>
+            </a:spcBef>
+            <a:spcAft>
+              <a:spcPct val="15000"/>
+            </a:spcAft>
+            <a:buChar char="•"/>
+          </a:pPr>
+          <a:r>
+            <a:rPr kumimoji="0" lang="en-US" altLang="en-US" sz="1000" b="0" i="0" u="none" strike="noStrike" kern="1200" cap="none" normalizeH="0" baseline="0" dirty="0" err="1">
+              <a:ln>
+                <a:noFill/>
+              </a:ln>
+              <a:solidFill>
+                <a:schemeClr val="tx1"/>
+              </a:solidFill>
+              <a:effectLst/>
+              <a:latin typeface="var(--vscode-editor-font-family)"/>
+            </a:rPr>
+            <a:t>offense_category</a:t>
+          </a:r>
+          <a:endParaRPr lang="en-US" sz="1000" kern="1200" dirty="0">
+            <a:solidFill>
+              <a:schemeClr val="tx1"/>
+            </a:solidFill>
+          </a:endParaRPr>
+        </a:p>
+      </dsp:txBody>
+      <dsp:txXfrm>
+        <a:off x="1668780" y="1964639"/>
+        <a:ext cx="1460499" cy="1777387"/>
+      </dsp:txXfrm>
+    </dsp:sp>
+    <dsp:sp modelId="{0E1FC99C-C1E1-464B-9688-1F7BF4E8D14A}">
+      <dsp:nvSpPr>
+        <dsp:cNvPr id="0" name=""/>
+        <dsp:cNvSpPr/>
+      </dsp:nvSpPr>
+      <dsp:spPr>
+        <a:xfrm>
+          <a:off x="3333750" y="1676639"/>
+          <a:ext cx="1460499" cy="288000"/>
+        </a:xfrm>
+        <a:prstGeom prst="rect">
+          <a:avLst/>
+        </a:prstGeom>
+        <a:solidFill>
+          <a:schemeClr val="accent4">
+            <a:hueOff val="0"/>
+            <a:satOff val="0"/>
+            <a:lumOff val="0"/>
+            <a:alphaOff val="0"/>
+          </a:schemeClr>
+        </a:solidFill>
+        <a:ln w="12700" cap="flat" cmpd="sng" algn="ctr">
+          <a:solidFill>
+            <a:schemeClr val="accent4">
+              <a:hueOff val="0"/>
+              <a:satOff val="0"/>
+              <a:lumOff val="0"/>
+              <a:alphaOff val="0"/>
+            </a:schemeClr>
+          </a:solidFill>
+          <a:prstDash val="solid"/>
+          <a:miter lim="800000"/>
+        </a:ln>
+        <a:effectLst/>
+      </dsp:spPr>
+      <dsp:style>
+        <a:lnRef idx="2">
+          <a:scrgbClr r="0" g="0" b="0"/>
+        </a:lnRef>
+        <a:fillRef idx="1">
+          <a:scrgbClr r="0" g="0" b="0"/>
+        </a:fillRef>
+        <a:effectRef idx="0">
+          <a:scrgbClr r="0" g="0" b="0"/>
+        </a:effectRef>
+        <a:fontRef idx="minor">
+          <a:schemeClr val="lt1"/>
+        </a:fontRef>
+      </dsp:style>
+      <dsp:txBody>
+        <a:bodyPr spcFirstLastPara="0" vert="horz" wrap="square" lIns="71120" tIns="40640" rIns="71120" bIns="40640" numCol="1" spcCol="1270" anchor="ctr" anchorCtr="0">
+          <a:noAutofit/>
+        </a:bodyPr>
+        <a:lstStyle/>
+        <a:p>
+          <a:pPr marL="0" lvl="0" indent="0" algn="ctr" defTabSz="444500">
+            <a:lnSpc>
+              <a:spcPct val="90000"/>
+            </a:lnSpc>
+            <a:spcBef>
+              <a:spcPct val="0"/>
+            </a:spcBef>
+            <a:spcAft>
+              <a:spcPct val="35000"/>
+            </a:spcAft>
+            <a:buNone/>
+          </a:pPr>
+          <a:r>
+            <a:rPr lang="en-US" sz="1000" kern="1200" dirty="0">
+              <a:solidFill>
+                <a:schemeClr val="tx1"/>
+              </a:solidFill>
+            </a:rPr>
+            <a:t>Participant</a:t>
+          </a:r>
+        </a:p>
+      </dsp:txBody>
+      <dsp:txXfrm>
+        <a:off x="3333750" y="1676639"/>
+        <a:ext cx="1460499" cy="288000"/>
+      </dsp:txXfrm>
+    </dsp:sp>
+    <dsp:sp modelId="{B10FBDA0-97E0-425D-B58A-D0BAE8C8B792}">
+      <dsp:nvSpPr>
+        <dsp:cNvPr id="0" name=""/>
+        <dsp:cNvSpPr/>
+      </dsp:nvSpPr>
+      <dsp:spPr>
+        <a:xfrm>
+          <a:off x="3333750" y="1964639"/>
+          <a:ext cx="1460499" cy="1777387"/>
+        </a:xfrm>
+        <a:prstGeom prst="rect">
+          <a:avLst/>
+        </a:prstGeom>
+        <a:solidFill>
+          <a:schemeClr val="accent4">
+            <a:tint val="40000"/>
+            <a:alpha val="90000"/>
+            <a:hueOff val="0"/>
+            <a:satOff val="0"/>
+            <a:lumOff val="0"/>
+            <a:alphaOff val="0"/>
+          </a:schemeClr>
+        </a:solidFill>
+        <a:ln w="12700" cap="flat" cmpd="sng" algn="ctr">
+          <a:solidFill>
+            <a:schemeClr val="accent4">
+              <a:tint val="40000"/>
+              <a:alpha val="90000"/>
+              <a:hueOff val="0"/>
+              <a:satOff val="0"/>
+              <a:lumOff val="0"/>
+              <a:alphaOff val="0"/>
+            </a:schemeClr>
+          </a:solidFill>
+          <a:prstDash val="solid"/>
+          <a:miter lim="800000"/>
+        </a:ln>
+        <a:effectLst/>
+      </dsp:spPr>
+      <dsp:style>
+        <a:lnRef idx="2">
+          <a:scrgbClr r="0" g="0" b="0"/>
+        </a:lnRef>
+        <a:fillRef idx="1">
+          <a:scrgbClr r="0" g="0" b="0"/>
+        </a:fillRef>
+        <a:effectRef idx="0">
+          <a:scrgbClr r="0" g="0" b="0"/>
+        </a:effectRef>
+        <a:fontRef idx="minor"/>
+      </dsp:style>
+      <dsp:txBody>
+        <a:bodyPr spcFirstLastPara="0" vert="horz" wrap="square" lIns="53340" tIns="53340" rIns="71120" bIns="80010" numCol="1" spcCol="1270" anchor="t" anchorCtr="0">
+          <a:noAutofit/>
+        </a:bodyPr>
+        <a:lstStyle/>
+        <a:p>
+          <a:pPr marL="57150" lvl="1" indent="-57150" algn="l" defTabSz="444500">
+            <a:lnSpc>
+              <a:spcPct val="90000"/>
+            </a:lnSpc>
+            <a:spcBef>
+              <a:spcPct val="0"/>
+            </a:spcBef>
+            <a:spcAft>
+              <a:spcPct val="15000"/>
+            </a:spcAft>
+            <a:buChar char="•"/>
+          </a:pPr>
+          <a:r>
+            <a:rPr lang="en-US" sz="1000" kern="1200" dirty="0" err="1">
+              <a:solidFill>
+                <a:schemeClr val="tx1"/>
+              </a:solidFill>
+            </a:rPr>
+            <a:t>Case_participant_id</a:t>
+          </a:r>
+          <a:r>
+            <a:rPr lang="en-US" sz="1000" kern="1200" dirty="0">
+              <a:solidFill>
+                <a:schemeClr val="tx1"/>
+              </a:solidFill>
+            </a:rPr>
+            <a:t> ID</a:t>
+          </a:r>
+        </a:p>
+        <a:p>
+          <a:pPr marL="57150" lvl="1" indent="-57150" algn="l" defTabSz="444500">
+            <a:lnSpc>
+              <a:spcPct val="90000"/>
+            </a:lnSpc>
+            <a:spcBef>
+              <a:spcPct val="0"/>
+            </a:spcBef>
+            <a:spcAft>
+              <a:spcPct val="15000"/>
+            </a:spcAft>
+            <a:buChar char="•"/>
+          </a:pPr>
+          <a:r>
+            <a:rPr kumimoji="0" lang="en-US" altLang="en-US" sz="1000" b="0" i="0" u="none" strike="noStrike" kern="1200" cap="none" normalizeH="0" baseline="0" dirty="0" err="1">
+              <a:ln>
+                <a:noFill/>
+              </a:ln>
+              <a:solidFill>
+                <a:schemeClr val="tx1"/>
+              </a:solidFill>
+              <a:effectLst/>
+              <a:latin typeface="var(--vscode-editor-font-family)"/>
+            </a:rPr>
+            <a:t>age_at_incident</a:t>
+          </a:r>
+          <a:endParaRPr lang="en-US" sz="1000" kern="1200" dirty="0">
+            <a:solidFill>
+              <a:schemeClr val="tx1"/>
+            </a:solidFill>
+          </a:endParaRPr>
+        </a:p>
+        <a:p>
+          <a:pPr marL="57150" lvl="1" indent="-57150" algn="l" defTabSz="444500">
+            <a:lnSpc>
+              <a:spcPct val="90000"/>
+            </a:lnSpc>
+            <a:spcBef>
+              <a:spcPct val="0"/>
+            </a:spcBef>
+            <a:spcAft>
+              <a:spcPct val="15000"/>
+            </a:spcAft>
+            <a:buChar char="•"/>
+          </a:pPr>
+          <a:r>
+            <a:rPr kumimoji="0" lang="en-US" altLang="en-US" sz="1000" b="0" i="0" u="none" strike="noStrike" kern="1200" cap="none" normalizeH="0" baseline="0" dirty="0">
+              <a:ln>
+                <a:noFill/>
+              </a:ln>
+              <a:solidFill>
+                <a:schemeClr val="tx1"/>
+              </a:solidFill>
+              <a:effectLst/>
+              <a:latin typeface="var(--vscode-editor-font-family)"/>
+            </a:rPr>
+            <a:t>gender</a:t>
+          </a:r>
+          <a:endParaRPr lang="en-US" sz="1000" kern="1200" dirty="0">
+            <a:solidFill>
+              <a:schemeClr val="tx1"/>
+            </a:solidFill>
+          </a:endParaRPr>
+        </a:p>
+        <a:p>
+          <a:pPr marL="57150" lvl="1" indent="-57150" algn="l" defTabSz="444500">
+            <a:lnSpc>
+              <a:spcPct val="90000"/>
+            </a:lnSpc>
+            <a:spcBef>
+              <a:spcPct val="0"/>
+            </a:spcBef>
+            <a:spcAft>
+              <a:spcPct val="15000"/>
+            </a:spcAft>
+            <a:buChar char="•"/>
+          </a:pPr>
+          <a:r>
+            <a:rPr kumimoji="0" lang="en-US" altLang="en-US" sz="1000" b="0" i="0" u="none" strike="noStrike" kern="1200" cap="none" normalizeH="0" baseline="0" dirty="0">
+              <a:ln>
+                <a:noFill/>
+              </a:ln>
+              <a:solidFill>
+                <a:schemeClr val="tx1"/>
+              </a:solidFill>
+              <a:effectLst/>
+              <a:latin typeface="var(--vscode-editor-font-family)"/>
+            </a:rPr>
+            <a:t>race</a:t>
+          </a:r>
+          <a:endParaRPr lang="en-US" sz="1000" kern="1200" dirty="0">
+            <a:solidFill>
+              <a:schemeClr val="tx1"/>
+            </a:solidFill>
+          </a:endParaRPr>
+        </a:p>
+      </dsp:txBody>
+      <dsp:txXfrm>
+        <a:off x="3333750" y="1964639"/>
+        <a:ext cx="1460499" cy="1777387"/>
+      </dsp:txXfrm>
+    </dsp:sp>
+    <dsp:sp modelId="{E8C0BDCA-0EE9-4176-8A08-5099E93E3F5F}">
+      <dsp:nvSpPr>
+        <dsp:cNvPr id="0" name=""/>
+        <dsp:cNvSpPr/>
+      </dsp:nvSpPr>
+      <dsp:spPr>
+        <a:xfrm>
+          <a:off x="4998720" y="1676639"/>
+          <a:ext cx="1460499" cy="288000"/>
+        </a:xfrm>
+        <a:prstGeom prst="rect">
+          <a:avLst/>
+        </a:prstGeom>
+        <a:solidFill>
+          <a:schemeClr val="accent5">
+            <a:hueOff val="0"/>
+            <a:satOff val="0"/>
+            <a:lumOff val="0"/>
+            <a:alphaOff val="0"/>
+          </a:schemeClr>
+        </a:solidFill>
+        <a:ln w="12700" cap="flat" cmpd="sng" algn="ctr">
+          <a:solidFill>
+            <a:schemeClr val="accent5">
+              <a:hueOff val="0"/>
+              <a:satOff val="0"/>
+              <a:lumOff val="0"/>
+              <a:alphaOff val="0"/>
+            </a:schemeClr>
+          </a:solidFill>
+          <a:prstDash val="solid"/>
+          <a:miter lim="800000"/>
+        </a:ln>
+        <a:effectLst/>
+      </dsp:spPr>
+      <dsp:style>
+        <a:lnRef idx="2">
+          <a:scrgbClr r="0" g="0" b="0"/>
+        </a:lnRef>
+        <a:fillRef idx="1">
+          <a:scrgbClr r="0" g="0" b="0"/>
+        </a:fillRef>
+        <a:effectRef idx="0">
+          <a:scrgbClr r="0" g="0" b="0"/>
+        </a:effectRef>
+        <a:fontRef idx="minor">
+          <a:schemeClr val="lt1"/>
+        </a:fontRef>
+      </dsp:style>
+      <dsp:txBody>
+        <a:bodyPr spcFirstLastPara="0" vert="horz" wrap="square" lIns="71120" tIns="40640" rIns="71120" bIns="40640" numCol="1" spcCol="1270" anchor="ctr" anchorCtr="0">
+          <a:noAutofit/>
+        </a:bodyPr>
+        <a:lstStyle/>
+        <a:p>
+          <a:pPr marL="0" lvl="0" indent="0" algn="ctr" defTabSz="444500">
+            <a:lnSpc>
+              <a:spcPct val="90000"/>
+            </a:lnSpc>
+            <a:spcBef>
+              <a:spcPct val="0"/>
+            </a:spcBef>
+            <a:spcAft>
+              <a:spcPct val="35000"/>
+            </a:spcAft>
+            <a:buNone/>
+          </a:pPr>
+          <a:r>
+            <a:rPr lang="en-US" sz="1000" kern="1200" dirty="0">
+              <a:solidFill>
+                <a:schemeClr val="tx1"/>
+              </a:solidFill>
+            </a:rPr>
+            <a:t>Court</a:t>
+          </a:r>
+        </a:p>
+      </dsp:txBody>
+      <dsp:txXfrm>
+        <a:off x="4998720" y="1676639"/>
+        <a:ext cx="1460499" cy="288000"/>
+      </dsp:txXfrm>
+    </dsp:sp>
+    <dsp:sp modelId="{6DAA56B5-4334-4759-BBB6-06A67DF12A11}">
+      <dsp:nvSpPr>
+        <dsp:cNvPr id="0" name=""/>
+        <dsp:cNvSpPr/>
+      </dsp:nvSpPr>
+      <dsp:spPr>
+        <a:xfrm>
+          <a:off x="4998720" y="1964639"/>
+          <a:ext cx="1460499" cy="1777387"/>
+        </a:xfrm>
+        <a:prstGeom prst="rect">
+          <a:avLst/>
+        </a:prstGeom>
+        <a:solidFill>
+          <a:schemeClr val="accent5">
+            <a:tint val="40000"/>
+            <a:alpha val="90000"/>
+            <a:hueOff val="0"/>
+            <a:satOff val="0"/>
+            <a:lumOff val="0"/>
+            <a:alphaOff val="0"/>
+          </a:schemeClr>
+        </a:solidFill>
+        <a:ln w="12700" cap="flat" cmpd="sng" algn="ctr">
+          <a:solidFill>
+            <a:schemeClr val="accent5">
+              <a:tint val="40000"/>
+              <a:alpha val="90000"/>
+              <a:hueOff val="0"/>
+              <a:satOff val="0"/>
+              <a:lumOff val="0"/>
+              <a:alphaOff val="0"/>
+            </a:schemeClr>
+          </a:solidFill>
+          <a:prstDash val="solid"/>
+          <a:miter lim="800000"/>
+        </a:ln>
+        <a:effectLst/>
+      </dsp:spPr>
+      <dsp:style>
+        <a:lnRef idx="2">
+          <a:scrgbClr r="0" g="0" b="0"/>
+        </a:lnRef>
+        <a:fillRef idx="1">
+          <a:scrgbClr r="0" g="0" b="0"/>
+        </a:fillRef>
+        <a:effectRef idx="0">
+          <a:scrgbClr r="0" g="0" b="0"/>
+        </a:effectRef>
+        <a:fontRef idx="minor"/>
+      </dsp:style>
+      <dsp:txBody>
+        <a:bodyPr spcFirstLastPara="0" vert="horz" wrap="square" lIns="53340" tIns="53340" rIns="71120" bIns="80010" numCol="1" spcCol="1270" anchor="t" anchorCtr="0">
+          <a:noAutofit/>
+        </a:bodyPr>
+        <a:lstStyle/>
+        <a:p>
+          <a:pPr marL="57150" lvl="1" indent="-57150" algn="l" defTabSz="444500">
+            <a:lnSpc>
+              <a:spcPct val="90000"/>
+            </a:lnSpc>
+            <a:spcBef>
+              <a:spcPct val="0"/>
+            </a:spcBef>
+            <a:spcAft>
+              <a:spcPct val="15000"/>
+            </a:spcAft>
+            <a:buChar char="•"/>
+          </a:pPr>
+          <a:r>
+            <a:rPr lang="en-US" sz="1000" kern="1200" dirty="0" err="1">
+              <a:solidFill>
+                <a:schemeClr val="tx1"/>
+              </a:solidFill>
+            </a:rPr>
+            <a:t>Court_id</a:t>
+          </a:r>
+          <a:r>
+            <a:rPr lang="en-US" sz="1000" kern="1200" dirty="0">
+              <a:solidFill>
+                <a:schemeClr val="tx1"/>
+              </a:solidFill>
+            </a:rPr>
+            <a:t> ID</a:t>
+          </a:r>
+        </a:p>
+        <a:p>
+          <a:pPr marL="57150" lvl="1" indent="-57150" algn="l" defTabSz="444500">
+            <a:lnSpc>
+              <a:spcPct val="90000"/>
+            </a:lnSpc>
+            <a:spcBef>
+              <a:spcPct val="0"/>
+            </a:spcBef>
+            <a:spcAft>
+              <a:spcPct val="15000"/>
+            </a:spcAft>
+            <a:buChar char="•"/>
+          </a:pPr>
+          <a:r>
+            <a:rPr kumimoji="0" lang="en-US" altLang="en-US" sz="1000" b="0" i="0" u="none" strike="noStrike" kern="1200" cap="none" normalizeH="0" baseline="0" dirty="0" err="1">
+              <a:ln>
+                <a:noFill/>
+              </a:ln>
+              <a:solidFill>
+                <a:schemeClr val="tx1"/>
+              </a:solidFill>
+              <a:effectLst/>
+              <a:latin typeface="var(--vscode-editor-font-family)"/>
+            </a:rPr>
+            <a:t>court_facility</a:t>
+          </a:r>
+          <a:endParaRPr lang="en-US" sz="1000" kern="1200" dirty="0">
+            <a:solidFill>
+              <a:schemeClr val="tx1"/>
+            </a:solidFill>
+          </a:endParaRPr>
+        </a:p>
+        <a:p>
+          <a:pPr marL="57150" lvl="1" indent="-57150" algn="l" defTabSz="444500">
+            <a:lnSpc>
+              <a:spcPct val="90000"/>
+            </a:lnSpc>
+            <a:spcBef>
+              <a:spcPct val="0"/>
+            </a:spcBef>
+            <a:spcAft>
+              <a:spcPct val="15000"/>
+            </a:spcAft>
+            <a:buChar char="•"/>
+          </a:pPr>
+          <a:r>
+            <a:rPr kumimoji="0" lang="en-US" altLang="en-US" sz="1000" b="0" i="0" u="none" strike="noStrike" kern="1200" cap="none" normalizeH="0" baseline="0" dirty="0" err="1">
+              <a:ln>
+                <a:noFill/>
+              </a:ln>
+              <a:solidFill>
+                <a:schemeClr val="tx1"/>
+              </a:solidFill>
+              <a:effectLst/>
+              <a:latin typeface="var(--vscode-editor-font-family)"/>
+            </a:rPr>
+            <a:t>court_name</a:t>
+          </a:r>
+          <a:endParaRPr lang="en-US" sz="1000" kern="1200" dirty="0">
+            <a:solidFill>
+              <a:schemeClr val="tx1"/>
+            </a:solidFill>
+          </a:endParaRPr>
+        </a:p>
+      </dsp:txBody>
+      <dsp:txXfrm>
+        <a:off x="4998720" y="1964639"/>
+        <a:ext cx="1460499" cy="1777387"/>
+      </dsp:txXfrm>
+    </dsp:sp>
+    <dsp:sp modelId="{8E4F1B31-1FB1-4F8F-AF51-29565EF0EBAB}">
+      <dsp:nvSpPr>
+        <dsp:cNvPr id="0" name=""/>
+        <dsp:cNvSpPr/>
+      </dsp:nvSpPr>
+      <dsp:spPr>
+        <a:xfrm>
+          <a:off x="6663689" y="1676639"/>
+          <a:ext cx="1460499" cy="288000"/>
+        </a:xfrm>
+        <a:prstGeom prst="rect">
+          <a:avLst/>
+        </a:prstGeom>
+        <a:solidFill>
+          <a:schemeClr val="accent6">
+            <a:hueOff val="0"/>
+            <a:satOff val="0"/>
+            <a:lumOff val="0"/>
+            <a:alphaOff val="0"/>
+          </a:schemeClr>
+        </a:solidFill>
+        <a:ln w="12700" cap="flat" cmpd="sng" algn="ctr">
+          <a:solidFill>
+            <a:schemeClr val="accent6">
+              <a:hueOff val="0"/>
+              <a:satOff val="0"/>
+              <a:lumOff val="0"/>
+              <a:alphaOff val="0"/>
+            </a:schemeClr>
+          </a:solidFill>
+          <a:prstDash val="solid"/>
+          <a:miter lim="800000"/>
+        </a:ln>
+        <a:effectLst/>
+      </dsp:spPr>
+      <dsp:style>
+        <a:lnRef idx="2">
+          <a:scrgbClr r="0" g="0" b="0"/>
+        </a:lnRef>
+        <a:fillRef idx="1">
+          <a:scrgbClr r="0" g="0" b="0"/>
+        </a:fillRef>
+        <a:effectRef idx="0">
+          <a:scrgbClr r="0" g="0" b="0"/>
+        </a:effectRef>
+        <a:fontRef idx="minor">
+          <a:schemeClr val="lt1"/>
+        </a:fontRef>
+      </dsp:style>
+      <dsp:txBody>
+        <a:bodyPr spcFirstLastPara="0" vert="horz" wrap="square" lIns="71120" tIns="40640" rIns="71120" bIns="40640" numCol="1" spcCol="1270" anchor="ctr" anchorCtr="0">
+          <a:noAutofit/>
+        </a:bodyPr>
+        <a:lstStyle/>
+        <a:p>
+          <a:pPr marL="0" lvl="0" indent="0" algn="ctr" defTabSz="444500">
+            <a:lnSpc>
+              <a:spcPct val="90000"/>
+            </a:lnSpc>
+            <a:spcBef>
+              <a:spcPct val="0"/>
+            </a:spcBef>
+            <a:spcAft>
+              <a:spcPct val="35000"/>
+            </a:spcAft>
+            <a:buNone/>
+          </a:pPr>
+          <a:r>
+            <a:rPr lang="en-US" sz="1000" kern="1200" dirty="0">
+              <a:solidFill>
+                <a:schemeClr val="tx1"/>
+              </a:solidFill>
+            </a:rPr>
+            <a:t>Sentence</a:t>
+          </a:r>
+        </a:p>
+      </dsp:txBody>
+      <dsp:txXfrm>
+        <a:off x="6663689" y="1676639"/>
+        <a:ext cx="1460499" cy="288000"/>
+      </dsp:txXfrm>
+    </dsp:sp>
+    <dsp:sp modelId="{DAF384B6-DC56-42BE-9F47-9B9BAF661C18}">
+      <dsp:nvSpPr>
+        <dsp:cNvPr id="0" name=""/>
+        <dsp:cNvSpPr/>
+      </dsp:nvSpPr>
+      <dsp:spPr>
+        <a:xfrm>
+          <a:off x="6663689" y="1964639"/>
+          <a:ext cx="1460499" cy="1777387"/>
+        </a:xfrm>
+        <a:prstGeom prst="rect">
+          <a:avLst/>
+        </a:prstGeom>
+        <a:solidFill>
+          <a:schemeClr val="accent6">
+            <a:tint val="40000"/>
+            <a:alpha val="90000"/>
+            <a:hueOff val="0"/>
+            <a:satOff val="0"/>
+            <a:lumOff val="0"/>
+            <a:alphaOff val="0"/>
+          </a:schemeClr>
+        </a:solidFill>
+        <a:ln w="12700" cap="flat" cmpd="sng" algn="ctr">
+          <a:solidFill>
+            <a:schemeClr val="accent6">
+              <a:tint val="40000"/>
+              <a:alpha val="90000"/>
+              <a:hueOff val="0"/>
+              <a:satOff val="0"/>
+              <a:lumOff val="0"/>
+              <a:alphaOff val="0"/>
+            </a:schemeClr>
+          </a:solidFill>
+          <a:prstDash val="solid"/>
+          <a:miter lim="800000"/>
+        </a:ln>
+        <a:effectLst/>
+      </dsp:spPr>
+      <dsp:style>
+        <a:lnRef idx="2">
+          <a:scrgbClr r="0" g="0" b="0"/>
+        </a:lnRef>
+        <a:fillRef idx="1">
+          <a:scrgbClr r="0" g="0" b="0"/>
+        </a:fillRef>
+        <a:effectRef idx="0">
+          <a:scrgbClr r="0" g="0" b="0"/>
+        </a:effectRef>
+        <a:fontRef idx="minor"/>
+      </dsp:style>
+      <dsp:txBody>
+        <a:bodyPr spcFirstLastPara="0" vert="horz" wrap="square" lIns="53340" tIns="53340" rIns="71120" bIns="80010" numCol="1" spcCol="1270" anchor="t" anchorCtr="0">
+          <a:noAutofit/>
+        </a:bodyPr>
+        <a:lstStyle/>
+        <a:p>
+          <a:pPr marL="57150" lvl="1" indent="-57150" algn="l" defTabSz="444500">
+            <a:lnSpc>
+              <a:spcPct val="90000"/>
+            </a:lnSpc>
+            <a:spcBef>
+              <a:spcPct val="0"/>
+            </a:spcBef>
+            <a:spcAft>
+              <a:spcPct val="15000"/>
+            </a:spcAft>
+            <a:buChar char="•"/>
+          </a:pPr>
+          <a:r>
+            <a:rPr lang="en-US" sz="1000" kern="1200" dirty="0" err="1">
+              <a:solidFill>
+                <a:schemeClr val="tx1"/>
+              </a:solidFill>
+            </a:rPr>
+            <a:t>Case_participant_id</a:t>
+          </a:r>
+          <a:endParaRPr lang="en-US" sz="1000" kern="1200" dirty="0">
+            <a:solidFill>
+              <a:schemeClr val="tx1"/>
+            </a:solidFill>
+          </a:endParaRPr>
+        </a:p>
+        <a:p>
+          <a:pPr marL="57150" lvl="1" indent="-57150" algn="l" defTabSz="444500">
+            <a:lnSpc>
+              <a:spcPct val="90000"/>
+            </a:lnSpc>
+            <a:spcBef>
+              <a:spcPct val="0"/>
+            </a:spcBef>
+            <a:spcAft>
+              <a:spcPct val="15000"/>
+            </a:spcAft>
+            <a:buChar char="•"/>
+          </a:pPr>
+          <a:r>
+            <a:rPr lang="en-US" sz="1000" kern="1200" dirty="0" err="1">
+              <a:solidFill>
+                <a:schemeClr val="tx1"/>
+              </a:solidFill>
+            </a:rPr>
+            <a:t>Court_id</a:t>
+          </a:r>
+          <a:endParaRPr lang="en-US" sz="1000" kern="1200" dirty="0">
+            <a:solidFill>
+              <a:schemeClr val="tx1"/>
+            </a:solidFill>
+          </a:endParaRPr>
+        </a:p>
+        <a:p>
+          <a:pPr marL="57150" lvl="1" indent="-57150" algn="l" defTabSz="444500">
+            <a:lnSpc>
+              <a:spcPct val="90000"/>
+            </a:lnSpc>
+            <a:spcBef>
+              <a:spcPct val="0"/>
+            </a:spcBef>
+            <a:spcAft>
+              <a:spcPct val="15000"/>
+            </a:spcAft>
+            <a:buChar char="•"/>
+          </a:pPr>
+          <a:r>
+            <a:rPr kumimoji="0" lang="en-US" altLang="en-US" sz="1000" b="0" i="0" u="none" strike="noStrike" kern="1200" cap="none" normalizeH="0" baseline="0" dirty="0" err="1">
+              <a:ln>
+                <a:noFill/>
+              </a:ln>
+              <a:solidFill>
+                <a:schemeClr val="tx1"/>
+              </a:solidFill>
+              <a:effectLst/>
+              <a:latin typeface="var(--vscode-editor-font-family)"/>
+            </a:rPr>
+            <a:t>current_sentence</a:t>
+          </a:r>
+          <a:endParaRPr lang="en-US" sz="1000" kern="1200" dirty="0">
+            <a:solidFill>
+              <a:schemeClr val="tx1"/>
+            </a:solidFill>
+          </a:endParaRPr>
+        </a:p>
+        <a:p>
+          <a:pPr marL="57150" lvl="1" indent="-57150" algn="l" defTabSz="444500">
+            <a:lnSpc>
+              <a:spcPct val="90000"/>
+            </a:lnSpc>
+            <a:spcBef>
+              <a:spcPct val="0"/>
+            </a:spcBef>
+            <a:spcAft>
+              <a:spcPct val="15000"/>
+            </a:spcAft>
+            <a:buChar char="•"/>
+          </a:pPr>
+          <a:r>
+            <a:rPr kumimoji="0" lang="en-US" altLang="en-US" sz="1000" b="0" i="0" u="none" strike="noStrike" kern="1200" cap="none" normalizeH="0" baseline="0" dirty="0" err="1">
+              <a:ln>
+                <a:noFill/>
+              </a:ln>
+              <a:solidFill>
+                <a:schemeClr val="tx1"/>
+              </a:solidFill>
+              <a:effectLst/>
+              <a:latin typeface="var(--vscode-editor-font-family)"/>
+            </a:rPr>
+            <a:t>sentence_date</a:t>
+          </a:r>
+          <a:endParaRPr lang="en-US" sz="1000" kern="1200" dirty="0">
+            <a:solidFill>
+              <a:schemeClr val="tx1"/>
+            </a:solidFill>
+          </a:endParaRPr>
+        </a:p>
+        <a:p>
+          <a:pPr marL="57150" lvl="1" indent="-57150" algn="l" defTabSz="444500">
+            <a:lnSpc>
+              <a:spcPct val="90000"/>
+            </a:lnSpc>
+            <a:spcBef>
+              <a:spcPct val="0"/>
+            </a:spcBef>
+            <a:spcAft>
+              <a:spcPct val="15000"/>
+            </a:spcAft>
+            <a:buChar char="•"/>
+          </a:pPr>
+          <a:r>
+            <a:rPr kumimoji="0" lang="en-US" altLang="en-US" sz="1000" b="0" i="0" u="none" strike="noStrike" kern="1200" cap="none" normalizeH="0" baseline="0" dirty="0" err="1">
+              <a:ln>
+                <a:noFill/>
+              </a:ln>
+              <a:solidFill>
+                <a:schemeClr val="tx1"/>
+              </a:solidFill>
+              <a:effectLst/>
+              <a:latin typeface="var(--vscode-editor-font-family)"/>
+            </a:rPr>
+            <a:t>commitment_term</a:t>
+          </a:r>
+          <a:endParaRPr lang="en-US" sz="1000" kern="1200" dirty="0">
+            <a:solidFill>
+              <a:schemeClr val="tx1"/>
+            </a:solidFill>
+          </a:endParaRPr>
+        </a:p>
+        <a:p>
+          <a:pPr marL="57150" lvl="1" indent="-57150" algn="l" defTabSz="444500">
+            <a:lnSpc>
+              <a:spcPct val="90000"/>
+            </a:lnSpc>
+            <a:spcBef>
+              <a:spcPct val="0"/>
+            </a:spcBef>
+            <a:spcAft>
+              <a:spcPct val="15000"/>
+            </a:spcAft>
+            <a:buChar char="•"/>
+          </a:pPr>
+          <a:r>
+            <a:rPr kumimoji="0" lang="en-US" altLang="en-US" sz="1000" b="0" i="0" u="none" strike="noStrike" kern="1200" cap="none" normalizeH="0" baseline="0" dirty="0" err="1">
+              <a:ln>
+                <a:noFill/>
+              </a:ln>
+              <a:solidFill>
+                <a:schemeClr val="tx1"/>
+              </a:solidFill>
+              <a:effectLst/>
+              <a:latin typeface="var(--vscode-editor-font-family)"/>
+            </a:rPr>
+            <a:t>commitment_unit</a:t>
+          </a:r>
+          <a:endParaRPr lang="en-US" sz="1000" kern="1200" dirty="0">
+            <a:solidFill>
+              <a:schemeClr val="tx1"/>
+            </a:solidFill>
+          </a:endParaRPr>
+        </a:p>
+        <a:p>
+          <a:pPr marL="57150" lvl="1" indent="-57150" algn="l" defTabSz="444500">
+            <a:lnSpc>
+              <a:spcPct val="90000"/>
+            </a:lnSpc>
+            <a:spcBef>
+              <a:spcPct val="0"/>
+            </a:spcBef>
+            <a:spcAft>
+              <a:spcPct val="15000"/>
+            </a:spcAft>
+            <a:buChar char="•"/>
+          </a:pPr>
+          <a:r>
+            <a:rPr kumimoji="0" lang="en-US" altLang="en-US" sz="1000" b="0" i="0" u="none" strike="noStrike" kern="1200" cap="none" normalizeH="0" baseline="0" dirty="0" err="1">
+              <a:ln>
+                <a:noFill/>
+              </a:ln>
+              <a:solidFill>
+                <a:schemeClr val="tx1"/>
+              </a:solidFill>
+              <a:effectLst/>
+              <a:latin typeface="var(--vscode-editor-font-family)"/>
+            </a:rPr>
+            <a:t>sentence_type</a:t>
+          </a:r>
+          <a:endParaRPr lang="en-US" sz="1000" kern="1200" dirty="0">
+            <a:solidFill>
+              <a:schemeClr val="tx1"/>
+            </a:solidFill>
+          </a:endParaRPr>
+        </a:p>
+        <a:p>
+          <a:pPr marL="57150" lvl="1" indent="-57150" algn="l" defTabSz="444500">
+            <a:lnSpc>
+              <a:spcPct val="90000"/>
+            </a:lnSpc>
+            <a:spcBef>
+              <a:spcPct val="0"/>
+            </a:spcBef>
+            <a:spcAft>
+              <a:spcPct val="15000"/>
+            </a:spcAft>
+            <a:buChar char="•"/>
+          </a:pPr>
+          <a:r>
+            <a:rPr kumimoji="0" lang="en-US" altLang="en-US" sz="1000" b="0" i="0" u="none" strike="noStrike" kern="1200" cap="none" normalizeH="0" baseline="0" dirty="0" err="1">
+              <a:ln>
+                <a:noFill/>
+              </a:ln>
+              <a:solidFill>
+                <a:schemeClr val="tx1"/>
+              </a:solidFill>
+              <a:effectLst/>
+              <a:latin typeface="var(--vscode-editor-font-family)"/>
+            </a:rPr>
+            <a:t>date_year</a:t>
+          </a:r>
+          <a:endParaRPr lang="en-US" sz="1000" kern="1200" dirty="0">
+            <a:solidFill>
+              <a:schemeClr val="tx1"/>
+            </a:solidFill>
+          </a:endParaRPr>
+        </a:p>
+        <a:p>
+          <a:pPr marL="57150" lvl="1" indent="-57150" algn="l" defTabSz="444500">
+            <a:lnSpc>
+              <a:spcPct val="90000"/>
+            </a:lnSpc>
+            <a:spcBef>
+              <a:spcPct val="0"/>
+            </a:spcBef>
+            <a:spcAft>
+              <a:spcPct val="15000"/>
+            </a:spcAft>
+            <a:buChar char="•"/>
+          </a:pPr>
+          <a:r>
+            <a:rPr kumimoji="0" lang="en-US" altLang="en-US" sz="1000" b="0" i="0" u="none" strike="noStrike" kern="1200" cap="none" normalizeH="0" baseline="0" dirty="0">
+              <a:ln>
+                <a:noFill/>
+              </a:ln>
+              <a:solidFill>
+                <a:schemeClr val="tx1"/>
+              </a:solidFill>
+              <a:effectLst/>
+              <a:latin typeface="var(--vscode-editor-font-family)"/>
+            </a:rPr>
+            <a:t>month</a:t>
+          </a:r>
+          <a:endParaRPr lang="en-US" sz="1000" kern="1200" dirty="0">
+            <a:solidFill>
+              <a:schemeClr val="tx1"/>
+            </a:solidFill>
+          </a:endParaRPr>
+        </a:p>
+        <a:p>
+          <a:pPr marL="57150" lvl="1" indent="-57150" algn="l" defTabSz="444500">
+            <a:lnSpc>
+              <a:spcPct val="90000"/>
+            </a:lnSpc>
+            <a:spcBef>
+              <a:spcPct val="0"/>
+            </a:spcBef>
+            <a:spcAft>
+              <a:spcPct val="15000"/>
+            </a:spcAft>
+            <a:buChar char="•"/>
+          </a:pPr>
+          <a:r>
+            <a:rPr kumimoji="0" lang="en-US" altLang="en-US" sz="1000" b="0" i="0" u="none" strike="noStrike" kern="1200" cap="none" normalizeH="0" baseline="0" dirty="0">
+              <a:ln>
+                <a:noFill/>
+              </a:ln>
+              <a:solidFill>
+                <a:schemeClr val="tx1"/>
+              </a:solidFill>
+              <a:effectLst/>
+              <a:latin typeface="var(--vscode-editor-font-family)"/>
+            </a:rPr>
+            <a:t>year</a:t>
+          </a:r>
+          <a:endParaRPr lang="en-US" sz="1000" kern="1200" dirty="0">
+            <a:solidFill>
+              <a:schemeClr val="tx1"/>
+            </a:solidFill>
+          </a:endParaRPr>
+        </a:p>
+      </dsp:txBody>
+      <dsp:txXfrm>
+        <a:off x="6663689" y="1964639"/>
+        <a:ext cx="1460499" cy="1777387"/>
+      </dsp:txXfrm>
+    </dsp:sp>
+  </dsp:spTree>
+</dsp:drawing>
+</file>
+
+<file path=ppt/diagrams/layout1.xml><?xml version="1.0" encoding="utf-8"?>
+<dgm:layoutDef xmlns:dgm="http://schemas.openxmlformats.org/drawingml/2006/diagram" xmlns:a="http://schemas.openxmlformats.org/drawingml/2006/main" uniqueId="urn:microsoft.com/office/officeart/2005/8/layout/hList1">
+  <dgm:title val=""/>
+  <dgm:desc val=""/>
+  <dgm:catLst>
+    <dgm:cat type="list" pri="5000"/>
+    <dgm:cat type="convert" pri="5000"/>
+  </dgm:catLst>
+  <dgm:sampData>
+    <dgm:dataModel>
+      <dgm:ptLst>
+        <dgm:pt modelId="0" type="doc"/>
+        <dgm:pt modelId="1">
+          <dgm:prSet phldr="1"/>
+        </dgm:pt>
+        <dgm:pt modelId="11">
+          <dgm:prSet phldr="1"/>
+        </dgm:pt>
+        <dgm:pt modelId="12">
+          <dgm:prSet phldr="1"/>
+        </dgm:pt>
+        <dgm:pt modelId="2">
+          <dgm:prSet phldr="1"/>
+        </dgm:pt>
+        <dgm:pt modelId="21">
+          <dgm:prSet phldr="1"/>
+        </dgm:pt>
+        <dgm:pt modelId="22">
+          <dgm:prSet phldr="1"/>
+        </dgm:pt>
+        <dgm:pt modelId="3">
+          <dgm:prSet phldr="1"/>
+        </dgm:pt>
+        <dgm:pt modelId="31">
+          <dgm:prSet phldr="1"/>
+        </dgm:pt>
+        <dgm:pt modelId="32">
+          <dgm:prSet phldr="1"/>
+        </dgm:pt>
+      </dgm:ptLst>
+      <dgm:cxnLst>
+        <dgm:cxn modelId="4" srcId="0" destId="1" srcOrd="0" destOrd="0"/>
+        <dgm:cxn modelId="5" srcId="0" destId="2" srcOrd="1" destOrd="0"/>
+        <dgm:cxn modelId="6" srcId="0" destId="3" srcOrd="2" destOrd="0"/>
+        <dgm:cxn modelId="13" srcId="1" destId="11" srcOrd="0" destOrd="0"/>
+        <dgm:cxn modelId="14" srcId="1" destId="12" srcOrd="1" destOrd="0"/>
+        <dgm:cxn modelId="23" srcId="2" destId="21" srcOrd="0" destOrd="0"/>
+        <dgm:cxn modelId="24" srcId="2" destId="22" srcOrd="1" destOrd="0"/>
+        <dgm:cxn modelId="33" srcId="3" destId="31" srcOrd="0" destOrd="0"/>
+        <dgm:cxn modelId="34" srcId="3" destId="32" srcOrd="1" destOrd="0"/>
+      </dgm:cxnLst>
+      <dgm:bg/>
+      <dgm:whole/>
+    </dgm:dataModel>
+  </dgm:sampData>
+  <dgm:styleData>
+    <dgm:dataModel>
+      <dgm:ptLst>
+        <dgm:pt modelId="0" type="doc"/>
+        <dgm:pt modelId="1">
+          <dgm:prSet phldr="1"/>
+        </dgm:pt>
+        <dgm:pt modelId="2">
+          <dgm:prSet phldr="1"/>
+        </dgm:pt>
+      </dgm:ptLst>
+      <dgm:cxnLst>
+        <dgm:cxn modelId="3" srcId="0" destId="1" srcOrd="0" destOrd="0"/>
+        <dgm:cxn modelId="4" srcId="0" destId="2" srcOrd="1" destOrd="0"/>
+      </dgm:cxnLst>
+      <dgm:bg/>
+      <dgm:whole/>
+    </dgm:dataModel>
+  </dgm:styleData>
+  <dgm:clrData>
+    <dgm:dataModel>
+      <dgm:ptLst>
+        <dgm:pt modelId="0" type="doc"/>
+        <dgm:pt modelId="1">
+          <dgm:prSet phldr="1"/>
+        </dgm:pt>
+        <dgm:pt modelId="2">
+          <dgm:prSet phldr="1"/>
+        </dgm:pt>
+        <dgm:pt modelId="3">
+          <dgm:prSet phldr="1"/>
+        </dgm:pt>
+        <dgm:pt modelId="4">
+          <dgm:prSet phldr="1"/>
+        </dgm:pt>
+      </dgm:ptLst>
+      <dgm:cxnLst>
+        <dgm:cxn modelId="5" srcId="0" destId="1" srcOrd="0" destOrd="0"/>
+        <dgm:cxn modelId="6" srcId="0" destId="2" srcOrd="1" destOrd="0"/>
+        <dgm:cxn modelId="7" srcId="0" destId="3" srcOrd="2" destOrd="0"/>
+        <dgm:cxn modelId="8" srcId="0" destId="4" srcOrd="3" destOrd="0"/>
+      </dgm:cxnLst>
+      <dgm:bg/>
+      <dgm:whole/>
+    </dgm:dataModel>
+  </dgm:clrData>
+  <dgm:layoutNode name="Name0">
+    <dgm:varLst>
+      <dgm:dir/>
+      <dgm:animLvl val="lvl"/>
+      <dgm:resizeHandles val="exact"/>
+    </dgm:varLst>
+    <dgm:choose name="Name1">
+      <dgm:if name="Name2" func="var" arg="dir" op="equ" val="norm">
+        <dgm:alg type="lin"/>
+      </dgm:if>
+      <dgm:else name="Name3">
+        <dgm:alg type="lin">
+          <dgm:param type="linDir" val="fromR"/>
+        </dgm:alg>
+      </dgm:else>
+    </dgm:choose>
+    <dgm:shape xmlns:r="http://schemas.openxmlformats.org/officeDocument/2006/relationships" r:blip="">
+      <dgm:adjLst/>
+    </dgm:shape>
+    <dgm:presOf/>
+    <dgm:constrLst>
+      <dgm:constr type="h" for="ch" forName="composite" refType="h"/>
+      <dgm:constr type="w" for="ch" forName="composite" refType="w"/>
+      <dgm:constr type="w" for="des" forName="parTx"/>
+      <dgm:constr type="h" for="des" forName="parTx" op="equ"/>
+      <dgm:constr type="w" for="des" forName="desTx"/>
+      <dgm:constr type="h" for="des" forName="desTx" op="equ"/>
+      <dgm:constr type="primFontSz" for="des" forName="parTx" val="65"/>
+      <dgm:constr type="secFontSz" for="des" forName="desTx" refType="primFontSz" refFor="des" refForName="parTx" op="equ"/>
+      <dgm:constr type="h" for="des" forName="parTx" refType="primFontSz" refFor="des" refForName="parTx" fact="0.8"/>
+      <dgm:constr type="h" for="des" forName="desTx" refType="primFontSz" refFor="des" refForName="parTx" fact="1.22"/>
+      <dgm:constr type="w" for="ch" forName="space" refType="w" refFor="ch" refForName="composite" op="equ" fact="0.14"/>
+    </dgm:constrLst>
+    <dgm:ruleLst>
+      <dgm:rule type="w" for="ch" forName="composite" val="0" fact="NaN" max="NaN"/>
+      <dgm:rule type="primFontSz" for="des" forName="parTx" val="5" fact="NaN" max="NaN"/>
+    </dgm:ruleLst>
+    <dgm:forEach name="Name4" axis="ch" ptType="node">
+      <dgm:layoutNode name="composite">
+        <dgm:alg type="composite"/>
+        <dgm:shape xmlns:r="http://schemas.openxmlformats.org/officeDocument/2006/relationships" r:blip="">
+          <dgm:adjLst/>
+        </dgm:shape>
+        <dgm:presOf/>
+        <dgm:constrLst>
+          <dgm:constr type="l" for="ch" forName="parTx"/>
+          <dgm:constr type="w" for="ch" forName="parTx" refType="w"/>
+          <dgm:constr type="t" for="ch" forName="parTx"/>
+          <dgm:constr type="l" for="ch" forName="desTx"/>
+          <dgm:constr type="w" for="ch" forName="desTx" refType="w" refFor="ch" refForName="parTx"/>
+          <dgm:constr type="t" for="ch" forName="desTx" refType="h" refFor="ch" refForName="parTx"/>
+        </dgm:constrLst>
+        <dgm:ruleLst>
+          <dgm:rule type="h" val="INF" fact="NaN" max="NaN"/>
+        </dgm:ruleLst>
+        <dgm:layoutNode name="parTx" styleLbl="alignNode1">
+          <dgm:varLst>
+            <dgm:chMax val="0"/>
+            <dgm:chPref val="0"/>
+            <dgm:bulletEnabled val="1"/>
+          </dgm:varLst>
+          <dgm:alg type="tx"/>
+          <dgm:shape xmlns:r="http://schemas.openxmlformats.org/officeDocument/2006/relationships" type="rect" r:blip="">
+            <dgm:adjLst/>
+          </dgm:shape>
+          <dgm:presOf axis="self" ptType="node"/>
+          <dgm:constrLst>
+            <dgm:constr type="h" refType="w" op="lte" fact="0.4"/>
+            <dgm:constr type="h"/>
+            <dgm:constr type="tMarg" refType="primFontSz" fact="0.32"/>
+            <dgm:constr type="bMarg" refType="primFontSz" fact="0.32"/>
+          </dgm:constrLst>
+          <dgm:ruleLst>
+            <dgm:rule type="h" val="INF" fact="NaN" max="NaN"/>
+          </dgm:ruleLst>
+        </dgm:layoutNode>
+        <dgm:layoutNode name="desTx" styleLbl="alignAccFollowNode1">
+          <dgm:varLst>
+            <dgm:bulletEnabled val="1"/>
+          </dgm:varLst>
+          <dgm:alg type="tx">
+            <dgm:param type="stBulletLvl" val="1"/>
+          </dgm:alg>
+          <dgm:shape xmlns:r="http://schemas.openxmlformats.org/officeDocument/2006/relationships" type="rect" r:blip="">
+            <dgm:adjLst/>
+          </dgm:shape>
+          <dgm:presOf axis="des" ptType="node"/>
+          <dgm:constrLst>
+            <dgm:constr type="secFontSz" val="65"/>
+            <dgm:constr type="primFontSz" refType="secFontSz"/>
+            <dgm:constr type="h"/>
+            <dgm:constr type="lMarg" refType="primFontSz" fact="0.42"/>
+            <dgm:constr type="tMarg" refType="primFontSz" fact="0.42"/>
+            <dgm:constr type="bMarg" refType="primFontSz" fact="0.63"/>
+          </dgm:constrLst>
+          <dgm:ruleLst>
+            <dgm:rule type="h" val="INF" fact="NaN" max="NaN"/>
+          </dgm:ruleLst>
+        </dgm:layoutNode>
+      </dgm:layoutNode>
+      <dgm:forEach name="Name5" axis="followSib" ptType="sibTrans" cnt="1">
+        <dgm:layoutNode name="space">
+          <dgm:alg type="sp"/>
+          <dgm:shape xmlns:r="http://schemas.openxmlformats.org/officeDocument/2006/relationships" r:blip="">
+            <dgm:adjLst/>
+          </dgm:shape>
+          <dgm:presOf/>
+          <dgm:constrLst/>
+          <dgm:ruleLst/>
+        </dgm:layoutNode>
+      </dgm:forEach>
+    </dgm:forEach>
+  </dgm:layoutNode>
+</dgm:layoutDef>
+</file>
+
+<file path=ppt/diagrams/quickStyle1.xml><?xml version="1.0" encoding="utf-8"?>
+<dgm:styleDef xmlns:dgm="http://schemas.openxmlformats.org/drawingml/2006/diagram" xmlns:a="http://schemas.openxmlformats.org/drawingml/2006/main" uniqueId="urn:microsoft.com/office/officeart/2005/8/quickstyle/simple1">
+  <dgm:title val=""/>
+  <dgm:desc val=""/>
+  <dgm:catLst>
+    <dgm:cat type="simple" pri="10100"/>
+  </dgm:catLst>
+  <dgm:scene3d>
+    <a:camera prst="orthographicFront"/>
+    <a:lightRig rig="threePt" dir="t"/>
+  </dgm:scene3d>
+  <dgm:styleLbl name="node0">
+    <dgm:scene3d>
+      <a:camera prst="orthographicFront"/>
+      <a:lightRig rig="threePt" dir="t"/>
+    </dgm:scene3d>
+    <dgm:sp3d/>
+    <dgm:txPr/>
+    <dgm:style>
+      <a:lnRef idx="2">
+        <a:scrgbClr r="0" g="0" b="0"/>
+      </a:lnRef>
+      <a:fillRef idx="1">
+        <a:scrgbClr r="0" g="0" b="0"/>
+      </a:fillRef>
+      <a:effectRef idx="0">
+        <a:scrgbClr r="0" g="0" b="0"/>
+      </a:effectRef>
+      <a:fontRef idx="minor">
+        <a:schemeClr val="lt1"/>
+      </a:fontRef>
+    </dgm:style>
+  </dgm:styleLbl>
+  <dgm:styleLbl name="lnNode1">
+    <dgm:scene3d>
+      <a:camera prst="orthographicFront"/>
+      <a:lightRig rig="threePt" dir="t"/>
+    </dgm:scene3d>
+    <dgm:sp3d/>
+    <dgm:txPr/>
+    <dgm:style>
+      <a:lnRef idx="2">
+        <a:scrgbClr r="0" g="0" b="0"/>
+      </a:lnRef>
+      <a:fillRef idx="1">
+        <a:scrgbClr r="0" g="0" b="0"/>
+      </a:fillRef>
+      <a:effectRef idx="0">
+        <a:scrgbClr r="0" g="0" b="0"/>
+      </a:effectRef>
+      <a:fontRef idx="minor">
+        <a:schemeClr val="lt1"/>
+      </a:fontRef>
+    </dgm:style>
+  </dgm:styleLbl>
+  <dgm:styleLbl name="vennNode1">
+    <dgm:scene3d>
+      <a:camera prst="orthographicFront"/>
+      <a:lightRig rig="threePt" dir="t"/>
+    </dgm:scene3d>
+    <dgm:sp3d/>
+    <dgm:txPr/>
+    <dgm:style>
+      <a:lnRef idx="2">
+        <a:scrgbClr r="0" g="0" b="0"/>
+      </a:lnRef>
+      <a:fillRef idx="1">
+        <a:scrgbClr r="0" g="0" b="0"/>
+      </a:fillRef>
+      <a:effectRef idx="0">
+        <a:scrgbClr r="0" g="0" b="0"/>
+      </a:effectRef>
+      <a:fontRef idx="minor">
+        <a:schemeClr val="tx1"/>
+      </a:fontRef>
+    </dgm:style>
+  </dgm:styleLbl>
+  <dgm:styleLbl name="alignNode1">
+    <dgm:scene3d>
+      <a:camera prst="orthographicFront"/>
+      <a:lightRig rig="threePt" dir="t"/>
+    </dgm:scene3d>
+    <dgm:sp3d/>
+    <dgm:txPr/>
+    <dgm:style>
+      <a:lnRef idx="2">
+        <a:scrgbClr r="0" g="0" b="0"/>
+      </a:lnRef>
+      <a:fillRef idx="1">
+        <a:scrgbClr r="0" g="0" b="0"/>
+      </a:fillRef>
+      <a:effectRef idx="0">
+        <a:scrgbClr r="0" g="0" b="0"/>
+      </a:effectRef>
+      <a:fontRef idx="minor">
+        <a:schemeClr val="lt1"/>
+      </a:fontRef>
+    </dgm:style>
+  </dgm:styleLbl>
+  <dgm:styleLbl name="node1">
+    <dgm:scene3d>
+      <a:camera prst="orthographicFront"/>
+      <a:lightRig rig="threePt" dir="t"/>
+    </dgm:scene3d>
+    <dgm:sp3d/>
+    <dgm:txPr/>
+    <dgm:style>
+      <a:lnRef idx="2">
+        <a:scrgbClr r="0" g="0" b="0"/>
+      </a:lnRef>
+      <a:fillRef idx="1">
+        <a:scrgbClr r="0" g="0" b="0"/>
+      </a:fillRef>
+      <a:effectRef idx="0">
+        <a:scrgbClr r="0" g="0" b="0"/>
+      </a:effectRef>
+      <a:fontRef idx="minor">
+        <a:schemeClr val="lt1"/>
+      </a:fontRef>
+    </dgm:style>
+  </dgm:styleLbl>
+  <dgm:styleLbl name="node2">
+    <dgm:scene3d>
+      <a:camera prst="orthographicFront"/>
+      <a:lightRig rig="threePt" dir="t"/>
+    </dgm:scene3d>
+    <dgm:sp3d/>
+    <dgm:txPr/>
+    <dgm:style>
+      <a:lnRef idx="2">
+        <a:scrgbClr r="0" g="0" b="0"/>
+      </a:lnRef>
+      <a:fillRef idx="1">
+        <a:scrgbClr r="0" g="0" b="0"/>
+      </a:fillRef>
+      <a:effectRef idx="0">
+        <a:scrgbClr r="0" g="0" b="0"/>
+      </a:effectRef>
+      <a:fontRef idx="minor">
+        <a:schemeClr val="lt1"/>
+      </a:fontRef>
+    </dgm:style>
+  </dgm:styleLbl>
+  <dgm:styleLbl name="node3">
+    <dgm:scene3d>
+      <a:camera prst="orthographicFront"/>
+      <a:lightRig rig="threePt" dir="t"/>
+    </dgm:scene3d>
+    <dgm:sp3d/>
+    <dgm:txPr/>
+    <dgm:style>
+      <a:lnRef idx="2">
+        <a:scrgbClr r="0" g="0" b="0"/>
+      </a:lnRef>
+      <a:fillRef idx="1">
+        <a:scrgbClr r="0" g="0" b="0"/>
+      </a:fillRef>
+      <a:effectRef idx="0">
+        <a:scrgbClr r="0" g="0" b="0"/>
+      </a:effectRef>
+      <a:fontRef idx="minor">
+        <a:schemeClr val="lt1"/>
+      </a:fontRef>
+    </dgm:style>
+  </dgm:styleLbl>
+  <dgm:styleLbl name="node4">
+    <dgm:scene3d>
+      <a:camera prst="orthographicFront"/>
+      <a:lightRig rig="threePt" dir="t"/>
+    </dgm:scene3d>
+    <dgm:sp3d/>
+    <dgm:txPr/>
+    <dgm:style>
+      <a:lnRef idx="2">
+        <a:scrgbClr r="0" g="0" b="0"/>
+      </a:lnRef>
+      <a:fillRef idx="1">
+        <a:scrgbClr r="0" g="0" b="0"/>
+      </a:fillRef>
+      <a:effectRef idx="0">
+        <a:scrgbClr r="0" g="0" b="0"/>
+      </a:effectRef>
+      <a:fontRef idx="minor">
+        <a:schemeClr val="lt1"/>
+      </a:fontRef>
+    </dgm:style>
+  </dgm:styleLbl>
+  <dgm:styleLbl name="fgImgPlace1">
+    <dgm:scene3d>
+      <a:camera prst="orthographicFront"/>
+      <a:lightRig rig="threePt" dir="t"/>
+    </dgm:scene3d>
+    <dgm:sp3d/>
+    <dgm:txPr/>
+    <dgm:style>
+      <a:lnRef idx="2">
+        <a:scrgbClr r="0" g="0" b="0"/>
+      </a:lnRef>
+      <a:fillRef idx="1">
+        <a:scrgbClr r="0" g="0" b="0"/>
+      </a:fillRef>
+      <a:effectRef idx="0">
+        <a:scrgbClr r="0" g="0" b="0"/>
+      </a:effectRef>
+      <a:fontRef idx="minor"/>
+    </dgm:style>
+  </dgm:styleLbl>
+  <dgm:styleLbl name="alignImgPlace1">
+    <dgm:scene3d>
+      <a:camera prst="orthographicFront"/>
+      <a:lightRig rig="threePt" dir="t"/>
+    </dgm:scene3d>
+    <dgm:sp3d/>
+    <dgm:txPr/>
+    <dgm:style>
+      <a:lnRef idx="2">
+        <a:scrgbClr r="0" g="0" b="0"/>
+      </a:lnRef>
+      <a:fillRef idx="1">
+        <a:scrgbClr r="0" g="0" b="0"/>
+      </a:fillRef>
+      <a:effectRef idx="0">
+        <a:scrgbClr r="0" g="0" b="0"/>
+      </a:effectRef>
+      <a:fontRef idx="minor"/>
+    </dgm:style>
+  </dgm:styleLbl>
+  <dgm:styleLbl name="bgImgPlace1">
+    <dgm:scene3d>
+      <a:camera prst="orthographicFront"/>
+      <a:lightRig rig="threePt" dir="t"/>
+    </dgm:scene3d>
+    <dgm:sp3d/>
+    <dgm:txPr/>
+    <dgm:style>
+      <a:lnRef idx="2">
+        <a:scrgbClr r="0" g="0" b="0"/>
+      </a:lnRef>
+      <a:fillRef idx="1">
+        <a:scrgbClr r="0" g="0" b="0"/>
+      </a:fillRef>
+      <a:effectRef idx="0">
+        <a:scrgbClr r="0" g="0" b="0"/>
+      </a:effectRef>
+      <a:fontRef idx="minor"/>
+    </dgm:style>
+  </dgm:styleLbl>
+  <dgm:styleLbl name="sibTrans2D1">
+    <dgm:scene3d>
+      <a:camera prst="orthographicFront"/>
+      <a:lightRig rig="threePt" dir="t"/>
+    </dgm:scene3d>
+    <dgm:sp3d/>
+    <dgm:txPr/>
+    <dgm:style>
+      <a:lnRef idx="0">
+        <a:scrgbClr r="0" g="0" b="0"/>
+      </a:lnRef>
+      <a:fillRef idx="1">
+        <a:scrgbClr r="0" g="0" b="0"/>
+      </a:fillRef>
+      <a:effectRef idx="0">
+        <a:scrgbClr r="0" g="0" b="0"/>
+      </a:effectRef>
+      <a:fontRef idx="minor">
+        <a:schemeClr val="lt1"/>
+      </a:fontRef>
+    </dgm:style>
+  </dgm:styleLbl>
+  <dgm:styleLbl name="fgSibTrans2D1">
+    <dgm:scene3d>
+      <a:camera prst="orthographicFront"/>
+      <a:lightRig rig="threePt" dir="t"/>
+    </dgm:scene3d>
+    <dgm:sp3d/>
+    <dgm:txPr/>
+    <dgm:style>
+      <a:lnRef idx="0">
+        <a:scrgbClr r="0" g="0" b="0"/>
+      </a:lnRef>
+      <a:fillRef idx="1">
+        <a:scrgbClr r="0" g="0" b="0"/>
+      </a:fillRef>
+      <a:effectRef idx="0">
+        <a:scrgbClr r="0" g="0" b="0"/>
+      </a:effectRef>
+      <a:fontRef idx="minor">
+        <a:schemeClr val="lt1"/>
+      </a:fontRef>
+    </dgm:style>
+  </dgm:styleLbl>
+  <dgm:styleLbl name="bgSibTrans2D1">
+    <dgm:scene3d>
+      <a:camera prst="orthographicFront"/>
+      <a:lightRig rig="threePt" dir="t"/>
+    </dgm:scene3d>
+    <dgm:sp3d/>
+    <dgm:txPr/>
+    <dgm:style>
+      <a:lnRef idx="0">
+        <a:scrgbClr r="0" g="0" b="0"/>
+      </a:lnRef>
+      <a:fillRef idx="1">
+        <a:scrgbClr r="0" g="0" b="0"/>
+      </a:fillRef>
+      <a:effectRef idx="0">
+        <a:scrgbClr r="0" g="0" b="0"/>
+      </a:effectRef>
+      <a:fontRef idx="minor">
+        <a:schemeClr val="lt1"/>
+      </a:fontRef>
+    </dgm:style>
+  </dgm:styleLbl>
+  <dgm:styleLbl name="sibTrans1D1">
+    <dgm:scene3d>
+      <a:camera prst="orthographicFront"/>
+      <a:lightRig rig="threePt" dir="t"/>
+    </dgm:scene3d>
+    <dgm:sp3d/>
+    <dgm:txPr/>
+    <dgm:style>
+      <a:lnRef idx="1">
+        <a:scrgbClr r="0" g="0" b="0"/>
+      </a:lnRef>
+      <a:fillRef idx="0">
+        <a:scrgbClr r="0" g="0" b="0"/>
+      </a:fillRef>
+      <a:effectRef idx="0">
+        <a:scrgbClr r="0" g="0" b="0"/>
+      </a:effectRef>
+      <a:fontRef idx="minor"/>
+    </dgm:style>
+  </dgm:styleLbl>
+  <dgm:styleLbl name="callout">
+    <dgm:scene3d>
+      <a:camera prst="orthographicFront"/>
+      <a:lightRig rig="threePt" dir="t"/>
+    </dgm:scene3d>
+    <dgm:sp3d/>
+    <dgm:txPr/>
+    <dgm:style>
+      <a:lnRef idx="2">
+        <a:scrgbClr r="0" g="0" b="0"/>
+      </a:lnRef>
+      <a:fillRef idx="1">
+        <a:scrgbClr r="0" g="0" b="0"/>
+      </a:fillRef>
+      <a:effectRef idx="0">
+        <a:scrgbClr r="0" g="0" b="0"/>
+      </a:effectRef>
+      <a:fontRef idx="minor"/>
+    </dgm:style>
+  </dgm:styleLbl>
+  <dgm:styleLbl name="asst0">
+    <dgm:scene3d>
+      <a:camera prst="orthographicFront"/>
+      <a:lightRig rig="threePt" dir="t"/>
+    </dgm:scene3d>
+    <dgm:sp3d/>
+    <dgm:txPr/>
+    <dgm:style>
+      <a:lnRef idx="2">
+        <a:scrgbClr r="0" g="0" b="0"/>
+      </a:lnRef>
+      <a:fillRef idx="1">
+        <a:scrgbClr r="0" g="0" b="0"/>
+      </a:fillRef>
+      <a:effectRef idx="0">
+        <a:scrgbClr r="0" g="0" b="0"/>
+      </a:effectRef>
+      <a:fontRef idx="minor">
+        <a:schemeClr val="lt1"/>
+      </a:fontRef>
+    </dgm:style>
+  </dgm:styleLbl>
+  <dgm:styleLbl name="asst1">
+    <dgm:scene3d>
+      <a:camera prst="orthographicFront"/>
+      <a:lightRig rig="threePt" dir="t"/>
+    </dgm:scene3d>
+    <dgm:sp3d/>
+    <dgm:txPr/>
+    <dgm:style>
+      <a:lnRef idx="2">
+        <a:scrgbClr r="0" g="0" b="0"/>
+      </a:lnRef>
+      <a:fillRef idx="1">
+        <a:scrgbClr r="0" g="0" b="0"/>
+      </a:fillRef>
+      <a:effectRef idx="0">
+        <a:scrgbClr r="0" g="0" b="0"/>
+      </a:effectRef>
+      <a:fontRef idx="minor">
+        <a:schemeClr val="lt1"/>
+      </a:fontRef>
+    </dgm:style>
+  </dgm:styleLbl>
+  <dgm:styleLbl name="asst2">
+    <dgm:scene3d>
+      <a:camera prst="orthographicFront"/>
+      <a:lightRig rig="threePt" dir="t"/>
+    </dgm:scene3d>
+    <dgm:sp3d/>
+    <dgm:txPr/>
+    <dgm:style>
+      <a:lnRef idx="2">
+        <a:scrgbClr r="0" g="0" b="0"/>
+      </a:lnRef>
+      <a:fillRef idx="1">
+        <a:scrgbClr r="0" g="0" b="0"/>
+      </a:fillRef>
+      <a:effectRef idx="0">
+        <a:scrgbClr r="0" g="0" b="0"/>
+      </a:effectRef>
+      <a:fontRef idx="minor">
+        <a:schemeClr val="lt1"/>
+      </a:fontRef>
+    </dgm:style>
+  </dgm:styleLbl>
+  <dgm:styleLbl name="asst3">
+    <dgm:scene3d>
+      <a:camera prst="orthographicFront"/>
+      <a:lightRig rig="threePt" dir="t"/>
+    </dgm:scene3d>
+    <dgm:sp3d/>
+    <dgm:txPr/>
+    <dgm:style>
+      <a:lnRef idx="2">
+        <a:scrgbClr r="0" g="0" b="0"/>
+      </a:lnRef>
+      <a:fillRef idx="1">
+        <a:scrgbClr r="0" g="0" b="0"/>
+      </a:fillRef>
+      <a:effectRef idx="0">
+        <a:scrgbClr r="0" g="0" b="0"/>
+      </a:effectRef>
+      <a:fontRef idx="minor">
+        <a:schemeClr val="lt1"/>
+      </a:fontRef>
+    </dgm:style>
+  </dgm:styleLbl>
+  <dgm:styleLbl name="asst4">
+    <dgm:scene3d>
+      <a:camera prst="orthographicFront"/>
+      <a:lightRig rig="threePt" dir="t"/>
+    </dgm:scene3d>
+    <dgm:sp3d/>
+    <dgm:txPr/>
+    <dgm:style>
+      <a:lnRef idx="2">
+        <a:scrgbClr r="0" g="0" b="0"/>
+      </a:lnRef>
+      <a:fillRef idx="1">
+        <a:scrgbClr r="0" g="0" b="0"/>
+      </a:fillRef>
+      <a:effectRef idx="0">
+        <a:scrgbClr r="0" g="0" b="0"/>
+      </a:effectRef>
+      <a:fontRef idx="minor">
+        <a:schemeClr val="lt1"/>
+      </a:fontRef>
+    </dgm:style>
+  </dgm:styleLbl>
+  <dgm:styleLbl name="parChTrans2D1">
+    <dgm:scene3d>
+      <a:camera prst="orthographicFront"/>
+      <a:lightRig rig="threePt" dir="t"/>
+    </dgm:scene3d>
+    <dgm:sp3d/>
+    <dgm:txPr/>
+    <dgm:style>
+      <a:lnRef idx="2">
+        <a:scrgbClr r="0" g="0" b="0"/>
+      </a:lnRef>
+      <a:fillRef idx="1">
+        <a:scrgbClr r="0" g="0" b="0"/>
+      </a:fillRef>
+      <a:effectRef idx="0">
+        <a:scrgbClr r="0" g="0" b="0"/>
+      </a:effectRef>
+      <a:fontRef idx="minor">
+        <a:schemeClr val="lt1"/>
+      </a:fontRef>
+    </dgm:style>
+  </dgm:styleLbl>
+  <dgm:styleLbl name="parChTrans2D2">
+    <dgm:scene3d>
+      <a:camera prst="orthographicFront"/>
+      <a:lightRig rig="threePt" dir="t"/>
+    </dgm:scene3d>
+    <dgm:sp3d/>
+    <dgm:txPr/>
+    <dgm:style>
+      <a:lnRef idx="2">
+        <a:scrgbClr r="0" g="0" b="0"/>
+      </a:lnRef>
+      <a:fillRef idx="1">
+        <a:scrgbClr r="0" g="0" b="0"/>
+      </a:fillRef>
+      <a:effectRef idx="0">
+        <a:scrgbClr r="0" g="0" b="0"/>
+      </a:effectRef>
+      <a:fontRef idx="minor">
+        <a:schemeClr val="lt1"/>
+      </a:fontRef>
+    </dgm:style>
+  </dgm:styleLbl>
+  <dgm:styleLbl name="parChTrans2D3">
+    <dgm:scene3d>
+      <a:camera prst="orthographicFront"/>
+      <a:lightRig rig="threePt" dir="t"/>
+    </dgm:scene3d>
+    <dgm:sp3d/>
+    <dgm:txPr/>
+    <dgm:style>
+      <a:lnRef idx="2">
+        <a:scrgbClr r="0" g="0" b="0"/>
+      </a:lnRef>
+      <a:fillRef idx="1">
+        <a:scrgbClr r="0" g="0" b="0"/>
+      </a:fillRef>
+      <a:effectRef idx="0">
+        <a:scrgbClr r="0" g="0" b="0"/>
+      </a:effectRef>
+      <a:fontRef idx="minor">
+        <a:schemeClr val="lt1"/>
+      </a:fontRef>
+    </dgm:style>
+  </dgm:styleLbl>
+  <dgm:styleLbl name="parChTrans2D4">
+    <dgm:scene3d>
+      <a:camera prst="orthographicFront"/>
+      <a:lightRig rig="threePt" dir="t"/>
+    </dgm:scene3d>
+    <dgm:sp3d/>
+    <dgm:txPr/>
+    <dgm:style>
+      <a:lnRef idx="2">
+        <a:scrgbClr r="0" g="0" b="0"/>
+      </a:lnRef>
+      <a:fillRef idx="1">
+        <a:scrgbClr r="0" g="0" b="0"/>
+      </a:fillRef>
+      <a:effectRef idx="0">
+        <a:scrgbClr r="0" g="0" b="0"/>
+      </a:effectRef>
+      <a:fontRef idx="minor">
+        <a:schemeClr val="lt1"/>
+      </a:fontRef>
+    </dgm:style>
+  </dgm:styleLbl>
+  <dgm:styleLbl name="parChTrans1D1">
+    <dgm:scene3d>
+      <a:camera prst="orthographicFront"/>
+      <a:lightRig rig="threePt" dir="t"/>
+    </dgm:scene3d>
+    <dgm:sp3d/>
+    <dgm:txPr/>
+    <dgm:style>
+      <a:lnRef idx="2">
+        <a:scrgbClr r="0" g="0" b="0"/>
+      </a:lnRef>
+      <a:fillRef idx="0">
+        <a:scrgbClr r="0" g="0" b="0"/>
+      </a:fillRef>
+      <a:effectRef idx="0">
+        <a:scrgbClr r="0" g="0" b="0"/>
+      </a:effectRef>
+      <a:fontRef idx="minor"/>
+    </dgm:style>
+  </dgm:styleLbl>
+  <dgm:styleLbl name="parChTrans1D2">
+    <dgm:scene3d>
+      <a:camera prst="orthographicFront"/>
+      <a:lightRig rig="threePt" dir="t"/>
+    </dgm:scene3d>
+    <dgm:sp3d/>
+    <dgm:txPr/>
+    <dgm:style>
+      <a:lnRef idx="2">
+        <a:scrgbClr r="0" g="0" b="0"/>
+      </a:lnRef>
+      <a:fillRef idx="0">
+        <a:scrgbClr r="0" g="0" b="0"/>
+      </a:fillRef>
+      <a:effectRef idx="0">
+        <a:scrgbClr r="0" g="0" b="0"/>
+      </a:effectRef>
+      <a:fontRef idx="minor"/>
+    </dgm:style>
+  </dgm:styleLbl>
+  <dgm:styleLbl name="parChTrans1D3">
+    <dgm:scene3d>
+      <a:camera prst="orthographicFront"/>
+      <a:lightRig rig="threePt" dir="t"/>
+    </dgm:scene3d>
+    <dgm:sp3d/>
+    <dgm:txPr/>
+    <dgm:style>
+      <a:lnRef idx="2">
+        <a:scrgbClr r="0" g="0" b="0"/>
+      </a:lnRef>
+      <a:fillRef idx="0">
+        <a:scrgbClr r="0" g="0" b="0"/>
+      </a:fillRef>
+      <a:effectRef idx="0">
+        <a:scrgbClr r="0" g="0" b="0"/>
+      </a:effectRef>
+      <a:fontRef idx="minor"/>
+    </dgm:style>
+  </dgm:styleLbl>
+  <dgm:styleLbl name="parChTrans1D4">
+    <dgm:scene3d>
+      <a:camera prst="orthographicFront"/>
+      <a:lightRig rig="threePt" dir="t"/>
+    </dgm:scene3d>
+    <dgm:sp3d/>
+    <dgm:txPr/>
+    <dgm:style>
+      <a:lnRef idx="2">
+        <a:scrgbClr r="0" g="0" b="0"/>
+      </a:lnRef>
+      <a:fillRef idx="0">
+        <a:scrgbClr r="0" g="0" b="0"/>
+      </a:fillRef>
+      <a:effectRef idx="0">
+        <a:scrgbClr r="0" g="0" b="0"/>
+      </a:effectRef>
+      <a:fontRef idx="minor"/>
+    </dgm:style>
+  </dgm:styleLbl>
+  <dgm:styleLbl name="fgAcc1">
+    <dgm:scene3d>
+      <a:camera prst="orthographicFront"/>
+      <a:lightRig rig="threePt" dir="t"/>
+    </dgm:scene3d>
+    <dgm:sp3d/>
+    <dgm:txPr/>
+    <dgm:style>
+      <a:lnRef idx="2">
+        <a:scrgbClr r="0" g="0" b="0"/>
+      </a:lnRef>
+      <a:fillRef idx="1">
+        <a:scrgbClr r="0" g="0" b="0"/>
+      </a:fillRef>
+      <a:effectRef idx="0">
+        <a:scrgbClr r="0" g="0" b="0"/>
+      </a:effectRef>
+      <a:fontRef idx="minor"/>
+    </dgm:style>
+  </dgm:styleLbl>
+  <dgm:styleLbl name="conFgAcc1">
+    <dgm:scene3d>
+      <a:camera prst="orthographicFront"/>
+      <a:lightRig rig="threePt" dir="t"/>
+    </dgm:scene3d>
+    <dgm:sp3d/>
+    <dgm:txPr/>
+    <dgm:style>
+      <a:lnRef idx="2">
+        <a:scrgbClr r="0" g="0" b="0"/>
+      </a:lnRef>
+      <a:fillRef idx="1">
+        <a:scrgbClr r="0" g="0" b="0"/>
+      </a:fillRef>
+      <a:effectRef idx="0">
+        <a:scrgbClr r="0" g="0" b="0"/>
+      </a:effectRef>
+      <a:fontRef idx="minor"/>
+    </dgm:style>
+  </dgm:styleLbl>
+  <dgm:styleLbl name="alignAcc1">
+    <dgm:scene3d>
+      <a:camera prst="orthographicFront"/>
+      <a:lightRig rig="threePt" dir="t"/>
+    </dgm:scene3d>
+    <dgm:sp3d/>
+    <dgm:txPr/>
+    <dgm:style>
+      <a:lnRef idx="2">
+        <a:scrgbClr r="0" g="0" b="0"/>
+      </a:lnRef>
+      <a:fillRef idx="1">
+        <a:scrgbClr r="0" g="0" b="0"/>
+      </a:fillRef>
+      <a:effectRef idx="0">
+        <a:scrgbClr r="0" g="0" b="0"/>
+      </a:effectRef>
+      <a:fontRef idx="minor"/>
+    </dgm:style>
+  </dgm:styleLbl>
+  <dgm:styleLbl name="trAlignAcc1">
+    <dgm:scene3d>
+      <a:camera prst="orthographicFront"/>
+      <a:lightRig rig="threePt" dir="t"/>
+    </dgm:scene3d>
+    <dgm:sp3d/>
+    <dgm:txPr/>
+    <dgm:style>
+      <a:lnRef idx="1">
+        <a:scrgbClr r="0" g="0" b="0"/>
+      </a:lnRef>
+      <a:fillRef idx="1">
+        <a:scrgbClr r="0" g="0" b="0"/>
+      </a:fillRef>
+      <a:effectRef idx="0">
+        <a:scrgbClr r="0" g="0" b="0"/>
+      </a:effectRef>
+      <a:fontRef idx="minor"/>
+    </dgm:style>
+  </dgm:styleLbl>
+  <dgm:styleLbl name="bgAcc1">
+    <dgm:scene3d>
+      <a:camera prst="orthographicFront"/>
+      <a:lightRig rig="threePt" dir="t"/>
+    </dgm:scene3d>
+    <dgm:sp3d/>
+    <dgm:txPr/>
+    <dgm:style>
+      <a:lnRef idx="2">
+        <a:scrgbClr r="0" g="0" b="0"/>
+      </a:lnRef>
+      <a:fillRef idx="1">
+        <a:scrgbClr r="0" g="0" b="0"/>
+      </a:fillRef>
+      <a:effectRef idx="0">
+        <a:scrgbClr r="0" g="0" b="0"/>
+      </a:effectRef>
+      <a:fontRef idx="minor"/>
+    </dgm:style>
+  </dgm:styleLbl>
+  <dgm:styleLbl name="solidFgAcc1">
+    <dgm:scene3d>
+      <a:camera prst="orthographicFront"/>
+      <a:lightRig rig="threePt" dir="t"/>
+    </dgm:scene3d>
+    <dgm:sp3d/>
+    <dgm:txPr/>
+    <dgm:style>
+      <a:lnRef idx="2">
+        <a:scrgbClr r="0" g="0" b="0"/>
+      </a:lnRef>
+      <a:fillRef idx="1">
+        <a:scrgbClr r="0" g="0" b="0"/>
+      </a:fillRef>
+      <a:effectRef idx="0">
+        <a:scrgbClr r="0" g="0" b="0"/>
+      </a:effectRef>
+      <a:fontRef idx="minor"/>
+    </dgm:style>
+  </dgm:styleLbl>
+  <dgm:styleLbl name="solidAlignAcc1">
+    <dgm:scene3d>
+      <a:camera prst="orthographicFront"/>
+      <a:lightRig rig="threePt" dir="t"/>
+    </dgm:scene3d>
+    <dgm:sp3d/>
+    <dgm:txPr/>
+    <dgm:style>
+      <a:lnRef idx="2">
+        <a:scrgbClr r="0" g="0" b="0"/>
+      </a:lnRef>
+      <a:fillRef idx="1">
+        <a:scrgbClr r="0" g="0" b="0"/>
+      </a:fillRef>
+      <a:effectRef idx="0">
+        <a:scrgbClr r="0" g="0" b="0"/>
+      </a:effectRef>
+      <a:fontRef idx="minor"/>
+    </dgm:style>
+  </dgm:styleLbl>
+  <dgm:styleLbl name="solidBgAcc1">
+    <dgm:scene3d>
+      <a:camera prst="orthographicFront"/>
+      <a:lightRig rig="threePt" dir="t"/>
+    </dgm:scene3d>
+    <dgm:sp3d/>
+    <dgm:txPr/>
+    <dgm:style>
+      <a:lnRef idx="2">
+        <a:scrgbClr r="0" g="0" b="0"/>
+      </a:lnRef>
+      <a:fillRef idx="1">
+        <a:scrgbClr r="0" g="0" b="0"/>
+      </a:fillRef>
+      <a:effectRef idx="0">
+        <a:scrgbClr r="0" g="0" b="0"/>
+      </a:effectRef>
+      <a:fontRef idx="minor"/>
+    </dgm:style>
+  </dgm:styleLbl>
+  <dgm:styleLbl name="fgAccFollowNode1">
+    <dgm:scene3d>
+      <a:camera prst="orthographicFront"/>
+      <a:lightRig rig="threePt" dir="t"/>
+    </dgm:scene3d>
+    <dgm:sp3d/>
+    <dgm:txPr/>
+    <dgm:style>
+      <a:lnRef idx="2">
+        <a:scrgbClr r="0" g="0" b="0"/>
+      </a:lnRef>
+      <a:fillRef idx="1">
+        <a:scrgbClr r="0" g="0" b="0"/>
+      </a:fillRef>
+      <a:effectRef idx="0">
+        <a:scrgbClr r="0" g="0" b="0"/>
+      </a:effectRef>
+      <a:fontRef idx="minor"/>
+    </dgm:style>
+  </dgm:styleLbl>
+  <dgm:styleLbl name="alignAccFollowNode1">
+    <dgm:scene3d>
+      <a:camera prst="orthographicFront"/>
+      <a:lightRig rig="threePt" dir="t"/>
+    </dgm:scene3d>
+    <dgm:sp3d/>
+    <dgm:txPr/>
+    <dgm:style>
+      <a:lnRef idx="2">
+        <a:scrgbClr r="0" g="0" b="0"/>
+      </a:lnRef>
+      <a:fillRef idx="1">
+        <a:scrgbClr r="0" g="0" b="0"/>
+      </a:fillRef>
+      <a:effectRef idx="0">
+        <a:scrgbClr r="0" g="0" b="0"/>
+      </a:effectRef>
+      <a:fontRef idx="minor"/>
+    </dgm:style>
+  </dgm:styleLbl>
+  <dgm:styleLbl name="bgAccFollowNode1">
+    <dgm:scene3d>
+      <a:camera prst="orthographicFront"/>
+      <a:lightRig rig="threePt" dir="t"/>
+    </dgm:scene3d>
+    <dgm:sp3d/>
+    <dgm:txPr/>
+    <dgm:style>
+      <a:lnRef idx="2">
+        <a:scrgbClr r="0" g="0" b="0"/>
+      </a:lnRef>
+      <a:fillRef idx="1">
+        <a:scrgbClr r="0" g="0" b="0"/>
+      </a:fillRef>
+      <a:effectRef idx="0">
+        <a:scrgbClr r="0" g="0" b="0"/>
+      </a:effectRef>
+      <a:fontRef idx="minor"/>
+    </dgm:style>
+  </dgm:styleLbl>
+  <dgm:styleLbl name="fgAcc0">
+    <dgm:scene3d>
+      <a:camera prst="orthographicFront"/>
+      <a:lightRig rig="threePt" dir="t"/>
+    </dgm:scene3d>
+    <dgm:sp3d/>
+    <dgm:txPr/>
+    <dgm:style>
+      <a:lnRef idx="2">
+        <a:scrgbClr r="0" g="0" b="0"/>
+      </a:lnRef>
+      <a:fillRef idx="1">
+        <a:scrgbClr r="0" g="0" b="0"/>
+      </a:fillRef>
+      <a:effectRef idx="0">
+        <a:scrgbClr r="0" g="0" b="0"/>
+      </a:effectRef>
+      <a:fontRef idx="minor"/>
+    </dgm:style>
+  </dgm:styleLbl>
+  <dgm:styleLbl name="fgAcc2">
+    <dgm:scene3d>
+      <a:camera prst="orthographicFront"/>
+      <a:lightRig rig="threePt" dir="t"/>
+    </dgm:scene3d>
+    <dgm:sp3d/>
+    <dgm:txPr/>
+    <dgm:style>
+      <a:lnRef idx="2">
+        <a:scrgbClr r="0" g="0" b="0"/>
+      </a:lnRef>
+      <a:fillRef idx="1">
+        <a:scrgbClr r="0" g="0" b="0"/>
+      </a:fillRef>
+      <a:effectRef idx="0">
+        <a:scrgbClr r="0" g="0" b="0"/>
+      </a:effectRef>
+      <a:fontRef idx="minor"/>
+    </dgm:style>
+  </dgm:styleLbl>
+  <dgm:styleLbl name="fgAcc3">
+    <dgm:scene3d>
+      <a:camera prst="orthographicFront"/>
+      <a:lightRig rig="threePt" dir="t"/>
+    </dgm:scene3d>
+    <dgm:sp3d/>
+    <dgm:txPr/>
+    <dgm:style>
+      <a:lnRef idx="2">
+        <a:scrgbClr r="0" g="0" b="0"/>
+      </a:lnRef>
+      <a:fillRef idx="1">
+        <a:scrgbClr r="0" g="0" b="0"/>
+      </a:fillRef>
+      <a:effectRef idx="0">
+        <a:scrgbClr r="0" g="0" b="0"/>
+      </a:effectRef>
+      <a:fontRef idx="minor"/>
+    </dgm:style>
+  </dgm:styleLbl>
+  <dgm:styleLbl name="fgAcc4">
+    <dgm:scene3d>
+      <a:camera prst="orthographicFront"/>
+      <a:lightRig rig="threePt" dir="t"/>
+    </dgm:scene3d>
+    <dgm:sp3d/>
+    <dgm:txPr/>
+    <dgm:style>
+      <a:lnRef idx="2">
+        <a:scrgbClr r="0" g="0" b="0"/>
+      </a:lnRef>
+      <a:fillRef idx="1">
+        <a:scrgbClr r="0" g="0" b="0"/>
+      </a:fillRef>
+      <a:effectRef idx="0">
+        <a:scrgbClr r="0" g="0" b="0"/>
+      </a:effectRef>
+      <a:fontRef idx="minor"/>
+    </dgm:style>
+  </dgm:styleLbl>
+  <dgm:styleLbl name="bgShp">
+    <dgm:scene3d>
+      <a:camera prst="orthographicFront"/>
+      <a:lightRig rig="threePt" dir="t"/>
+    </dgm:scene3d>
+    <dgm:sp3d/>
+    <dgm:txPr/>
+    <dgm:style>
+      <a:lnRef idx="0">
+        <a:scrgbClr r="0" g="0" b="0"/>
+      </a:lnRef>
+      <a:fillRef idx="1">
+        <a:scrgbClr r="0" g="0" b="0"/>
+      </a:fillRef>
+      <a:effectRef idx="0">
+        <a:scrgbClr r="0" g="0" b="0"/>
+      </a:effectRef>
+      <a:fontRef idx="minor"/>
+    </dgm:style>
+  </dgm:styleLbl>
+  <dgm:styleLbl name="dkBgShp">
+    <dgm:scene3d>
+      <a:camera prst="orthographicFront"/>
+      <a:lightRig rig="threePt" dir="t"/>
+    </dgm:scene3d>
+    <dgm:sp3d/>
+    <dgm:txPr/>
+    <dgm:style>
+      <a:lnRef idx="0">
+        <a:scrgbClr r="0" g="0" b="0"/>
+      </a:lnRef>
+      <a:fillRef idx="1">
+        <a:scrgbClr r="0" g="0" b="0"/>
+      </a:fillRef>
+      <a:effectRef idx="0">
+        <a:scrgbClr r="0" g="0" b="0"/>
+      </a:effectRef>
+      <a:fontRef idx="minor"/>
+    </dgm:style>
+  </dgm:styleLbl>
+  <dgm:styleLbl name="trBgShp">
+    <dgm:scene3d>
+      <a:camera prst="orthographicFront"/>
+      <a:lightRig rig="threePt" dir="t"/>
+    </dgm:scene3d>
+    <dgm:sp3d/>
+    <dgm:txPr/>
+    <dgm:style>
+      <a:lnRef idx="0">
+        <a:scrgbClr r="0" g="0" b="0"/>
+      </a:lnRef>
+      <a:fillRef idx="1">
+        <a:scrgbClr r="0" g="0" b="0"/>
+      </a:fillRef>
+      <a:effectRef idx="0">
+        <a:scrgbClr r="0" g="0" b="0"/>
+      </a:effectRef>
+      <a:fontRef idx="minor"/>
+    </dgm:style>
+  </dgm:styleLbl>
+  <dgm:styleLbl name="fgShp">
+    <dgm:scene3d>
+      <a:camera prst="orthographicFront"/>
+      <a:lightRig rig="threePt" dir="t"/>
+    </dgm:scene3d>
+    <dgm:sp3d/>
+    <dgm:txPr/>
+    <dgm:style>
+      <a:lnRef idx="2">
+        <a:scrgbClr r="0" g="0" b="0"/>
+      </a:lnRef>
+      <a:fillRef idx="1">
+        <a:scrgbClr r="0" g="0" b="0"/>
+      </a:fillRef>
+      <a:effectRef idx="0">
+        <a:scrgbClr r="0" g="0" b="0"/>
+      </a:effectRef>
+      <a:fontRef idx="minor"/>
+    </dgm:style>
+  </dgm:styleLbl>
+  <dgm:styleLbl name="revTx">
+    <dgm:scene3d>
+      <a:camera prst="orthographicFront"/>
+      <a:lightRig rig="threePt" dir="t"/>
+    </dgm:scene3d>
+    <dgm:sp3d/>
+    <dgm:txPr/>
+    <dgm:style>
+      <a:lnRef idx="0">
+        <a:scrgbClr r="0" g="0" b="0"/>
+      </a:lnRef>
+      <a:fillRef idx="0">
+        <a:scrgbClr r="0" g="0" b="0"/>
+      </a:fillRef>
+      <a:effectRef idx="0">
+        <a:scrgbClr r="0" g="0" b="0"/>
+      </a:effectRef>
+      <a:fontRef idx="minor"/>
+    </dgm:style>
+  </dgm:styleLbl>
+</dgm:styleDef>
+</file>
+
 <file path=ppt/slideLayouts/slideLayout1.xml><?xml version="1.0" encoding="utf-8"?>
 <p:sldLayout xmlns:a="http://schemas.openxmlformats.org/drawingml/2006/main" xmlns:r="http://schemas.openxmlformats.org/officeDocument/2006/relationships" xmlns:p="http://schemas.openxmlformats.org/presentationml/2006/main" type="title" preserve="1">
   <p:cSld name="Title Slide">
@@ -264,7 +5388,7 @@
           <a:p>
             <a:fld id="{25E08D22-8ABF-4F25-8268-5655165803FF}" type="datetimeFigureOut">
               <a:rPr lang="en-US" smtClean="0"/>
-              <a:t>5/23/2020</a:t>
+              <a:t>5/27/2020</a:t>
             </a:fld>
             <a:endParaRPr lang="en-US"/>
           </a:p>
@@ -462,7 +5586,7 @@
           <a:p>
             <a:fld id="{25E08D22-8ABF-4F25-8268-5655165803FF}" type="datetimeFigureOut">
               <a:rPr lang="en-US" smtClean="0"/>
-              <a:t>5/23/2020</a:t>
+              <a:t>5/27/2020</a:t>
             </a:fld>
             <a:endParaRPr lang="en-US"/>
           </a:p>
@@ -670,7 +5794,7 @@
           <a:p>
             <a:fld id="{25E08D22-8ABF-4F25-8268-5655165803FF}" type="datetimeFigureOut">
               <a:rPr lang="en-US" smtClean="0"/>
-              <a:t>5/23/2020</a:t>
+              <a:t>5/27/2020</a:t>
             </a:fld>
             <a:endParaRPr lang="en-US"/>
           </a:p>
@@ -868,7 +5992,7 @@
           <a:p>
             <a:fld id="{25E08D22-8ABF-4F25-8268-5655165803FF}" type="datetimeFigureOut">
               <a:rPr lang="en-US" smtClean="0"/>
-              <a:t>5/23/2020</a:t>
+              <a:t>5/27/2020</a:t>
             </a:fld>
             <a:endParaRPr lang="en-US"/>
           </a:p>
@@ -1143,7 +6267,7 @@
           <a:p>
             <a:fld id="{25E08D22-8ABF-4F25-8268-5655165803FF}" type="datetimeFigureOut">
               <a:rPr lang="en-US" smtClean="0"/>
-              <a:t>5/23/2020</a:t>
+              <a:t>5/27/2020</a:t>
             </a:fld>
             <a:endParaRPr lang="en-US"/>
           </a:p>
@@ -1408,7 +6532,7 @@
           <a:p>
             <a:fld id="{25E08D22-8ABF-4F25-8268-5655165803FF}" type="datetimeFigureOut">
               <a:rPr lang="en-US" smtClean="0"/>
-              <a:t>5/23/2020</a:t>
+              <a:t>5/27/2020</a:t>
             </a:fld>
             <a:endParaRPr lang="en-US"/>
           </a:p>
@@ -1820,7 +6944,7 @@
           <a:p>
             <a:fld id="{25E08D22-8ABF-4F25-8268-5655165803FF}" type="datetimeFigureOut">
               <a:rPr lang="en-US" smtClean="0"/>
-              <a:t>5/23/2020</a:t>
+              <a:t>5/27/2020</a:t>
             </a:fld>
             <a:endParaRPr lang="en-US"/>
           </a:p>
@@ -1961,7 +7085,7 @@
           <a:p>
             <a:fld id="{25E08D22-8ABF-4F25-8268-5655165803FF}" type="datetimeFigureOut">
               <a:rPr lang="en-US" smtClean="0"/>
-              <a:t>5/23/2020</a:t>
+              <a:t>5/27/2020</a:t>
             </a:fld>
             <a:endParaRPr lang="en-US"/>
           </a:p>
@@ -2074,7 +7198,7 @@
           <a:p>
             <a:fld id="{25E08D22-8ABF-4F25-8268-5655165803FF}" type="datetimeFigureOut">
               <a:rPr lang="en-US" smtClean="0"/>
-              <a:t>5/23/2020</a:t>
+              <a:t>5/27/2020</a:t>
             </a:fld>
             <a:endParaRPr lang="en-US"/>
           </a:p>
@@ -2385,7 +7509,7 @@
           <a:p>
             <a:fld id="{25E08D22-8ABF-4F25-8268-5655165803FF}" type="datetimeFigureOut">
               <a:rPr lang="en-US" smtClean="0"/>
-              <a:t>5/23/2020</a:t>
+              <a:t>5/27/2020</a:t>
             </a:fld>
             <a:endParaRPr lang="en-US"/>
           </a:p>
@@ -2673,7 +7797,7 @@
           <a:p>
             <a:fld id="{25E08D22-8ABF-4F25-8268-5655165803FF}" type="datetimeFigureOut">
               <a:rPr lang="en-US" smtClean="0"/>
-              <a:t>5/23/2020</a:t>
+              <a:t>5/27/2020</a:t>
             </a:fld>
             <a:endParaRPr lang="en-US"/>
           </a:p>
@@ -2914,7 +8038,7 @@
           <a:p>
             <a:fld id="{25E08D22-8ABF-4F25-8268-5655165803FF}" type="datetimeFigureOut">
               <a:rPr lang="en-US" smtClean="0"/>
-              <a:t>5/23/2020</a:t>
+              <a:t>5/27/2020</a:t>
             </a:fld>
             <a:endParaRPr lang="en-US"/>
           </a:p>
@@ -7040,6 +12164,562 @@
           </a:graphicData>
         </a:graphic>
       </p:graphicFrame>
+      <p:sp>
+        <p:nvSpPr>
+          <p:cNvPr id="3" name="Rectangle 1">
+            <a:extLst>
+              <a:ext uri="{FF2B5EF4-FFF2-40B4-BE49-F238E27FC236}">
+                <a16:creationId xmlns:a16="http://schemas.microsoft.com/office/drawing/2014/main" id="{840FFD54-16BE-4A88-9DA3-71277794AC1E}"/>
+              </a:ext>
+            </a:extLst>
+          </p:cNvPr>
+          <p:cNvSpPr>
+            <a:spLocks noChangeArrowheads="1"/>
+          </p:cNvSpPr>
+          <p:nvPr/>
+        </p:nvSpPr>
+        <p:spPr bwMode="auto">
+          <a:xfrm>
+            <a:off x="1822300" y="4231320"/>
+            <a:ext cx="7902430" cy="1938992"/>
+          </a:xfrm>
+          <a:prstGeom prst="rect">
+            <a:avLst/>
+          </a:prstGeom>
+          <a:solidFill>
+            <a:srgbClr val="2A2A2E"/>
+          </a:solidFill>
+          <a:ln>
+            <a:noFill/>
+          </a:ln>
+          <a:effectLst/>
+          <a:extLst>
+            <a:ext uri="{91240B29-F687-4F45-9708-019B960494DF}">
+              <a14:hiddenLine xmlns:a14="http://schemas.microsoft.com/office/drawing/2010/main" w="9525">
+                <a:solidFill>
+                  <a:schemeClr val="tx1"/>
+                </a:solidFill>
+                <a:miter lim="800000"/>
+                <a:headEnd/>
+                <a:tailEnd/>
+              </a14:hiddenLine>
+            </a:ext>
+            <a:ext uri="{AF507438-7753-43E0-B8FC-AC1667EBCBE1}">
+              <a14:hiddenEffects xmlns:a14="http://schemas.microsoft.com/office/drawing/2010/main">
+                <a:effectLst>
+                  <a:outerShdw dist="35921" dir="2700000" algn="ctr" rotWithShape="0">
+                    <a:schemeClr val="bg2"/>
+                  </a:outerShdw>
+                </a:effectLst>
+              </a14:hiddenEffects>
+            </a:ext>
+          </a:extLst>
+        </p:spPr>
+        <p:txBody>
+          <a:bodyPr vert="horz" wrap="square" lIns="91440" tIns="45720" rIns="91440" bIns="45720" numCol="1" anchor="ctr" anchorCtr="0" compatLnSpc="1">
+            <a:prstTxWarp prst="textNoShape">
+              <a:avLst/>
+            </a:prstTxWarp>
+            <a:spAutoFit/>
+          </a:bodyPr>
+          <a:lstStyle/>
+          <a:p>
+            <a:pPr marL="0" marR="0" lvl="0" indent="0" algn="l" defTabSz="914400" rtl="0" eaLnBrk="0" fontAlgn="base" latinLnBrk="0" hangingPunct="0">
+              <a:lnSpc>
+                <a:spcPct val="100000"/>
+              </a:lnSpc>
+              <a:spcBef>
+                <a:spcPct val="0"/>
+              </a:spcBef>
+              <a:spcAft>
+                <a:spcPct val="0"/>
+              </a:spcAft>
+              <a:buClrTx/>
+              <a:buSzTx/>
+              <a:buFontTx/>
+              <a:buNone/>
+              <a:tabLst/>
+            </a:pPr>
+            <a:r>
+              <a:rPr kumimoji="0" lang="en-US" altLang="en-US" sz="2000" b="0" i="0" u="none" strike="noStrike" cap="none" normalizeH="0" baseline="0" dirty="0">
+                <a:ln>
+                  <a:noFill/>
+                </a:ln>
+                <a:solidFill>
+                  <a:srgbClr val="B1B1B3"/>
+                </a:solidFill>
+                <a:effectLst/>
+                <a:latin typeface="var(--vscode-editor-font-family)"/>
+              </a:rPr>
+              <a:t>Index(['</a:t>
+            </a:r>
+            <a:r>
+              <a:rPr kumimoji="0" lang="en-US" altLang="en-US" sz="2000" b="0" i="0" u="none" strike="noStrike" cap="none" normalizeH="0" baseline="0" dirty="0" err="1">
+                <a:ln>
+                  <a:noFill/>
+                </a:ln>
+                <a:solidFill>
+                  <a:srgbClr val="B1B1B3"/>
+                </a:solidFill>
+                <a:effectLst/>
+                <a:latin typeface="var(--vscode-editor-font-family)"/>
+              </a:rPr>
+              <a:t>case_id</a:t>
+            </a:r>
+            <a:r>
+              <a:rPr kumimoji="0" lang="en-US" altLang="en-US" sz="2000" b="0" i="0" u="none" strike="noStrike" cap="none" normalizeH="0" baseline="0" dirty="0">
+                <a:ln>
+                  <a:noFill/>
+                </a:ln>
+                <a:solidFill>
+                  <a:srgbClr val="B1B1B3"/>
+                </a:solidFill>
+                <a:effectLst/>
+                <a:latin typeface="var(--vscode-editor-font-family)"/>
+              </a:rPr>
+              <a:t>', '</a:t>
+            </a:r>
+            <a:r>
+              <a:rPr kumimoji="0" lang="en-US" altLang="en-US" sz="2000" b="0" i="0" u="none" strike="noStrike" cap="none" normalizeH="0" baseline="0" dirty="0" err="1">
+                <a:ln>
+                  <a:noFill/>
+                </a:ln>
+                <a:solidFill>
+                  <a:srgbClr val="B1B1B3"/>
+                </a:solidFill>
+                <a:effectLst/>
+                <a:latin typeface="var(--vscode-editor-font-family)"/>
+              </a:rPr>
+              <a:t>case_participant_id</a:t>
+            </a:r>
+            <a:r>
+              <a:rPr kumimoji="0" lang="en-US" altLang="en-US" sz="2000" b="0" i="0" u="none" strike="noStrike" cap="none" normalizeH="0" baseline="0" dirty="0">
+                <a:ln>
+                  <a:noFill/>
+                </a:ln>
+                <a:solidFill>
+                  <a:srgbClr val="B1B1B3"/>
+                </a:solidFill>
+                <a:effectLst/>
+                <a:latin typeface="var(--vscode-editor-font-family)"/>
+              </a:rPr>
+              <a:t>', '</a:t>
+            </a:r>
+            <a:r>
+              <a:rPr kumimoji="0" lang="en-US" altLang="en-US" sz="2000" b="0" i="0" u="none" strike="noStrike" cap="none" normalizeH="0" baseline="0" dirty="0" err="1">
+                <a:ln>
+                  <a:noFill/>
+                </a:ln>
+                <a:solidFill>
+                  <a:srgbClr val="B1B1B3"/>
+                </a:solidFill>
+                <a:effectLst/>
+                <a:latin typeface="var(--vscode-editor-font-family)"/>
+              </a:rPr>
+              <a:t>charge_id</a:t>
+            </a:r>
+            <a:r>
+              <a:rPr kumimoji="0" lang="en-US" altLang="en-US" sz="2000" b="0" i="0" u="none" strike="noStrike" cap="none" normalizeH="0" baseline="0" dirty="0">
+                <a:ln>
+                  <a:noFill/>
+                </a:ln>
+                <a:solidFill>
+                  <a:srgbClr val="B1B1B3"/>
+                </a:solidFill>
+                <a:effectLst/>
+                <a:latin typeface="var(--vscode-editor-font-family)"/>
+              </a:rPr>
+              <a:t>', '</a:t>
+            </a:r>
+            <a:r>
+              <a:rPr kumimoji="0" lang="en-US" altLang="en-US" sz="2000" b="0" i="0" u="none" strike="noStrike" cap="none" normalizeH="0" baseline="0" dirty="0" err="1">
+                <a:ln>
+                  <a:noFill/>
+                </a:ln>
+                <a:solidFill>
+                  <a:srgbClr val="B1B1B3"/>
+                </a:solidFill>
+                <a:effectLst/>
+                <a:latin typeface="var(--vscode-editor-font-family)"/>
+              </a:rPr>
+              <a:t>charge_version_id</a:t>
+            </a:r>
+            <a:r>
+              <a:rPr kumimoji="0" lang="en-US" altLang="en-US" sz="2000" b="0" i="0" u="none" strike="noStrike" cap="none" normalizeH="0" baseline="0" dirty="0">
+                <a:ln>
+                  <a:noFill/>
+                </a:ln>
+                <a:solidFill>
+                  <a:srgbClr val="B1B1B3"/>
+                </a:solidFill>
+                <a:effectLst/>
+                <a:latin typeface="var(--vscode-editor-font-family)"/>
+              </a:rPr>
+              <a:t>', '</a:t>
+            </a:r>
+            <a:r>
+              <a:rPr kumimoji="0" lang="en-US" altLang="en-US" sz="2000" b="0" i="0" u="none" strike="noStrike" cap="none" normalizeH="0" baseline="0" dirty="0" err="1">
+                <a:ln>
+                  <a:noFill/>
+                </a:ln>
+                <a:solidFill>
+                  <a:srgbClr val="B1B1B3"/>
+                </a:solidFill>
+                <a:effectLst/>
+                <a:latin typeface="var(--vscode-editor-font-family)"/>
+              </a:rPr>
+              <a:t>court_facility</a:t>
+            </a:r>
+            <a:r>
+              <a:rPr kumimoji="0" lang="en-US" altLang="en-US" sz="2000" b="0" i="0" u="none" strike="noStrike" cap="none" normalizeH="0" baseline="0" dirty="0">
+                <a:ln>
+                  <a:noFill/>
+                </a:ln>
+                <a:solidFill>
+                  <a:srgbClr val="B1B1B3"/>
+                </a:solidFill>
+                <a:effectLst/>
+                <a:latin typeface="var(--vscode-editor-font-family)"/>
+              </a:rPr>
+              <a:t>', '</a:t>
+            </a:r>
+            <a:r>
+              <a:rPr kumimoji="0" lang="en-US" altLang="en-US" sz="2000" b="0" i="0" u="none" strike="noStrike" cap="none" normalizeH="0" baseline="0" dirty="0" err="1">
+                <a:ln>
+                  <a:noFill/>
+                </a:ln>
+                <a:solidFill>
+                  <a:srgbClr val="B1B1B3"/>
+                </a:solidFill>
+                <a:effectLst/>
+                <a:latin typeface="var(--vscode-editor-font-family)"/>
+              </a:rPr>
+              <a:t>court_name</a:t>
+            </a:r>
+            <a:r>
+              <a:rPr kumimoji="0" lang="en-US" altLang="en-US" sz="2000" b="0" i="0" u="none" strike="noStrike" cap="none" normalizeH="0" baseline="0" dirty="0">
+                <a:ln>
+                  <a:noFill/>
+                </a:ln>
+                <a:solidFill>
+                  <a:srgbClr val="B1B1B3"/>
+                </a:solidFill>
+                <a:effectLst/>
+                <a:latin typeface="var(--vscode-editor-font-family)"/>
+              </a:rPr>
+              <a:t>', '</a:t>
+            </a:r>
+            <a:r>
+              <a:rPr kumimoji="0" lang="en-US" altLang="en-US" sz="2000" b="0" i="0" u="none" strike="noStrike" cap="none" normalizeH="0" baseline="0" dirty="0" err="1">
+                <a:ln>
+                  <a:noFill/>
+                </a:ln>
+                <a:solidFill>
+                  <a:srgbClr val="B1B1B3"/>
+                </a:solidFill>
+                <a:effectLst/>
+                <a:latin typeface="var(--vscode-editor-font-family)"/>
+              </a:rPr>
+              <a:t>age_at_incident</a:t>
+            </a:r>
+            <a:r>
+              <a:rPr kumimoji="0" lang="en-US" altLang="en-US" sz="2000" b="0" i="0" u="none" strike="noStrike" cap="none" normalizeH="0" baseline="0" dirty="0">
+                <a:ln>
+                  <a:noFill/>
+                </a:ln>
+                <a:solidFill>
+                  <a:srgbClr val="B1B1B3"/>
+                </a:solidFill>
+                <a:effectLst/>
+                <a:latin typeface="var(--vscode-editor-font-family)"/>
+              </a:rPr>
+              <a:t>', 'gender', 'race', '</a:t>
+            </a:r>
+            <a:r>
+              <a:rPr kumimoji="0" lang="en-US" altLang="en-US" sz="2000" b="0" i="0" u="none" strike="noStrike" cap="none" normalizeH="0" baseline="0" dirty="0" err="1">
+                <a:ln>
+                  <a:noFill/>
+                </a:ln>
+                <a:solidFill>
+                  <a:srgbClr val="B1B1B3"/>
+                </a:solidFill>
+                <a:effectLst/>
+                <a:latin typeface="var(--vscode-editor-font-family)"/>
+              </a:rPr>
+              <a:t>charge_disposition</a:t>
+            </a:r>
+            <a:r>
+              <a:rPr kumimoji="0" lang="en-US" altLang="en-US" sz="2000" b="0" i="0" u="none" strike="noStrike" cap="none" normalizeH="0" baseline="0" dirty="0">
+                <a:ln>
+                  <a:noFill/>
+                </a:ln>
+                <a:solidFill>
+                  <a:srgbClr val="B1B1B3"/>
+                </a:solidFill>
+                <a:effectLst/>
+                <a:latin typeface="var(--vscode-editor-font-family)"/>
+              </a:rPr>
+              <a:t>', '</a:t>
+            </a:r>
+            <a:r>
+              <a:rPr kumimoji="0" lang="en-US" altLang="en-US" sz="2000" b="0" i="0" u="none" strike="noStrike" cap="none" normalizeH="0" baseline="0" dirty="0" err="1">
+                <a:ln>
+                  <a:noFill/>
+                </a:ln>
+                <a:solidFill>
+                  <a:srgbClr val="B1B1B3"/>
+                </a:solidFill>
+                <a:effectLst/>
+                <a:latin typeface="var(--vscode-editor-font-family)"/>
+              </a:rPr>
+              <a:t>length_of_case_in_days</a:t>
+            </a:r>
+            <a:r>
+              <a:rPr kumimoji="0" lang="en-US" altLang="en-US" sz="2000" b="0" i="0" u="none" strike="noStrike" cap="none" normalizeH="0" baseline="0" dirty="0">
+                <a:ln>
+                  <a:noFill/>
+                </a:ln>
+                <a:solidFill>
+                  <a:srgbClr val="B1B1B3"/>
+                </a:solidFill>
+                <a:effectLst/>
+                <a:latin typeface="var(--vscode-editor-font-family)"/>
+              </a:rPr>
+              <a:t>', '</a:t>
+            </a:r>
+            <a:r>
+              <a:rPr kumimoji="0" lang="en-US" altLang="en-US" sz="2000" b="0" i="0" u="none" strike="noStrike" cap="none" normalizeH="0" baseline="0" dirty="0" err="1">
+                <a:ln>
+                  <a:noFill/>
+                </a:ln>
+                <a:solidFill>
+                  <a:srgbClr val="B1B1B3"/>
+                </a:solidFill>
+                <a:effectLst/>
+                <a:latin typeface="var(--vscode-editor-font-family)"/>
+              </a:rPr>
+              <a:t>current_sentence</a:t>
+            </a:r>
+            <a:r>
+              <a:rPr kumimoji="0" lang="en-US" altLang="en-US" sz="2000" b="0" i="0" u="none" strike="noStrike" cap="none" normalizeH="0" baseline="0" dirty="0">
+                <a:ln>
+                  <a:noFill/>
+                </a:ln>
+                <a:solidFill>
+                  <a:srgbClr val="B1B1B3"/>
+                </a:solidFill>
+                <a:effectLst/>
+                <a:latin typeface="var(--vscode-editor-font-family)"/>
+              </a:rPr>
+              <a:t>', '</a:t>
+            </a:r>
+            <a:r>
+              <a:rPr kumimoji="0" lang="en-US" altLang="en-US" sz="2000" b="0" i="0" u="none" strike="noStrike" cap="none" normalizeH="0" baseline="0" dirty="0" err="1">
+                <a:ln>
+                  <a:noFill/>
+                </a:ln>
+                <a:solidFill>
+                  <a:srgbClr val="B1B1B3"/>
+                </a:solidFill>
+                <a:effectLst/>
+                <a:latin typeface="var(--vscode-editor-font-family)"/>
+              </a:rPr>
+              <a:t>primary_charge</a:t>
+            </a:r>
+            <a:r>
+              <a:rPr kumimoji="0" lang="en-US" altLang="en-US" sz="2000" b="0" i="0" u="none" strike="noStrike" cap="none" normalizeH="0" baseline="0" dirty="0">
+                <a:ln>
+                  <a:noFill/>
+                </a:ln>
+                <a:solidFill>
+                  <a:srgbClr val="B1B1B3"/>
+                </a:solidFill>
+                <a:effectLst/>
+                <a:latin typeface="var(--vscode-editor-font-family)"/>
+              </a:rPr>
+              <a:t>', '</a:t>
+            </a:r>
+            <a:r>
+              <a:rPr kumimoji="0" lang="en-US" altLang="en-US" sz="2000" b="0" i="0" u="none" strike="noStrike" cap="none" normalizeH="0" baseline="0" dirty="0" err="1">
+                <a:ln>
+                  <a:noFill/>
+                </a:ln>
+                <a:solidFill>
+                  <a:srgbClr val="B1B1B3"/>
+                </a:solidFill>
+                <a:effectLst/>
+                <a:latin typeface="var(--vscode-editor-font-family)"/>
+              </a:rPr>
+              <a:t>sentence_date</a:t>
+            </a:r>
+            <a:r>
+              <a:rPr kumimoji="0" lang="en-US" altLang="en-US" sz="2000" b="0" i="0" u="none" strike="noStrike" cap="none" normalizeH="0" baseline="0" dirty="0">
+                <a:ln>
+                  <a:noFill/>
+                </a:ln>
+                <a:solidFill>
+                  <a:srgbClr val="B1B1B3"/>
+                </a:solidFill>
+                <a:effectLst/>
+                <a:latin typeface="var(--vscode-editor-font-family)"/>
+              </a:rPr>
+              <a:t>', '</a:t>
+            </a:r>
+            <a:r>
+              <a:rPr kumimoji="0" lang="en-US" altLang="en-US" sz="2000" b="0" i="0" u="none" strike="noStrike" cap="none" normalizeH="0" baseline="0" dirty="0" err="1">
+                <a:ln>
+                  <a:noFill/>
+                </a:ln>
+                <a:solidFill>
+                  <a:srgbClr val="B1B1B3"/>
+                </a:solidFill>
+                <a:effectLst/>
+                <a:latin typeface="var(--vscode-editor-font-family)"/>
+              </a:rPr>
+              <a:t>offense_category</a:t>
+            </a:r>
+            <a:r>
+              <a:rPr kumimoji="0" lang="en-US" altLang="en-US" sz="2000" b="0" i="0" u="none" strike="noStrike" cap="none" normalizeH="0" baseline="0" dirty="0">
+                <a:ln>
+                  <a:noFill/>
+                </a:ln>
+                <a:solidFill>
+                  <a:srgbClr val="B1B1B3"/>
+                </a:solidFill>
+                <a:effectLst/>
+                <a:latin typeface="var(--vscode-editor-font-family)"/>
+              </a:rPr>
+              <a:t>', '</a:t>
+            </a:r>
+            <a:r>
+              <a:rPr kumimoji="0" lang="en-US" altLang="en-US" sz="2000" b="0" i="0" u="none" strike="noStrike" cap="none" normalizeH="0" baseline="0" dirty="0" err="1">
+                <a:ln>
+                  <a:noFill/>
+                </a:ln>
+                <a:solidFill>
+                  <a:srgbClr val="B1B1B3"/>
+                </a:solidFill>
+                <a:effectLst/>
+                <a:latin typeface="var(--vscode-editor-font-family)"/>
+              </a:rPr>
+              <a:t>commitment_term</a:t>
+            </a:r>
+            <a:r>
+              <a:rPr kumimoji="0" lang="en-US" altLang="en-US" sz="2000" b="0" i="0" u="none" strike="noStrike" cap="none" normalizeH="0" baseline="0" dirty="0">
+                <a:ln>
+                  <a:noFill/>
+                </a:ln>
+                <a:solidFill>
+                  <a:srgbClr val="B1B1B3"/>
+                </a:solidFill>
+                <a:effectLst/>
+                <a:latin typeface="var(--vscode-editor-font-family)"/>
+              </a:rPr>
+              <a:t>', '</a:t>
+            </a:r>
+            <a:r>
+              <a:rPr kumimoji="0" lang="en-US" altLang="en-US" sz="2000" b="0" i="0" u="none" strike="noStrike" cap="none" normalizeH="0" baseline="0" dirty="0" err="1">
+                <a:ln>
+                  <a:noFill/>
+                </a:ln>
+                <a:solidFill>
+                  <a:srgbClr val="B1B1B3"/>
+                </a:solidFill>
+                <a:effectLst/>
+                <a:latin typeface="var(--vscode-editor-font-family)"/>
+              </a:rPr>
+              <a:t>commitment_unit</a:t>
+            </a:r>
+            <a:r>
+              <a:rPr kumimoji="0" lang="en-US" altLang="en-US" sz="2000" b="0" i="0" u="none" strike="noStrike" cap="none" normalizeH="0" baseline="0" dirty="0">
+                <a:ln>
+                  <a:noFill/>
+                </a:ln>
+                <a:solidFill>
+                  <a:srgbClr val="B1B1B3"/>
+                </a:solidFill>
+                <a:effectLst/>
+                <a:latin typeface="var(--vscode-editor-font-family)"/>
+              </a:rPr>
+              <a:t>', '</a:t>
+            </a:r>
+            <a:r>
+              <a:rPr kumimoji="0" lang="en-US" altLang="en-US" sz="2000" b="0" i="0" u="none" strike="noStrike" cap="none" normalizeH="0" baseline="0" dirty="0" err="1">
+                <a:ln>
+                  <a:noFill/>
+                </a:ln>
+                <a:solidFill>
+                  <a:srgbClr val="B1B1B3"/>
+                </a:solidFill>
+                <a:effectLst/>
+                <a:latin typeface="var(--vscode-editor-font-family)"/>
+              </a:rPr>
+              <a:t>sentence_type</a:t>
+            </a:r>
+            <a:r>
+              <a:rPr kumimoji="0" lang="en-US" altLang="en-US" sz="2000" b="0" i="0" u="none" strike="noStrike" cap="none" normalizeH="0" baseline="0" dirty="0">
+                <a:ln>
+                  <a:noFill/>
+                </a:ln>
+                <a:solidFill>
+                  <a:srgbClr val="B1B1B3"/>
+                </a:solidFill>
+                <a:effectLst/>
+                <a:latin typeface="var(--vscode-editor-font-family)"/>
+              </a:rPr>
+              <a:t>', '</a:t>
+            </a:r>
+            <a:r>
+              <a:rPr kumimoji="0" lang="en-US" altLang="en-US" sz="2000" b="0" i="0" u="none" strike="noStrike" cap="none" normalizeH="0" baseline="0" dirty="0" err="1">
+                <a:ln>
+                  <a:noFill/>
+                </a:ln>
+                <a:solidFill>
+                  <a:srgbClr val="B1B1B3"/>
+                </a:solidFill>
+                <a:effectLst/>
+                <a:latin typeface="var(--vscode-editor-font-family)"/>
+              </a:rPr>
+              <a:t>date_year</a:t>
+            </a:r>
+            <a:r>
+              <a:rPr kumimoji="0" lang="en-US" altLang="en-US" sz="2000" b="0" i="0" u="none" strike="noStrike" cap="none" normalizeH="0" baseline="0" dirty="0">
+                <a:ln>
+                  <a:noFill/>
+                </a:ln>
+                <a:solidFill>
+                  <a:srgbClr val="B1B1B3"/>
+                </a:solidFill>
+                <a:effectLst/>
+                <a:latin typeface="var(--vscode-editor-font-family)"/>
+              </a:rPr>
+              <a:t>', 'month', 'year'],</a:t>
+            </a:r>
+            <a:r>
+              <a:rPr kumimoji="0" lang="en-US" altLang="en-US" sz="1600" b="0" i="0" u="none" strike="noStrike" cap="none" normalizeH="0" baseline="0" dirty="0">
+                <a:ln>
+                  <a:noFill/>
+                </a:ln>
+                <a:solidFill>
+                  <a:schemeClr val="tx1"/>
+                </a:solidFill>
+                <a:effectLst/>
+              </a:rPr>
+              <a:t> </a:t>
+            </a:r>
+            <a:endParaRPr kumimoji="0" lang="en-US" altLang="en-US" sz="4400" b="0" i="0" u="none" strike="noStrike" cap="none" normalizeH="0" baseline="0" dirty="0">
+              <a:ln>
+                <a:noFill/>
+              </a:ln>
+              <a:solidFill>
+                <a:schemeClr val="tx1"/>
+              </a:solidFill>
+              <a:effectLst/>
+              <a:latin typeface="Arial" panose="020B0604020202020204" pitchFamily="34" charset="0"/>
+            </a:endParaRPr>
+          </a:p>
+        </p:txBody>
+      </p:sp>
     </p:spTree>
     <p:extLst>
       <p:ext uri="{BB962C8B-B14F-4D97-AF65-F5344CB8AC3E}">
@@ -7054,6 +12734,620 @@
 </file>
 
 <file path=ppt/slides/slide3.xml><?xml version="1.0" encoding="utf-8"?>
+<p:sld xmlns:a="http://schemas.openxmlformats.org/drawingml/2006/main" xmlns:r="http://schemas.openxmlformats.org/officeDocument/2006/relationships" xmlns:p="http://schemas.openxmlformats.org/presentationml/2006/main">
+  <p:cSld>
+    <p:spTree>
+      <p:nvGrpSpPr>
+        <p:cNvPr id="1" name=""/>
+        <p:cNvGrpSpPr/>
+        <p:nvPr/>
+      </p:nvGrpSpPr>
+      <p:grpSpPr>
+        <a:xfrm>
+          <a:off x="0" y="0"/>
+          <a:ext cx="0" cy="0"/>
+          <a:chOff x="0" y="0"/>
+          <a:chExt cx="0" cy="0"/>
+        </a:xfrm>
+      </p:grpSpPr>
+      <p:graphicFrame>
+        <p:nvGraphicFramePr>
+          <p:cNvPr id="4" name="Diagram 3">
+            <a:extLst>
+              <a:ext uri="{FF2B5EF4-FFF2-40B4-BE49-F238E27FC236}">
+                <a16:creationId xmlns:a16="http://schemas.microsoft.com/office/drawing/2014/main" id="{589A43D4-32BB-4982-9A9D-2508F75E15FC}"/>
+              </a:ext>
+            </a:extLst>
+          </p:cNvPr>
+          <p:cNvGraphicFramePr/>
+          <p:nvPr>
+            <p:extLst>
+              <p:ext uri="{D42A27DB-BD31-4B8C-83A1-F6EECF244321}">
+                <p14:modId xmlns:p14="http://schemas.microsoft.com/office/powerpoint/2010/main" val="2130836575"/>
+              </p:ext>
+            </p:extLst>
+          </p:nvPr>
+        </p:nvGraphicFramePr>
+        <p:xfrm>
+          <a:off x="2032000" y="719666"/>
+          <a:ext cx="8128000" cy="5418667"/>
+        </p:xfrm>
+        <a:graphic>
+          <a:graphicData uri="http://schemas.openxmlformats.org/drawingml/2006/diagram">
+            <dgm:relIds xmlns:dgm="http://schemas.openxmlformats.org/drawingml/2006/diagram" xmlns:r="http://schemas.openxmlformats.org/officeDocument/2006/relationships" r:dm="rId2" r:lo="rId3" r:qs="rId4" r:cs="rId5"/>
+          </a:graphicData>
+        </a:graphic>
+      </p:graphicFrame>
+      <p:sp>
+        <p:nvSpPr>
+          <p:cNvPr id="5" name="Rectangle 1">
+            <a:extLst>
+              <a:ext uri="{FF2B5EF4-FFF2-40B4-BE49-F238E27FC236}">
+                <a16:creationId xmlns:a16="http://schemas.microsoft.com/office/drawing/2014/main" id="{E3934167-CF2A-49D5-BC4D-E37624B0818B}"/>
+              </a:ext>
+            </a:extLst>
+          </p:cNvPr>
+          <p:cNvSpPr>
+            <a:spLocks noChangeArrowheads="1"/>
+          </p:cNvSpPr>
+          <p:nvPr/>
+        </p:nvSpPr>
+        <p:spPr bwMode="auto">
+          <a:xfrm>
+            <a:off x="2032000" y="112401"/>
+            <a:ext cx="7902430" cy="1938992"/>
+          </a:xfrm>
+          <a:prstGeom prst="rect">
+            <a:avLst/>
+          </a:prstGeom>
+          <a:solidFill>
+            <a:srgbClr val="2A2A2E"/>
+          </a:solidFill>
+          <a:ln>
+            <a:noFill/>
+          </a:ln>
+          <a:effectLst/>
+          <a:extLst>
+            <a:ext uri="{91240B29-F687-4F45-9708-019B960494DF}">
+              <a14:hiddenLine xmlns:a14="http://schemas.microsoft.com/office/drawing/2010/main" w="9525">
+                <a:solidFill>
+                  <a:schemeClr val="tx1"/>
+                </a:solidFill>
+                <a:miter lim="800000"/>
+                <a:headEnd/>
+                <a:tailEnd/>
+              </a14:hiddenLine>
+            </a:ext>
+            <a:ext uri="{AF507438-7753-43E0-B8FC-AC1667EBCBE1}">
+              <a14:hiddenEffects xmlns:a14="http://schemas.microsoft.com/office/drawing/2010/main">
+                <a:effectLst>
+                  <a:outerShdw dist="35921" dir="2700000" algn="ctr" rotWithShape="0">
+                    <a:schemeClr val="bg2"/>
+                  </a:outerShdw>
+                </a:effectLst>
+              </a14:hiddenEffects>
+            </a:ext>
+          </a:extLst>
+        </p:spPr>
+        <p:txBody>
+          <a:bodyPr vert="horz" wrap="square" lIns="91440" tIns="45720" rIns="91440" bIns="45720" numCol="1" anchor="ctr" anchorCtr="0" compatLnSpc="1">
+            <a:prstTxWarp prst="textNoShape">
+              <a:avLst/>
+            </a:prstTxWarp>
+            <a:spAutoFit/>
+          </a:bodyPr>
+          <a:lstStyle/>
+          <a:p>
+            <a:pPr marL="0" marR="0" lvl="0" indent="0" algn="l" defTabSz="914400" rtl="0" eaLnBrk="0" fontAlgn="base" latinLnBrk="0" hangingPunct="0">
+              <a:lnSpc>
+                <a:spcPct val="100000"/>
+              </a:lnSpc>
+              <a:spcBef>
+                <a:spcPct val="0"/>
+              </a:spcBef>
+              <a:spcAft>
+                <a:spcPct val="0"/>
+              </a:spcAft>
+              <a:buClrTx/>
+              <a:buSzTx/>
+              <a:buFontTx/>
+              <a:buNone/>
+              <a:tabLst/>
+            </a:pPr>
+            <a:r>
+              <a:rPr kumimoji="0" lang="en-US" altLang="en-US" sz="2000" b="0" i="0" u="none" strike="noStrike" cap="none" normalizeH="0" baseline="0" dirty="0">
+                <a:ln>
+                  <a:noFill/>
+                </a:ln>
+                <a:solidFill>
+                  <a:srgbClr val="B1B1B3"/>
+                </a:solidFill>
+                <a:effectLst/>
+                <a:latin typeface="var(--vscode-editor-font-family)"/>
+              </a:rPr>
+              <a:t>Index(['</a:t>
+            </a:r>
+            <a:r>
+              <a:rPr kumimoji="0" lang="en-US" altLang="en-US" sz="2000" b="0" i="0" u="none" strike="noStrike" cap="none" normalizeH="0" baseline="0" dirty="0" err="1">
+                <a:ln>
+                  <a:noFill/>
+                </a:ln>
+                <a:solidFill>
+                  <a:srgbClr val="B1B1B3"/>
+                </a:solidFill>
+                <a:effectLst/>
+                <a:latin typeface="var(--vscode-editor-font-family)"/>
+              </a:rPr>
+              <a:t>case_id</a:t>
+            </a:r>
+            <a:r>
+              <a:rPr kumimoji="0" lang="en-US" altLang="en-US" sz="2000" b="0" i="0" u="none" strike="noStrike" cap="none" normalizeH="0" baseline="0" dirty="0">
+                <a:ln>
+                  <a:noFill/>
+                </a:ln>
+                <a:solidFill>
+                  <a:srgbClr val="B1B1B3"/>
+                </a:solidFill>
+                <a:effectLst/>
+                <a:latin typeface="var(--vscode-editor-font-family)"/>
+              </a:rPr>
+              <a:t>', '</a:t>
+            </a:r>
+            <a:r>
+              <a:rPr kumimoji="0" lang="en-US" altLang="en-US" sz="2000" b="0" i="0" u="none" strike="noStrike" cap="none" normalizeH="0" baseline="0" dirty="0" err="1">
+                <a:ln>
+                  <a:noFill/>
+                </a:ln>
+                <a:solidFill>
+                  <a:srgbClr val="B1B1B3"/>
+                </a:solidFill>
+                <a:effectLst/>
+                <a:latin typeface="var(--vscode-editor-font-family)"/>
+              </a:rPr>
+              <a:t>case_participant_id</a:t>
+            </a:r>
+            <a:r>
+              <a:rPr kumimoji="0" lang="en-US" altLang="en-US" sz="2000" b="0" i="0" u="none" strike="noStrike" cap="none" normalizeH="0" baseline="0" dirty="0">
+                <a:ln>
+                  <a:noFill/>
+                </a:ln>
+                <a:solidFill>
+                  <a:srgbClr val="B1B1B3"/>
+                </a:solidFill>
+                <a:effectLst/>
+                <a:latin typeface="var(--vscode-editor-font-family)"/>
+              </a:rPr>
+              <a:t>', '</a:t>
+            </a:r>
+            <a:r>
+              <a:rPr kumimoji="0" lang="en-US" altLang="en-US" sz="2000" b="0" i="0" u="none" strike="noStrike" cap="none" normalizeH="0" baseline="0" dirty="0" err="1">
+                <a:ln>
+                  <a:noFill/>
+                </a:ln>
+                <a:solidFill>
+                  <a:srgbClr val="B1B1B3"/>
+                </a:solidFill>
+                <a:effectLst/>
+                <a:latin typeface="var(--vscode-editor-font-family)"/>
+              </a:rPr>
+              <a:t>charge_id</a:t>
+            </a:r>
+            <a:r>
+              <a:rPr kumimoji="0" lang="en-US" altLang="en-US" sz="2000" b="0" i="0" u="none" strike="noStrike" cap="none" normalizeH="0" baseline="0" dirty="0">
+                <a:ln>
+                  <a:noFill/>
+                </a:ln>
+                <a:solidFill>
+                  <a:srgbClr val="B1B1B3"/>
+                </a:solidFill>
+                <a:effectLst/>
+                <a:latin typeface="var(--vscode-editor-font-family)"/>
+              </a:rPr>
+              <a:t>', '</a:t>
+            </a:r>
+            <a:r>
+              <a:rPr kumimoji="0" lang="en-US" altLang="en-US" sz="2000" b="0" i="0" u="none" strike="noStrike" cap="none" normalizeH="0" baseline="0" dirty="0" err="1">
+                <a:ln>
+                  <a:noFill/>
+                </a:ln>
+                <a:solidFill>
+                  <a:srgbClr val="B1B1B3"/>
+                </a:solidFill>
+                <a:effectLst/>
+                <a:latin typeface="var(--vscode-editor-font-family)"/>
+              </a:rPr>
+              <a:t>charge_version_id</a:t>
+            </a:r>
+            <a:r>
+              <a:rPr kumimoji="0" lang="en-US" altLang="en-US" sz="2000" b="0" i="0" u="none" strike="noStrike" cap="none" normalizeH="0" baseline="0" dirty="0">
+                <a:ln>
+                  <a:noFill/>
+                </a:ln>
+                <a:solidFill>
+                  <a:srgbClr val="B1B1B3"/>
+                </a:solidFill>
+                <a:effectLst/>
+                <a:latin typeface="var(--vscode-editor-font-family)"/>
+              </a:rPr>
+              <a:t>', '</a:t>
+            </a:r>
+            <a:r>
+              <a:rPr kumimoji="0" lang="en-US" altLang="en-US" sz="2000" b="0" i="0" u="none" strike="noStrike" cap="none" normalizeH="0" baseline="0" dirty="0" err="1">
+                <a:ln>
+                  <a:noFill/>
+                </a:ln>
+                <a:solidFill>
+                  <a:srgbClr val="B1B1B3"/>
+                </a:solidFill>
+                <a:effectLst/>
+                <a:latin typeface="var(--vscode-editor-font-family)"/>
+              </a:rPr>
+              <a:t>court_facility</a:t>
+            </a:r>
+            <a:r>
+              <a:rPr kumimoji="0" lang="en-US" altLang="en-US" sz="2000" b="0" i="0" u="none" strike="noStrike" cap="none" normalizeH="0" baseline="0" dirty="0">
+                <a:ln>
+                  <a:noFill/>
+                </a:ln>
+                <a:solidFill>
+                  <a:srgbClr val="B1B1B3"/>
+                </a:solidFill>
+                <a:effectLst/>
+                <a:latin typeface="var(--vscode-editor-font-family)"/>
+              </a:rPr>
+              <a:t>', '</a:t>
+            </a:r>
+            <a:r>
+              <a:rPr kumimoji="0" lang="en-US" altLang="en-US" sz="2000" b="0" i="0" u="none" strike="noStrike" cap="none" normalizeH="0" baseline="0" dirty="0" err="1">
+                <a:ln>
+                  <a:noFill/>
+                </a:ln>
+                <a:solidFill>
+                  <a:srgbClr val="B1B1B3"/>
+                </a:solidFill>
+                <a:effectLst/>
+                <a:latin typeface="var(--vscode-editor-font-family)"/>
+              </a:rPr>
+              <a:t>court_name</a:t>
+            </a:r>
+            <a:r>
+              <a:rPr kumimoji="0" lang="en-US" altLang="en-US" sz="2000" b="0" i="0" u="none" strike="noStrike" cap="none" normalizeH="0" baseline="0" dirty="0">
+                <a:ln>
+                  <a:noFill/>
+                </a:ln>
+                <a:solidFill>
+                  <a:srgbClr val="B1B1B3"/>
+                </a:solidFill>
+                <a:effectLst/>
+                <a:latin typeface="var(--vscode-editor-font-family)"/>
+              </a:rPr>
+              <a:t>', '</a:t>
+            </a:r>
+            <a:r>
+              <a:rPr kumimoji="0" lang="en-US" altLang="en-US" sz="2000" b="0" i="0" u="none" strike="noStrike" cap="none" normalizeH="0" baseline="0" dirty="0" err="1">
+                <a:ln>
+                  <a:noFill/>
+                </a:ln>
+                <a:solidFill>
+                  <a:srgbClr val="B1B1B3"/>
+                </a:solidFill>
+                <a:effectLst/>
+                <a:latin typeface="var(--vscode-editor-font-family)"/>
+              </a:rPr>
+              <a:t>age_at_incident</a:t>
+            </a:r>
+            <a:r>
+              <a:rPr kumimoji="0" lang="en-US" altLang="en-US" sz="2000" b="0" i="0" u="none" strike="noStrike" cap="none" normalizeH="0" baseline="0" dirty="0">
+                <a:ln>
+                  <a:noFill/>
+                </a:ln>
+                <a:solidFill>
+                  <a:srgbClr val="B1B1B3"/>
+                </a:solidFill>
+                <a:effectLst/>
+                <a:latin typeface="var(--vscode-editor-font-family)"/>
+              </a:rPr>
+              <a:t>', 'gender', 'race', '</a:t>
+            </a:r>
+            <a:r>
+              <a:rPr kumimoji="0" lang="en-US" altLang="en-US" sz="2000" b="0" i="0" u="none" strike="noStrike" cap="none" normalizeH="0" baseline="0" dirty="0" err="1">
+                <a:ln>
+                  <a:noFill/>
+                </a:ln>
+                <a:solidFill>
+                  <a:srgbClr val="B1B1B3"/>
+                </a:solidFill>
+                <a:effectLst/>
+                <a:latin typeface="var(--vscode-editor-font-family)"/>
+              </a:rPr>
+              <a:t>charge_disposition</a:t>
+            </a:r>
+            <a:r>
+              <a:rPr kumimoji="0" lang="en-US" altLang="en-US" sz="2000" b="0" i="0" u="none" strike="noStrike" cap="none" normalizeH="0" baseline="0" dirty="0">
+                <a:ln>
+                  <a:noFill/>
+                </a:ln>
+                <a:solidFill>
+                  <a:srgbClr val="B1B1B3"/>
+                </a:solidFill>
+                <a:effectLst/>
+                <a:latin typeface="var(--vscode-editor-font-family)"/>
+              </a:rPr>
+              <a:t>', '</a:t>
+            </a:r>
+            <a:r>
+              <a:rPr kumimoji="0" lang="en-US" altLang="en-US" sz="2000" b="0" i="0" u="none" strike="noStrike" cap="none" normalizeH="0" baseline="0" dirty="0" err="1">
+                <a:ln>
+                  <a:noFill/>
+                </a:ln>
+                <a:solidFill>
+                  <a:srgbClr val="B1B1B3"/>
+                </a:solidFill>
+                <a:effectLst/>
+                <a:latin typeface="var(--vscode-editor-font-family)"/>
+              </a:rPr>
+              <a:t>length_of_case_in_days</a:t>
+            </a:r>
+            <a:r>
+              <a:rPr kumimoji="0" lang="en-US" altLang="en-US" sz="2000" b="0" i="0" u="none" strike="noStrike" cap="none" normalizeH="0" baseline="0" dirty="0">
+                <a:ln>
+                  <a:noFill/>
+                </a:ln>
+                <a:solidFill>
+                  <a:srgbClr val="B1B1B3"/>
+                </a:solidFill>
+                <a:effectLst/>
+                <a:latin typeface="var(--vscode-editor-font-family)"/>
+              </a:rPr>
+              <a:t>', '</a:t>
+            </a:r>
+            <a:r>
+              <a:rPr kumimoji="0" lang="en-US" altLang="en-US" sz="2000" b="0" i="0" u="none" strike="noStrike" cap="none" normalizeH="0" baseline="0" dirty="0" err="1">
+                <a:ln>
+                  <a:noFill/>
+                </a:ln>
+                <a:solidFill>
+                  <a:srgbClr val="B1B1B3"/>
+                </a:solidFill>
+                <a:effectLst/>
+                <a:latin typeface="var(--vscode-editor-font-family)"/>
+              </a:rPr>
+              <a:t>current_sentence</a:t>
+            </a:r>
+            <a:r>
+              <a:rPr kumimoji="0" lang="en-US" altLang="en-US" sz="2000" b="0" i="0" u="none" strike="noStrike" cap="none" normalizeH="0" baseline="0" dirty="0">
+                <a:ln>
+                  <a:noFill/>
+                </a:ln>
+                <a:solidFill>
+                  <a:srgbClr val="B1B1B3"/>
+                </a:solidFill>
+                <a:effectLst/>
+                <a:latin typeface="var(--vscode-editor-font-family)"/>
+              </a:rPr>
+              <a:t>', '</a:t>
+            </a:r>
+            <a:r>
+              <a:rPr kumimoji="0" lang="en-US" altLang="en-US" sz="2000" b="0" i="0" u="none" strike="noStrike" cap="none" normalizeH="0" baseline="0" dirty="0" err="1">
+                <a:ln>
+                  <a:noFill/>
+                </a:ln>
+                <a:solidFill>
+                  <a:srgbClr val="B1B1B3"/>
+                </a:solidFill>
+                <a:effectLst/>
+                <a:latin typeface="var(--vscode-editor-font-family)"/>
+              </a:rPr>
+              <a:t>primary_charge</a:t>
+            </a:r>
+            <a:r>
+              <a:rPr kumimoji="0" lang="en-US" altLang="en-US" sz="2000" b="0" i="0" u="none" strike="noStrike" cap="none" normalizeH="0" baseline="0" dirty="0">
+                <a:ln>
+                  <a:noFill/>
+                </a:ln>
+                <a:solidFill>
+                  <a:srgbClr val="B1B1B3"/>
+                </a:solidFill>
+                <a:effectLst/>
+                <a:latin typeface="var(--vscode-editor-font-family)"/>
+              </a:rPr>
+              <a:t>', '</a:t>
+            </a:r>
+            <a:r>
+              <a:rPr kumimoji="0" lang="en-US" altLang="en-US" sz="2000" b="0" i="0" u="none" strike="noStrike" cap="none" normalizeH="0" baseline="0" dirty="0" err="1">
+                <a:ln>
+                  <a:noFill/>
+                </a:ln>
+                <a:solidFill>
+                  <a:srgbClr val="B1B1B3"/>
+                </a:solidFill>
+                <a:effectLst/>
+                <a:latin typeface="var(--vscode-editor-font-family)"/>
+              </a:rPr>
+              <a:t>sentence_date</a:t>
+            </a:r>
+            <a:r>
+              <a:rPr kumimoji="0" lang="en-US" altLang="en-US" sz="2000" b="0" i="0" u="none" strike="noStrike" cap="none" normalizeH="0" baseline="0" dirty="0">
+                <a:ln>
+                  <a:noFill/>
+                </a:ln>
+                <a:solidFill>
+                  <a:srgbClr val="B1B1B3"/>
+                </a:solidFill>
+                <a:effectLst/>
+                <a:latin typeface="var(--vscode-editor-font-family)"/>
+              </a:rPr>
+              <a:t>', '</a:t>
+            </a:r>
+            <a:r>
+              <a:rPr kumimoji="0" lang="en-US" altLang="en-US" sz="2000" b="0" i="0" u="none" strike="noStrike" cap="none" normalizeH="0" baseline="0" dirty="0" err="1">
+                <a:ln>
+                  <a:noFill/>
+                </a:ln>
+                <a:solidFill>
+                  <a:srgbClr val="B1B1B3"/>
+                </a:solidFill>
+                <a:effectLst/>
+                <a:latin typeface="var(--vscode-editor-font-family)"/>
+              </a:rPr>
+              <a:t>offense_category</a:t>
+            </a:r>
+            <a:r>
+              <a:rPr kumimoji="0" lang="en-US" altLang="en-US" sz="2000" b="0" i="0" u="none" strike="noStrike" cap="none" normalizeH="0" baseline="0" dirty="0">
+                <a:ln>
+                  <a:noFill/>
+                </a:ln>
+                <a:solidFill>
+                  <a:srgbClr val="B1B1B3"/>
+                </a:solidFill>
+                <a:effectLst/>
+                <a:latin typeface="var(--vscode-editor-font-family)"/>
+              </a:rPr>
+              <a:t>', '</a:t>
+            </a:r>
+            <a:r>
+              <a:rPr kumimoji="0" lang="en-US" altLang="en-US" sz="2000" b="0" i="0" u="none" strike="noStrike" cap="none" normalizeH="0" baseline="0" dirty="0" err="1">
+                <a:ln>
+                  <a:noFill/>
+                </a:ln>
+                <a:solidFill>
+                  <a:srgbClr val="B1B1B3"/>
+                </a:solidFill>
+                <a:effectLst/>
+                <a:latin typeface="var(--vscode-editor-font-family)"/>
+              </a:rPr>
+              <a:t>commitment_term</a:t>
+            </a:r>
+            <a:r>
+              <a:rPr kumimoji="0" lang="en-US" altLang="en-US" sz="2000" b="0" i="0" u="none" strike="noStrike" cap="none" normalizeH="0" baseline="0" dirty="0">
+                <a:ln>
+                  <a:noFill/>
+                </a:ln>
+                <a:solidFill>
+                  <a:srgbClr val="B1B1B3"/>
+                </a:solidFill>
+                <a:effectLst/>
+                <a:latin typeface="var(--vscode-editor-font-family)"/>
+              </a:rPr>
+              <a:t>', '</a:t>
+            </a:r>
+            <a:r>
+              <a:rPr kumimoji="0" lang="en-US" altLang="en-US" sz="2000" b="0" i="0" u="none" strike="noStrike" cap="none" normalizeH="0" baseline="0" dirty="0" err="1">
+                <a:ln>
+                  <a:noFill/>
+                </a:ln>
+                <a:solidFill>
+                  <a:srgbClr val="B1B1B3"/>
+                </a:solidFill>
+                <a:effectLst/>
+                <a:latin typeface="var(--vscode-editor-font-family)"/>
+              </a:rPr>
+              <a:t>commitment_unit</a:t>
+            </a:r>
+            <a:r>
+              <a:rPr kumimoji="0" lang="en-US" altLang="en-US" sz="2000" b="0" i="0" u="none" strike="noStrike" cap="none" normalizeH="0" baseline="0" dirty="0">
+                <a:ln>
+                  <a:noFill/>
+                </a:ln>
+                <a:solidFill>
+                  <a:srgbClr val="B1B1B3"/>
+                </a:solidFill>
+                <a:effectLst/>
+                <a:latin typeface="var(--vscode-editor-font-family)"/>
+              </a:rPr>
+              <a:t>', '</a:t>
+            </a:r>
+            <a:r>
+              <a:rPr kumimoji="0" lang="en-US" altLang="en-US" sz="2000" b="0" i="0" u="none" strike="noStrike" cap="none" normalizeH="0" baseline="0" dirty="0" err="1">
+                <a:ln>
+                  <a:noFill/>
+                </a:ln>
+                <a:solidFill>
+                  <a:srgbClr val="B1B1B3"/>
+                </a:solidFill>
+                <a:effectLst/>
+                <a:latin typeface="var(--vscode-editor-font-family)"/>
+              </a:rPr>
+              <a:t>sentence_type</a:t>
+            </a:r>
+            <a:r>
+              <a:rPr kumimoji="0" lang="en-US" altLang="en-US" sz="2000" b="0" i="0" u="none" strike="noStrike" cap="none" normalizeH="0" baseline="0" dirty="0">
+                <a:ln>
+                  <a:noFill/>
+                </a:ln>
+                <a:solidFill>
+                  <a:srgbClr val="B1B1B3"/>
+                </a:solidFill>
+                <a:effectLst/>
+                <a:latin typeface="var(--vscode-editor-font-family)"/>
+              </a:rPr>
+              <a:t>', '</a:t>
+            </a:r>
+            <a:r>
+              <a:rPr kumimoji="0" lang="en-US" altLang="en-US" sz="2000" b="0" i="0" u="none" strike="noStrike" cap="none" normalizeH="0" baseline="0" dirty="0" err="1">
+                <a:ln>
+                  <a:noFill/>
+                </a:ln>
+                <a:solidFill>
+                  <a:srgbClr val="B1B1B3"/>
+                </a:solidFill>
+                <a:effectLst/>
+                <a:latin typeface="var(--vscode-editor-font-family)"/>
+              </a:rPr>
+              <a:t>date_year</a:t>
+            </a:r>
+            <a:r>
+              <a:rPr kumimoji="0" lang="en-US" altLang="en-US" sz="2000" b="0" i="0" u="none" strike="noStrike" cap="none" normalizeH="0" baseline="0" dirty="0">
+                <a:ln>
+                  <a:noFill/>
+                </a:ln>
+                <a:solidFill>
+                  <a:srgbClr val="B1B1B3"/>
+                </a:solidFill>
+                <a:effectLst/>
+                <a:latin typeface="var(--vscode-editor-font-family)"/>
+              </a:rPr>
+              <a:t>', 'month', 'year'],</a:t>
+            </a:r>
+            <a:r>
+              <a:rPr kumimoji="0" lang="en-US" altLang="en-US" sz="1600" b="0" i="0" u="none" strike="noStrike" cap="none" normalizeH="0" baseline="0" dirty="0">
+                <a:ln>
+                  <a:noFill/>
+                </a:ln>
+                <a:solidFill>
+                  <a:schemeClr val="tx1"/>
+                </a:solidFill>
+                <a:effectLst/>
+              </a:rPr>
+              <a:t> </a:t>
+            </a:r>
+            <a:endParaRPr kumimoji="0" lang="en-US" altLang="en-US" sz="4400" b="0" i="0" u="none" strike="noStrike" cap="none" normalizeH="0" baseline="0" dirty="0">
+              <a:ln>
+                <a:noFill/>
+              </a:ln>
+              <a:solidFill>
+                <a:schemeClr val="tx1"/>
+              </a:solidFill>
+              <a:effectLst/>
+              <a:latin typeface="Arial" panose="020B0604020202020204" pitchFamily="34" charset="0"/>
+            </a:endParaRPr>
+          </a:p>
+        </p:txBody>
+      </p:sp>
+    </p:spTree>
+    <p:extLst>
+      <p:ext uri="{BB962C8B-B14F-4D97-AF65-F5344CB8AC3E}">
+        <p14:creationId xmlns:p14="http://schemas.microsoft.com/office/powerpoint/2010/main" val="1142112046"/>
+      </p:ext>
+    </p:extLst>
+  </p:cSld>
+  <p:clrMapOvr>
+    <a:masterClrMapping/>
+  </p:clrMapOvr>
+</p:sld>
+</file>
+
+<file path=ppt/slides/slide4.xml><?xml version="1.0" encoding="utf-8"?>
 <p:sld xmlns:a="http://schemas.openxmlformats.org/drawingml/2006/main" xmlns:r="http://schemas.openxmlformats.org/officeDocument/2006/relationships" xmlns:p="http://schemas.openxmlformats.org/presentationml/2006/main">
   <p:cSld>
     <p:spTree>
@@ -7466,7 +13760,7 @@
 </p:sld>
 </file>
 
-<file path=ppt/slides/slide4.xml><?xml version="1.0" encoding="utf-8"?>
+<file path=ppt/slides/slide5.xml><?xml version="1.0" encoding="utf-8"?>
 <p:sld xmlns:a="http://schemas.openxmlformats.org/drawingml/2006/main" xmlns:r="http://schemas.openxmlformats.org/officeDocument/2006/relationships" xmlns:p="http://schemas.openxmlformats.org/presentationml/2006/main">
   <p:cSld>
     <p:spTree>
@@ -7731,7 +14025,7 @@
 </p:sld>
 </file>
 
-<file path=ppt/slides/slide5.xml><?xml version="1.0" encoding="utf-8"?>
+<file path=ppt/slides/slide6.xml><?xml version="1.0" encoding="utf-8"?>
 <p:sld xmlns:a="http://schemas.openxmlformats.org/drawingml/2006/main" xmlns:r="http://schemas.openxmlformats.org/officeDocument/2006/relationships" xmlns:p="http://schemas.openxmlformats.org/presentationml/2006/main">
   <p:cSld>
     <p:spTree>
@@ -8182,7 +14476,7 @@
 </p:sld>
 </file>
 
-<file path=ppt/slides/slide6.xml><?xml version="1.0" encoding="utf-8"?>
+<file path=ppt/slides/slide7.xml><?xml version="1.0" encoding="utf-8"?>
 <p:sld xmlns:a="http://schemas.openxmlformats.org/drawingml/2006/main" xmlns:r="http://schemas.openxmlformats.org/officeDocument/2006/relationships" xmlns:p="http://schemas.openxmlformats.org/presentationml/2006/main">
   <p:cSld>
     <p:spTree>
